--- a/thesis/v0.3/figures/drawings.pptx
+++ b/thesis/v0.3/figures/drawings.pptx
@@ -4,11 +4,19 @@
   <p:sldMasterIdLst>
     <p:sldMasterId id="2147483648" r:id="rId1"/>
   </p:sldMasterIdLst>
+  <p:notesMasterIdLst>
+    <p:notesMasterId r:id="rId11"/>
+  </p:notesMasterIdLst>
   <p:sldIdLst>
     <p:sldId id="256" r:id="rId2"/>
     <p:sldId id="257" r:id="rId3"/>
     <p:sldId id="259" r:id="rId4"/>
     <p:sldId id="258" r:id="rId5"/>
+    <p:sldId id="260" r:id="rId6"/>
+    <p:sldId id="261" r:id="rId7"/>
+    <p:sldId id="262" r:id="rId8"/>
+    <p:sldId id="263" r:id="rId9"/>
+    <p:sldId id="264" r:id="rId10"/>
   </p:sldIdLst>
   <p:sldSz cx="12192000" cy="6858000"/>
   <p:notesSz cx="6858000" cy="9144000"/>
@@ -118,7 +126,7 @@
 <file path=ppt/revisionInfo.xml><?xml version="1.0" encoding="utf-8"?>
 <p1510:revInfo xmlns:a="http://schemas.openxmlformats.org/drawingml/2006/main" xmlns:r="http://schemas.openxmlformats.org/officeDocument/2006/relationships" xmlns:p1510="http://schemas.microsoft.com/office/powerpoint/2015/10/main">
   <p1510:revLst>
-    <p1510:client id="{306D005C-1895-4652-ACB2-3481122FC551}" v="92" dt="2023-08-24T08:35:21.170"/>
+    <p1510:client id="{8F46019D-248D-48EE-8955-6019E00368B9}" v="114" dt="2023-08-28T22:31:54.757"/>
   </p1510:revLst>
 </p1510:revInfo>
 </file>
@@ -1722,7 +1730,1824 @@
       </pc:sldChg>
     </pc:docChg>
   </pc:docChgLst>
+  <pc:docChgLst>
+    <pc:chgData name="苑 润泽" userId="0783eeab76cf4181" providerId="LiveId" clId="{8F46019D-248D-48EE-8955-6019E00368B9}"/>
+    <pc:docChg chg="undo custSel addSld modSld sldOrd">
+      <pc:chgData name="苑 润泽" userId="0783eeab76cf4181" providerId="LiveId" clId="{8F46019D-248D-48EE-8955-6019E00368B9}" dt="2023-08-28T22:32:32.239" v="2288" actId="20577"/>
+      <pc:docMkLst>
+        <pc:docMk/>
+      </pc:docMkLst>
+      <pc:sldChg chg="addSp delSp modSp add mod">
+        <pc:chgData name="苑 润泽" userId="0783eeab76cf4181" providerId="LiveId" clId="{8F46019D-248D-48EE-8955-6019E00368B9}" dt="2023-08-28T09:49:00.562" v="219" actId="1076"/>
+        <pc:sldMkLst>
+          <pc:docMk/>
+          <pc:sldMk cId="3976936306" sldId="260"/>
+        </pc:sldMkLst>
+        <pc:spChg chg="del">
+          <ac:chgData name="苑 润泽" userId="0783eeab76cf4181" providerId="LiveId" clId="{8F46019D-248D-48EE-8955-6019E00368B9}" dt="2023-08-28T09:38:43.949" v="1" actId="478"/>
+          <ac:spMkLst>
+            <pc:docMk/>
+            <pc:sldMk cId="3976936306" sldId="260"/>
+            <ac:spMk id="11" creationId="{4E1E9844-BEC9-324F-37BB-EF9EF51121D6}"/>
+          </ac:spMkLst>
+        </pc:spChg>
+        <pc:spChg chg="del">
+          <ac:chgData name="苑 润泽" userId="0783eeab76cf4181" providerId="LiveId" clId="{8F46019D-248D-48EE-8955-6019E00368B9}" dt="2023-08-28T09:38:43.949" v="1" actId="478"/>
+          <ac:spMkLst>
+            <pc:docMk/>
+            <pc:sldMk cId="3976936306" sldId="260"/>
+            <ac:spMk id="14" creationId="{737D457B-8226-E166-DEFB-9FEAADFAF5DF}"/>
+          </ac:spMkLst>
+        </pc:spChg>
+        <pc:spChg chg="del">
+          <ac:chgData name="苑 润泽" userId="0783eeab76cf4181" providerId="LiveId" clId="{8F46019D-248D-48EE-8955-6019E00368B9}" dt="2023-08-28T09:38:43.949" v="1" actId="478"/>
+          <ac:spMkLst>
+            <pc:docMk/>
+            <pc:sldMk cId="3976936306" sldId="260"/>
+            <ac:spMk id="45" creationId="{BC03A7CA-DBAB-CA02-ED79-7E74DFF5CD53}"/>
+          </ac:spMkLst>
+        </pc:spChg>
+        <pc:spChg chg="del">
+          <ac:chgData name="苑 润泽" userId="0783eeab76cf4181" providerId="LiveId" clId="{8F46019D-248D-48EE-8955-6019E00368B9}" dt="2023-08-28T09:38:43.949" v="1" actId="478"/>
+          <ac:spMkLst>
+            <pc:docMk/>
+            <pc:sldMk cId="3976936306" sldId="260"/>
+            <ac:spMk id="49" creationId="{08EC93A9-6E2D-4309-BDBF-D398051BA705}"/>
+          </ac:spMkLst>
+        </pc:spChg>
+        <pc:spChg chg="add mod">
+          <ac:chgData name="苑 润泽" userId="0783eeab76cf4181" providerId="LiveId" clId="{8F46019D-248D-48EE-8955-6019E00368B9}" dt="2023-08-28T09:46:23.964" v="75" actId="692"/>
+          <ac:spMkLst>
+            <pc:docMk/>
+            <pc:sldMk cId="3976936306" sldId="260"/>
+            <ac:spMk id="53" creationId="{E43FBB95-BCAE-956B-9A8E-04E673B49C87}"/>
+          </ac:spMkLst>
+        </pc:spChg>
+        <pc:spChg chg="add mod">
+          <ac:chgData name="苑 润泽" userId="0783eeab76cf4181" providerId="LiveId" clId="{8F46019D-248D-48EE-8955-6019E00368B9}" dt="2023-08-28T09:44:12.547" v="58" actId="1076"/>
+          <ac:spMkLst>
+            <pc:docMk/>
+            <pc:sldMk cId="3976936306" sldId="260"/>
+            <ac:spMk id="54" creationId="{C075AB28-552C-D22F-7385-E3CE498AD1C7}"/>
+          </ac:spMkLst>
+        </pc:spChg>
+        <pc:spChg chg="add mod">
+          <ac:chgData name="苑 润泽" userId="0783eeab76cf4181" providerId="LiveId" clId="{8F46019D-248D-48EE-8955-6019E00368B9}" dt="2023-08-28T09:46:28.528" v="76" actId="113"/>
+          <ac:spMkLst>
+            <pc:docMk/>
+            <pc:sldMk cId="3976936306" sldId="260"/>
+            <ac:spMk id="56" creationId="{3DA5C2AA-BE32-9B0E-9229-9B1C0062E2D9}"/>
+          </ac:spMkLst>
+        </pc:spChg>
+        <pc:spChg chg="add mod">
+          <ac:chgData name="苑 润泽" userId="0783eeab76cf4181" providerId="LiveId" clId="{8F46019D-248D-48EE-8955-6019E00368B9}" dt="2023-08-28T09:49:00.562" v="219" actId="1076"/>
+          <ac:spMkLst>
+            <pc:docMk/>
+            <pc:sldMk cId="3976936306" sldId="260"/>
+            <ac:spMk id="61" creationId="{2DA2EE9C-81B2-9BF4-9023-420DB813E716}"/>
+          </ac:spMkLst>
+        </pc:spChg>
+        <pc:spChg chg="del">
+          <ac:chgData name="苑 润泽" userId="0783eeab76cf4181" providerId="LiveId" clId="{8F46019D-248D-48EE-8955-6019E00368B9}" dt="2023-08-28T09:38:43.949" v="1" actId="478"/>
+          <ac:spMkLst>
+            <pc:docMk/>
+            <pc:sldMk cId="3976936306" sldId="260"/>
+            <ac:spMk id="69" creationId="{DCE55565-33BC-D633-3E90-B88BEAE6317F}"/>
+          </ac:spMkLst>
+        </pc:spChg>
+        <pc:spChg chg="del">
+          <ac:chgData name="苑 润泽" userId="0783eeab76cf4181" providerId="LiveId" clId="{8F46019D-248D-48EE-8955-6019E00368B9}" dt="2023-08-28T09:38:43.949" v="1" actId="478"/>
+          <ac:spMkLst>
+            <pc:docMk/>
+            <pc:sldMk cId="3976936306" sldId="260"/>
+            <ac:spMk id="79" creationId="{8901BE9E-CCE1-8BFE-D653-C27FFD0D4FEE}"/>
+          </ac:spMkLst>
+        </pc:spChg>
+        <pc:spChg chg="del">
+          <ac:chgData name="苑 润泽" userId="0783eeab76cf4181" providerId="LiveId" clId="{8F46019D-248D-48EE-8955-6019E00368B9}" dt="2023-08-28T09:38:43.949" v="1" actId="478"/>
+          <ac:spMkLst>
+            <pc:docMk/>
+            <pc:sldMk cId="3976936306" sldId="260"/>
+            <ac:spMk id="85" creationId="{2199B75E-9299-194A-E12B-0C74CBD90637}"/>
+          </ac:spMkLst>
+        </pc:spChg>
+        <pc:grpChg chg="add mod">
+          <ac:chgData name="苑 润泽" userId="0783eeab76cf4181" providerId="LiveId" clId="{8F46019D-248D-48EE-8955-6019E00368B9}" dt="2023-08-28T09:41:12.048" v="17" actId="164"/>
+          <ac:grpSpMkLst>
+            <pc:docMk/>
+            <pc:sldMk cId="3976936306" sldId="260"/>
+            <ac:grpSpMk id="9" creationId="{B5B46E01-D713-A78A-CAE4-F6214AE5D27E}"/>
+          </ac:grpSpMkLst>
+        </pc:grpChg>
+        <pc:grpChg chg="add mod">
+          <ac:chgData name="苑 润泽" userId="0783eeab76cf4181" providerId="LiveId" clId="{8F46019D-248D-48EE-8955-6019E00368B9}" dt="2023-08-28T09:41:12.048" v="17" actId="164"/>
+          <ac:grpSpMkLst>
+            <pc:docMk/>
+            <pc:sldMk cId="3976936306" sldId="260"/>
+            <ac:grpSpMk id="10" creationId="{F8375F45-7584-2F7D-3D0A-EBEE2FDB53DE}"/>
+          </ac:grpSpMkLst>
+        </pc:grpChg>
+        <pc:grpChg chg="add mod">
+          <ac:chgData name="苑 润泽" userId="0783eeab76cf4181" providerId="LiveId" clId="{8F46019D-248D-48EE-8955-6019E00368B9}" dt="2023-08-28T09:41:14.381" v="18" actId="1076"/>
+          <ac:grpSpMkLst>
+            <pc:docMk/>
+            <pc:sldMk cId="3976936306" sldId="260"/>
+            <ac:grpSpMk id="15" creationId="{A39B2E65-8A1C-BA89-DC63-8B4B4656D1F5}"/>
+          </ac:grpSpMkLst>
+        </pc:grpChg>
+        <pc:grpChg chg="add mod">
+          <ac:chgData name="苑 润泽" userId="0783eeab76cf4181" providerId="LiveId" clId="{8F46019D-248D-48EE-8955-6019E00368B9}" dt="2023-08-28T09:42:28.655" v="30" actId="1076"/>
+          <ac:grpSpMkLst>
+            <pc:docMk/>
+            <pc:sldMk cId="3976936306" sldId="260"/>
+            <ac:grpSpMk id="16" creationId="{8FD2FACB-ED08-EE09-2FDA-8498A5C8138B}"/>
+          </ac:grpSpMkLst>
+        </pc:grpChg>
+        <pc:grpChg chg="mod">
+          <ac:chgData name="苑 润泽" userId="0783eeab76cf4181" providerId="LiveId" clId="{8F46019D-248D-48EE-8955-6019E00368B9}" dt="2023-08-28T09:41:16.041" v="19" actId="571"/>
+          <ac:grpSpMkLst>
+            <pc:docMk/>
+            <pc:sldMk cId="3976936306" sldId="260"/>
+            <ac:grpSpMk id="17" creationId="{0EC35AC2-51AA-97FB-40EA-035EA3237882}"/>
+          </ac:grpSpMkLst>
+        </pc:grpChg>
+        <pc:grpChg chg="mod">
+          <ac:chgData name="苑 润泽" userId="0783eeab76cf4181" providerId="LiveId" clId="{8F46019D-248D-48EE-8955-6019E00368B9}" dt="2023-08-28T09:41:16.041" v="19" actId="571"/>
+          <ac:grpSpMkLst>
+            <pc:docMk/>
+            <pc:sldMk cId="3976936306" sldId="260"/>
+            <ac:grpSpMk id="18" creationId="{18A7C93C-9E06-C99F-76EB-14EB3D9D8316}"/>
+          </ac:grpSpMkLst>
+        </pc:grpChg>
+        <pc:grpChg chg="add mod">
+          <ac:chgData name="苑 润泽" userId="0783eeab76cf4181" providerId="LiveId" clId="{8F46019D-248D-48EE-8955-6019E00368B9}" dt="2023-08-28T09:42:28.655" v="30" actId="1076"/>
+          <ac:grpSpMkLst>
+            <pc:docMk/>
+            <pc:sldMk cId="3976936306" sldId="260"/>
+            <ac:grpSpMk id="23" creationId="{94105B8C-CDAE-1D8C-ED3E-E4387B6597E6}"/>
+          </ac:grpSpMkLst>
+        </pc:grpChg>
+        <pc:grpChg chg="mod">
+          <ac:chgData name="苑 润泽" userId="0783eeab76cf4181" providerId="LiveId" clId="{8F46019D-248D-48EE-8955-6019E00368B9}" dt="2023-08-28T09:41:32.615" v="22" actId="571"/>
+          <ac:grpSpMkLst>
+            <pc:docMk/>
+            <pc:sldMk cId="3976936306" sldId="260"/>
+            <ac:grpSpMk id="24" creationId="{0358E003-B4D9-EE1C-8339-2B489CE90993}"/>
+          </ac:grpSpMkLst>
+        </pc:grpChg>
+        <pc:grpChg chg="del">
+          <ac:chgData name="苑 润泽" userId="0783eeab76cf4181" providerId="LiveId" clId="{8F46019D-248D-48EE-8955-6019E00368B9}" dt="2023-08-28T09:38:43.949" v="1" actId="478"/>
+          <ac:grpSpMkLst>
+            <pc:docMk/>
+            <pc:sldMk cId="3976936306" sldId="260"/>
+            <ac:grpSpMk id="28" creationId="{B056DE09-4336-8AC7-DBAE-43D8A4CFB24F}"/>
+          </ac:grpSpMkLst>
+        </pc:grpChg>
+        <pc:grpChg chg="mod">
+          <ac:chgData name="苑 润泽" userId="0783eeab76cf4181" providerId="LiveId" clId="{8F46019D-248D-48EE-8955-6019E00368B9}" dt="2023-08-28T09:41:32.615" v="22" actId="571"/>
+          <ac:grpSpMkLst>
+            <pc:docMk/>
+            <pc:sldMk cId="3976936306" sldId="260"/>
+            <ac:grpSpMk id="29" creationId="{41DD7049-C173-55C4-636F-649991680B9A}"/>
+          </ac:grpSpMkLst>
+        </pc:grpChg>
+        <pc:grpChg chg="add mod">
+          <ac:chgData name="苑 润泽" userId="0783eeab76cf4181" providerId="LiveId" clId="{8F46019D-248D-48EE-8955-6019E00368B9}" dt="2023-08-28T09:42:28.655" v="30" actId="1076"/>
+          <ac:grpSpMkLst>
+            <pc:docMk/>
+            <pc:sldMk cId="3976936306" sldId="260"/>
+            <ac:grpSpMk id="35" creationId="{EEE0F7AE-B7EE-4C79-1DED-E9443A74BE22}"/>
+          </ac:grpSpMkLst>
+        </pc:grpChg>
+        <pc:grpChg chg="mod">
+          <ac:chgData name="苑 润泽" userId="0783eeab76cf4181" providerId="LiveId" clId="{8F46019D-248D-48EE-8955-6019E00368B9}" dt="2023-08-28T09:41:37.876" v="23" actId="571"/>
+          <ac:grpSpMkLst>
+            <pc:docMk/>
+            <pc:sldMk cId="3976936306" sldId="260"/>
+            <ac:grpSpMk id="36" creationId="{7F4328F1-0812-CA37-1511-38018E48F0B7}"/>
+          </ac:grpSpMkLst>
+        </pc:grpChg>
+        <pc:grpChg chg="mod">
+          <ac:chgData name="苑 润泽" userId="0783eeab76cf4181" providerId="LiveId" clId="{8F46019D-248D-48EE-8955-6019E00368B9}" dt="2023-08-28T09:41:37.876" v="23" actId="571"/>
+          <ac:grpSpMkLst>
+            <pc:docMk/>
+            <pc:sldMk cId="3976936306" sldId="260"/>
+            <ac:grpSpMk id="37" creationId="{A06F1744-9B26-49BD-17A6-613DA968946B}"/>
+          </ac:grpSpMkLst>
+        </pc:grpChg>
+        <pc:grpChg chg="add del mod">
+          <ac:chgData name="苑 润泽" userId="0783eeab76cf4181" providerId="LiveId" clId="{8F46019D-248D-48EE-8955-6019E00368B9}" dt="2023-08-28T09:44:40.731" v="59" actId="478"/>
+          <ac:grpSpMkLst>
+            <pc:docMk/>
+            <pc:sldMk cId="3976936306" sldId="260"/>
+            <ac:grpSpMk id="42" creationId="{15A26620-C145-FEF1-6EF9-3D126613674D}"/>
+          </ac:grpSpMkLst>
+        </pc:grpChg>
+        <pc:grpChg chg="mod">
+          <ac:chgData name="苑 润泽" userId="0783eeab76cf4181" providerId="LiveId" clId="{8F46019D-248D-48EE-8955-6019E00368B9}" dt="2023-08-28T09:41:56.832" v="25" actId="571"/>
+          <ac:grpSpMkLst>
+            <pc:docMk/>
+            <pc:sldMk cId="3976936306" sldId="260"/>
+            <ac:grpSpMk id="43" creationId="{5104D168-DC9F-4360-D97E-A3E920E0D7E8}"/>
+          </ac:grpSpMkLst>
+        </pc:grpChg>
+        <pc:grpChg chg="mod">
+          <ac:chgData name="苑 润泽" userId="0783eeab76cf4181" providerId="LiveId" clId="{8F46019D-248D-48EE-8955-6019E00368B9}" dt="2023-08-28T09:41:56.832" v="25" actId="571"/>
+          <ac:grpSpMkLst>
+            <pc:docMk/>
+            <pc:sldMk cId="3976936306" sldId="260"/>
+            <ac:grpSpMk id="46" creationId="{E08ACAB3-DB85-8212-CF21-6C441F3AE1E9}"/>
+          </ac:grpSpMkLst>
+        </pc:grpChg>
+        <pc:cxnChg chg="add mod">
+          <ac:chgData name="苑 润泽" userId="0783eeab76cf4181" providerId="LiveId" clId="{8F46019D-248D-48EE-8955-6019E00368B9}" dt="2023-08-28T09:46:20.183" v="74" actId="692"/>
+          <ac:cxnSpMkLst>
+            <pc:docMk/>
+            <pc:sldMk cId="3976936306" sldId="260"/>
+            <ac:cxnSpMk id="3" creationId="{5EB4856B-ECE7-3D5C-A732-A4FF88E5803E}"/>
+          </ac:cxnSpMkLst>
+        </pc:cxnChg>
+        <pc:cxnChg chg="add del mod">
+          <ac:chgData name="苑 润泽" userId="0783eeab76cf4181" providerId="LiveId" clId="{8F46019D-248D-48EE-8955-6019E00368B9}" dt="2023-08-28T09:40:20.403" v="8" actId="478"/>
+          <ac:cxnSpMkLst>
+            <pc:docMk/>
+            <pc:sldMk cId="3976936306" sldId="260"/>
+            <ac:cxnSpMk id="4" creationId="{4C69EAFE-6323-680F-A7EB-501C1B843981}"/>
+          </ac:cxnSpMkLst>
+        </pc:cxnChg>
+        <pc:cxnChg chg="add mod">
+          <ac:chgData name="苑 润泽" userId="0783eeab76cf4181" providerId="LiveId" clId="{8F46019D-248D-48EE-8955-6019E00368B9}" dt="2023-08-28T09:46:20.183" v="74" actId="692"/>
+          <ac:cxnSpMkLst>
+            <pc:docMk/>
+            <pc:sldMk cId="3976936306" sldId="260"/>
+            <ac:cxnSpMk id="8" creationId="{B4D63808-60F3-C80B-EC80-2365585D2255}"/>
+          </ac:cxnSpMkLst>
+        </pc:cxnChg>
+        <pc:cxnChg chg="mod">
+          <ac:chgData name="苑 润泽" userId="0783eeab76cf4181" providerId="LiveId" clId="{8F46019D-248D-48EE-8955-6019E00368B9}" dt="2023-08-28T09:46:20.183" v="74" actId="692"/>
+          <ac:cxnSpMkLst>
+            <pc:docMk/>
+            <pc:sldMk cId="3976936306" sldId="260"/>
+            <ac:cxnSpMk id="12" creationId="{735B88DF-7047-DDFF-7D55-85EC1A3F8089}"/>
+          </ac:cxnSpMkLst>
+        </pc:cxnChg>
+        <pc:cxnChg chg="mod">
+          <ac:chgData name="苑 润泽" userId="0783eeab76cf4181" providerId="LiveId" clId="{8F46019D-248D-48EE-8955-6019E00368B9}" dt="2023-08-28T09:46:20.183" v="74" actId="692"/>
+          <ac:cxnSpMkLst>
+            <pc:docMk/>
+            <pc:sldMk cId="3976936306" sldId="260"/>
+            <ac:cxnSpMk id="13" creationId="{C4E31281-AD26-764B-3978-D3113E307418}"/>
+          </ac:cxnSpMkLst>
+        </pc:cxnChg>
+        <pc:cxnChg chg="mod">
+          <ac:chgData name="苑 润泽" userId="0783eeab76cf4181" providerId="LiveId" clId="{8F46019D-248D-48EE-8955-6019E00368B9}" dt="2023-08-28T09:46:09.046" v="70" actId="692"/>
+          <ac:cxnSpMkLst>
+            <pc:docMk/>
+            <pc:sldMk cId="3976936306" sldId="260"/>
+            <ac:cxnSpMk id="19" creationId="{07C5BA0F-FE50-A930-CEC4-3CA61C3B2FA6}"/>
+          </ac:cxnSpMkLst>
+        </pc:cxnChg>
+        <pc:cxnChg chg="mod">
+          <ac:chgData name="苑 润泽" userId="0783eeab76cf4181" providerId="LiveId" clId="{8F46019D-248D-48EE-8955-6019E00368B9}" dt="2023-08-28T09:46:09.046" v="70" actId="692"/>
+          <ac:cxnSpMkLst>
+            <pc:docMk/>
+            <pc:sldMk cId="3976936306" sldId="260"/>
+            <ac:cxnSpMk id="20" creationId="{B0735D39-843E-5088-498C-242127721148}"/>
+          </ac:cxnSpMkLst>
+        </pc:cxnChg>
+        <pc:cxnChg chg="mod">
+          <ac:chgData name="苑 润泽" userId="0783eeab76cf4181" providerId="LiveId" clId="{8F46019D-248D-48EE-8955-6019E00368B9}" dt="2023-08-28T09:46:09.046" v="70" actId="692"/>
+          <ac:cxnSpMkLst>
+            <pc:docMk/>
+            <pc:sldMk cId="3976936306" sldId="260"/>
+            <ac:cxnSpMk id="21" creationId="{DEEEAC8D-D94C-3C4E-BF86-F1EAF32CB831}"/>
+          </ac:cxnSpMkLst>
+        </pc:cxnChg>
+        <pc:cxnChg chg="mod">
+          <ac:chgData name="苑 润泽" userId="0783eeab76cf4181" providerId="LiveId" clId="{8F46019D-248D-48EE-8955-6019E00368B9}" dt="2023-08-28T09:46:09.046" v="70" actId="692"/>
+          <ac:cxnSpMkLst>
+            <pc:docMk/>
+            <pc:sldMk cId="3976936306" sldId="260"/>
+            <ac:cxnSpMk id="22" creationId="{D79D832E-778A-D70E-2A9A-B1C607192D2C}"/>
+          </ac:cxnSpMkLst>
+        </pc:cxnChg>
+        <pc:cxnChg chg="mod">
+          <ac:chgData name="苑 润泽" userId="0783eeab76cf4181" providerId="LiveId" clId="{8F46019D-248D-48EE-8955-6019E00368B9}" dt="2023-08-28T09:46:09.046" v="70" actId="692"/>
+          <ac:cxnSpMkLst>
+            <pc:docMk/>
+            <pc:sldMk cId="3976936306" sldId="260"/>
+            <ac:cxnSpMk id="30" creationId="{C3A35B90-FE1B-492B-F94C-001CF59EC680}"/>
+          </ac:cxnSpMkLst>
+        </pc:cxnChg>
+        <pc:cxnChg chg="mod">
+          <ac:chgData name="苑 润泽" userId="0783eeab76cf4181" providerId="LiveId" clId="{8F46019D-248D-48EE-8955-6019E00368B9}" dt="2023-08-28T09:46:09.046" v="70" actId="692"/>
+          <ac:cxnSpMkLst>
+            <pc:docMk/>
+            <pc:sldMk cId="3976936306" sldId="260"/>
+            <ac:cxnSpMk id="31" creationId="{46CABCA2-D8C0-562F-1FF1-7FEBB96C50BA}"/>
+          </ac:cxnSpMkLst>
+        </pc:cxnChg>
+        <pc:cxnChg chg="mod">
+          <ac:chgData name="苑 润泽" userId="0783eeab76cf4181" providerId="LiveId" clId="{8F46019D-248D-48EE-8955-6019E00368B9}" dt="2023-08-28T09:46:09.046" v="70" actId="692"/>
+          <ac:cxnSpMkLst>
+            <pc:docMk/>
+            <pc:sldMk cId="3976936306" sldId="260"/>
+            <ac:cxnSpMk id="32" creationId="{22E9ABC0-DBA3-AB93-FFF3-CB1EBF380E16}"/>
+          </ac:cxnSpMkLst>
+        </pc:cxnChg>
+        <pc:cxnChg chg="mod">
+          <ac:chgData name="苑 润泽" userId="0783eeab76cf4181" providerId="LiveId" clId="{8F46019D-248D-48EE-8955-6019E00368B9}" dt="2023-08-28T09:46:09.046" v="70" actId="692"/>
+          <ac:cxnSpMkLst>
+            <pc:docMk/>
+            <pc:sldMk cId="3976936306" sldId="260"/>
+            <ac:cxnSpMk id="33" creationId="{5D5197DA-2B24-FE3C-BD89-A66E1ADBEA4A}"/>
+          </ac:cxnSpMkLst>
+        </pc:cxnChg>
+        <pc:cxnChg chg="add mod">
+          <ac:chgData name="苑 润泽" userId="0783eeab76cf4181" providerId="LiveId" clId="{8F46019D-248D-48EE-8955-6019E00368B9}" dt="2023-08-28T09:41:32.615" v="22" actId="571"/>
+          <ac:cxnSpMkLst>
+            <pc:docMk/>
+            <pc:sldMk cId="3976936306" sldId="260"/>
+            <ac:cxnSpMk id="34" creationId="{00B8247D-25AF-B146-2C5D-DEEA0AC08FEC}"/>
+          </ac:cxnSpMkLst>
+        </pc:cxnChg>
+        <pc:cxnChg chg="mod">
+          <ac:chgData name="苑 润泽" userId="0783eeab76cf4181" providerId="LiveId" clId="{8F46019D-248D-48EE-8955-6019E00368B9}" dt="2023-08-28T09:46:09.046" v="70" actId="692"/>
+          <ac:cxnSpMkLst>
+            <pc:docMk/>
+            <pc:sldMk cId="3976936306" sldId="260"/>
+            <ac:cxnSpMk id="38" creationId="{56C01559-76CB-64D3-731C-BBD00C5B24E0}"/>
+          </ac:cxnSpMkLst>
+        </pc:cxnChg>
+        <pc:cxnChg chg="mod">
+          <ac:chgData name="苑 润泽" userId="0783eeab76cf4181" providerId="LiveId" clId="{8F46019D-248D-48EE-8955-6019E00368B9}" dt="2023-08-28T09:46:09.046" v="70" actId="692"/>
+          <ac:cxnSpMkLst>
+            <pc:docMk/>
+            <pc:sldMk cId="3976936306" sldId="260"/>
+            <ac:cxnSpMk id="39" creationId="{15898EB4-6A93-872A-BB0E-3C4BE60B0E0E}"/>
+          </ac:cxnSpMkLst>
+        </pc:cxnChg>
+        <pc:cxnChg chg="mod">
+          <ac:chgData name="苑 润泽" userId="0783eeab76cf4181" providerId="LiveId" clId="{8F46019D-248D-48EE-8955-6019E00368B9}" dt="2023-08-28T09:46:09.046" v="70" actId="692"/>
+          <ac:cxnSpMkLst>
+            <pc:docMk/>
+            <pc:sldMk cId="3976936306" sldId="260"/>
+            <ac:cxnSpMk id="40" creationId="{F442833E-AC96-2D3F-B62F-099B95270F54}"/>
+          </ac:cxnSpMkLst>
+        </pc:cxnChg>
+        <pc:cxnChg chg="mod">
+          <ac:chgData name="苑 润泽" userId="0783eeab76cf4181" providerId="LiveId" clId="{8F46019D-248D-48EE-8955-6019E00368B9}" dt="2023-08-28T09:46:09.046" v="70" actId="692"/>
+          <ac:cxnSpMkLst>
+            <pc:docMk/>
+            <pc:sldMk cId="3976936306" sldId="260"/>
+            <ac:cxnSpMk id="41" creationId="{D1605545-F624-525E-7692-B4E4E95ECCCD}"/>
+          </ac:cxnSpMkLst>
+        </pc:cxnChg>
+        <pc:cxnChg chg="del mod">
+          <ac:chgData name="苑 润泽" userId="0783eeab76cf4181" providerId="LiveId" clId="{8F46019D-248D-48EE-8955-6019E00368B9}" dt="2023-08-28T09:38:43.949" v="1" actId="478"/>
+          <ac:cxnSpMkLst>
+            <pc:docMk/>
+            <pc:sldMk cId="3976936306" sldId="260"/>
+            <ac:cxnSpMk id="44" creationId="{B6D8B2CF-A27B-09CF-7967-0FEBA8C4717E}"/>
+          </ac:cxnSpMkLst>
+        </pc:cxnChg>
+        <pc:cxnChg chg="del mod">
+          <ac:chgData name="苑 润泽" userId="0783eeab76cf4181" providerId="LiveId" clId="{8F46019D-248D-48EE-8955-6019E00368B9}" dt="2023-08-28T09:38:43.949" v="1" actId="478"/>
+          <ac:cxnSpMkLst>
+            <pc:docMk/>
+            <pc:sldMk cId="3976936306" sldId="260"/>
+            <ac:cxnSpMk id="47" creationId="{EC2C85A7-1BBA-BB79-3FCC-8202E247571F}"/>
+          </ac:cxnSpMkLst>
+        </pc:cxnChg>
+        <pc:cxnChg chg="mod">
+          <ac:chgData name="苑 润泽" userId="0783eeab76cf4181" providerId="LiveId" clId="{8F46019D-248D-48EE-8955-6019E00368B9}" dt="2023-08-28T09:41:56.832" v="25" actId="571"/>
+          <ac:cxnSpMkLst>
+            <pc:docMk/>
+            <pc:sldMk cId="3976936306" sldId="260"/>
+            <ac:cxnSpMk id="48" creationId="{03860E65-1463-68C2-204C-AA3BAC3080B0}"/>
+          </ac:cxnSpMkLst>
+        </pc:cxnChg>
+        <pc:cxnChg chg="mod">
+          <ac:chgData name="苑 润泽" userId="0783eeab76cf4181" providerId="LiveId" clId="{8F46019D-248D-48EE-8955-6019E00368B9}" dt="2023-08-28T09:41:56.832" v="25" actId="571"/>
+          <ac:cxnSpMkLst>
+            <pc:docMk/>
+            <pc:sldMk cId="3976936306" sldId="260"/>
+            <ac:cxnSpMk id="50" creationId="{D145EA74-F4DD-EF4D-34BD-70522711D37B}"/>
+          </ac:cxnSpMkLst>
+        </pc:cxnChg>
+        <pc:cxnChg chg="mod">
+          <ac:chgData name="苑 润泽" userId="0783eeab76cf4181" providerId="LiveId" clId="{8F46019D-248D-48EE-8955-6019E00368B9}" dt="2023-08-28T09:41:56.832" v="25" actId="571"/>
+          <ac:cxnSpMkLst>
+            <pc:docMk/>
+            <pc:sldMk cId="3976936306" sldId="260"/>
+            <ac:cxnSpMk id="51" creationId="{6E380BF0-9012-576D-C545-D41D4E6E0129}"/>
+          </ac:cxnSpMkLst>
+        </pc:cxnChg>
+        <pc:cxnChg chg="mod">
+          <ac:chgData name="苑 润泽" userId="0783eeab76cf4181" providerId="LiveId" clId="{8F46019D-248D-48EE-8955-6019E00368B9}" dt="2023-08-28T09:41:56.832" v="25" actId="571"/>
+          <ac:cxnSpMkLst>
+            <pc:docMk/>
+            <pc:sldMk cId="3976936306" sldId="260"/>
+            <ac:cxnSpMk id="52" creationId="{67767BEC-6CA7-D992-DB21-007C3912A155}"/>
+          </ac:cxnSpMkLst>
+        </pc:cxnChg>
+        <pc:cxnChg chg="del mod">
+          <ac:chgData name="苑 润泽" userId="0783eeab76cf4181" providerId="LiveId" clId="{8F46019D-248D-48EE-8955-6019E00368B9}" dt="2023-08-28T09:38:43.949" v="1" actId="478"/>
+          <ac:cxnSpMkLst>
+            <pc:docMk/>
+            <pc:sldMk cId="3976936306" sldId="260"/>
+            <ac:cxnSpMk id="55" creationId="{81F7C2E8-A231-0B78-6285-26AFF76A9FC8}"/>
+          </ac:cxnSpMkLst>
+        </pc:cxnChg>
+        <pc:cxnChg chg="del mod">
+          <ac:chgData name="苑 润泽" userId="0783eeab76cf4181" providerId="LiveId" clId="{8F46019D-248D-48EE-8955-6019E00368B9}" dt="2023-08-28T09:38:43.949" v="1" actId="478"/>
+          <ac:cxnSpMkLst>
+            <pc:docMk/>
+            <pc:sldMk cId="3976936306" sldId="260"/>
+            <ac:cxnSpMk id="57" creationId="{44E4101C-22BC-180D-5234-67B403272C3C}"/>
+          </ac:cxnSpMkLst>
+        </pc:cxnChg>
+        <pc:cxnChg chg="del">
+          <ac:chgData name="苑 润泽" userId="0783eeab76cf4181" providerId="LiveId" clId="{8F46019D-248D-48EE-8955-6019E00368B9}" dt="2023-08-28T09:38:43.949" v="1" actId="478"/>
+          <ac:cxnSpMkLst>
+            <pc:docMk/>
+            <pc:sldMk cId="3976936306" sldId="260"/>
+            <ac:cxnSpMk id="59" creationId="{7D3CEE32-D593-5029-2D89-C63368B03AAD}"/>
+          </ac:cxnSpMkLst>
+        </pc:cxnChg>
+        <pc:cxnChg chg="add mod">
+          <ac:chgData name="苑 润泽" userId="0783eeab76cf4181" providerId="LiveId" clId="{8F46019D-248D-48EE-8955-6019E00368B9}" dt="2023-08-28T09:47:01.684" v="80" actId="1076"/>
+          <ac:cxnSpMkLst>
+            <pc:docMk/>
+            <pc:sldMk cId="3976936306" sldId="260"/>
+            <ac:cxnSpMk id="60" creationId="{5AC71F60-E100-3750-7477-F22C3B9DDB72}"/>
+          </ac:cxnSpMkLst>
+        </pc:cxnChg>
+        <pc:cxnChg chg="del mod">
+          <ac:chgData name="苑 润泽" userId="0783eeab76cf4181" providerId="LiveId" clId="{8F46019D-248D-48EE-8955-6019E00368B9}" dt="2023-08-28T09:38:43.949" v="1" actId="478"/>
+          <ac:cxnSpMkLst>
+            <pc:docMk/>
+            <pc:sldMk cId="3976936306" sldId="260"/>
+            <ac:cxnSpMk id="87" creationId="{10B7222E-3DA3-4D6D-06B7-E879DB728A31}"/>
+          </ac:cxnSpMkLst>
+        </pc:cxnChg>
+      </pc:sldChg>
+      <pc:sldChg chg="addSp delSp modSp add mod">
+        <pc:chgData name="苑 润泽" userId="0783eeab76cf4181" providerId="LiveId" clId="{8F46019D-248D-48EE-8955-6019E00368B9}" dt="2023-08-28T11:18:37.697" v="1250" actId="14100"/>
+        <pc:sldMkLst>
+          <pc:docMk/>
+          <pc:sldMk cId="1706141307" sldId="261"/>
+        </pc:sldMkLst>
+        <pc:spChg chg="add del mod">
+          <ac:chgData name="苑 润泽" userId="0783eeab76cf4181" providerId="LiveId" clId="{8F46019D-248D-48EE-8955-6019E00368B9}" dt="2023-08-28T11:03:52.076" v="769" actId="478"/>
+          <ac:spMkLst>
+            <pc:docMk/>
+            <pc:sldMk cId="1706141307" sldId="261"/>
+            <ac:spMk id="2" creationId="{5FFD4358-0E4E-B36F-5F75-DEBCFA95D910}"/>
+          </ac:spMkLst>
+        </pc:spChg>
+        <pc:spChg chg="add del mod">
+          <ac:chgData name="苑 润泽" userId="0783eeab76cf4181" providerId="LiveId" clId="{8F46019D-248D-48EE-8955-6019E00368B9}" dt="2023-08-28T11:03:52.076" v="769" actId="478"/>
+          <ac:spMkLst>
+            <pc:docMk/>
+            <pc:sldMk cId="1706141307" sldId="261"/>
+            <ac:spMk id="4" creationId="{804D88C5-5B8E-98DA-118E-5D8A4BE6778D}"/>
+          </ac:spMkLst>
+        </pc:spChg>
+        <pc:spChg chg="add del mod">
+          <ac:chgData name="苑 润泽" userId="0783eeab76cf4181" providerId="LiveId" clId="{8F46019D-248D-48EE-8955-6019E00368B9}" dt="2023-08-28T11:03:52.076" v="769" actId="478"/>
+          <ac:spMkLst>
+            <pc:docMk/>
+            <pc:sldMk cId="1706141307" sldId="261"/>
+            <ac:spMk id="5" creationId="{F15E4B56-3240-ADB5-5257-4DDA7D326A9C}"/>
+          </ac:spMkLst>
+        </pc:spChg>
+        <pc:spChg chg="add del mod">
+          <ac:chgData name="苑 润泽" userId="0783eeab76cf4181" providerId="LiveId" clId="{8F46019D-248D-48EE-8955-6019E00368B9}" dt="2023-08-28T11:03:52.076" v="769" actId="478"/>
+          <ac:spMkLst>
+            <pc:docMk/>
+            <pc:sldMk cId="1706141307" sldId="261"/>
+            <ac:spMk id="6" creationId="{032832B3-2DF4-EDDB-1356-8F049447C5A6}"/>
+          </ac:spMkLst>
+        </pc:spChg>
+        <pc:spChg chg="add del mod">
+          <ac:chgData name="苑 润泽" userId="0783eeab76cf4181" providerId="LiveId" clId="{8F46019D-248D-48EE-8955-6019E00368B9}" dt="2023-08-28T11:03:52.076" v="769" actId="478"/>
+          <ac:spMkLst>
+            <pc:docMk/>
+            <pc:sldMk cId="1706141307" sldId="261"/>
+            <ac:spMk id="14" creationId="{A5170912-1FF2-8F25-5CC0-857C91EAA9EC}"/>
+          </ac:spMkLst>
+        </pc:spChg>
+        <pc:spChg chg="add del mod">
+          <ac:chgData name="苑 润泽" userId="0783eeab76cf4181" providerId="LiveId" clId="{8F46019D-248D-48EE-8955-6019E00368B9}" dt="2023-08-28T11:03:52.076" v="769" actId="478"/>
+          <ac:spMkLst>
+            <pc:docMk/>
+            <pc:sldMk cId="1706141307" sldId="261"/>
+            <ac:spMk id="27" creationId="{F502D531-2DE7-BFFF-9011-48946EE2CDD1}"/>
+          </ac:spMkLst>
+        </pc:spChg>
+        <pc:spChg chg="add del mod">
+          <ac:chgData name="苑 润泽" userId="0783eeab76cf4181" providerId="LiveId" clId="{8F46019D-248D-48EE-8955-6019E00368B9}" dt="2023-08-28T11:03:52.076" v="769" actId="478"/>
+          <ac:spMkLst>
+            <pc:docMk/>
+            <pc:sldMk cId="1706141307" sldId="261"/>
+            <ac:spMk id="48" creationId="{DBD6DF12-D998-BE90-61E7-4ECB96073E3B}"/>
+          </ac:spMkLst>
+        </pc:spChg>
+        <pc:spChg chg="add del mod">
+          <ac:chgData name="苑 润泽" userId="0783eeab76cf4181" providerId="LiveId" clId="{8F46019D-248D-48EE-8955-6019E00368B9}" dt="2023-08-28T11:03:52.076" v="769" actId="478"/>
+          <ac:spMkLst>
+            <pc:docMk/>
+            <pc:sldMk cId="1706141307" sldId="261"/>
+            <ac:spMk id="49" creationId="{5699D7D3-68F0-0142-2333-D638E1B779E0}"/>
+          </ac:spMkLst>
+        </pc:spChg>
+        <pc:spChg chg="del">
+          <ac:chgData name="苑 润泽" userId="0783eeab76cf4181" providerId="LiveId" clId="{8F46019D-248D-48EE-8955-6019E00368B9}" dt="2023-08-28T10:38:09.473" v="221" actId="478"/>
+          <ac:spMkLst>
+            <pc:docMk/>
+            <pc:sldMk cId="1706141307" sldId="261"/>
+            <ac:spMk id="53" creationId="{E43FBB95-BCAE-956B-9A8E-04E673B49C87}"/>
+          </ac:spMkLst>
+        </pc:spChg>
+        <pc:spChg chg="del">
+          <ac:chgData name="苑 润泽" userId="0783eeab76cf4181" providerId="LiveId" clId="{8F46019D-248D-48EE-8955-6019E00368B9}" dt="2023-08-28T10:38:09.473" v="221" actId="478"/>
+          <ac:spMkLst>
+            <pc:docMk/>
+            <pc:sldMk cId="1706141307" sldId="261"/>
+            <ac:spMk id="54" creationId="{C075AB28-552C-D22F-7385-E3CE498AD1C7}"/>
+          </ac:spMkLst>
+        </pc:spChg>
+        <pc:spChg chg="del">
+          <ac:chgData name="苑 润泽" userId="0783eeab76cf4181" providerId="LiveId" clId="{8F46019D-248D-48EE-8955-6019E00368B9}" dt="2023-08-28T10:38:09.473" v="221" actId="478"/>
+          <ac:spMkLst>
+            <pc:docMk/>
+            <pc:sldMk cId="1706141307" sldId="261"/>
+            <ac:spMk id="56" creationId="{3DA5C2AA-BE32-9B0E-9229-9B1C0062E2D9}"/>
+          </ac:spMkLst>
+        </pc:spChg>
+        <pc:spChg chg="del">
+          <ac:chgData name="苑 润泽" userId="0783eeab76cf4181" providerId="LiveId" clId="{8F46019D-248D-48EE-8955-6019E00368B9}" dt="2023-08-28T10:38:09.473" v="221" actId="478"/>
+          <ac:spMkLst>
+            <pc:docMk/>
+            <pc:sldMk cId="1706141307" sldId="261"/>
+            <ac:spMk id="61" creationId="{2DA2EE9C-81B2-9BF4-9023-420DB813E716}"/>
+          </ac:spMkLst>
+        </pc:spChg>
+        <pc:spChg chg="add del mod">
+          <ac:chgData name="苑 润泽" userId="0783eeab76cf4181" providerId="LiveId" clId="{8F46019D-248D-48EE-8955-6019E00368B9}" dt="2023-08-28T11:03:52.076" v="769" actId="478"/>
+          <ac:spMkLst>
+            <pc:docMk/>
+            <pc:sldMk cId="1706141307" sldId="261"/>
+            <ac:spMk id="68" creationId="{88BA9B00-FAB2-D0B7-F643-2A4FD10607AB}"/>
+          </ac:spMkLst>
+        </pc:spChg>
+        <pc:spChg chg="add del mod">
+          <ac:chgData name="苑 润泽" userId="0783eeab76cf4181" providerId="LiveId" clId="{8F46019D-248D-48EE-8955-6019E00368B9}" dt="2023-08-28T11:03:52.076" v="769" actId="478"/>
+          <ac:spMkLst>
+            <pc:docMk/>
+            <pc:sldMk cId="1706141307" sldId="261"/>
+            <ac:spMk id="83" creationId="{7F76008F-16D0-4E8E-F41C-B9BE85BCF26B}"/>
+          </ac:spMkLst>
+        </pc:spChg>
+        <pc:spChg chg="add mod">
+          <ac:chgData name="苑 润泽" userId="0783eeab76cf4181" providerId="LiveId" clId="{8F46019D-248D-48EE-8955-6019E00368B9}" dt="2023-08-28T11:16:10.409" v="1214" actId="571"/>
+          <ac:spMkLst>
+            <pc:docMk/>
+            <pc:sldMk cId="1706141307" sldId="261"/>
+            <ac:spMk id="148" creationId="{242FFBF5-E8A5-DB40-DD50-530C6DF0F827}"/>
+          </ac:spMkLst>
+        </pc:spChg>
+        <pc:spChg chg="add mod">
+          <ac:chgData name="苑 润泽" userId="0783eeab76cf4181" providerId="LiveId" clId="{8F46019D-248D-48EE-8955-6019E00368B9}" dt="2023-08-28T11:16:10.409" v="1214" actId="571"/>
+          <ac:spMkLst>
+            <pc:docMk/>
+            <pc:sldMk cId="1706141307" sldId="261"/>
+            <ac:spMk id="149" creationId="{74874374-FDA5-CE86-A64F-C491DF74E029}"/>
+          </ac:spMkLst>
+        </pc:spChg>
+        <pc:spChg chg="add mod">
+          <ac:chgData name="苑 润泽" userId="0783eeab76cf4181" providerId="LiveId" clId="{8F46019D-248D-48EE-8955-6019E00368B9}" dt="2023-08-28T11:16:10.409" v="1214" actId="571"/>
+          <ac:spMkLst>
+            <pc:docMk/>
+            <pc:sldMk cId="1706141307" sldId="261"/>
+            <ac:spMk id="150" creationId="{76F3913B-0DA3-0D92-2BF7-6809FFF15A8F}"/>
+          </ac:spMkLst>
+        </pc:spChg>
+        <pc:spChg chg="add mod">
+          <ac:chgData name="苑 润泽" userId="0783eeab76cf4181" providerId="LiveId" clId="{8F46019D-248D-48EE-8955-6019E00368B9}" dt="2023-08-28T11:16:10.409" v="1214" actId="571"/>
+          <ac:spMkLst>
+            <pc:docMk/>
+            <pc:sldMk cId="1706141307" sldId="261"/>
+            <ac:spMk id="151" creationId="{46330433-34C2-822B-9D43-1F9573CDF77D}"/>
+          </ac:spMkLst>
+        </pc:spChg>
+        <pc:spChg chg="add mod">
+          <ac:chgData name="苑 润泽" userId="0783eeab76cf4181" providerId="LiveId" clId="{8F46019D-248D-48EE-8955-6019E00368B9}" dt="2023-08-28T11:16:10.409" v="1214" actId="571"/>
+          <ac:spMkLst>
+            <pc:docMk/>
+            <pc:sldMk cId="1706141307" sldId="261"/>
+            <ac:spMk id="154" creationId="{BB03C6F4-44AE-5424-A04C-936BD340748D}"/>
+          </ac:spMkLst>
+        </pc:spChg>
+        <pc:spChg chg="add mod">
+          <ac:chgData name="苑 润泽" userId="0783eeab76cf4181" providerId="LiveId" clId="{8F46019D-248D-48EE-8955-6019E00368B9}" dt="2023-08-28T11:16:10.409" v="1214" actId="571"/>
+          <ac:spMkLst>
+            <pc:docMk/>
+            <pc:sldMk cId="1706141307" sldId="261"/>
+            <ac:spMk id="157" creationId="{0F8ADFCA-0E5B-D70F-B899-D8206477A170}"/>
+          </ac:spMkLst>
+        </pc:spChg>
+        <pc:spChg chg="add mod">
+          <ac:chgData name="苑 润泽" userId="0783eeab76cf4181" providerId="LiveId" clId="{8F46019D-248D-48EE-8955-6019E00368B9}" dt="2023-08-28T11:16:10.409" v="1214" actId="571"/>
+          <ac:spMkLst>
+            <pc:docMk/>
+            <pc:sldMk cId="1706141307" sldId="261"/>
+            <ac:spMk id="160" creationId="{38958559-34F0-81E2-98A3-0957F45E98D5}"/>
+          </ac:spMkLst>
+        </pc:spChg>
+        <pc:spChg chg="add mod">
+          <ac:chgData name="苑 润泽" userId="0783eeab76cf4181" providerId="LiveId" clId="{8F46019D-248D-48EE-8955-6019E00368B9}" dt="2023-08-28T11:16:10.409" v="1214" actId="571"/>
+          <ac:spMkLst>
+            <pc:docMk/>
+            <pc:sldMk cId="1706141307" sldId="261"/>
+            <ac:spMk id="166" creationId="{B5CDCBE7-BCDF-551D-E79D-E93BCCCF197D}"/>
+          </ac:spMkLst>
+        </pc:spChg>
+        <pc:spChg chg="add mod">
+          <ac:chgData name="苑 润泽" userId="0783eeab76cf4181" providerId="LiveId" clId="{8F46019D-248D-48EE-8955-6019E00368B9}" dt="2023-08-28T11:16:10.409" v="1214" actId="571"/>
+          <ac:spMkLst>
+            <pc:docMk/>
+            <pc:sldMk cId="1706141307" sldId="261"/>
+            <ac:spMk id="182" creationId="{86CEEC9C-E59A-9808-5188-A4001BBE3AE4}"/>
+          </ac:spMkLst>
+        </pc:spChg>
+        <pc:spChg chg="add mod">
+          <ac:chgData name="苑 润泽" userId="0783eeab76cf4181" providerId="LiveId" clId="{8F46019D-248D-48EE-8955-6019E00368B9}" dt="2023-08-28T11:16:10.409" v="1214" actId="571"/>
+          <ac:spMkLst>
+            <pc:docMk/>
+            <pc:sldMk cId="1706141307" sldId="261"/>
+            <ac:spMk id="186" creationId="{BA56022C-EB4F-E441-E801-F7BBC4A48959}"/>
+          </ac:spMkLst>
+        </pc:spChg>
+        <pc:spChg chg="add mod">
+          <ac:chgData name="苑 润泽" userId="0783eeab76cf4181" providerId="LiveId" clId="{8F46019D-248D-48EE-8955-6019E00368B9}" dt="2023-08-28T11:17:40.262" v="1243" actId="1076"/>
+          <ac:spMkLst>
+            <pc:docMk/>
+            <pc:sldMk cId="1706141307" sldId="261"/>
+            <ac:spMk id="192" creationId="{8B2426A7-D104-34B0-C921-5B387E7B9A02}"/>
+          </ac:spMkLst>
+        </pc:spChg>
+        <pc:spChg chg="add mod ord">
+          <ac:chgData name="苑 润泽" userId="0783eeab76cf4181" providerId="LiveId" clId="{8F46019D-248D-48EE-8955-6019E00368B9}" dt="2023-08-28T11:15:22.714" v="1175" actId="207"/>
+          <ac:spMkLst>
+            <pc:docMk/>
+            <pc:sldMk cId="1706141307" sldId="261"/>
+            <ac:spMk id="197" creationId="{8C512ABF-7EE5-C988-F55A-51267A0932AE}"/>
+          </ac:spMkLst>
+        </pc:spChg>
+        <pc:spChg chg="add mod ord">
+          <ac:chgData name="苑 润泽" userId="0783eeab76cf4181" providerId="LiveId" clId="{8F46019D-248D-48EE-8955-6019E00368B9}" dt="2023-08-28T11:15:19.522" v="1174" actId="207"/>
+          <ac:spMkLst>
+            <pc:docMk/>
+            <pc:sldMk cId="1706141307" sldId="261"/>
+            <ac:spMk id="198" creationId="{BA8C8B2C-7800-4995-681B-17DD0DE5EA97}"/>
+          </ac:spMkLst>
+        </pc:spChg>
+        <pc:spChg chg="add mod">
+          <ac:chgData name="苑 润泽" userId="0783eeab76cf4181" providerId="LiveId" clId="{8F46019D-248D-48EE-8955-6019E00368B9}" dt="2023-08-28T11:16:19.814" v="1236" actId="20577"/>
+          <ac:spMkLst>
+            <pc:docMk/>
+            <pc:sldMk cId="1706141307" sldId="261"/>
+            <ac:spMk id="199" creationId="{CC355C7B-127E-45A4-0AC2-EF2F593C3387}"/>
+          </ac:spMkLst>
+        </pc:spChg>
+        <pc:spChg chg="add mod">
+          <ac:chgData name="苑 润泽" userId="0783eeab76cf4181" providerId="LiveId" clId="{8F46019D-248D-48EE-8955-6019E00368B9}" dt="2023-08-28T11:16:25.953" v="1237" actId="1076"/>
+          <ac:spMkLst>
+            <pc:docMk/>
+            <pc:sldMk cId="1706141307" sldId="261"/>
+            <ac:spMk id="200" creationId="{693B696B-9E5D-973C-6460-9DFB4C60F1DB}"/>
+          </ac:spMkLst>
+        </pc:spChg>
+        <pc:grpChg chg="del">
+          <ac:chgData name="苑 润泽" userId="0783eeab76cf4181" providerId="LiveId" clId="{8F46019D-248D-48EE-8955-6019E00368B9}" dt="2023-08-28T10:38:09.473" v="221" actId="478"/>
+          <ac:grpSpMkLst>
+            <pc:docMk/>
+            <pc:sldMk cId="1706141307" sldId="261"/>
+            <ac:grpSpMk id="15" creationId="{A39B2E65-8A1C-BA89-DC63-8B4B4656D1F5}"/>
+          </ac:grpSpMkLst>
+        </pc:grpChg>
+        <pc:grpChg chg="del">
+          <ac:chgData name="苑 润泽" userId="0783eeab76cf4181" providerId="LiveId" clId="{8F46019D-248D-48EE-8955-6019E00368B9}" dt="2023-08-28T10:38:09.473" v="221" actId="478"/>
+          <ac:grpSpMkLst>
+            <pc:docMk/>
+            <pc:sldMk cId="1706141307" sldId="261"/>
+            <ac:grpSpMk id="16" creationId="{8FD2FACB-ED08-EE09-2FDA-8498A5C8138B}"/>
+          </ac:grpSpMkLst>
+        </pc:grpChg>
+        <pc:grpChg chg="del">
+          <ac:chgData name="苑 润泽" userId="0783eeab76cf4181" providerId="LiveId" clId="{8F46019D-248D-48EE-8955-6019E00368B9}" dt="2023-08-28T10:38:09.473" v="221" actId="478"/>
+          <ac:grpSpMkLst>
+            <pc:docMk/>
+            <pc:sldMk cId="1706141307" sldId="261"/>
+            <ac:grpSpMk id="23" creationId="{94105B8C-CDAE-1D8C-ED3E-E4387B6597E6}"/>
+          </ac:grpSpMkLst>
+        </pc:grpChg>
+        <pc:grpChg chg="del">
+          <ac:chgData name="苑 润泽" userId="0783eeab76cf4181" providerId="LiveId" clId="{8F46019D-248D-48EE-8955-6019E00368B9}" dt="2023-08-28T10:38:09.473" v="221" actId="478"/>
+          <ac:grpSpMkLst>
+            <pc:docMk/>
+            <pc:sldMk cId="1706141307" sldId="261"/>
+            <ac:grpSpMk id="35" creationId="{EEE0F7AE-B7EE-4C79-1DED-E9443A74BE22}"/>
+          </ac:grpSpMkLst>
+        </pc:grpChg>
+        <pc:grpChg chg="add del mod">
+          <ac:chgData name="苑 润泽" userId="0783eeab76cf4181" providerId="LiveId" clId="{8F46019D-248D-48EE-8955-6019E00368B9}" dt="2023-08-28T10:50:49.917" v="660" actId="478"/>
+          <ac:grpSpMkLst>
+            <pc:docMk/>
+            <pc:sldMk cId="1706141307" sldId="261"/>
+            <ac:grpSpMk id="47" creationId="{25470FBD-468D-1BEB-EA1D-7774379517F7}"/>
+          </ac:grpSpMkLst>
+        </pc:grpChg>
+        <pc:grpChg chg="add mod">
+          <ac:chgData name="苑 润泽" userId="0783eeab76cf4181" providerId="LiveId" clId="{8F46019D-248D-48EE-8955-6019E00368B9}" dt="2023-08-28T11:16:10.409" v="1214" actId="571"/>
+          <ac:grpSpMkLst>
+            <pc:docMk/>
+            <pc:sldMk cId="1706141307" sldId="261"/>
+            <ac:grpSpMk id="196" creationId="{0C54CEE8-813C-97F4-E8DE-4E6259932542}"/>
+          </ac:grpSpMkLst>
+        </pc:grpChg>
+        <pc:cxnChg chg="add del mod">
+          <ac:chgData name="苑 润泽" userId="0783eeab76cf4181" providerId="LiveId" clId="{8F46019D-248D-48EE-8955-6019E00368B9}" dt="2023-08-28T11:00:14.696" v="720" actId="478"/>
+          <ac:cxnSpMkLst>
+            <pc:docMk/>
+            <pc:sldMk cId="1706141307" sldId="261"/>
+            <ac:cxnSpMk id="11" creationId="{E5109BEA-F235-6763-4EE3-CC95F4FEF184}"/>
+          </ac:cxnSpMkLst>
+        </pc:cxnChg>
+        <pc:cxnChg chg="add del mod">
+          <ac:chgData name="苑 润泽" userId="0783eeab76cf4181" providerId="LiveId" clId="{8F46019D-248D-48EE-8955-6019E00368B9}" dt="2023-08-28T10:59:00.889" v="704" actId="478"/>
+          <ac:cxnSpMkLst>
+            <pc:docMk/>
+            <pc:sldMk cId="1706141307" sldId="261"/>
+            <ac:cxnSpMk id="26" creationId="{65A50B43-9B3F-C1A7-9AFB-534A76FF39EB}"/>
+          </ac:cxnSpMkLst>
+        </pc:cxnChg>
+        <pc:cxnChg chg="add del mod topLvl">
+          <ac:chgData name="苑 润泽" userId="0783eeab76cf4181" providerId="LiveId" clId="{8F46019D-248D-48EE-8955-6019E00368B9}" dt="2023-08-28T11:02:31.745" v="754" actId="478"/>
+          <ac:cxnSpMkLst>
+            <pc:docMk/>
+            <pc:sldMk cId="1706141307" sldId="261"/>
+            <ac:cxnSpMk id="34" creationId="{B28105E6-CA61-BFE2-2B6A-93297B183840}"/>
+          </ac:cxnSpMkLst>
+        </pc:cxnChg>
+        <pc:cxnChg chg="add del mod topLvl">
+          <ac:chgData name="苑 润泽" userId="0783eeab76cf4181" providerId="LiveId" clId="{8F46019D-248D-48EE-8955-6019E00368B9}" dt="2023-08-28T10:50:49.917" v="660" actId="478"/>
+          <ac:cxnSpMkLst>
+            <pc:docMk/>
+            <pc:sldMk cId="1706141307" sldId="261"/>
+            <ac:cxnSpMk id="42" creationId="{1D162666-C967-9F3B-3BF8-7AA0052D7587}"/>
+          </ac:cxnSpMkLst>
+        </pc:cxnChg>
+        <pc:cxnChg chg="add del">
+          <ac:chgData name="苑 润泽" userId="0783eeab76cf4181" providerId="LiveId" clId="{8F46019D-248D-48EE-8955-6019E00368B9}" dt="2023-08-28T10:46:28.802" v="581" actId="11529"/>
+          <ac:cxnSpMkLst>
+            <pc:docMk/>
+            <pc:sldMk cId="1706141307" sldId="261"/>
+            <ac:cxnSpMk id="51" creationId="{124B8FF8-E32E-F1E4-C417-7EC784EECA99}"/>
+          </ac:cxnSpMkLst>
+        </pc:cxnChg>
+        <pc:cxnChg chg="add del mod">
+          <ac:chgData name="苑 润泽" userId="0783eeab76cf4181" providerId="LiveId" clId="{8F46019D-248D-48EE-8955-6019E00368B9}" dt="2023-08-28T10:48:20.915" v="624" actId="478"/>
+          <ac:cxnSpMkLst>
+            <pc:docMk/>
+            <pc:sldMk cId="1706141307" sldId="261"/>
+            <ac:cxnSpMk id="55" creationId="{3983FAF8-8D00-A4B0-0B05-061D7AD269B1}"/>
+          </ac:cxnSpMkLst>
+        </pc:cxnChg>
+        <pc:cxnChg chg="del">
+          <ac:chgData name="苑 润泽" userId="0783eeab76cf4181" providerId="LiveId" clId="{8F46019D-248D-48EE-8955-6019E00368B9}" dt="2023-08-28T10:38:09.473" v="221" actId="478"/>
+          <ac:cxnSpMkLst>
+            <pc:docMk/>
+            <pc:sldMk cId="1706141307" sldId="261"/>
+            <ac:cxnSpMk id="60" creationId="{5AC71F60-E100-3750-7477-F22C3B9DDB72}"/>
+          </ac:cxnSpMkLst>
+        </pc:cxnChg>
+        <pc:cxnChg chg="add del mod">
+          <ac:chgData name="苑 润泽" userId="0783eeab76cf4181" providerId="LiveId" clId="{8F46019D-248D-48EE-8955-6019E00368B9}" dt="2023-08-28T10:59:36.335" v="711" actId="478"/>
+          <ac:cxnSpMkLst>
+            <pc:docMk/>
+            <pc:sldMk cId="1706141307" sldId="261"/>
+            <ac:cxnSpMk id="73" creationId="{D7E01765-2984-812B-ACD7-3B53C710D7BD}"/>
+          </ac:cxnSpMkLst>
+        </pc:cxnChg>
+        <pc:cxnChg chg="add del mod">
+          <ac:chgData name="苑 润泽" userId="0783eeab76cf4181" providerId="LiveId" clId="{8F46019D-248D-48EE-8955-6019E00368B9}" dt="2023-08-28T10:51:27.372" v="673" actId="478"/>
+          <ac:cxnSpMkLst>
+            <pc:docMk/>
+            <pc:sldMk cId="1706141307" sldId="261"/>
+            <ac:cxnSpMk id="79" creationId="{EF6D42ED-5C84-BA89-0ACE-E67E78BE731A}"/>
+          </ac:cxnSpMkLst>
+        </pc:cxnChg>
+        <pc:cxnChg chg="add del mod">
+          <ac:chgData name="苑 润泽" userId="0783eeab76cf4181" providerId="LiveId" clId="{8F46019D-248D-48EE-8955-6019E00368B9}" dt="2023-08-28T10:51:28.223" v="674" actId="478"/>
+          <ac:cxnSpMkLst>
+            <pc:docMk/>
+            <pc:sldMk cId="1706141307" sldId="261"/>
+            <ac:cxnSpMk id="87" creationId="{28FDA32E-9306-C4B9-B779-1DD57191B9D5}"/>
+          </ac:cxnSpMkLst>
+        </pc:cxnChg>
+        <pc:cxnChg chg="add del mod">
+          <ac:chgData name="苑 润泽" userId="0783eeab76cf4181" providerId="LiveId" clId="{8F46019D-248D-48EE-8955-6019E00368B9}" dt="2023-08-28T10:52:19.382" v="684" actId="478"/>
+          <ac:cxnSpMkLst>
+            <pc:docMk/>
+            <pc:sldMk cId="1706141307" sldId="261"/>
+            <ac:cxnSpMk id="93" creationId="{C3BA3BCA-9F08-F9D1-6D61-F05F0958D5CD}"/>
+          </ac:cxnSpMkLst>
+        </pc:cxnChg>
+        <pc:cxnChg chg="add del mod">
+          <ac:chgData name="苑 润泽" userId="0783eeab76cf4181" providerId="LiveId" clId="{8F46019D-248D-48EE-8955-6019E00368B9}" dt="2023-08-28T10:52:52.494" v="690" actId="478"/>
+          <ac:cxnSpMkLst>
+            <pc:docMk/>
+            <pc:sldMk cId="1706141307" sldId="261"/>
+            <ac:cxnSpMk id="100" creationId="{511D3CAB-1193-3A09-9588-4482201F91A1}"/>
+          </ac:cxnSpMkLst>
+        </pc:cxnChg>
+        <pc:cxnChg chg="add del mod">
+          <ac:chgData name="苑 润泽" userId="0783eeab76cf4181" providerId="LiveId" clId="{8F46019D-248D-48EE-8955-6019E00368B9}" dt="2023-08-28T10:58:58.654" v="703" actId="478"/>
+          <ac:cxnSpMkLst>
+            <pc:docMk/>
+            <pc:sldMk cId="1706141307" sldId="261"/>
+            <ac:cxnSpMk id="104" creationId="{8E982FDF-F33B-7CB9-B973-AB91C7397013}"/>
+          </ac:cxnSpMkLst>
+        </pc:cxnChg>
+        <pc:cxnChg chg="add del mod">
+          <ac:chgData name="苑 润泽" userId="0783eeab76cf4181" providerId="LiveId" clId="{8F46019D-248D-48EE-8955-6019E00368B9}" dt="2023-08-28T10:58:57.712" v="702" actId="478"/>
+          <ac:cxnSpMkLst>
+            <pc:docMk/>
+            <pc:sldMk cId="1706141307" sldId="261"/>
+            <ac:cxnSpMk id="107" creationId="{F0F25EFF-C3B7-4EC7-05E4-49F90CD77418}"/>
+          </ac:cxnSpMkLst>
+        </pc:cxnChg>
+        <pc:cxnChg chg="add del mod">
+          <ac:chgData name="苑 润泽" userId="0783eeab76cf4181" providerId="LiveId" clId="{8F46019D-248D-48EE-8955-6019E00368B9}" dt="2023-08-28T11:03:52.076" v="769" actId="478"/>
+          <ac:cxnSpMkLst>
+            <pc:docMk/>
+            <pc:sldMk cId="1706141307" sldId="261"/>
+            <ac:cxnSpMk id="111" creationId="{855F4041-20A5-CA4D-380E-119A5C4C66DA}"/>
+          </ac:cxnSpMkLst>
+        </pc:cxnChg>
+        <pc:cxnChg chg="add del mod">
+          <ac:chgData name="苑 润泽" userId="0783eeab76cf4181" providerId="LiveId" clId="{8F46019D-248D-48EE-8955-6019E00368B9}" dt="2023-08-28T11:03:52.076" v="769" actId="478"/>
+          <ac:cxnSpMkLst>
+            <pc:docMk/>
+            <pc:sldMk cId="1706141307" sldId="261"/>
+            <ac:cxnSpMk id="113" creationId="{9EB79522-6536-C506-5D8E-57493465E98C}"/>
+          </ac:cxnSpMkLst>
+        </pc:cxnChg>
+        <pc:cxnChg chg="add del mod">
+          <ac:chgData name="苑 润泽" userId="0783eeab76cf4181" providerId="LiveId" clId="{8F46019D-248D-48EE-8955-6019E00368B9}" dt="2023-08-28T11:03:52.076" v="769" actId="478"/>
+          <ac:cxnSpMkLst>
+            <pc:docMk/>
+            <pc:sldMk cId="1706141307" sldId="261"/>
+            <ac:cxnSpMk id="115" creationId="{BBD85FD8-F971-1BD0-001D-43A4F85F2CA5}"/>
+          </ac:cxnSpMkLst>
+        </pc:cxnChg>
+        <pc:cxnChg chg="add del mod">
+          <ac:chgData name="苑 润泽" userId="0783eeab76cf4181" providerId="LiveId" clId="{8F46019D-248D-48EE-8955-6019E00368B9}" dt="2023-08-28T11:03:52.076" v="769" actId="478"/>
+          <ac:cxnSpMkLst>
+            <pc:docMk/>
+            <pc:sldMk cId="1706141307" sldId="261"/>
+            <ac:cxnSpMk id="118" creationId="{602579E3-E8CD-03C0-B71C-E48BB430BB64}"/>
+          </ac:cxnSpMkLst>
+        </pc:cxnChg>
+        <pc:cxnChg chg="add del mod">
+          <ac:chgData name="苑 润泽" userId="0783eeab76cf4181" providerId="LiveId" clId="{8F46019D-248D-48EE-8955-6019E00368B9}" dt="2023-08-28T11:03:52.076" v="769" actId="478"/>
+          <ac:cxnSpMkLst>
+            <pc:docMk/>
+            <pc:sldMk cId="1706141307" sldId="261"/>
+            <ac:cxnSpMk id="121" creationId="{6F1B164E-FE9F-393D-55CB-1498E10FA62A}"/>
+          </ac:cxnSpMkLst>
+        </pc:cxnChg>
+        <pc:cxnChg chg="add del mod">
+          <ac:chgData name="苑 润泽" userId="0783eeab76cf4181" providerId="LiveId" clId="{8F46019D-248D-48EE-8955-6019E00368B9}" dt="2023-08-28T11:03:52.076" v="769" actId="478"/>
+          <ac:cxnSpMkLst>
+            <pc:docMk/>
+            <pc:sldMk cId="1706141307" sldId="261"/>
+            <ac:cxnSpMk id="123" creationId="{DA087CE2-BD2B-3D69-0877-747E5E6884C9}"/>
+          </ac:cxnSpMkLst>
+        </pc:cxnChg>
+        <pc:cxnChg chg="add del mod">
+          <ac:chgData name="苑 润泽" userId="0783eeab76cf4181" providerId="LiveId" clId="{8F46019D-248D-48EE-8955-6019E00368B9}" dt="2023-08-28T11:01:02.721" v="733" actId="11529"/>
+          <ac:cxnSpMkLst>
+            <pc:docMk/>
+            <pc:sldMk cId="1706141307" sldId="261"/>
+            <ac:cxnSpMk id="126" creationId="{D8843BA2-37BE-0E7D-E8D9-8172BFBFA487}"/>
+          </ac:cxnSpMkLst>
+        </pc:cxnChg>
+        <pc:cxnChg chg="add del mod">
+          <ac:chgData name="苑 润泽" userId="0783eeab76cf4181" providerId="LiveId" clId="{8F46019D-248D-48EE-8955-6019E00368B9}" dt="2023-08-28T11:03:52.076" v="769" actId="478"/>
+          <ac:cxnSpMkLst>
+            <pc:docMk/>
+            <pc:sldMk cId="1706141307" sldId="261"/>
+            <ac:cxnSpMk id="131" creationId="{5B48123B-5624-446B-D4EB-F73AF0ACFCFD}"/>
+          </ac:cxnSpMkLst>
+        </pc:cxnChg>
+        <pc:cxnChg chg="add del mod">
+          <ac:chgData name="苑 润泽" userId="0783eeab76cf4181" providerId="LiveId" clId="{8F46019D-248D-48EE-8955-6019E00368B9}" dt="2023-08-28T11:03:52.076" v="769" actId="478"/>
+          <ac:cxnSpMkLst>
+            <pc:docMk/>
+            <pc:sldMk cId="1706141307" sldId="261"/>
+            <ac:cxnSpMk id="133" creationId="{9010E239-E8F2-CEDB-E9F2-0EA9CEE32FA6}"/>
+          </ac:cxnSpMkLst>
+        </pc:cxnChg>
+        <pc:cxnChg chg="add del mod">
+          <ac:chgData name="苑 润泽" userId="0783eeab76cf4181" providerId="LiveId" clId="{8F46019D-248D-48EE-8955-6019E00368B9}" dt="2023-08-28T11:03:52.076" v="769" actId="478"/>
+          <ac:cxnSpMkLst>
+            <pc:docMk/>
+            <pc:sldMk cId="1706141307" sldId="261"/>
+            <ac:cxnSpMk id="142" creationId="{5DDBB7B0-A440-0A98-5C8E-A018D1EA8C2E}"/>
+          </ac:cxnSpMkLst>
+        </pc:cxnChg>
+        <pc:cxnChg chg="add del mod">
+          <ac:chgData name="苑 润泽" userId="0783eeab76cf4181" providerId="LiveId" clId="{8F46019D-248D-48EE-8955-6019E00368B9}" dt="2023-08-28T11:03:52.076" v="769" actId="478"/>
+          <ac:cxnSpMkLst>
+            <pc:docMk/>
+            <pc:sldMk cId="1706141307" sldId="261"/>
+            <ac:cxnSpMk id="144" creationId="{A9375237-D519-F9E2-9072-E58A0ECA4EF8}"/>
+          </ac:cxnSpMkLst>
+        </pc:cxnChg>
+        <pc:cxnChg chg="add del mod">
+          <ac:chgData name="苑 润泽" userId="0783eeab76cf4181" providerId="LiveId" clId="{8F46019D-248D-48EE-8955-6019E00368B9}" dt="2023-08-28T11:03:52.076" v="769" actId="478"/>
+          <ac:cxnSpMkLst>
+            <pc:docMk/>
+            <pc:sldMk cId="1706141307" sldId="261"/>
+            <ac:cxnSpMk id="146" creationId="{5521952E-06C7-D820-0A44-1A0FA5D5D248}"/>
+          </ac:cxnSpMkLst>
+        </pc:cxnChg>
+        <pc:cxnChg chg="add mod">
+          <ac:chgData name="苑 润泽" userId="0783eeab76cf4181" providerId="LiveId" clId="{8F46019D-248D-48EE-8955-6019E00368B9}" dt="2023-08-28T11:16:10.409" v="1214" actId="571"/>
+          <ac:cxnSpMkLst>
+            <pc:docMk/>
+            <pc:sldMk cId="1706141307" sldId="261"/>
+            <ac:cxnSpMk id="153" creationId="{690C7D1F-34C8-D65D-B867-C010E6787E3B}"/>
+          </ac:cxnSpMkLst>
+        </pc:cxnChg>
+        <pc:cxnChg chg="add mod">
+          <ac:chgData name="苑 润泽" userId="0783eeab76cf4181" providerId="LiveId" clId="{8F46019D-248D-48EE-8955-6019E00368B9}" dt="2023-08-28T11:16:10.409" v="1214" actId="571"/>
+          <ac:cxnSpMkLst>
+            <pc:docMk/>
+            <pc:sldMk cId="1706141307" sldId="261"/>
+            <ac:cxnSpMk id="156" creationId="{42A07184-F401-15C2-F943-885A675CC018}"/>
+          </ac:cxnSpMkLst>
+        </pc:cxnChg>
+        <pc:cxnChg chg="add mod">
+          <ac:chgData name="苑 润泽" userId="0783eeab76cf4181" providerId="LiveId" clId="{8F46019D-248D-48EE-8955-6019E00368B9}" dt="2023-08-28T11:16:10.409" v="1214" actId="571"/>
+          <ac:cxnSpMkLst>
+            <pc:docMk/>
+            <pc:sldMk cId="1706141307" sldId="261"/>
+            <ac:cxnSpMk id="159" creationId="{F80C2744-7B07-96B5-6C79-3561FF8C704A}"/>
+          </ac:cxnSpMkLst>
+        </pc:cxnChg>
+        <pc:cxnChg chg="add mod">
+          <ac:chgData name="苑 润泽" userId="0783eeab76cf4181" providerId="LiveId" clId="{8F46019D-248D-48EE-8955-6019E00368B9}" dt="2023-08-28T11:16:10.409" v="1214" actId="571"/>
+          <ac:cxnSpMkLst>
+            <pc:docMk/>
+            <pc:sldMk cId="1706141307" sldId="261"/>
+            <ac:cxnSpMk id="162" creationId="{9AADF0BA-2395-779B-17AC-71F60D441C55}"/>
+          </ac:cxnSpMkLst>
+        </pc:cxnChg>
+        <pc:cxnChg chg="add del mod">
+          <ac:chgData name="苑 润泽" userId="0783eeab76cf4181" providerId="LiveId" clId="{8F46019D-248D-48EE-8955-6019E00368B9}" dt="2023-08-28T11:08:50.262" v="958" actId="478"/>
+          <ac:cxnSpMkLst>
+            <pc:docMk/>
+            <pc:sldMk cId="1706141307" sldId="261"/>
+            <ac:cxnSpMk id="175" creationId="{D6024CD4-6483-2E84-C7CC-05C696EE43D4}"/>
+          </ac:cxnSpMkLst>
+        </pc:cxnChg>
+        <pc:cxnChg chg="add mod">
+          <ac:chgData name="苑 润泽" userId="0783eeab76cf4181" providerId="LiveId" clId="{8F46019D-248D-48EE-8955-6019E00368B9}" dt="2023-08-28T11:18:37.697" v="1250" actId="14100"/>
+          <ac:cxnSpMkLst>
+            <pc:docMk/>
+            <pc:sldMk cId="1706141307" sldId="261"/>
+            <ac:cxnSpMk id="178" creationId="{8E1F572C-F566-9D9C-6F92-977C41428E6E}"/>
+          </ac:cxnSpMkLst>
+        </pc:cxnChg>
+        <pc:cxnChg chg="add mod">
+          <ac:chgData name="苑 润泽" userId="0783eeab76cf4181" providerId="LiveId" clId="{8F46019D-248D-48EE-8955-6019E00368B9}" dt="2023-08-28T11:16:10.409" v="1214" actId="571"/>
+          <ac:cxnSpMkLst>
+            <pc:docMk/>
+            <pc:sldMk cId="1706141307" sldId="261"/>
+            <ac:cxnSpMk id="185" creationId="{B07E2215-273F-6908-9509-BA9AC50D413F}"/>
+          </ac:cxnSpMkLst>
+        </pc:cxnChg>
+        <pc:cxnChg chg="add mod">
+          <ac:chgData name="苑 润泽" userId="0783eeab76cf4181" providerId="LiveId" clId="{8F46019D-248D-48EE-8955-6019E00368B9}" dt="2023-08-28T11:17:46.951" v="1244" actId="14100"/>
+          <ac:cxnSpMkLst>
+            <pc:docMk/>
+            <pc:sldMk cId="1706141307" sldId="261"/>
+            <ac:cxnSpMk id="188" creationId="{5C43334B-251A-B3E3-4508-28E8F47D584A}"/>
+          </ac:cxnSpMkLst>
+        </pc:cxnChg>
+      </pc:sldChg>
+      <pc:sldChg chg="addSp delSp modSp add mod ord">
+        <pc:chgData name="苑 润泽" userId="0783eeab76cf4181" providerId="LiveId" clId="{8F46019D-248D-48EE-8955-6019E00368B9}" dt="2023-08-28T18:19:02.957" v="1474" actId="1076"/>
+        <pc:sldMkLst>
+          <pc:docMk/>
+          <pc:sldMk cId="3213869265" sldId="262"/>
+        </pc:sldMkLst>
+        <pc:spChg chg="add mod">
+          <ac:chgData name="苑 润泽" userId="0783eeab76cf4181" providerId="LiveId" clId="{8F46019D-248D-48EE-8955-6019E00368B9}" dt="2023-08-28T18:18:59.020" v="1472" actId="1076"/>
+          <ac:spMkLst>
+            <pc:docMk/>
+            <pc:sldMk cId="3213869265" sldId="262"/>
+            <ac:spMk id="2" creationId="{AB2FD847-7CA6-D645-2222-19CD9BDDA218}"/>
+          </ac:spMkLst>
+        </pc:spChg>
+        <pc:spChg chg="add mod">
+          <ac:chgData name="苑 润泽" userId="0783eeab76cf4181" providerId="LiveId" clId="{8F46019D-248D-48EE-8955-6019E00368B9}" dt="2023-08-28T18:18:57.318" v="1471" actId="1076"/>
+          <ac:spMkLst>
+            <pc:docMk/>
+            <pc:sldMk cId="3213869265" sldId="262"/>
+            <ac:spMk id="5" creationId="{E49E52AF-6923-5A05-75E0-0B386DA530FA}"/>
+          </ac:spMkLst>
+        </pc:spChg>
+        <pc:spChg chg="add mod">
+          <ac:chgData name="苑 润泽" userId="0783eeab76cf4181" providerId="LiveId" clId="{8F46019D-248D-48EE-8955-6019E00368B9}" dt="2023-08-28T18:14:57.555" v="1354" actId="1076"/>
+          <ac:spMkLst>
+            <pc:docMk/>
+            <pc:sldMk cId="3213869265" sldId="262"/>
+            <ac:spMk id="6" creationId="{FAF5F0B8-2A59-632D-EDC0-240CC16D75AE}"/>
+          </ac:spMkLst>
+        </pc:spChg>
+        <pc:spChg chg="add mod">
+          <ac:chgData name="苑 润泽" userId="0783eeab76cf4181" providerId="LiveId" clId="{8F46019D-248D-48EE-8955-6019E00368B9}" dt="2023-08-28T18:14:53.216" v="1353" actId="1076"/>
+          <ac:spMkLst>
+            <pc:docMk/>
+            <pc:sldMk cId="3213869265" sldId="262"/>
+            <ac:spMk id="7" creationId="{425FD949-C3F3-BABB-CFFD-C31033C1398E}"/>
+          </ac:spMkLst>
+        </pc:spChg>
+        <pc:spChg chg="add mod">
+          <ac:chgData name="苑 润泽" userId="0783eeab76cf4181" providerId="LiveId" clId="{8F46019D-248D-48EE-8955-6019E00368B9}" dt="2023-08-28T18:19:01.246" v="1473" actId="1076"/>
+          <ac:spMkLst>
+            <pc:docMk/>
+            <pc:sldMk cId="3213869265" sldId="262"/>
+            <ac:spMk id="9" creationId="{E89BC03F-2CA8-6079-7C10-6495A578EA2A}"/>
+          </ac:spMkLst>
+        </pc:spChg>
+        <pc:spChg chg="add mod">
+          <ac:chgData name="苑 润泽" userId="0783eeab76cf4181" providerId="LiveId" clId="{8F46019D-248D-48EE-8955-6019E00368B9}" dt="2023-08-28T18:19:02.957" v="1474" actId="1076"/>
+          <ac:spMkLst>
+            <pc:docMk/>
+            <pc:sldMk cId="3213869265" sldId="262"/>
+            <ac:spMk id="11" creationId="{9ABE93C4-6070-50E5-F89B-8C112C6783A4}"/>
+          </ac:spMkLst>
+        </pc:spChg>
+        <pc:spChg chg="add mod">
+          <ac:chgData name="苑 润泽" userId="0783eeab76cf4181" providerId="LiveId" clId="{8F46019D-248D-48EE-8955-6019E00368B9}" dt="2023-08-28T18:17:55.548" v="1428" actId="164"/>
+          <ac:spMkLst>
+            <pc:docMk/>
+            <pc:sldMk cId="3213869265" sldId="262"/>
+            <ac:spMk id="12" creationId="{334A96B6-F936-D22F-694A-E6DDD06E9BB0}"/>
+          </ac:spMkLst>
+        </pc:spChg>
+        <pc:spChg chg="add mod">
+          <ac:chgData name="苑 润泽" userId="0783eeab76cf4181" providerId="LiveId" clId="{8F46019D-248D-48EE-8955-6019E00368B9}" dt="2023-08-28T18:17:55.548" v="1428" actId="164"/>
+          <ac:spMkLst>
+            <pc:docMk/>
+            <pc:sldMk cId="3213869265" sldId="262"/>
+            <ac:spMk id="13" creationId="{71C7C88D-40B8-B6DB-48BC-9305B304BECB}"/>
+          </ac:spMkLst>
+        </pc:spChg>
+        <pc:spChg chg="add mod">
+          <ac:chgData name="苑 润泽" userId="0783eeab76cf4181" providerId="LiveId" clId="{8F46019D-248D-48EE-8955-6019E00368B9}" dt="2023-08-28T18:18:30.649" v="1463" actId="1076"/>
+          <ac:spMkLst>
+            <pc:docMk/>
+            <pc:sldMk cId="3213869265" sldId="262"/>
+            <ac:spMk id="16" creationId="{040474AD-91FC-81E0-87D5-9280622152A1}"/>
+          </ac:spMkLst>
+        </pc:spChg>
+        <pc:grpChg chg="add mod">
+          <ac:chgData name="苑 润泽" userId="0783eeab76cf4181" providerId="LiveId" clId="{8F46019D-248D-48EE-8955-6019E00368B9}" dt="2023-08-28T18:17:57.702" v="1429" actId="1076"/>
+          <ac:grpSpMkLst>
+            <pc:docMk/>
+            <pc:sldMk cId="3213869265" sldId="262"/>
+            <ac:grpSpMk id="15" creationId="{781D16FA-C0E0-9427-68F4-AFFF86328BDA}"/>
+          </ac:grpSpMkLst>
+        </pc:grpChg>
+        <pc:graphicFrameChg chg="add mod modGraphic">
+          <ac:chgData name="苑 润泽" userId="0783eeab76cf4181" providerId="LiveId" clId="{8F46019D-248D-48EE-8955-6019E00368B9}" dt="2023-08-28T18:18:10.533" v="1435"/>
+          <ac:graphicFrameMkLst>
+            <pc:docMk/>
+            <pc:sldMk cId="3213869265" sldId="262"/>
+            <ac:graphicFrameMk id="3" creationId="{7BBFBC93-42B4-68E8-297C-14B9ED91D9BB}"/>
+          </ac:graphicFrameMkLst>
+        </pc:graphicFrameChg>
+        <pc:graphicFrameChg chg="add del mod modGraphic">
+          <ac:chgData name="苑 润泽" userId="0783eeab76cf4181" providerId="LiveId" clId="{8F46019D-248D-48EE-8955-6019E00368B9}" dt="2023-08-28T18:15:26.151" v="1381"/>
+          <ac:graphicFrameMkLst>
+            <pc:docMk/>
+            <pc:sldMk cId="3213869265" sldId="262"/>
+            <ac:graphicFrameMk id="4" creationId="{9E747222-9EAC-2D8D-EAD7-A4A410BEE4AE}"/>
+          </ac:graphicFrameMkLst>
+        </pc:graphicFrameChg>
+        <pc:graphicFrameChg chg="add mod modGraphic">
+          <ac:chgData name="苑 润泽" userId="0783eeab76cf4181" providerId="LiveId" clId="{8F46019D-248D-48EE-8955-6019E00368B9}" dt="2023-08-28T18:14:46.487" v="1352" actId="1076"/>
+          <ac:graphicFrameMkLst>
+            <pc:docMk/>
+            <pc:sldMk cId="3213869265" sldId="262"/>
+            <ac:graphicFrameMk id="8" creationId="{C23DC651-E041-1EFD-4F6F-7EEB18A1C5E6}"/>
+          </ac:graphicFrameMkLst>
+        </pc:graphicFrameChg>
+        <pc:graphicFrameChg chg="add del mod">
+          <ac:chgData name="苑 润泽" userId="0783eeab76cf4181" providerId="LiveId" clId="{8F46019D-248D-48EE-8955-6019E00368B9}" dt="2023-08-28T18:16:09.529" v="1399" actId="478"/>
+          <ac:graphicFrameMkLst>
+            <pc:docMk/>
+            <pc:sldMk cId="3213869265" sldId="262"/>
+            <ac:graphicFrameMk id="10" creationId="{B13D3C03-61BE-688D-177C-B5F721C6D5FB}"/>
+          </ac:graphicFrameMkLst>
+        </pc:graphicFrameChg>
+        <pc:graphicFrameChg chg="add mod modGraphic">
+          <ac:chgData name="苑 润泽" userId="0783eeab76cf4181" providerId="LiveId" clId="{8F46019D-248D-48EE-8955-6019E00368B9}" dt="2023-08-28T18:17:22.185" v="1421" actId="207"/>
+          <ac:graphicFrameMkLst>
+            <pc:docMk/>
+            <pc:sldMk cId="3213869265" sldId="262"/>
+            <ac:graphicFrameMk id="14" creationId="{C9F05254-A137-90CF-2D87-17A5BF158A3A}"/>
+          </ac:graphicFrameMkLst>
+        </pc:graphicFrameChg>
+      </pc:sldChg>
+      <pc:sldChg chg="addSp delSp modSp add mod ord">
+        <pc:chgData name="苑 润泽" userId="0783eeab76cf4181" providerId="LiveId" clId="{8F46019D-248D-48EE-8955-6019E00368B9}" dt="2023-08-28T22:31:51.888" v="2263" actId="1076"/>
+        <pc:sldMkLst>
+          <pc:docMk/>
+          <pc:sldMk cId="1890616869" sldId="263"/>
+        </pc:sldMkLst>
+        <pc:spChg chg="add mod">
+          <ac:chgData name="苑 润泽" userId="0783eeab76cf4181" providerId="LiveId" clId="{8F46019D-248D-48EE-8955-6019E00368B9}" dt="2023-08-28T20:26:06.283" v="1683" actId="20577"/>
+          <ac:spMkLst>
+            <pc:docMk/>
+            <pc:sldMk cId="1890616869" sldId="263"/>
+            <ac:spMk id="4" creationId="{8ECED0A7-2DF0-625A-0698-0EB36EB3369C}"/>
+          </ac:spMkLst>
+        </pc:spChg>
+        <pc:spChg chg="add mod ord">
+          <ac:chgData name="苑 润泽" userId="0783eeab76cf4181" providerId="LiveId" clId="{8F46019D-248D-48EE-8955-6019E00368B9}" dt="2023-08-28T20:27:13.531" v="1700" actId="167"/>
+          <ac:spMkLst>
+            <pc:docMk/>
+            <pc:sldMk cId="1890616869" sldId="263"/>
+            <ac:spMk id="5" creationId="{46302B44-915E-F351-893B-0E746E69CFA2}"/>
+          </ac:spMkLst>
+        </pc:spChg>
+        <pc:spChg chg="add mod">
+          <ac:chgData name="苑 润泽" userId="0783eeab76cf4181" providerId="LiveId" clId="{8F46019D-248D-48EE-8955-6019E00368B9}" dt="2023-08-28T20:29:01.475" v="1824" actId="1076"/>
+          <ac:spMkLst>
+            <pc:docMk/>
+            <pc:sldMk cId="1890616869" sldId="263"/>
+            <ac:spMk id="25" creationId="{3E691B6B-69BB-CC90-12C0-63E3E36D39F0}"/>
+          </ac:spMkLst>
+        </pc:spChg>
+        <pc:spChg chg="mod">
+          <ac:chgData name="苑 润泽" userId="0783eeab76cf4181" providerId="LiveId" clId="{8F46019D-248D-48EE-8955-6019E00368B9}" dt="2023-08-28T20:23:54.019" v="1478" actId="1076"/>
+          <ac:spMkLst>
+            <pc:docMk/>
+            <pc:sldMk cId="1890616869" sldId="263"/>
+            <ac:spMk id="53" creationId="{E43FBB95-BCAE-956B-9A8E-04E673B49C87}"/>
+          </ac:spMkLst>
+        </pc:spChg>
+        <pc:spChg chg="mod">
+          <ac:chgData name="苑 润泽" userId="0783eeab76cf4181" providerId="LiveId" clId="{8F46019D-248D-48EE-8955-6019E00368B9}" dt="2023-08-28T20:24:18.237" v="1493" actId="1076"/>
+          <ac:spMkLst>
+            <pc:docMk/>
+            <pc:sldMk cId="1890616869" sldId="263"/>
+            <ac:spMk id="54" creationId="{C075AB28-552C-D22F-7385-E3CE498AD1C7}"/>
+          </ac:spMkLst>
+        </pc:spChg>
+        <pc:spChg chg="mod">
+          <ac:chgData name="苑 润泽" userId="0783eeab76cf4181" providerId="LiveId" clId="{8F46019D-248D-48EE-8955-6019E00368B9}" dt="2023-08-28T22:31:51.888" v="2263" actId="1076"/>
+          <ac:spMkLst>
+            <pc:docMk/>
+            <pc:sldMk cId="1890616869" sldId="263"/>
+            <ac:spMk id="56" creationId="{3DA5C2AA-BE32-9B0E-9229-9B1C0062E2D9}"/>
+          </ac:spMkLst>
+        </pc:spChg>
+        <pc:spChg chg="add del mod">
+          <ac:chgData name="苑 润泽" userId="0783eeab76cf4181" providerId="LiveId" clId="{8F46019D-248D-48EE-8955-6019E00368B9}" dt="2023-08-28T20:29:10.176" v="1837" actId="20577"/>
+          <ac:spMkLst>
+            <pc:docMk/>
+            <pc:sldMk cId="1890616869" sldId="263"/>
+            <ac:spMk id="61" creationId="{2DA2EE9C-81B2-9BF4-9023-420DB813E716}"/>
+          </ac:spMkLst>
+        </pc:spChg>
+        <pc:cxnChg chg="add mod">
+          <ac:chgData name="苑 润泽" userId="0783eeab76cf4181" providerId="LiveId" clId="{8F46019D-248D-48EE-8955-6019E00368B9}" dt="2023-08-28T20:24:23.703" v="1494" actId="571"/>
+          <ac:cxnSpMkLst>
+            <pc:docMk/>
+            <pc:sldMk cId="1890616869" sldId="263"/>
+            <ac:cxnSpMk id="2" creationId="{AD8F5EA4-B493-7DB2-E380-C58B84B93518}"/>
+          </ac:cxnSpMkLst>
+        </pc:cxnChg>
+        <pc:cxnChg chg="add mod">
+          <ac:chgData name="苑 润泽" userId="0783eeab76cf4181" providerId="LiveId" clId="{8F46019D-248D-48EE-8955-6019E00368B9}" dt="2023-08-28T20:27:58.397" v="1706" actId="1076"/>
+          <ac:cxnSpMkLst>
+            <pc:docMk/>
+            <pc:sldMk cId="1890616869" sldId="263"/>
+            <ac:cxnSpMk id="7" creationId="{14EBC754-2C1B-3B74-BA2C-5C16B7F712B6}"/>
+          </ac:cxnSpMkLst>
+        </pc:cxnChg>
+        <pc:cxnChg chg="add del">
+          <ac:chgData name="苑 润泽" userId="0783eeab76cf4181" providerId="LiveId" clId="{8F46019D-248D-48EE-8955-6019E00368B9}" dt="2023-08-28T20:24:13.646" v="1489" actId="478"/>
+          <ac:cxnSpMkLst>
+            <pc:docMk/>
+            <pc:sldMk cId="1890616869" sldId="263"/>
+            <ac:cxnSpMk id="60" creationId="{5AC71F60-E100-3750-7477-F22C3B9DDB72}"/>
+          </ac:cxnSpMkLst>
+        </pc:cxnChg>
+      </pc:sldChg>
+      <pc:sldChg chg="addSp delSp modSp add mod ord">
+        <pc:chgData name="苑 润泽" userId="0783eeab76cf4181" providerId="LiveId" clId="{8F46019D-248D-48EE-8955-6019E00368B9}" dt="2023-08-28T22:32:32.239" v="2288" actId="20577"/>
+        <pc:sldMkLst>
+          <pc:docMk/>
+          <pc:sldMk cId="3800812550" sldId="264"/>
+        </pc:sldMkLst>
+        <pc:spChg chg="add mod">
+          <ac:chgData name="苑 润泽" userId="0783eeab76cf4181" providerId="LiveId" clId="{8F46019D-248D-48EE-8955-6019E00368B9}" dt="2023-08-28T22:30:49.956" v="2245" actId="1076"/>
+          <ac:spMkLst>
+            <pc:docMk/>
+            <pc:sldMk cId="3800812550" sldId="264"/>
+            <ac:spMk id="5" creationId="{DA17A73D-E8C3-B34A-83AE-44561BFFABA2}"/>
+          </ac:spMkLst>
+        </pc:spChg>
+        <pc:spChg chg="add mod">
+          <ac:chgData name="苑 润泽" userId="0783eeab76cf4181" providerId="LiveId" clId="{8F46019D-248D-48EE-8955-6019E00368B9}" dt="2023-08-28T22:23:16.178" v="1984" actId="14100"/>
+          <ac:spMkLst>
+            <pc:docMk/>
+            <pc:sldMk cId="3800812550" sldId="264"/>
+            <ac:spMk id="6" creationId="{DF0A675C-7618-B233-B94D-D0CA7F9CD0BA}"/>
+          </ac:spMkLst>
+        </pc:spChg>
+        <pc:spChg chg="add del mod">
+          <ac:chgData name="苑 润泽" userId="0783eeab76cf4181" providerId="LiveId" clId="{8F46019D-248D-48EE-8955-6019E00368B9}" dt="2023-08-28T22:29:03.706" v="2207" actId="478"/>
+          <ac:spMkLst>
+            <pc:docMk/>
+            <pc:sldMk cId="3800812550" sldId="264"/>
+            <ac:spMk id="7" creationId="{5D22528F-268B-B0D1-6E02-583FBBB93AE8}"/>
+          </ac:spMkLst>
+        </pc:spChg>
+        <pc:spChg chg="add mod">
+          <ac:chgData name="苑 润泽" userId="0783eeab76cf4181" providerId="LiveId" clId="{8F46019D-248D-48EE-8955-6019E00368B9}" dt="2023-08-28T22:25:24.705" v="2013" actId="1076"/>
+          <ac:spMkLst>
+            <pc:docMk/>
+            <pc:sldMk cId="3800812550" sldId="264"/>
+            <ac:spMk id="8" creationId="{B46BD467-38BA-29F1-B4CD-E04BD49FE496}"/>
+          </ac:spMkLst>
+        </pc:spChg>
+        <pc:spChg chg="add mod">
+          <ac:chgData name="苑 润泽" userId="0783eeab76cf4181" providerId="LiveId" clId="{8F46019D-248D-48EE-8955-6019E00368B9}" dt="2023-08-28T22:30:03.657" v="2232" actId="1076"/>
+          <ac:spMkLst>
+            <pc:docMk/>
+            <pc:sldMk cId="3800812550" sldId="264"/>
+            <ac:spMk id="9" creationId="{958624F1-B31E-8EC3-C815-6C75327CB073}"/>
+          </ac:spMkLst>
+        </pc:spChg>
+        <pc:spChg chg="add mod">
+          <ac:chgData name="苑 润泽" userId="0783eeab76cf4181" providerId="LiveId" clId="{8F46019D-248D-48EE-8955-6019E00368B9}" dt="2023-08-28T22:25:45.450" v="2019" actId="1076"/>
+          <ac:spMkLst>
+            <pc:docMk/>
+            <pc:sldMk cId="3800812550" sldId="264"/>
+            <ac:spMk id="10" creationId="{5CD58B26-A113-B39C-54CE-388F12706213}"/>
+          </ac:spMkLst>
+        </pc:spChg>
+        <pc:spChg chg="add del mod">
+          <ac:chgData name="苑 润泽" userId="0783eeab76cf4181" providerId="LiveId" clId="{8F46019D-248D-48EE-8955-6019E00368B9}" dt="2023-08-28T22:29:34.893" v="2217" actId="478"/>
+          <ac:spMkLst>
+            <pc:docMk/>
+            <pc:sldMk cId="3800812550" sldId="264"/>
+            <ac:spMk id="11" creationId="{34102AA7-2097-111B-9B33-3454C474DFEF}"/>
+          </ac:spMkLst>
+        </pc:spChg>
+        <pc:spChg chg="add del mod">
+          <ac:chgData name="苑 润泽" userId="0783eeab76cf4181" providerId="LiveId" clId="{8F46019D-248D-48EE-8955-6019E00368B9}" dt="2023-08-28T22:24:02.796" v="1996" actId="1076"/>
+          <ac:spMkLst>
+            <pc:docMk/>
+            <pc:sldMk cId="3800812550" sldId="264"/>
+            <ac:spMk id="12" creationId="{89D4E6D8-8F6C-2608-1586-C2BA070FBEA9}"/>
+          </ac:spMkLst>
+        </pc:spChg>
+        <pc:spChg chg="add del mod">
+          <ac:chgData name="苑 润泽" userId="0783eeab76cf4181" providerId="LiveId" clId="{8F46019D-248D-48EE-8955-6019E00368B9}" dt="2023-08-28T22:29:33.847" v="2216" actId="478"/>
+          <ac:spMkLst>
+            <pc:docMk/>
+            <pc:sldMk cId="3800812550" sldId="264"/>
+            <ac:spMk id="13" creationId="{48ABB68F-CAB7-73A9-0AC8-95C07C80DC55}"/>
+          </ac:spMkLst>
+        </pc:spChg>
+        <pc:spChg chg="add mod">
+          <ac:chgData name="苑 润泽" userId="0783eeab76cf4181" providerId="LiveId" clId="{8F46019D-248D-48EE-8955-6019E00368B9}" dt="2023-08-28T22:32:32.239" v="2288" actId="20577"/>
+          <ac:spMkLst>
+            <pc:docMk/>
+            <pc:sldMk cId="3800812550" sldId="264"/>
+            <ac:spMk id="38" creationId="{EF511313-1582-B86D-D500-CB27A6F7031E}"/>
+          </ac:spMkLst>
+        </pc:spChg>
+        <pc:spChg chg="add mod">
+          <ac:chgData name="苑 润泽" userId="0783eeab76cf4181" providerId="LiveId" clId="{8F46019D-248D-48EE-8955-6019E00368B9}" dt="2023-08-28T22:30:00.067" v="2231" actId="1076"/>
+          <ac:spMkLst>
+            <pc:docMk/>
+            <pc:sldMk cId="3800812550" sldId="264"/>
+            <ac:spMk id="39" creationId="{7E2FBDFD-C146-6B7E-6C6E-B35D0251C286}"/>
+          </ac:spMkLst>
+        </pc:spChg>
+        <pc:spChg chg="add mod">
+          <ac:chgData name="苑 润泽" userId="0783eeab76cf4181" providerId="LiveId" clId="{8F46019D-248D-48EE-8955-6019E00368B9}" dt="2023-08-28T22:30:06.838" v="2233" actId="1076"/>
+          <ac:spMkLst>
+            <pc:docMk/>
+            <pc:sldMk cId="3800812550" sldId="264"/>
+            <ac:spMk id="40" creationId="{83C530CE-A30B-99CE-3917-9BA25CA08773}"/>
+          </ac:spMkLst>
+        </pc:spChg>
+        <pc:spChg chg="add mod">
+          <ac:chgData name="苑 润泽" userId="0783eeab76cf4181" providerId="LiveId" clId="{8F46019D-248D-48EE-8955-6019E00368B9}" dt="2023-08-28T22:30:11.599" v="2234" actId="1076"/>
+          <ac:spMkLst>
+            <pc:docMk/>
+            <pc:sldMk cId="3800812550" sldId="264"/>
+            <ac:spMk id="41" creationId="{EF15CCE6-1C07-C0FC-2C4A-0D9E10BA2952}"/>
+          </ac:spMkLst>
+        </pc:spChg>
+        <pc:spChg chg="add mod">
+          <ac:chgData name="苑 润泽" userId="0783eeab76cf4181" providerId="LiveId" clId="{8F46019D-248D-48EE-8955-6019E00368B9}" dt="2023-08-28T22:31:11.951" v="2247"/>
+          <ac:spMkLst>
+            <pc:docMk/>
+            <pc:sldMk cId="3800812550" sldId="264"/>
+            <ac:spMk id="42" creationId="{B9BACC2A-EBEE-0E93-81B6-995A4C2F20CE}"/>
+          </ac:spMkLst>
+        </pc:spChg>
+        <pc:spChg chg="add mod">
+          <ac:chgData name="苑 润泽" userId="0783eeab76cf4181" providerId="LiveId" clId="{8F46019D-248D-48EE-8955-6019E00368B9}" dt="2023-08-28T22:31:25.995" v="2259" actId="1076"/>
+          <ac:spMkLst>
+            <pc:docMk/>
+            <pc:sldMk cId="3800812550" sldId="264"/>
+            <ac:spMk id="44" creationId="{C40E3BC5-BC3E-C8FF-7AEE-843CC5F5CD32}"/>
+          </ac:spMkLst>
+        </pc:spChg>
+        <pc:spChg chg="add mod">
+          <ac:chgData name="苑 润泽" userId="0783eeab76cf4181" providerId="LiveId" clId="{8F46019D-248D-48EE-8955-6019E00368B9}" dt="2023-08-28T22:31:58.818" v="2265" actId="1076"/>
+          <ac:spMkLst>
+            <pc:docMk/>
+            <pc:sldMk cId="3800812550" sldId="264"/>
+            <ac:spMk id="45" creationId="{321269B2-AD5F-ADC9-0844-3D96801EC05C}"/>
+          </ac:spMkLst>
+        </pc:spChg>
+        <pc:graphicFrameChg chg="mod modGraphic">
+          <ac:chgData name="苑 润泽" userId="0783eeab76cf4181" providerId="LiveId" clId="{8F46019D-248D-48EE-8955-6019E00368B9}" dt="2023-08-28T22:30:25.721" v="2238" actId="1076"/>
+          <ac:graphicFrameMkLst>
+            <pc:docMk/>
+            <pc:sldMk cId="3800812550" sldId="264"/>
+            <ac:graphicFrameMk id="4" creationId="{9E747222-9EAC-2D8D-EAD7-A4A410BEE4AE}"/>
+          </ac:graphicFrameMkLst>
+        </pc:graphicFrameChg>
+        <pc:cxnChg chg="add mod">
+          <ac:chgData name="苑 润泽" userId="0783eeab76cf4181" providerId="LiveId" clId="{8F46019D-248D-48EE-8955-6019E00368B9}" dt="2023-08-28T22:30:47.186" v="2244" actId="1076"/>
+          <ac:cxnSpMkLst>
+            <pc:docMk/>
+            <pc:sldMk cId="3800812550" sldId="264"/>
+            <ac:cxnSpMk id="3" creationId="{18AAD875-95E0-75F2-F1D8-6EADA451AF4C}"/>
+          </ac:cxnSpMkLst>
+        </pc:cxnChg>
+        <pc:cxnChg chg="add del">
+          <ac:chgData name="苑 润泽" userId="0783eeab76cf4181" providerId="LiveId" clId="{8F46019D-248D-48EE-8955-6019E00368B9}" dt="2023-08-28T22:24:45.547" v="2003" actId="478"/>
+          <ac:cxnSpMkLst>
+            <pc:docMk/>
+            <pc:sldMk cId="3800812550" sldId="264"/>
+            <ac:cxnSpMk id="15" creationId="{A27D9F7E-7014-3CCC-B720-F8EE3FAC3E47}"/>
+          </ac:cxnSpMkLst>
+        </pc:cxnChg>
+        <pc:cxnChg chg="add mod ord">
+          <ac:chgData name="苑 润泽" userId="0783eeab76cf4181" providerId="LiveId" clId="{8F46019D-248D-48EE-8955-6019E00368B9}" dt="2023-08-28T22:30:25.721" v="2238" actId="1076"/>
+          <ac:cxnSpMkLst>
+            <pc:docMk/>
+            <pc:sldMk cId="3800812550" sldId="264"/>
+            <ac:cxnSpMk id="17" creationId="{6EA9CD24-EBC2-B352-D80B-EB69A1E95A2D}"/>
+          </ac:cxnSpMkLst>
+        </pc:cxnChg>
+        <pc:cxnChg chg="add mod ord">
+          <ac:chgData name="苑 润泽" userId="0783eeab76cf4181" providerId="LiveId" clId="{8F46019D-248D-48EE-8955-6019E00368B9}" dt="2023-08-28T22:25:57.196" v="2022" actId="692"/>
+          <ac:cxnSpMkLst>
+            <pc:docMk/>
+            <pc:sldMk cId="3800812550" sldId="264"/>
+            <ac:cxnSpMk id="19" creationId="{D4E3E743-97C5-C67F-2E7B-CFC4C096BF81}"/>
+          </ac:cxnSpMkLst>
+        </pc:cxnChg>
+        <pc:cxnChg chg="add del">
+          <ac:chgData name="苑 润泽" userId="0783eeab76cf4181" providerId="LiveId" clId="{8F46019D-248D-48EE-8955-6019E00368B9}" dt="2023-08-28T22:24:39.487" v="2002" actId="11529"/>
+          <ac:cxnSpMkLst>
+            <pc:docMk/>
+            <pc:sldMk cId="3800812550" sldId="264"/>
+            <ac:cxnSpMk id="21" creationId="{92DAD3C5-364F-27B9-8407-0A4A34DBDC71}"/>
+          </ac:cxnSpMkLst>
+        </pc:cxnChg>
+        <pc:cxnChg chg="add mod ord">
+          <ac:chgData name="苑 润泽" userId="0783eeab76cf4181" providerId="LiveId" clId="{8F46019D-248D-48EE-8955-6019E00368B9}" dt="2023-08-28T22:25:10.415" v="2010" actId="692"/>
+          <ac:cxnSpMkLst>
+            <pc:docMk/>
+            <pc:sldMk cId="3800812550" sldId="264"/>
+            <ac:cxnSpMk id="23" creationId="{F561E364-CBD5-AF6B-76C2-B47E2E3F548E}"/>
+          </ac:cxnSpMkLst>
+        </pc:cxnChg>
+        <pc:cxnChg chg="add mod ord">
+          <ac:chgData name="苑 润泽" userId="0783eeab76cf4181" providerId="LiveId" clId="{8F46019D-248D-48EE-8955-6019E00368B9}" dt="2023-08-28T22:26:13.030" v="2025" actId="167"/>
+          <ac:cxnSpMkLst>
+            <pc:docMk/>
+            <pc:sldMk cId="3800812550" sldId="264"/>
+            <ac:cxnSpMk id="29" creationId="{FEB92FCC-20B0-CA70-891E-0613DA57CF7C}"/>
+          </ac:cxnSpMkLst>
+        </pc:cxnChg>
+        <pc:cxnChg chg="add mod">
+          <ac:chgData name="苑 润泽" userId="0783eeab76cf4181" providerId="LiveId" clId="{8F46019D-248D-48EE-8955-6019E00368B9}" dt="2023-08-28T22:32:09.469" v="2269" actId="14100"/>
+          <ac:cxnSpMkLst>
+            <pc:docMk/>
+            <pc:sldMk cId="3800812550" sldId="264"/>
+            <ac:cxnSpMk id="31" creationId="{B43322BC-FFE0-1687-7AF0-11377FBED72A}"/>
+          </ac:cxnSpMkLst>
+        </pc:cxnChg>
+        <pc:cxnChg chg="add mod">
+          <ac:chgData name="苑 润泽" userId="0783eeab76cf4181" providerId="LiveId" clId="{8F46019D-248D-48EE-8955-6019E00368B9}" dt="2023-08-28T22:32:11.589" v="2270" actId="14100"/>
+          <ac:cxnSpMkLst>
+            <pc:docMk/>
+            <pc:sldMk cId="3800812550" sldId="264"/>
+            <ac:cxnSpMk id="33" creationId="{52E3D661-67AD-3660-5B78-A32495B91831}"/>
+          </ac:cxnSpMkLst>
+        </pc:cxnChg>
+        <pc:cxnChg chg="add mod">
+          <ac:chgData name="苑 润泽" userId="0783eeab76cf4181" providerId="LiveId" clId="{8F46019D-248D-48EE-8955-6019E00368B9}" dt="2023-08-28T22:32:20.856" v="2272" actId="14100"/>
+          <ac:cxnSpMkLst>
+            <pc:docMk/>
+            <pc:sldMk cId="3800812550" sldId="264"/>
+            <ac:cxnSpMk id="35" creationId="{F55F7EBB-2B33-AD5E-AC9B-3C0E85752210}"/>
+          </ac:cxnSpMkLst>
+        </pc:cxnChg>
+        <pc:cxnChg chg="add mod">
+          <ac:chgData name="苑 润泽" userId="0783eeab76cf4181" providerId="LiveId" clId="{8F46019D-248D-48EE-8955-6019E00368B9}" dt="2023-08-28T22:32:03.714" v="2267" actId="14100"/>
+          <ac:cxnSpMkLst>
+            <pc:docMk/>
+            <pc:sldMk cId="3800812550" sldId="264"/>
+            <ac:cxnSpMk id="37" creationId="{1E5B3381-9816-4D4E-EFDD-4A94892544CB}"/>
+          </ac:cxnSpMkLst>
+        </pc:cxnChg>
+      </pc:sldChg>
+    </pc:docChg>
+  </pc:docChgLst>
 </pc:chgInfo>
+</file>
+
+<file path=ppt/notesMasters/notesMaster1.xml><?xml version="1.0" encoding="utf-8"?>
+<p:notesMaster xmlns:a="http://schemas.openxmlformats.org/drawingml/2006/main" xmlns:r="http://schemas.openxmlformats.org/officeDocument/2006/relationships" xmlns:p="http://schemas.openxmlformats.org/presentationml/2006/main">
+  <p:cSld>
+    <p:bg>
+      <p:bgRef idx="1001">
+        <a:schemeClr val="bg1"/>
+      </p:bgRef>
+    </p:bg>
+    <p:spTree>
+      <p:nvGrpSpPr>
+        <p:cNvPr id="1" name=""/>
+        <p:cNvGrpSpPr/>
+        <p:nvPr/>
+      </p:nvGrpSpPr>
+      <p:grpSpPr>
+        <a:xfrm>
+          <a:off x="0" y="0"/>
+          <a:ext cx="0" cy="0"/>
+          <a:chOff x="0" y="0"/>
+          <a:chExt cx="0" cy="0"/>
+        </a:xfrm>
+      </p:grpSpPr>
+      <p:sp>
+        <p:nvSpPr>
+          <p:cNvPr id="2" name="页眉占位符 1"/>
+          <p:cNvSpPr>
+            <a:spLocks noGrp="1"/>
+          </p:cNvSpPr>
+          <p:nvPr>
+            <p:ph type="hdr" sz="quarter"/>
+          </p:nvPr>
+        </p:nvSpPr>
+        <p:spPr>
+          <a:xfrm>
+            <a:off x="0" y="0"/>
+            <a:ext cx="2971800" cy="458788"/>
+          </a:xfrm>
+          <a:prstGeom prst="rect">
+            <a:avLst/>
+          </a:prstGeom>
+        </p:spPr>
+        <p:txBody>
+          <a:bodyPr vert="horz" lIns="91440" tIns="45720" rIns="91440" bIns="45720" rtlCol="0"/>
+          <a:lstStyle>
+            <a:lvl1pPr algn="l">
+              <a:defRPr sz="1200"/>
+            </a:lvl1pPr>
+          </a:lstStyle>
+          <a:p>
+            <a:endParaRPr lang="zh-CN" altLang="en-US"/>
+          </a:p>
+        </p:txBody>
+      </p:sp>
+      <p:sp>
+        <p:nvSpPr>
+          <p:cNvPr id="3" name="日期占位符 2"/>
+          <p:cNvSpPr>
+            <a:spLocks noGrp="1"/>
+          </p:cNvSpPr>
+          <p:nvPr>
+            <p:ph type="dt" idx="1"/>
+          </p:nvPr>
+        </p:nvSpPr>
+        <p:spPr>
+          <a:xfrm>
+            <a:off x="3884613" y="0"/>
+            <a:ext cx="2971800" cy="458788"/>
+          </a:xfrm>
+          <a:prstGeom prst="rect">
+            <a:avLst/>
+          </a:prstGeom>
+        </p:spPr>
+        <p:txBody>
+          <a:bodyPr vert="horz" lIns="91440" tIns="45720" rIns="91440" bIns="45720" rtlCol="0"/>
+          <a:lstStyle>
+            <a:lvl1pPr algn="r">
+              <a:defRPr sz="1200"/>
+            </a:lvl1pPr>
+          </a:lstStyle>
+          <a:p>
+            <a:fld id="{BFD65AB2-401A-4355-8D1C-8A6C9B3461AD}" type="datetimeFigureOut">
+              <a:rPr lang="zh-CN" altLang="en-US" smtClean="0"/>
+              <a:t>2023/8/28</a:t>
+            </a:fld>
+            <a:endParaRPr lang="zh-CN" altLang="en-US"/>
+          </a:p>
+        </p:txBody>
+      </p:sp>
+      <p:sp>
+        <p:nvSpPr>
+          <p:cNvPr id="4" name="幻灯片图像占位符 3"/>
+          <p:cNvSpPr>
+            <a:spLocks noGrp="1" noRot="1" noChangeAspect="1"/>
+          </p:cNvSpPr>
+          <p:nvPr>
+            <p:ph type="sldImg" idx="2"/>
+          </p:nvPr>
+        </p:nvSpPr>
+        <p:spPr>
+          <a:xfrm>
+            <a:off x="685800" y="1143000"/>
+            <a:ext cx="5486400" cy="3086100"/>
+          </a:xfrm>
+          <a:prstGeom prst="rect">
+            <a:avLst/>
+          </a:prstGeom>
+          <a:noFill/>
+          <a:ln w="12700">
+            <a:solidFill>
+              <a:prstClr val="black"/>
+            </a:solidFill>
+          </a:ln>
+        </p:spPr>
+        <p:txBody>
+          <a:bodyPr vert="horz" lIns="91440" tIns="45720" rIns="91440" bIns="45720" rtlCol="0" anchor="ctr"/>
+          <a:lstStyle/>
+          <a:p>
+            <a:endParaRPr lang="zh-CN" altLang="en-US"/>
+          </a:p>
+        </p:txBody>
+      </p:sp>
+      <p:sp>
+        <p:nvSpPr>
+          <p:cNvPr id="5" name="备注占位符 4"/>
+          <p:cNvSpPr>
+            <a:spLocks noGrp="1"/>
+          </p:cNvSpPr>
+          <p:nvPr>
+            <p:ph type="body" sz="quarter" idx="3"/>
+          </p:nvPr>
+        </p:nvSpPr>
+        <p:spPr>
+          <a:xfrm>
+            <a:off x="685800" y="4400550"/>
+            <a:ext cx="5486400" cy="3600450"/>
+          </a:xfrm>
+          <a:prstGeom prst="rect">
+            <a:avLst/>
+          </a:prstGeom>
+        </p:spPr>
+        <p:txBody>
+          <a:bodyPr vert="horz" lIns="91440" tIns="45720" rIns="91440" bIns="45720" rtlCol="0"/>
+          <a:lstStyle/>
+          <a:p>
+            <a:pPr lvl="0"/>
+            <a:r>
+              <a:rPr lang="zh-CN" altLang="en-US"/>
+              <a:t>单击此处编辑母版文本样式</a:t>
+            </a:r>
+          </a:p>
+          <a:p>
+            <a:pPr lvl="1"/>
+            <a:r>
+              <a:rPr lang="zh-CN" altLang="en-US"/>
+              <a:t>二级</a:t>
+            </a:r>
+          </a:p>
+          <a:p>
+            <a:pPr lvl="2"/>
+            <a:r>
+              <a:rPr lang="zh-CN" altLang="en-US"/>
+              <a:t>三级</a:t>
+            </a:r>
+          </a:p>
+          <a:p>
+            <a:pPr lvl="3"/>
+            <a:r>
+              <a:rPr lang="zh-CN" altLang="en-US"/>
+              <a:t>四级</a:t>
+            </a:r>
+          </a:p>
+          <a:p>
+            <a:pPr lvl="4"/>
+            <a:r>
+              <a:rPr lang="zh-CN" altLang="en-US"/>
+              <a:t>五级</a:t>
+            </a:r>
+          </a:p>
+        </p:txBody>
+      </p:sp>
+      <p:sp>
+        <p:nvSpPr>
+          <p:cNvPr id="6" name="页脚占位符 5"/>
+          <p:cNvSpPr>
+            <a:spLocks noGrp="1"/>
+          </p:cNvSpPr>
+          <p:nvPr>
+            <p:ph type="ftr" sz="quarter" idx="4"/>
+          </p:nvPr>
+        </p:nvSpPr>
+        <p:spPr>
+          <a:xfrm>
+            <a:off x="0" y="8685213"/>
+            <a:ext cx="2971800" cy="458787"/>
+          </a:xfrm>
+          <a:prstGeom prst="rect">
+            <a:avLst/>
+          </a:prstGeom>
+        </p:spPr>
+        <p:txBody>
+          <a:bodyPr vert="horz" lIns="91440" tIns="45720" rIns="91440" bIns="45720" rtlCol="0" anchor="b"/>
+          <a:lstStyle>
+            <a:lvl1pPr algn="l">
+              <a:defRPr sz="1200"/>
+            </a:lvl1pPr>
+          </a:lstStyle>
+          <a:p>
+            <a:endParaRPr lang="zh-CN" altLang="en-US"/>
+          </a:p>
+        </p:txBody>
+      </p:sp>
+      <p:sp>
+        <p:nvSpPr>
+          <p:cNvPr id="7" name="灯片编号占位符 6"/>
+          <p:cNvSpPr>
+            <a:spLocks noGrp="1"/>
+          </p:cNvSpPr>
+          <p:nvPr>
+            <p:ph type="sldNum" sz="quarter" idx="5"/>
+          </p:nvPr>
+        </p:nvSpPr>
+        <p:spPr>
+          <a:xfrm>
+            <a:off x="3884613" y="8685213"/>
+            <a:ext cx="2971800" cy="458787"/>
+          </a:xfrm>
+          <a:prstGeom prst="rect">
+            <a:avLst/>
+          </a:prstGeom>
+        </p:spPr>
+        <p:txBody>
+          <a:bodyPr vert="horz" lIns="91440" tIns="45720" rIns="91440" bIns="45720" rtlCol="0" anchor="b"/>
+          <a:lstStyle>
+            <a:lvl1pPr algn="r">
+              <a:defRPr sz="1200"/>
+            </a:lvl1pPr>
+          </a:lstStyle>
+          <a:p>
+            <a:fld id="{81A3620B-DBE9-4772-8263-DD150704DD4E}" type="slidenum">
+              <a:rPr lang="zh-CN" altLang="en-US" smtClean="0"/>
+              <a:t>‹#›</a:t>
+            </a:fld>
+            <a:endParaRPr lang="zh-CN" altLang="en-US"/>
+          </a:p>
+        </p:txBody>
+      </p:sp>
+    </p:spTree>
+    <p:extLst>
+      <p:ext uri="{BB962C8B-B14F-4D97-AF65-F5344CB8AC3E}">
+        <p14:creationId xmlns:p14="http://schemas.microsoft.com/office/powerpoint/2010/main" val="1291366723"/>
+      </p:ext>
+    </p:extLst>
+  </p:cSld>
+  <p:clrMap bg1="lt1" tx1="dk1" bg2="lt2" tx2="dk2" accent1="accent1" accent2="accent2" accent3="accent3" accent4="accent4" accent5="accent5" accent6="accent6" hlink="hlink" folHlink="folHlink"/>
+  <p:notesStyle>
+    <a:lvl1pPr marL="0" algn="l" defTabSz="914400" rtl="0" eaLnBrk="1" latinLnBrk="0" hangingPunct="1">
+      <a:defRPr sz="1200" kern="1200">
+        <a:solidFill>
+          <a:schemeClr val="tx1"/>
+        </a:solidFill>
+        <a:latin typeface="+mn-lt"/>
+        <a:ea typeface="+mn-ea"/>
+        <a:cs typeface="+mn-cs"/>
+      </a:defRPr>
+    </a:lvl1pPr>
+    <a:lvl2pPr marL="457200" algn="l" defTabSz="914400" rtl="0" eaLnBrk="1" latinLnBrk="0" hangingPunct="1">
+      <a:defRPr sz="1200" kern="1200">
+        <a:solidFill>
+          <a:schemeClr val="tx1"/>
+        </a:solidFill>
+        <a:latin typeface="+mn-lt"/>
+        <a:ea typeface="+mn-ea"/>
+        <a:cs typeface="+mn-cs"/>
+      </a:defRPr>
+    </a:lvl2pPr>
+    <a:lvl3pPr marL="914400" algn="l" defTabSz="914400" rtl="0" eaLnBrk="1" latinLnBrk="0" hangingPunct="1">
+      <a:defRPr sz="1200" kern="1200">
+        <a:solidFill>
+          <a:schemeClr val="tx1"/>
+        </a:solidFill>
+        <a:latin typeface="+mn-lt"/>
+        <a:ea typeface="+mn-ea"/>
+        <a:cs typeface="+mn-cs"/>
+      </a:defRPr>
+    </a:lvl3pPr>
+    <a:lvl4pPr marL="1371600" algn="l" defTabSz="914400" rtl="0" eaLnBrk="1" latinLnBrk="0" hangingPunct="1">
+      <a:defRPr sz="1200" kern="1200">
+        <a:solidFill>
+          <a:schemeClr val="tx1"/>
+        </a:solidFill>
+        <a:latin typeface="+mn-lt"/>
+        <a:ea typeface="+mn-ea"/>
+        <a:cs typeface="+mn-cs"/>
+      </a:defRPr>
+    </a:lvl4pPr>
+    <a:lvl5pPr marL="1828800" algn="l" defTabSz="914400" rtl="0" eaLnBrk="1" latinLnBrk="0" hangingPunct="1">
+      <a:defRPr sz="1200" kern="1200">
+        <a:solidFill>
+          <a:schemeClr val="tx1"/>
+        </a:solidFill>
+        <a:latin typeface="+mn-lt"/>
+        <a:ea typeface="+mn-ea"/>
+        <a:cs typeface="+mn-cs"/>
+      </a:defRPr>
+    </a:lvl5pPr>
+    <a:lvl6pPr marL="2286000" algn="l" defTabSz="914400" rtl="0" eaLnBrk="1" latinLnBrk="0" hangingPunct="1">
+      <a:defRPr sz="1200" kern="1200">
+        <a:solidFill>
+          <a:schemeClr val="tx1"/>
+        </a:solidFill>
+        <a:latin typeface="+mn-lt"/>
+        <a:ea typeface="+mn-ea"/>
+        <a:cs typeface="+mn-cs"/>
+      </a:defRPr>
+    </a:lvl6pPr>
+    <a:lvl7pPr marL="2743200" algn="l" defTabSz="914400" rtl="0" eaLnBrk="1" latinLnBrk="0" hangingPunct="1">
+      <a:defRPr sz="1200" kern="1200">
+        <a:solidFill>
+          <a:schemeClr val="tx1"/>
+        </a:solidFill>
+        <a:latin typeface="+mn-lt"/>
+        <a:ea typeface="+mn-ea"/>
+        <a:cs typeface="+mn-cs"/>
+      </a:defRPr>
+    </a:lvl7pPr>
+    <a:lvl8pPr marL="3200400" algn="l" defTabSz="914400" rtl="0" eaLnBrk="1" latinLnBrk="0" hangingPunct="1">
+      <a:defRPr sz="1200" kern="1200">
+        <a:solidFill>
+          <a:schemeClr val="tx1"/>
+        </a:solidFill>
+        <a:latin typeface="+mn-lt"/>
+        <a:ea typeface="+mn-ea"/>
+        <a:cs typeface="+mn-cs"/>
+      </a:defRPr>
+    </a:lvl8pPr>
+    <a:lvl9pPr marL="3657600" algn="l" defTabSz="914400" rtl="0" eaLnBrk="1" latinLnBrk="0" hangingPunct="1">
+      <a:defRPr sz="1200" kern="1200">
+        <a:solidFill>
+          <a:schemeClr val="tx1"/>
+        </a:solidFill>
+        <a:latin typeface="+mn-lt"/>
+        <a:ea typeface="+mn-ea"/>
+        <a:cs typeface="+mn-cs"/>
+      </a:defRPr>
+    </a:lvl9pPr>
+  </p:notesStyle>
+</p:notesMaster>
 </file>
 
 <file path=ppt/slideLayouts/slideLayout1.xml><?xml version="1.0" encoding="utf-8"?>
@@ -1872,7 +3697,7 @@
           <a:p>
             <a:fld id="{7829C5DA-417D-443D-A6D3-E52113842282}" type="datetimeFigureOut">
               <a:rPr lang="zh-CN" altLang="en-US" smtClean="0"/>
-              <a:t>2023/8/24</a:t>
+              <a:t>2023/8/28</a:t>
             </a:fld>
             <a:endParaRPr lang="zh-CN" altLang="en-US"/>
           </a:p>
@@ -2070,7 +3895,7 @@
           <a:p>
             <a:fld id="{7829C5DA-417D-443D-A6D3-E52113842282}" type="datetimeFigureOut">
               <a:rPr lang="zh-CN" altLang="en-US" smtClean="0"/>
-              <a:t>2023/8/24</a:t>
+              <a:t>2023/8/28</a:t>
             </a:fld>
             <a:endParaRPr lang="zh-CN" altLang="en-US"/>
           </a:p>
@@ -2278,7 +4103,7 @@
           <a:p>
             <a:fld id="{7829C5DA-417D-443D-A6D3-E52113842282}" type="datetimeFigureOut">
               <a:rPr lang="zh-CN" altLang="en-US" smtClean="0"/>
-              <a:t>2023/8/24</a:t>
+              <a:t>2023/8/28</a:t>
             </a:fld>
             <a:endParaRPr lang="zh-CN" altLang="en-US"/>
           </a:p>
@@ -2476,7 +4301,7 @@
           <a:p>
             <a:fld id="{7829C5DA-417D-443D-A6D3-E52113842282}" type="datetimeFigureOut">
               <a:rPr lang="zh-CN" altLang="en-US" smtClean="0"/>
-              <a:t>2023/8/24</a:t>
+              <a:t>2023/8/28</a:t>
             </a:fld>
             <a:endParaRPr lang="zh-CN" altLang="en-US"/>
           </a:p>
@@ -2751,7 +4576,7 @@
           <a:p>
             <a:fld id="{7829C5DA-417D-443D-A6D3-E52113842282}" type="datetimeFigureOut">
               <a:rPr lang="zh-CN" altLang="en-US" smtClean="0"/>
-              <a:t>2023/8/24</a:t>
+              <a:t>2023/8/28</a:t>
             </a:fld>
             <a:endParaRPr lang="zh-CN" altLang="en-US"/>
           </a:p>
@@ -3016,7 +4841,7 @@
           <a:p>
             <a:fld id="{7829C5DA-417D-443D-A6D3-E52113842282}" type="datetimeFigureOut">
               <a:rPr lang="zh-CN" altLang="en-US" smtClean="0"/>
-              <a:t>2023/8/24</a:t>
+              <a:t>2023/8/28</a:t>
             </a:fld>
             <a:endParaRPr lang="zh-CN" altLang="en-US"/>
           </a:p>
@@ -3428,7 +5253,7 @@
           <a:p>
             <a:fld id="{7829C5DA-417D-443D-A6D3-E52113842282}" type="datetimeFigureOut">
               <a:rPr lang="zh-CN" altLang="en-US" smtClean="0"/>
-              <a:t>2023/8/24</a:t>
+              <a:t>2023/8/28</a:t>
             </a:fld>
             <a:endParaRPr lang="zh-CN" altLang="en-US"/>
           </a:p>
@@ -3569,7 +5394,7 @@
           <a:p>
             <a:fld id="{7829C5DA-417D-443D-A6D3-E52113842282}" type="datetimeFigureOut">
               <a:rPr lang="zh-CN" altLang="en-US" smtClean="0"/>
-              <a:t>2023/8/24</a:t>
+              <a:t>2023/8/28</a:t>
             </a:fld>
             <a:endParaRPr lang="zh-CN" altLang="en-US"/>
           </a:p>
@@ -3682,7 +5507,7 @@
           <a:p>
             <a:fld id="{7829C5DA-417D-443D-A6D3-E52113842282}" type="datetimeFigureOut">
               <a:rPr lang="zh-CN" altLang="en-US" smtClean="0"/>
-              <a:t>2023/8/24</a:t>
+              <a:t>2023/8/28</a:t>
             </a:fld>
             <a:endParaRPr lang="zh-CN" altLang="en-US"/>
           </a:p>
@@ -3993,7 +5818,7 @@
           <a:p>
             <a:fld id="{7829C5DA-417D-443D-A6D3-E52113842282}" type="datetimeFigureOut">
               <a:rPr lang="zh-CN" altLang="en-US" smtClean="0"/>
-              <a:t>2023/8/24</a:t>
+              <a:t>2023/8/28</a:t>
             </a:fld>
             <a:endParaRPr lang="zh-CN" altLang="en-US"/>
           </a:p>
@@ -4281,7 +6106,7 @@
           <a:p>
             <a:fld id="{7829C5DA-417D-443D-A6D3-E52113842282}" type="datetimeFigureOut">
               <a:rPr lang="zh-CN" altLang="en-US" smtClean="0"/>
-              <a:t>2023/8/24</a:t>
+              <a:t>2023/8/28</a:t>
             </a:fld>
             <a:endParaRPr lang="zh-CN" altLang="en-US"/>
           </a:p>
@@ -4522,7 +6347,7 @@
           <a:p>
             <a:fld id="{7829C5DA-417D-443D-A6D3-E52113842282}" type="datetimeFigureOut">
               <a:rPr lang="zh-CN" altLang="en-US" smtClean="0"/>
-              <a:t>2023/8/24</a:t>
+              <a:t>2023/8/28</a:t>
             </a:fld>
             <a:endParaRPr lang="zh-CN" altLang="en-US"/>
           </a:p>
@@ -10756,6 +12581,6997 @@
 </p:sld>
 </file>
 
+<file path=ppt/slides/slide5.xml><?xml version="1.0" encoding="utf-8"?>
+<p:sld xmlns:a="http://schemas.openxmlformats.org/drawingml/2006/main" xmlns:r="http://schemas.openxmlformats.org/officeDocument/2006/relationships" xmlns:p="http://schemas.openxmlformats.org/presentationml/2006/main">
+  <p:cSld>
+    <p:spTree>
+      <p:nvGrpSpPr>
+        <p:cNvPr id="1" name=""/>
+        <p:cNvGrpSpPr/>
+        <p:nvPr/>
+      </p:nvGrpSpPr>
+      <p:grpSpPr>
+        <a:xfrm>
+          <a:off x="0" y="0"/>
+          <a:ext cx="0" cy="0"/>
+          <a:chOff x="0" y="0"/>
+          <a:chExt cx="0" cy="0"/>
+        </a:xfrm>
+      </p:grpSpPr>
+      <p:grpSp>
+        <p:nvGrpSpPr>
+          <p:cNvPr id="15" name="组合 14">
+            <a:extLst>
+              <a:ext uri="{FF2B5EF4-FFF2-40B4-BE49-F238E27FC236}">
+                <a16:creationId xmlns:a16="http://schemas.microsoft.com/office/drawing/2014/main" id="{A39B2E65-8A1C-BA89-DC63-8B4B4656D1F5}"/>
+              </a:ext>
+            </a:extLst>
+          </p:cNvPr>
+          <p:cNvGrpSpPr/>
+          <p:nvPr/>
+        </p:nvGrpSpPr>
+        <p:grpSpPr>
+          <a:xfrm>
+            <a:off x="580334" y="533610"/>
+            <a:ext cx="1080000" cy="540000"/>
+            <a:chOff x="1986054" y="1741437"/>
+            <a:chExt cx="1080000" cy="540000"/>
+          </a:xfrm>
+        </p:grpSpPr>
+        <p:grpSp>
+          <p:nvGrpSpPr>
+            <p:cNvPr id="9" name="组合 8">
+              <a:extLst>
+                <a:ext uri="{FF2B5EF4-FFF2-40B4-BE49-F238E27FC236}">
+                  <a16:creationId xmlns:a16="http://schemas.microsoft.com/office/drawing/2014/main" id="{B5B46E01-D713-A78A-CAE4-F6214AE5D27E}"/>
+                </a:ext>
+              </a:extLst>
+            </p:cNvPr>
+            <p:cNvGrpSpPr/>
+            <p:nvPr/>
+          </p:nvGrpSpPr>
+          <p:grpSpPr>
+            <a:xfrm>
+              <a:off x="1986054" y="1741437"/>
+              <a:ext cx="540000" cy="540000"/>
+              <a:chOff x="1986054" y="1741437"/>
+              <a:chExt cx="540000" cy="540000"/>
+            </a:xfrm>
+          </p:grpSpPr>
+          <p:cxnSp>
+            <p:nvCxnSpPr>
+              <p:cNvPr id="3" name="直接连接符 2">
+                <a:extLst>
+                  <a:ext uri="{FF2B5EF4-FFF2-40B4-BE49-F238E27FC236}">
+                    <a16:creationId xmlns:a16="http://schemas.microsoft.com/office/drawing/2014/main" id="{5EB4856B-ECE7-3D5C-A732-A4FF88E5803E}"/>
+                  </a:ext>
+                </a:extLst>
+              </p:cNvPr>
+              <p:cNvCxnSpPr/>
+              <p:nvPr/>
+            </p:nvCxnSpPr>
+            <p:spPr>
+              <a:xfrm>
+                <a:off x="1986054" y="1741437"/>
+                <a:ext cx="0" cy="540000"/>
+              </a:xfrm>
+              <a:prstGeom prst="line">
+                <a:avLst/>
+              </a:prstGeom>
+              <a:ln w="12700"/>
+            </p:spPr>
+            <p:style>
+              <a:lnRef idx="1">
+                <a:schemeClr val="dk1"/>
+              </a:lnRef>
+              <a:fillRef idx="0">
+                <a:schemeClr val="dk1"/>
+              </a:fillRef>
+              <a:effectRef idx="0">
+                <a:schemeClr val="dk1"/>
+              </a:effectRef>
+              <a:fontRef idx="minor">
+                <a:schemeClr val="tx1"/>
+              </a:fontRef>
+            </p:style>
+          </p:cxnSp>
+          <p:cxnSp>
+            <p:nvCxnSpPr>
+              <p:cNvPr id="8" name="直接连接符 7">
+                <a:extLst>
+                  <a:ext uri="{FF2B5EF4-FFF2-40B4-BE49-F238E27FC236}">
+                    <a16:creationId xmlns:a16="http://schemas.microsoft.com/office/drawing/2014/main" id="{B4D63808-60F3-C80B-EC80-2365585D2255}"/>
+                  </a:ext>
+                </a:extLst>
+              </p:cNvPr>
+              <p:cNvCxnSpPr/>
+              <p:nvPr/>
+            </p:nvCxnSpPr>
+            <p:spPr>
+              <a:xfrm>
+                <a:off x="1986054" y="1741437"/>
+                <a:ext cx="540000" cy="0"/>
+              </a:xfrm>
+              <a:prstGeom prst="line">
+                <a:avLst/>
+              </a:prstGeom>
+              <a:ln w="12700"/>
+            </p:spPr>
+            <p:style>
+              <a:lnRef idx="1">
+                <a:schemeClr val="dk1"/>
+              </a:lnRef>
+              <a:fillRef idx="0">
+                <a:schemeClr val="dk1"/>
+              </a:fillRef>
+              <a:effectRef idx="0">
+                <a:schemeClr val="dk1"/>
+              </a:effectRef>
+              <a:fontRef idx="minor">
+                <a:schemeClr val="tx1"/>
+              </a:fontRef>
+            </p:style>
+          </p:cxnSp>
+        </p:grpSp>
+        <p:grpSp>
+          <p:nvGrpSpPr>
+            <p:cNvPr id="10" name="组合 9">
+              <a:extLst>
+                <a:ext uri="{FF2B5EF4-FFF2-40B4-BE49-F238E27FC236}">
+                  <a16:creationId xmlns:a16="http://schemas.microsoft.com/office/drawing/2014/main" id="{F8375F45-7584-2F7D-3D0A-EBEE2FDB53DE}"/>
+                </a:ext>
+              </a:extLst>
+            </p:cNvPr>
+            <p:cNvGrpSpPr/>
+            <p:nvPr/>
+          </p:nvGrpSpPr>
+          <p:grpSpPr>
+            <a:xfrm rot="16200000">
+              <a:off x="2526054" y="1741437"/>
+              <a:ext cx="540000" cy="540000"/>
+              <a:chOff x="1986054" y="1741437"/>
+              <a:chExt cx="540000" cy="540000"/>
+            </a:xfrm>
+          </p:grpSpPr>
+          <p:cxnSp>
+            <p:nvCxnSpPr>
+              <p:cNvPr id="12" name="直接连接符 11">
+                <a:extLst>
+                  <a:ext uri="{FF2B5EF4-FFF2-40B4-BE49-F238E27FC236}">
+                    <a16:creationId xmlns:a16="http://schemas.microsoft.com/office/drawing/2014/main" id="{735B88DF-7047-DDFF-7D55-85EC1A3F8089}"/>
+                  </a:ext>
+                </a:extLst>
+              </p:cNvPr>
+              <p:cNvCxnSpPr/>
+              <p:nvPr/>
+            </p:nvCxnSpPr>
+            <p:spPr>
+              <a:xfrm>
+                <a:off x="1986054" y="1741437"/>
+                <a:ext cx="0" cy="540000"/>
+              </a:xfrm>
+              <a:prstGeom prst="line">
+                <a:avLst/>
+              </a:prstGeom>
+              <a:ln w="12700"/>
+            </p:spPr>
+            <p:style>
+              <a:lnRef idx="1">
+                <a:schemeClr val="dk1"/>
+              </a:lnRef>
+              <a:fillRef idx="0">
+                <a:schemeClr val="dk1"/>
+              </a:fillRef>
+              <a:effectRef idx="0">
+                <a:schemeClr val="dk1"/>
+              </a:effectRef>
+              <a:fontRef idx="minor">
+                <a:schemeClr val="tx1"/>
+              </a:fontRef>
+            </p:style>
+          </p:cxnSp>
+          <p:cxnSp>
+            <p:nvCxnSpPr>
+              <p:cNvPr id="13" name="直接连接符 12">
+                <a:extLst>
+                  <a:ext uri="{FF2B5EF4-FFF2-40B4-BE49-F238E27FC236}">
+                    <a16:creationId xmlns:a16="http://schemas.microsoft.com/office/drawing/2014/main" id="{C4E31281-AD26-764B-3978-D3113E307418}"/>
+                  </a:ext>
+                </a:extLst>
+              </p:cNvPr>
+              <p:cNvCxnSpPr/>
+              <p:nvPr/>
+            </p:nvCxnSpPr>
+            <p:spPr>
+              <a:xfrm>
+                <a:off x="1986054" y="1741437"/>
+                <a:ext cx="540000" cy="0"/>
+              </a:xfrm>
+              <a:prstGeom prst="line">
+                <a:avLst/>
+              </a:prstGeom>
+              <a:ln w="12700"/>
+            </p:spPr>
+            <p:style>
+              <a:lnRef idx="1">
+                <a:schemeClr val="dk1"/>
+              </a:lnRef>
+              <a:fillRef idx="0">
+                <a:schemeClr val="dk1"/>
+              </a:fillRef>
+              <a:effectRef idx="0">
+                <a:schemeClr val="dk1"/>
+              </a:effectRef>
+              <a:fontRef idx="minor">
+                <a:schemeClr val="tx1"/>
+              </a:fontRef>
+            </p:style>
+          </p:cxnSp>
+        </p:grpSp>
+      </p:grpSp>
+      <p:grpSp>
+        <p:nvGrpSpPr>
+          <p:cNvPr id="16" name="组合 15">
+            <a:extLst>
+              <a:ext uri="{FF2B5EF4-FFF2-40B4-BE49-F238E27FC236}">
+                <a16:creationId xmlns:a16="http://schemas.microsoft.com/office/drawing/2014/main" id="{8FD2FACB-ED08-EE09-2FDA-8498A5C8138B}"/>
+              </a:ext>
+            </a:extLst>
+          </p:cNvPr>
+          <p:cNvGrpSpPr/>
+          <p:nvPr/>
+        </p:nvGrpSpPr>
+        <p:grpSpPr>
+          <a:xfrm>
+            <a:off x="2511947" y="2805962"/>
+            <a:ext cx="1080000" cy="540000"/>
+            <a:chOff x="1986054" y="1741437"/>
+            <a:chExt cx="1080000" cy="540000"/>
+          </a:xfrm>
+        </p:grpSpPr>
+        <p:grpSp>
+          <p:nvGrpSpPr>
+            <p:cNvPr id="17" name="组合 16">
+              <a:extLst>
+                <a:ext uri="{FF2B5EF4-FFF2-40B4-BE49-F238E27FC236}">
+                  <a16:creationId xmlns:a16="http://schemas.microsoft.com/office/drawing/2014/main" id="{0EC35AC2-51AA-97FB-40EA-035EA3237882}"/>
+                </a:ext>
+              </a:extLst>
+            </p:cNvPr>
+            <p:cNvGrpSpPr/>
+            <p:nvPr/>
+          </p:nvGrpSpPr>
+          <p:grpSpPr>
+            <a:xfrm>
+              <a:off x="1986054" y="1741437"/>
+              <a:ext cx="540000" cy="540000"/>
+              <a:chOff x="1986054" y="1741437"/>
+              <a:chExt cx="540000" cy="540000"/>
+            </a:xfrm>
+          </p:grpSpPr>
+          <p:cxnSp>
+            <p:nvCxnSpPr>
+              <p:cNvPr id="21" name="直接连接符 20">
+                <a:extLst>
+                  <a:ext uri="{FF2B5EF4-FFF2-40B4-BE49-F238E27FC236}">
+                    <a16:creationId xmlns:a16="http://schemas.microsoft.com/office/drawing/2014/main" id="{DEEEAC8D-D94C-3C4E-BF86-F1EAF32CB831}"/>
+                  </a:ext>
+                </a:extLst>
+              </p:cNvPr>
+              <p:cNvCxnSpPr/>
+              <p:nvPr/>
+            </p:nvCxnSpPr>
+            <p:spPr>
+              <a:xfrm>
+                <a:off x="1986054" y="1741437"/>
+                <a:ext cx="0" cy="540000"/>
+              </a:xfrm>
+              <a:prstGeom prst="line">
+                <a:avLst/>
+              </a:prstGeom>
+              <a:ln w="12700"/>
+            </p:spPr>
+            <p:style>
+              <a:lnRef idx="1">
+                <a:schemeClr val="dk1"/>
+              </a:lnRef>
+              <a:fillRef idx="0">
+                <a:schemeClr val="dk1"/>
+              </a:fillRef>
+              <a:effectRef idx="0">
+                <a:schemeClr val="dk1"/>
+              </a:effectRef>
+              <a:fontRef idx="minor">
+                <a:schemeClr val="tx1"/>
+              </a:fontRef>
+            </p:style>
+          </p:cxnSp>
+          <p:cxnSp>
+            <p:nvCxnSpPr>
+              <p:cNvPr id="22" name="直接连接符 21">
+                <a:extLst>
+                  <a:ext uri="{FF2B5EF4-FFF2-40B4-BE49-F238E27FC236}">
+                    <a16:creationId xmlns:a16="http://schemas.microsoft.com/office/drawing/2014/main" id="{D79D832E-778A-D70E-2A9A-B1C607192D2C}"/>
+                  </a:ext>
+                </a:extLst>
+              </p:cNvPr>
+              <p:cNvCxnSpPr/>
+              <p:nvPr/>
+            </p:nvCxnSpPr>
+            <p:spPr>
+              <a:xfrm>
+                <a:off x="1986054" y="1741437"/>
+                <a:ext cx="540000" cy="0"/>
+              </a:xfrm>
+              <a:prstGeom prst="line">
+                <a:avLst/>
+              </a:prstGeom>
+              <a:ln w="12700"/>
+            </p:spPr>
+            <p:style>
+              <a:lnRef idx="1">
+                <a:schemeClr val="dk1"/>
+              </a:lnRef>
+              <a:fillRef idx="0">
+                <a:schemeClr val="dk1"/>
+              </a:fillRef>
+              <a:effectRef idx="0">
+                <a:schemeClr val="dk1"/>
+              </a:effectRef>
+              <a:fontRef idx="minor">
+                <a:schemeClr val="tx1"/>
+              </a:fontRef>
+            </p:style>
+          </p:cxnSp>
+        </p:grpSp>
+        <p:grpSp>
+          <p:nvGrpSpPr>
+            <p:cNvPr id="18" name="组合 17">
+              <a:extLst>
+                <a:ext uri="{FF2B5EF4-FFF2-40B4-BE49-F238E27FC236}">
+                  <a16:creationId xmlns:a16="http://schemas.microsoft.com/office/drawing/2014/main" id="{18A7C93C-9E06-C99F-76EB-14EB3D9D8316}"/>
+                </a:ext>
+              </a:extLst>
+            </p:cNvPr>
+            <p:cNvGrpSpPr/>
+            <p:nvPr/>
+          </p:nvGrpSpPr>
+          <p:grpSpPr>
+            <a:xfrm rot="16200000">
+              <a:off x="2526054" y="1741437"/>
+              <a:ext cx="540000" cy="540000"/>
+              <a:chOff x="1986054" y="1741437"/>
+              <a:chExt cx="540000" cy="540000"/>
+            </a:xfrm>
+          </p:grpSpPr>
+          <p:cxnSp>
+            <p:nvCxnSpPr>
+              <p:cNvPr id="19" name="直接连接符 18">
+                <a:extLst>
+                  <a:ext uri="{FF2B5EF4-FFF2-40B4-BE49-F238E27FC236}">
+                    <a16:creationId xmlns:a16="http://schemas.microsoft.com/office/drawing/2014/main" id="{07C5BA0F-FE50-A930-CEC4-3CA61C3B2FA6}"/>
+                  </a:ext>
+                </a:extLst>
+              </p:cNvPr>
+              <p:cNvCxnSpPr/>
+              <p:nvPr/>
+            </p:nvCxnSpPr>
+            <p:spPr>
+              <a:xfrm>
+                <a:off x="1986054" y="1741437"/>
+                <a:ext cx="0" cy="540000"/>
+              </a:xfrm>
+              <a:prstGeom prst="line">
+                <a:avLst/>
+              </a:prstGeom>
+              <a:ln w="12700"/>
+            </p:spPr>
+            <p:style>
+              <a:lnRef idx="1">
+                <a:schemeClr val="dk1"/>
+              </a:lnRef>
+              <a:fillRef idx="0">
+                <a:schemeClr val="dk1"/>
+              </a:fillRef>
+              <a:effectRef idx="0">
+                <a:schemeClr val="dk1"/>
+              </a:effectRef>
+              <a:fontRef idx="minor">
+                <a:schemeClr val="tx1"/>
+              </a:fontRef>
+            </p:style>
+          </p:cxnSp>
+          <p:cxnSp>
+            <p:nvCxnSpPr>
+              <p:cNvPr id="20" name="直接连接符 19">
+                <a:extLst>
+                  <a:ext uri="{FF2B5EF4-FFF2-40B4-BE49-F238E27FC236}">
+                    <a16:creationId xmlns:a16="http://schemas.microsoft.com/office/drawing/2014/main" id="{B0735D39-843E-5088-498C-242127721148}"/>
+                  </a:ext>
+                </a:extLst>
+              </p:cNvPr>
+              <p:cNvCxnSpPr/>
+              <p:nvPr/>
+            </p:nvCxnSpPr>
+            <p:spPr>
+              <a:xfrm>
+                <a:off x="1986054" y="1741437"/>
+                <a:ext cx="540000" cy="0"/>
+              </a:xfrm>
+              <a:prstGeom prst="line">
+                <a:avLst/>
+              </a:prstGeom>
+              <a:ln w="12700"/>
+            </p:spPr>
+            <p:style>
+              <a:lnRef idx="1">
+                <a:schemeClr val="dk1"/>
+              </a:lnRef>
+              <a:fillRef idx="0">
+                <a:schemeClr val="dk1"/>
+              </a:fillRef>
+              <a:effectRef idx="0">
+                <a:schemeClr val="dk1"/>
+              </a:effectRef>
+              <a:fontRef idx="minor">
+                <a:schemeClr val="tx1"/>
+              </a:fontRef>
+            </p:style>
+          </p:cxnSp>
+        </p:grpSp>
+      </p:grpSp>
+      <p:grpSp>
+        <p:nvGrpSpPr>
+          <p:cNvPr id="23" name="组合 22">
+            <a:extLst>
+              <a:ext uri="{FF2B5EF4-FFF2-40B4-BE49-F238E27FC236}">
+                <a16:creationId xmlns:a16="http://schemas.microsoft.com/office/drawing/2014/main" id="{94105B8C-CDAE-1D8C-ED3E-E4387B6597E6}"/>
+              </a:ext>
+            </a:extLst>
+          </p:cNvPr>
+          <p:cNvGrpSpPr/>
+          <p:nvPr/>
+        </p:nvGrpSpPr>
+        <p:grpSpPr>
+          <a:xfrm>
+            <a:off x="3591945" y="2805962"/>
+            <a:ext cx="1080001" cy="540000"/>
+            <a:chOff x="1986054" y="1741437"/>
+            <a:chExt cx="1080001" cy="540000"/>
+          </a:xfrm>
+        </p:grpSpPr>
+        <p:grpSp>
+          <p:nvGrpSpPr>
+            <p:cNvPr id="24" name="组合 23">
+              <a:extLst>
+                <a:ext uri="{FF2B5EF4-FFF2-40B4-BE49-F238E27FC236}">
+                  <a16:creationId xmlns:a16="http://schemas.microsoft.com/office/drawing/2014/main" id="{0358E003-B4D9-EE1C-8339-2B489CE90993}"/>
+                </a:ext>
+              </a:extLst>
+            </p:cNvPr>
+            <p:cNvGrpSpPr/>
+            <p:nvPr/>
+          </p:nvGrpSpPr>
+          <p:grpSpPr>
+            <a:xfrm>
+              <a:off x="1986054" y="1741437"/>
+              <a:ext cx="540000" cy="540000"/>
+              <a:chOff x="1986054" y="1741437"/>
+              <a:chExt cx="540000" cy="540000"/>
+            </a:xfrm>
+          </p:grpSpPr>
+          <p:cxnSp>
+            <p:nvCxnSpPr>
+              <p:cNvPr id="32" name="直接连接符 31">
+                <a:extLst>
+                  <a:ext uri="{FF2B5EF4-FFF2-40B4-BE49-F238E27FC236}">
+                    <a16:creationId xmlns:a16="http://schemas.microsoft.com/office/drawing/2014/main" id="{22E9ABC0-DBA3-AB93-FFF3-CB1EBF380E16}"/>
+                  </a:ext>
+                </a:extLst>
+              </p:cNvPr>
+              <p:cNvCxnSpPr/>
+              <p:nvPr/>
+            </p:nvCxnSpPr>
+            <p:spPr>
+              <a:xfrm>
+                <a:off x="1986054" y="1741437"/>
+                <a:ext cx="0" cy="540000"/>
+              </a:xfrm>
+              <a:prstGeom prst="line">
+                <a:avLst/>
+              </a:prstGeom>
+              <a:ln w="12700"/>
+            </p:spPr>
+            <p:style>
+              <a:lnRef idx="1">
+                <a:schemeClr val="dk1"/>
+              </a:lnRef>
+              <a:fillRef idx="0">
+                <a:schemeClr val="dk1"/>
+              </a:fillRef>
+              <a:effectRef idx="0">
+                <a:schemeClr val="dk1"/>
+              </a:effectRef>
+              <a:fontRef idx="minor">
+                <a:schemeClr val="tx1"/>
+              </a:fontRef>
+            </p:style>
+          </p:cxnSp>
+          <p:cxnSp>
+            <p:nvCxnSpPr>
+              <p:cNvPr id="33" name="直接连接符 32">
+                <a:extLst>
+                  <a:ext uri="{FF2B5EF4-FFF2-40B4-BE49-F238E27FC236}">
+                    <a16:creationId xmlns:a16="http://schemas.microsoft.com/office/drawing/2014/main" id="{5D5197DA-2B24-FE3C-BD89-A66E1ADBEA4A}"/>
+                  </a:ext>
+                </a:extLst>
+              </p:cNvPr>
+              <p:cNvCxnSpPr/>
+              <p:nvPr/>
+            </p:nvCxnSpPr>
+            <p:spPr>
+              <a:xfrm>
+                <a:off x="1986054" y="1741437"/>
+                <a:ext cx="540000" cy="0"/>
+              </a:xfrm>
+              <a:prstGeom prst="line">
+                <a:avLst/>
+              </a:prstGeom>
+              <a:ln w="12700"/>
+            </p:spPr>
+            <p:style>
+              <a:lnRef idx="1">
+                <a:schemeClr val="dk1"/>
+              </a:lnRef>
+              <a:fillRef idx="0">
+                <a:schemeClr val="dk1"/>
+              </a:fillRef>
+              <a:effectRef idx="0">
+                <a:schemeClr val="dk1"/>
+              </a:effectRef>
+              <a:fontRef idx="minor">
+                <a:schemeClr val="tx1"/>
+              </a:fontRef>
+            </p:style>
+          </p:cxnSp>
+        </p:grpSp>
+        <p:grpSp>
+          <p:nvGrpSpPr>
+            <p:cNvPr id="29" name="组合 28">
+              <a:extLst>
+                <a:ext uri="{FF2B5EF4-FFF2-40B4-BE49-F238E27FC236}">
+                  <a16:creationId xmlns:a16="http://schemas.microsoft.com/office/drawing/2014/main" id="{41DD7049-C173-55C4-636F-649991680B9A}"/>
+                </a:ext>
+              </a:extLst>
+            </p:cNvPr>
+            <p:cNvGrpSpPr/>
+            <p:nvPr/>
+          </p:nvGrpSpPr>
+          <p:grpSpPr>
+            <a:xfrm rot="16200000">
+              <a:off x="2526055" y="1741437"/>
+              <a:ext cx="540000" cy="540000"/>
+              <a:chOff x="1986054" y="1741437"/>
+              <a:chExt cx="540000" cy="540000"/>
+            </a:xfrm>
+          </p:grpSpPr>
+          <p:cxnSp>
+            <p:nvCxnSpPr>
+              <p:cNvPr id="30" name="直接连接符 29">
+                <a:extLst>
+                  <a:ext uri="{FF2B5EF4-FFF2-40B4-BE49-F238E27FC236}">
+                    <a16:creationId xmlns:a16="http://schemas.microsoft.com/office/drawing/2014/main" id="{C3A35B90-FE1B-492B-F94C-001CF59EC680}"/>
+                  </a:ext>
+                </a:extLst>
+              </p:cNvPr>
+              <p:cNvCxnSpPr/>
+              <p:nvPr/>
+            </p:nvCxnSpPr>
+            <p:spPr>
+              <a:xfrm>
+                <a:off x="1986054" y="1741437"/>
+                <a:ext cx="0" cy="540000"/>
+              </a:xfrm>
+              <a:prstGeom prst="line">
+                <a:avLst/>
+              </a:prstGeom>
+              <a:ln w="12700"/>
+            </p:spPr>
+            <p:style>
+              <a:lnRef idx="1">
+                <a:schemeClr val="dk1"/>
+              </a:lnRef>
+              <a:fillRef idx="0">
+                <a:schemeClr val="dk1"/>
+              </a:fillRef>
+              <a:effectRef idx="0">
+                <a:schemeClr val="dk1"/>
+              </a:effectRef>
+              <a:fontRef idx="minor">
+                <a:schemeClr val="tx1"/>
+              </a:fontRef>
+            </p:style>
+          </p:cxnSp>
+          <p:cxnSp>
+            <p:nvCxnSpPr>
+              <p:cNvPr id="31" name="直接连接符 30">
+                <a:extLst>
+                  <a:ext uri="{FF2B5EF4-FFF2-40B4-BE49-F238E27FC236}">
+                    <a16:creationId xmlns:a16="http://schemas.microsoft.com/office/drawing/2014/main" id="{46CABCA2-D8C0-562F-1FF1-7FEBB96C50BA}"/>
+                  </a:ext>
+                </a:extLst>
+              </p:cNvPr>
+              <p:cNvCxnSpPr/>
+              <p:nvPr/>
+            </p:nvCxnSpPr>
+            <p:spPr>
+              <a:xfrm>
+                <a:off x="1986054" y="1741437"/>
+                <a:ext cx="540000" cy="0"/>
+              </a:xfrm>
+              <a:prstGeom prst="line">
+                <a:avLst/>
+              </a:prstGeom>
+              <a:ln w="12700"/>
+            </p:spPr>
+            <p:style>
+              <a:lnRef idx="1">
+                <a:schemeClr val="dk1"/>
+              </a:lnRef>
+              <a:fillRef idx="0">
+                <a:schemeClr val="dk1"/>
+              </a:fillRef>
+              <a:effectRef idx="0">
+                <a:schemeClr val="dk1"/>
+              </a:effectRef>
+              <a:fontRef idx="minor">
+                <a:schemeClr val="tx1"/>
+              </a:fontRef>
+            </p:style>
+          </p:cxnSp>
+        </p:grpSp>
+      </p:grpSp>
+      <p:grpSp>
+        <p:nvGrpSpPr>
+          <p:cNvPr id="35" name="组合 34">
+            <a:extLst>
+              <a:ext uri="{FF2B5EF4-FFF2-40B4-BE49-F238E27FC236}">
+                <a16:creationId xmlns:a16="http://schemas.microsoft.com/office/drawing/2014/main" id="{EEE0F7AE-B7EE-4C79-1DED-E9443A74BE22}"/>
+              </a:ext>
+            </a:extLst>
+          </p:cNvPr>
+          <p:cNvGrpSpPr/>
+          <p:nvPr/>
+        </p:nvGrpSpPr>
+        <p:grpSpPr>
+          <a:xfrm>
+            <a:off x="4675601" y="2805961"/>
+            <a:ext cx="1080001" cy="540000"/>
+            <a:chOff x="1986054" y="1741437"/>
+            <a:chExt cx="1080001" cy="540000"/>
+          </a:xfrm>
+        </p:grpSpPr>
+        <p:grpSp>
+          <p:nvGrpSpPr>
+            <p:cNvPr id="36" name="组合 35">
+              <a:extLst>
+                <a:ext uri="{FF2B5EF4-FFF2-40B4-BE49-F238E27FC236}">
+                  <a16:creationId xmlns:a16="http://schemas.microsoft.com/office/drawing/2014/main" id="{7F4328F1-0812-CA37-1511-38018E48F0B7}"/>
+                </a:ext>
+              </a:extLst>
+            </p:cNvPr>
+            <p:cNvGrpSpPr/>
+            <p:nvPr/>
+          </p:nvGrpSpPr>
+          <p:grpSpPr>
+            <a:xfrm>
+              <a:off x="1986054" y="1741437"/>
+              <a:ext cx="540000" cy="540000"/>
+              <a:chOff x="1986054" y="1741437"/>
+              <a:chExt cx="540000" cy="540000"/>
+            </a:xfrm>
+          </p:grpSpPr>
+          <p:cxnSp>
+            <p:nvCxnSpPr>
+              <p:cNvPr id="40" name="直接连接符 39">
+                <a:extLst>
+                  <a:ext uri="{FF2B5EF4-FFF2-40B4-BE49-F238E27FC236}">
+                    <a16:creationId xmlns:a16="http://schemas.microsoft.com/office/drawing/2014/main" id="{F442833E-AC96-2D3F-B62F-099B95270F54}"/>
+                  </a:ext>
+                </a:extLst>
+              </p:cNvPr>
+              <p:cNvCxnSpPr/>
+              <p:nvPr/>
+            </p:nvCxnSpPr>
+            <p:spPr>
+              <a:xfrm>
+                <a:off x="1986054" y="1741437"/>
+                <a:ext cx="0" cy="540000"/>
+              </a:xfrm>
+              <a:prstGeom prst="line">
+                <a:avLst/>
+              </a:prstGeom>
+              <a:ln w="12700"/>
+            </p:spPr>
+            <p:style>
+              <a:lnRef idx="1">
+                <a:schemeClr val="dk1"/>
+              </a:lnRef>
+              <a:fillRef idx="0">
+                <a:schemeClr val="dk1"/>
+              </a:fillRef>
+              <a:effectRef idx="0">
+                <a:schemeClr val="dk1"/>
+              </a:effectRef>
+              <a:fontRef idx="minor">
+                <a:schemeClr val="tx1"/>
+              </a:fontRef>
+            </p:style>
+          </p:cxnSp>
+          <p:cxnSp>
+            <p:nvCxnSpPr>
+              <p:cNvPr id="41" name="直接连接符 40">
+                <a:extLst>
+                  <a:ext uri="{FF2B5EF4-FFF2-40B4-BE49-F238E27FC236}">
+                    <a16:creationId xmlns:a16="http://schemas.microsoft.com/office/drawing/2014/main" id="{D1605545-F624-525E-7692-B4E4E95ECCCD}"/>
+                  </a:ext>
+                </a:extLst>
+              </p:cNvPr>
+              <p:cNvCxnSpPr/>
+              <p:nvPr/>
+            </p:nvCxnSpPr>
+            <p:spPr>
+              <a:xfrm>
+                <a:off x="1986054" y="1741437"/>
+                <a:ext cx="540000" cy="0"/>
+              </a:xfrm>
+              <a:prstGeom prst="line">
+                <a:avLst/>
+              </a:prstGeom>
+              <a:ln w="12700"/>
+            </p:spPr>
+            <p:style>
+              <a:lnRef idx="1">
+                <a:schemeClr val="dk1"/>
+              </a:lnRef>
+              <a:fillRef idx="0">
+                <a:schemeClr val="dk1"/>
+              </a:fillRef>
+              <a:effectRef idx="0">
+                <a:schemeClr val="dk1"/>
+              </a:effectRef>
+              <a:fontRef idx="minor">
+                <a:schemeClr val="tx1"/>
+              </a:fontRef>
+            </p:style>
+          </p:cxnSp>
+        </p:grpSp>
+        <p:grpSp>
+          <p:nvGrpSpPr>
+            <p:cNvPr id="37" name="组合 36">
+              <a:extLst>
+                <a:ext uri="{FF2B5EF4-FFF2-40B4-BE49-F238E27FC236}">
+                  <a16:creationId xmlns:a16="http://schemas.microsoft.com/office/drawing/2014/main" id="{A06F1744-9B26-49BD-17A6-613DA968946B}"/>
+                </a:ext>
+              </a:extLst>
+            </p:cNvPr>
+            <p:cNvGrpSpPr/>
+            <p:nvPr/>
+          </p:nvGrpSpPr>
+          <p:grpSpPr>
+            <a:xfrm rot="16200000">
+              <a:off x="2526055" y="1741437"/>
+              <a:ext cx="540000" cy="540000"/>
+              <a:chOff x="1986054" y="1741437"/>
+              <a:chExt cx="540000" cy="540000"/>
+            </a:xfrm>
+          </p:grpSpPr>
+          <p:cxnSp>
+            <p:nvCxnSpPr>
+              <p:cNvPr id="38" name="直接连接符 37">
+                <a:extLst>
+                  <a:ext uri="{FF2B5EF4-FFF2-40B4-BE49-F238E27FC236}">
+                    <a16:creationId xmlns:a16="http://schemas.microsoft.com/office/drawing/2014/main" id="{56C01559-76CB-64D3-731C-BBD00C5B24E0}"/>
+                  </a:ext>
+                </a:extLst>
+              </p:cNvPr>
+              <p:cNvCxnSpPr/>
+              <p:nvPr/>
+            </p:nvCxnSpPr>
+            <p:spPr>
+              <a:xfrm>
+                <a:off x="1986054" y="1741437"/>
+                <a:ext cx="0" cy="540000"/>
+              </a:xfrm>
+              <a:prstGeom prst="line">
+                <a:avLst/>
+              </a:prstGeom>
+              <a:ln w="12700"/>
+            </p:spPr>
+            <p:style>
+              <a:lnRef idx="1">
+                <a:schemeClr val="dk1"/>
+              </a:lnRef>
+              <a:fillRef idx="0">
+                <a:schemeClr val="dk1"/>
+              </a:fillRef>
+              <a:effectRef idx="0">
+                <a:schemeClr val="dk1"/>
+              </a:effectRef>
+              <a:fontRef idx="minor">
+                <a:schemeClr val="tx1"/>
+              </a:fontRef>
+            </p:style>
+          </p:cxnSp>
+          <p:cxnSp>
+            <p:nvCxnSpPr>
+              <p:cNvPr id="39" name="直接连接符 38">
+                <a:extLst>
+                  <a:ext uri="{FF2B5EF4-FFF2-40B4-BE49-F238E27FC236}">
+                    <a16:creationId xmlns:a16="http://schemas.microsoft.com/office/drawing/2014/main" id="{15898EB4-6A93-872A-BB0E-3C4BE60B0E0E}"/>
+                  </a:ext>
+                </a:extLst>
+              </p:cNvPr>
+              <p:cNvCxnSpPr/>
+              <p:nvPr/>
+            </p:nvCxnSpPr>
+            <p:spPr>
+              <a:xfrm>
+                <a:off x="1986054" y="1741437"/>
+                <a:ext cx="540000" cy="0"/>
+              </a:xfrm>
+              <a:prstGeom prst="line">
+                <a:avLst/>
+              </a:prstGeom>
+              <a:ln w="12700"/>
+            </p:spPr>
+            <p:style>
+              <a:lnRef idx="1">
+                <a:schemeClr val="dk1"/>
+              </a:lnRef>
+              <a:fillRef idx="0">
+                <a:schemeClr val="dk1"/>
+              </a:fillRef>
+              <a:effectRef idx="0">
+                <a:schemeClr val="dk1"/>
+              </a:effectRef>
+              <a:fontRef idx="minor">
+                <a:schemeClr val="tx1"/>
+              </a:fontRef>
+            </p:style>
+          </p:cxnSp>
+        </p:grpSp>
+      </p:grpSp>
+      <p:sp>
+        <p:nvSpPr>
+          <p:cNvPr id="53" name="左大括号 52">
+            <a:extLst>
+              <a:ext uri="{FF2B5EF4-FFF2-40B4-BE49-F238E27FC236}">
+                <a16:creationId xmlns:a16="http://schemas.microsoft.com/office/drawing/2014/main" id="{E43FBB95-BCAE-956B-9A8E-04E673B49C87}"/>
+              </a:ext>
+            </a:extLst>
+          </p:cNvPr>
+          <p:cNvSpPr/>
+          <p:nvPr/>
+        </p:nvSpPr>
+        <p:spPr>
+          <a:xfrm rot="5400000">
+            <a:off x="2971221" y="2125819"/>
+            <a:ext cx="161448" cy="1079996"/>
+          </a:xfrm>
+          <a:prstGeom prst="leftBrace">
+            <a:avLst>
+              <a:gd name="adj1" fmla="val 8333"/>
+              <a:gd name="adj2" fmla="val 49647"/>
+            </a:avLst>
+          </a:prstGeom>
+          <a:ln w="9525">
+            <a:solidFill>
+              <a:schemeClr val="tx1"/>
+            </a:solidFill>
+          </a:ln>
+        </p:spPr>
+        <p:style>
+          <a:lnRef idx="1">
+            <a:schemeClr val="accent1"/>
+          </a:lnRef>
+          <a:fillRef idx="0">
+            <a:schemeClr val="accent1"/>
+          </a:fillRef>
+          <a:effectRef idx="0">
+            <a:schemeClr val="accent1"/>
+          </a:effectRef>
+          <a:fontRef idx="minor">
+            <a:schemeClr val="tx1"/>
+          </a:fontRef>
+        </p:style>
+        <p:txBody>
+          <a:bodyPr rtlCol="0" anchor="ctr"/>
+          <a:lstStyle/>
+          <a:p>
+            <a:pPr algn="ctr"/>
+            <a:endParaRPr lang="zh-CN" altLang="en-US"/>
+          </a:p>
+        </p:txBody>
+      </p:sp>
+      <p:sp>
+        <p:nvSpPr>
+          <p:cNvPr id="54" name="文本框 53">
+            <a:extLst>
+              <a:ext uri="{FF2B5EF4-FFF2-40B4-BE49-F238E27FC236}">
+                <a16:creationId xmlns:a16="http://schemas.microsoft.com/office/drawing/2014/main" id="{C075AB28-552C-D22F-7385-E3CE498AD1C7}"/>
+              </a:ext>
+            </a:extLst>
+          </p:cNvPr>
+          <p:cNvSpPr txBox="1"/>
+          <p:nvPr/>
+        </p:nvSpPr>
+        <p:spPr>
+          <a:xfrm>
+            <a:off x="2712749" y="2215761"/>
+            <a:ext cx="678391" cy="369332"/>
+          </a:xfrm>
+          <a:prstGeom prst="rect">
+            <a:avLst/>
+          </a:prstGeom>
+          <a:noFill/>
+        </p:spPr>
+        <p:txBody>
+          <a:bodyPr wrap="none" rtlCol="0">
+            <a:spAutoFit/>
+          </a:bodyPr>
+          <a:lstStyle/>
+          <a:p>
+            <a:r>
+              <a:rPr lang="en-US" altLang="zh-CN" dirty="0">
+                <a:latin typeface="Times New Roman" panose="02020603050405020304" pitchFamily="18" charset="0"/>
+                <a:cs typeface="Times New Roman" panose="02020603050405020304" pitchFamily="18" charset="0"/>
+              </a:rPr>
+              <a:t>a slot</a:t>
+            </a:r>
+            <a:endParaRPr lang="zh-CN" altLang="en-US" dirty="0">
+              <a:latin typeface="Times New Roman" panose="02020603050405020304" pitchFamily="18" charset="0"/>
+              <a:cs typeface="Times New Roman" panose="02020603050405020304" pitchFamily="18" charset="0"/>
+            </a:endParaRPr>
+          </a:p>
+        </p:txBody>
+      </p:sp>
+      <p:sp>
+        <p:nvSpPr>
+          <p:cNvPr id="56" name="文本框 55">
+            <a:extLst>
+              <a:ext uri="{FF2B5EF4-FFF2-40B4-BE49-F238E27FC236}">
+                <a16:creationId xmlns:a16="http://schemas.microsoft.com/office/drawing/2014/main" id="{3DA5C2AA-BE32-9B0E-9229-9B1C0062E2D9}"/>
+              </a:ext>
+            </a:extLst>
+          </p:cNvPr>
+          <p:cNvSpPr txBox="1"/>
+          <p:nvPr/>
+        </p:nvSpPr>
+        <p:spPr>
+          <a:xfrm>
+            <a:off x="5755602" y="2828326"/>
+            <a:ext cx="415498" cy="369332"/>
+          </a:xfrm>
+          <a:prstGeom prst="rect">
+            <a:avLst/>
+          </a:prstGeom>
+          <a:noFill/>
+        </p:spPr>
+        <p:txBody>
+          <a:bodyPr wrap="none" rtlCol="0">
+            <a:spAutoFit/>
+          </a:bodyPr>
+          <a:lstStyle/>
+          <a:p>
+            <a:r>
+              <a:rPr lang="en-US" altLang="zh-CN" b="1" dirty="0">
+                <a:latin typeface="Times New Roman" panose="02020603050405020304" pitchFamily="18" charset="0"/>
+                <a:cs typeface="Times New Roman" panose="02020603050405020304" pitchFamily="18" charset="0"/>
+              </a:rPr>
+              <a:t>…</a:t>
+            </a:r>
+            <a:endParaRPr lang="zh-CN" altLang="en-US" b="1" dirty="0">
+              <a:latin typeface="Times New Roman" panose="02020603050405020304" pitchFamily="18" charset="0"/>
+              <a:cs typeface="Times New Roman" panose="02020603050405020304" pitchFamily="18" charset="0"/>
+            </a:endParaRPr>
+          </a:p>
+        </p:txBody>
+      </p:sp>
+      <p:cxnSp>
+        <p:nvCxnSpPr>
+          <p:cNvPr id="60" name="直接箭头连接符 59">
+            <a:extLst>
+              <a:ext uri="{FF2B5EF4-FFF2-40B4-BE49-F238E27FC236}">
+                <a16:creationId xmlns:a16="http://schemas.microsoft.com/office/drawing/2014/main" id="{5AC71F60-E100-3750-7477-F22C3B9DDB72}"/>
+              </a:ext>
+            </a:extLst>
+          </p:cNvPr>
+          <p:cNvCxnSpPr/>
+          <p:nvPr/>
+        </p:nvCxnSpPr>
+        <p:spPr>
+          <a:xfrm flipV="1">
+            <a:off x="3051944" y="3383280"/>
+            <a:ext cx="0" cy="255270"/>
+          </a:xfrm>
+          <a:prstGeom prst="straightConnector1">
+            <a:avLst/>
+          </a:prstGeom>
+          <a:ln w="9525">
+            <a:solidFill>
+              <a:schemeClr val="tx1"/>
+            </a:solidFill>
+            <a:tailEnd type="triangle"/>
+          </a:ln>
+        </p:spPr>
+        <p:style>
+          <a:lnRef idx="1">
+            <a:schemeClr val="accent1"/>
+          </a:lnRef>
+          <a:fillRef idx="0">
+            <a:schemeClr val="accent1"/>
+          </a:fillRef>
+          <a:effectRef idx="0">
+            <a:schemeClr val="accent1"/>
+          </a:effectRef>
+          <a:fontRef idx="minor">
+            <a:schemeClr val="tx1"/>
+          </a:fontRef>
+        </p:style>
+      </p:cxnSp>
+      <p:sp>
+        <p:nvSpPr>
+          <p:cNvPr id="61" name="文本框 60">
+            <a:extLst>
+              <a:ext uri="{FF2B5EF4-FFF2-40B4-BE49-F238E27FC236}">
+                <a16:creationId xmlns:a16="http://schemas.microsoft.com/office/drawing/2014/main" id="{2DA2EE9C-81B2-9BF4-9023-420DB813E716}"/>
+              </a:ext>
+            </a:extLst>
+          </p:cNvPr>
+          <p:cNvSpPr txBox="1"/>
+          <p:nvPr/>
+        </p:nvSpPr>
+        <p:spPr>
+          <a:xfrm>
+            <a:off x="2383331" y="3597993"/>
+            <a:ext cx="1337226" cy="461665"/>
+          </a:xfrm>
+          <a:prstGeom prst="rect">
+            <a:avLst/>
+          </a:prstGeom>
+          <a:noFill/>
+        </p:spPr>
+        <p:txBody>
+          <a:bodyPr wrap="none" rtlCol="0">
+            <a:spAutoFit/>
+          </a:bodyPr>
+          <a:lstStyle/>
+          <a:p>
+            <a:pPr algn="ctr"/>
+            <a:r>
+              <a:rPr lang="en-US" altLang="zh-CN" sz="1200" dirty="0">
+                <a:latin typeface="Times New Roman" panose="02020603050405020304" pitchFamily="18" charset="0"/>
+                <a:cs typeface="Times New Roman" panose="02020603050405020304" pitchFamily="18" charset="0"/>
+              </a:rPr>
+              <a:t>At the middle:</a:t>
+            </a:r>
+          </a:p>
+          <a:p>
+            <a:pPr algn="ctr"/>
+            <a:r>
+              <a:rPr lang="en-US" altLang="zh-CN" sz="1200" dirty="0">
+                <a:latin typeface="Times New Roman" panose="02020603050405020304" pitchFamily="18" charset="0"/>
+                <a:cs typeface="Times New Roman" panose="02020603050405020304" pitchFamily="18" charset="0"/>
+              </a:rPr>
+              <a:t>broadcast message</a:t>
+            </a:r>
+            <a:endParaRPr lang="zh-CN" altLang="en-US" sz="1200" dirty="0">
+              <a:latin typeface="Times New Roman" panose="02020603050405020304" pitchFamily="18" charset="0"/>
+              <a:cs typeface="Times New Roman" panose="02020603050405020304" pitchFamily="18" charset="0"/>
+            </a:endParaRPr>
+          </a:p>
+        </p:txBody>
+      </p:sp>
+    </p:spTree>
+    <p:extLst>
+      <p:ext uri="{BB962C8B-B14F-4D97-AF65-F5344CB8AC3E}">
+        <p14:creationId xmlns:p14="http://schemas.microsoft.com/office/powerpoint/2010/main" val="3976936306"/>
+      </p:ext>
+    </p:extLst>
+  </p:cSld>
+  <p:clrMapOvr>
+    <a:masterClrMapping/>
+  </p:clrMapOvr>
+</p:sld>
+</file>
+
+<file path=ppt/slides/slide6.xml><?xml version="1.0" encoding="utf-8"?>
+<p:sld xmlns:a="http://schemas.openxmlformats.org/drawingml/2006/main" xmlns:r="http://schemas.openxmlformats.org/officeDocument/2006/relationships" xmlns:p="http://schemas.openxmlformats.org/presentationml/2006/main">
+  <p:cSld>
+    <p:spTree>
+      <p:nvGrpSpPr>
+        <p:cNvPr id="1" name=""/>
+        <p:cNvGrpSpPr/>
+        <p:nvPr/>
+      </p:nvGrpSpPr>
+      <p:grpSpPr>
+        <a:xfrm>
+          <a:off x="0" y="0"/>
+          <a:ext cx="0" cy="0"/>
+          <a:chOff x="0" y="0"/>
+          <a:chExt cx="0" cy="0"/>
+        </a:xfrm>
+      </p:grpSpPr>
+      <p:sp>
+        <p:nvSpPr>
+          <p:cNvPr id="198" name="矩形 197">
+            <a:extLst>
+              <a:ext uri="{FF2B5EF4-FFF2-40B4-BE49-F238E27FC236}">
+                <a16:creationId xmlns:a16="http://schemas.microsoft.com/office/drawing/2014/main" id="{BA8C8B2C-7800-4995-681B-17DD0DE5EA97}"/>
+              </a:ext>
+            </a:extLst>
+          </p:cNvPr>
+          <p:cNvSpPr/>
+          <p:nvPr/>
+        </p:nvSpPr>
+        <p:spPr>
+          <a:xfrm>
+            <a:off x="6463031" y="1158240"/>
+            <a:ext cx="2847974" cy="2656840"/>
+          </a:xfrm>
+          <a:prstGeom prst="rect">
+            <a:avLst/>
+          </a:prstGeom>
+          <a:solidFill>
+            <a:schemeClr val="accent6">
+              <a:lumMod val="60000"/>
+              <a:lumOff val="40000"/>
+            </a:schemeClr>
+          </a:solidFill>
+          <a:ln>
+            <a:noFill/>
+          </a:ln>
+        </p:spPr>
+        <p:style>
+          <a:lnRef idx="2">
+            <a:schemeClr val="accent1">
+              <a:shade val="15000"/>
+            </a:schemeClr>
+          </a:lnRef>
+          <a:fillRef idx="1">
+            <a:schemeClr val="accent1"/>
+          </a:fillRef>
+          <a:effectRef idx="0">
+            <a:schemeClr val="accent1"/>
+          </a:effectRef>
+          <a:fontRef idx="minor">
+            <a:schemeClr val="lt1"/>
+          </a:fontRef>
+        </p:style>
+        <p:txBody>
+          <a:bodyPr rtlCol="0" anchor="ctr"/>
+          <a:lstStyle/>
+          <a:p>
+            <a:pPr algn="ctr"/>
+            <a:endParaRPr lang="zh-CN" altLang="en-US"/>
+          </a:p>
+        </p:txBody>
+      </p:sp>
+      <p:sp>
+        <p:nvSpPr>
+          <p:cNvPr id="197" name="矩形 196">
+            <a:extLst>
+              <a:ext uri="{FF2B5EF4-FFF2-40B4-BE49-F238E27FC236}">
+                <a16:creationId xmlns:a16="http://schemas.microsoft.com/office/drawing/2014/main" id="{8C512ABF-7EE5-C988-F55A-51267A0932AE}"/>
+              </a:ext>
+            </a:extLst>
+          </p:cNvPr>
+          <p:cNvSpPr/>
+          <p:nvPr/>
+        </p:nvSpPr>
+        <p:spPr>
+          <a:xfrm>
+            <a:off x="955040" y="1158240"/>
+            <a:ext cx="5507990" cy="2656840"/>
+          </a:xfrm>
+          <a:prstGeom prst="rect">
+            <a:avLst/>
+          </a:prstGeom>
+          <a:solidFill>
+            <a:schemeClr val="accent5">
+              <a:lumMod val="60000"/>
+              <a:lumOff val="40000"/>
+            </a:schemeClr>
+          </a:solidFill>
+          <a:ln>
+            <a:noFill/>
+          </a:ln>
+        </p:spPr>
+        <p:style>
+          <a:lnRef idx="2">
+            <a:schemeClr val="accent1">
+              <a:shade val="15000"/>
+            </a:schemeClr>
+          </a:lnRef>
+          <a:fillRef idx="1">
+            <a:schemeClr val="accent1"/>
+          </a:fillRef>
+          <a:effectRef idx="0">
+            <a:schemeClr val="accent1"/>
+          </a:effectRef>
+          <a:fontRef idx="minor">
+            <a:schemeClr val="lt1"/>
+          </a:fontRef>
+        </p:style>
+        <p:txBody>
+          <a:bodyPr rtlCol="0" anchor="ctr"/>
+          <a:lstStyle/>
+          <a:p>
+            <a:pPr algn="ctr"/>
+            <a:endParaRPr lang="zh-CN" altLang="en-US"/>
+          </a:p>
+        </p:txBody>
+      </p:sp>
+      <p:grpSp>
+        <p:nvGrpSpPr>
+          <p:cNvPr id="196" name="组合 195">
+            <a:extLst>
+              <a:ext uri="{FF2B5EF4-FFF2-40B4-BE49-F238E27FC236}">
+                <a16:creationId xmlns:a16="http://schemas.microsoft.com/office/drawing/2014/main" id="{0C54CEE8-813C-97F4-E8DE-4E6259932542}"/>
+              </a:ext>
+            </a:extLst>
+          </p:cNvPr>
+          <p:cNvGrpSpPr/>
+          <p:nvPr/>
+        </p:nvGrpSpPr>
+        <p:grpSpPr>
+          <a:xfrm>
+            <a:off x="1082040" y="1331128"/>
+            <a:ext cx="7868920" cy="1901379"/>
+            <a:chOff x="1082040" y="1331128"/>
+            <a:chExt cx="7868920" cy="1901379"/>
+          </a:xfrm>
+        </p:grpSpPr>
+        <p:sp>
+          <p:nvSpPr>
+            <p:cNvPr id="148" name="椭圆 147">
+              <a:extLst>
+                <a:ext uri="{FF2B5EF4-FFF2-40B4-BE49-F238E27FC236}">
+                  <a16:creationId xmlns:a16="http://schemas.microsoft.com/office/drawing/2014/main" id="{242FFBF5-E8A5-DB40-DD50-530C6DF0F827}"/>
+                </a:ext>
+              </a:extLst>
+            </p:cNvPr>
+            <p:cNvSpPr/>
+            <p:nvPr/>
+          </p:nvSpPr>
+          <p:spPr>
+            <a:xfrm>
+              <a:off x="2032000" y="1945640"/>
+              <a:ext cx="1127760" cy="655320"/>
+            </a:xfrm>
+            <a:prstGeom prst="ellipse">
+              <a:avLst/>
+            </a:prstGeom>
+            <a:solidFill>
+              <a:schemeClr val="bg1"/>
+            </a:solidFill>
+          </p:spPr>
+          <p:style>
+            <a:lnRef idx="2">
+              <a:schemeClr val="accent1">
+                <a:shade val="15000"/>
+              </a:schemeClr>
+            </a:lnRef>
+            <a:fillRef idx="1">
+              <a:schemeClr val="accent1"/>
+            </a:fillRef>
+            <a:effectRef idx="0">
+              <a:schemeClr val="accent1"/>
+            </a:effectRef>
+            <a:fontRef idx="minor">
+              <a:schemeClr val="lt1"/>
+            </a:fontRef>
+          </p:style>
+          <p:txBody>
+            <a:bodyPr rtlCol="0" anchor="ctr"/>
+            <a:lstStyle/>
+            <a:p>
+              <a:pPr algn="ctr"/>
+              <a:r>
+                <a:rPr lang="en-US" altLang="zh-CN" sz="1100" b="1" dirty="0">
+                  <a:solidFill>
+                    <a:schemeClr val="tx1"/>
+                  </a:solidFill>
+                  <a:latin typeface="Times New Roman" panose="02020603050405020304" pitchFamily="18" charset="0"/>
+                  <a:cs typeface="Times New Roman" panose="02020603050405020304" pitchFamily="18" charset="0"/>
+                </a:rPr>
+                <a:t>Listening</a:t>
+              </a:r>
+              <a:endParaRPr lang="zh-CN" altLang="en-US" sz="1100" b="1" dirty="0">
+                <a:solidFill>
+                  <a:schemeClr val="tx1"/>
+                </a:solidFill>
+                <a:latin typeface="Times New Roman" panose="02020603050405020304" pitchFamily="18" charset="0"/>
+                <a:cs typeface="Times New Roman" panose="02020603050405020304" pitchFamily="18" charset="0"/>
+              </a:endParaRPr>
+            </a:p>
+          </p:txBody>
+        </p:sp>
+        <p:sp>
+          <p:nvSpPr>
+            <p:cNvPr id="149" name="椭圆 148">
+              <a:extLst>
+                <a:ext uri="{FF2B5EF4-FFF2-40B4-BE49-F238E27FC236}">
+                  <a16:creationId xmlns:a16="http://schemas.microsoft.com/office/drawing/2014/main" id="{74874374-FDA5-CE86-A64F-C491DF74E029}"/>
+                </a:ext>
+              </a:extLst>
+            </p:cNvPr>
+            <p:cNvSpPr/>
+            <p:nvPr/>
+          </p:nvSpPr>
+          <p:spPr>
+            <a:xfrm>
+              <a:off x="3962400" y="1945640"/>
+              <a:ext cx="1127760" cy="655320"/>
+            </a:xfrm>
+            <a:prstGeom prst="ellipse">
+              <a:avLst/>
+            </a:prstGeom>
+            <a:solidFill>
+              <a:schemeClr val="bg1"/>
+            </a:solidFill>
+          </p:spPr>
+          <p:style>
+            <a:lnRef idx="2">
+              <a:schemeClr val="accent1">
+                <a:shade val="15000"/>
+              </a:schemeClr>
+            </a:lnRef>
+            <a:fillRef idx="1">
+              <a:schemeClr val="accent1"/>
+            </a:fillRef>
+            <a:effectRef idx="0">
+              <a:schemeClr val="accent1"/>
+            </a:effectRef>
+            <a:fontRef idx="minor">
+              <a:schemeClr val="lt1"/>
+            </a:fontRef>
+          </p:style>
+          <p:txBody>
+            <a:bodyPr rtlCol="0" anchor="ctr"/>
+            <a:lstStyle/>
+            <a:p>
+              <a:pPr algn="ctr"/>
+              <a:r>
+                <a:rPr lang="en-US" altLang="zh-CN" sz="1100" b="1" dirty="0">
+                  <a:solidFill>
+                    <a:schemeClr val="tx1"/>
+                  </a:solidFill>
+                  <a:latin typeface="Times New Roman" panose="02020603050405020304" pitchFamily="18" charset="0"/>
+                  <a:cs typeface="Times New Roman" panose="02020603050405020304" pitchFamily="18" charset="0"/>
+                </a:rPr>
+                <a:t>Entering</a:t>
+              </a:r>
+              <a:endParaRPr lang="zh-CN" altLang="en-US" sz="1100" b="1" dirty="0">
+                <a:solidFill>
+                  <a:schemeClr val="tx1"/>
+                </a:solidFill>
+                <a:latin typeface="Times New Roman" panose="02020603050405020304" pitchFamily="18" charset="0"/>
+                <a:cs typeface="Times New Roman" panose="02020603050405020304" pitchFamily="18" charset="0"/>
+              </a:endParaRPr>
+            </a:p>
+          </p:txBody>
+        </p:sp>
+        <p:sp>
+          <p:nvSpPr>
+            <p:cNvPr id="150" name="椭圆 149">
+              <a:extLst>
+                <a:ext uri="{FF2B5EF4-FFF2-40B4-BE49-F238E27FC236}">
+                  <a16:creationId xmlns:a16="http://schemas.microsoft.com/office/drawing/2014/main" id="{76F3913B-0DA3-0D92-2BF7-6809FFF15A8F}"/>
+                </a:ext>
+              </a:extLst>
+            </p:cNvPr>
+            <p:cNvSpPr/>
+            <p:nvPr/>
+          </p:nvSpPr>
+          <p:spPr>
+            <a:xfrm>
+              <a:off x="5892800" y="1945640"/>
+              <a:ext cx="1127760" cy="655320"/>
+            </a:xfrm>
+            <a:prstGeom prst="ellipse">
+              <a:avLst/>
+            </a:prstGeom>
+            <a:solidFill>
+              <a:schemeClr val="bg1"/>
+            </a:solidFill>
+          </p:spPr>
+          <p:style>
+            <a:lnRef idx="2">
+              <a:schemeClr val="accent1">
+                <a:shade val="15000"/>
+              </a:schemeClr>
+            </a:lnRef>
+            <a:fillRef idx="1">
+              <a:schemeClr val="accent1"/>
+            </a:fillRef>
+            <a:effectRef idx="0">
+              <a:schemeClr val="accent1"/>
+            </a:effectRef>
+            <a:fontRef idx="minor">
+              <a:schemeClr val="lt1"/>
+            </a:fontRef>
+          </p:style>
+          <p:txBody>
+            <a:bodyPr rtlCol="0" anchor="ctr"/>
+            <a:lstStyle/>
+            <a:p>
+              <a:pPr algn="ctr"/>
+              <a:r>
+                <a:rPr lang="en-US" altLang="zh-CN" sz="1100" b="1" dirty="0">
+                  <a:solidFill>
+                    <a:schemeClr val="tx1"/>
+                  </a:solidFill>
+                  <a:latin typeface="Times New Roman" panose="02020603050405020304" pitchFamily="18" charset="0"/>
+                  <a:cs typeface="Times New Roman" panose="02020603050405020304" pitchFamily="18" charset="0"/>
+                </a:rPr>
+                <a:t>Checking</a:t>
+              </a:r>
+              <a:endParaRPr lang="zh-CN" altLang="en-US" sz="1100" b="1" dirty="0">
+                <a:solidFill>
+                  <a:schemeClr val="tx1"/>
+                </a:solidFill>
+                <a:latin typeface="Times New Roman" panose="02020603050405020304" pitchFamily="18" charset="0"/>
+                <a:cs typeface="Times New Roman" panose="02020603050405020304" pitchFamily="18" charset="0"/>
+              </a:endParaRPr>
+            </a:p>
+          </p:txBody>
+        </p:sp>
+        <p:sp>
+          <p:nvSpPr>
+            <p:cNvPr id="151" name="椭圆 150">
+              <a:extLst>
+                <a:ext uri="{FF2B5EF4-FFF2-40B4-BE49-F238E27FC236}">
+                  <a16:creationId xmlns:a16="http://schemas.microsoft.com/office/drawing/2014/main" id="{46330433-34C2-822B-9D43-1F9573CDF77D}"/>
+                </a:ext>
+              </a:extLst>
+            </p:cNvPr>
+            <p:cNvSpPr/>
+            <p:nvPr/>
+          </p:nvSpPr>
+          <p:spPr>
+            <a:xfrm>
+              <a:off x="7823200" y="1945640"/>
+              <a:ext cx="1127760" cy="655320"/>
+            </a:xfrm>
+            <a:prstGeom prst="ellipse">
+              <a:avLst/>
+            </a:prstGeom>
+            <a:solidFill>
+              <a:schemeClr val="bg1"/>
+            </a:solidFill>
+          </p:spPr>
+          <p:style>
+            <a:lnRef idx="2">
+              <a:schemeClr val="accent1">
+                <a:shade val="15000"/>
+              </a:schemeClr>
+            </a:lnRef>
+            <a:fillRef idx="1">
+              <a:schemeClr val="accent1"/>
+            </a:fillRef>
+            <a:effectRef idx="0">
+              <a:schemeClr val="accent1"/>
+            </a:effectRef>
+            <a:fontRef idx="minor">
+              <a:schemeClr val="lt1"/>
+            </a:fontRef>
+          </p:style>
+          <p:txBody>
+            <a:bodyPr rtlCol="0" anchor="ctr"/>
+            <a:lstStyle/>
+            <a:p>
+              <a:pPr algn="ctr"/>
+              <a:r>
+                <a:rPr lang="en-US" altLang="zh-CN" sz="1100" b="1" dirty="0">
+                  <a:solidFill>
+                    <a:schemeClr val="tx1"/>
+                  </a:solidFill>
+                  <a:latin typeface="Times New Roman" panose="02020603050405020304" pitchFamily="18" charset="0"/>
+                  <a:cs typeface="Times New Roman" panose="02020603050405020304" pitchFamily="18" charset="0"/>
+                </a:rPr>
+                <a:t>In</a:t>
+              </a:r>
+              <a:endParaRPr lang="zh-CN" altLang="en-US" sz="1100" b="1" dirty="0">
+                <a:solidFill>
+                  <a:schemeClr val="tx1"/>
+                </a:solidFill>
+                <a:latin typeface="Times New Roman" panose="02020603050405020304" pitchFamily="18" charset="0"/>
+                <a:cs typeface="Times New Roman" panose="02020603050405020304" pitchFamily="18" charset="0"/>
+              </a:endParaRPr>
+            </a:p>
+          </p:txBody>
+        </p:sp>
+        <p:cxnSp>
+          <p:nvCxnSpPr>
+            <p:cNvPr id="153" name="直接箭头连接符 152">
+              <a:extLst>
+                <a:ext uri="{FF2B5EF4-FFF2-40B4-BE49-F238E27FC236}">
+                  <a16:creationId xmlns:a16="http://schemas.microsoft.com/office/drawing/2014/main" id="{690C7D1F-34C8-D65D-B867-C010E6787E3B}"/>
+                </a:ext>
+              </a:extLst>
+            </p:cNvPr>
+            <p:cNvCxnSpPr>
+              <a:stCxn id="148" idx="6"/>
+              <a:endCxn id="149" idx="2"/>
+            </p:cNvCxnSpPr>
+            <p:nvPr/>
+          </p:nvCxnSpPr>
+          <p:spPr>
+            <a:xfrm>
+              <a:off x="3159760" y="2273300"/>
+              <a:ext cx="802640" cy="0"/>
+            </a:xfrm>
+            <a:prstGeom prst="straightConnector1">
+              <a:avLst/>
+            </a:prstGeom>
+            <a:ln w="9525">
+              <a:solidFill>
+                <a:schemeClr val="tx1"/>
+              </a:solidFill>
+              <a:tailEnd type="triangle"/>
+            </a:ln>
+          </p:spPr>
+          <p:style>
+            <a:lnRef idx="1">
+              <a:schemeClr val="accent1"/>
+            </a:lnRef>
+            <a:fillRef idx="0">
+              <a:schemeClr val="accent1"/>
+            </a:fillRef>
+            <a:effectRef idx="0">
+              <a:schemeClr val="accent1"/>
+            </a:effectRef>
+            <a:fontRef idx="minor">
+              <a:schemeClr val="tx1"/>
+            </a:fontRef>
+          </p:style>
+        </p:cxnSp>
+        <p:sp>
+          <p:nvSpPr>
+            <p:cNvPr id="154" name="文本框 153">
+              <a:extLst>
+                <a:ext uri="{FF2B5EF4-FFF2-40B4-BE49-F238E27FC236}">
+                  <a16:creationId xmlns:a16="http://schemas.microsoft.com/office/drawing/2014/main" id="{BB03C6F4-44AE-5424-A04C-936BD340748D}"/>
+                </a:ext>
+              </a:extLst>
+            </p:cNvPr>
+            <p:cNvSpPr txBox="1"/>
+            <p:nvPr/>
+          </p:nvSpPr>
+          <p:spPr>
+            <a:xfrm>
+              <a:off x="3014980" y="1842413"/>
+              <a:ext cx="1092200" cy="430887"/>
+            </a:xfrm>
+            <a:prstGeom prst="rect">
+              <a:avLst/>
+            </a:prstGeom>
+            <a:noFill/>
+          </p:spPr>
+          <p:txBody>
+            <a:bodyPr wrap="square" rtlCol="0">
+              <a:spAutoFit/>
+            </a:bodyPr>
+            <a:lstStyle/>
+            <a:p>
+              <a:pPr algn="ctr"/>
+              <a:r>
+                <a:rPr lang="en-US" altLang="zh-CN" sz="1100" dirty="0">
+                  <a:latin typeface="Times New Roman" panose="02020603050405020304" pitchFamily="18" charset="0"/>
+                  <a:cs typeface="Times New Roman" panose="02020603050405020304" pitchFamily="18" charset="0"/>
+                </a:rPr>
+                <a:t>Finished a</a:t>
+              </a:r>
+              <a:r>
+                <a:rPr lang="zh-CN" altLang="en-US" sz="1100" dirty="0">
+                  <a:latin typeface="Times New Roman" panose="02020603050405020304" pitchFamily="18" charset="0"/>
+                  <a:cs typeface="Times New Roman" panose="02020603050405020304" pitchFamily="18" charset="0"/>
+                </a:rPr>
+                <a:t> </a:t>
+              </a:r>
+              <a:r>
+                <a:rPr lang="en-US" altLang="zh-CN" sz="1100" dirty="0">
+                  <a:latin typeface="Times New Roman" panose="02020603050405020304" pitchFamily="18" charset="0"/>
+                  <a:cs typeface="Times New Roman" panose="02020603050405020304" pitchFamily="18" charset="0"/>
+                </a:rPr>
+                <a:t>frame</a:t>
+              </a:r>
+              <a:endParaRPr lang="zh-CN" altLang="en-US" sz="1100" dirty="0">
+                <a:latin typeface="Times New Roman" panose="02020603050405020304" pitchFamily="18" charset="0"/>
+                <a:cs typeface="Times New Roman" panose="02020603050405020304" pitchFamily="18" charset="0"/>
+              </a:endParaRPr>
+            </a:p>
+          </p:txBody>
+        </p:sp>
+        <p:cxnSp>
+          <p:nvCxnSpPr>
+            <p:cNvPr id="156" name="直接箭头连接符 155">
+              <a:extLst>
+                <a:ext uri="{FF2B5EF4-FFF2-40B4-BE49-F238E27FC236}">
+                  <a16:creationId xmlns:a16="http://schemas.microsoft.com/office/drawing/2014/main" id="{42A07184-F401-15C2-F943-885A675CC018}"/>
+                </a:ext>
+              </a:extLst>
+            </p:cNvPr>
+            <p:cNvCxnSpPr>
+              <a:stCxn id="149" idx="6"/>
+              <a:endCxn id="150" idx="2"/>
+            </p:cNvCxnSpPr>
+            <p:nvPr/>
+          </p:nvCxnSpPr>
+          <p:spPr>
+            <a:xfrm>
+              <a:off x="5090160" y="2273300"/>
+              <a:ext cx="802640" cy="0"/>
+            </a:xfrm>
+            <a:prstGeom prst="straightConnector1">
+              <a:avLst/>
+            </a:prstGeom>
+            <a:ln w="9525">
+              <a:solidFill>
+                <a:schemeClr val="tx1"/>
+              </a:solidFill>
+              <a:tailEnd type="triangle"/>
+            </a:ln>
+          </p:spPr>
+          <p:style>
+            <a:lnRef idx="1">
+              <a:schemeClr val="accent1"/>
+            </a:lnRef>
+            <a:fillRef idx="0">
+              <a:schemeClr val="accent1"/>
+            </a:fillRef>
+            <a:effectRef idx="0">
+              <a:schemeClr val="accent1"/>
+            </a:effectRef>
+            <a:fontRef idx="minor">
+              <a:schemeClr val="tx1"/>
+            </a:fontRef>
+          </p:style>
+        </p:cxnSp>
+        <p:sp>
+          <p:nvSpPr>
+            <p:cNvPr id="157" name="文本框 156">
+              <a:extLst>
+                <a:ext uri="{FF2B5EF4-FFF2-40B4-BE49-F238E27FC236}">
+                  <a16:creationId xmlns:a16="http://schemas.microsoft.com/office/drawing/2014/main" id="{0F8ADFCA-0E5B-D70F-B899-D8206477A170}"/>
+                </a:ext>
+              </a:extLst>
+            </p:cNvPr>
+            <p:cNvSpPr txBox="1"/>
+            <p:nvPr/>
+          </p:nvSpPr>
+          <p:spPr>
+            <a:xfrm>
+              <a:off x="4945380" y="1673136"/>
+              <a:ext cx="1092200" cy="600164"/>
+            </a:xfrm>
+            <a:prstGeom prst="rect">
+              <a:avLst/>
+            </a:prstGeom>
+            <a:noFill/>
+          </p:spPr>
+          <p:txBody>
+            <a:bodyPr wrap="square" rtlCol="0">
+              <a:spAutoFit/>
+            </a:bodyPr>
+            <a:lstStyle/>
+            <a:p>
+              <a:pPr algn="ctr"/>
+              <a:r>
+                <a:rPr lang="en-US" altLang="zh-CN" sz="1100" dirty="0">
+                  <a:latin typeface="Times New Roman" panose="02020603050405020304" pitchFamily="18" charset="0"/>
+                  <a:cs typeface="Times New Roman" panose="02020603050405020304" pitchFamily="18" charset="0"/>
+                </a:rPr>
+                <a:t>Occupation attempt message sent</a:t>
+              </a:r>
+              <a:endParaRPr lang="zh-CN" altLang="en-US" sz="1100" dirty="0">
+                <a:latin typeface="Times New Roman" panose="02020603050405020304" pitchFamily="18" charset="0"/>
+                <a:cs typeface="Times New Roman" panose="02020603050405020304" pitchFamily="18" charset="0"/>
+              </a:endParaRPr>
+            </a:p>
+          </p:txBody>
+        </p:sp>
+        <p:cxnSp>
+          <p:nvCxnSpPr>
+            <p:cNvPr id="159" name="直接箭头连接符 158">
+              <a:extLst>
+                <a:ext uri="{FF2B5EF4-FFF2-40B4-BE49-F238E27FC236}">
+                  <a16:creationId xmlns:a16="http://schemas.microsoft.com/office/drawing/2014/main" id="{F80C2744-7B07-96B5-6C79-3561FF8C704A}"/>
+                </a:ext>
+              </a:extLst>
+            </p:cNvPr>
+            <p:cNvCxnSpPr>
+              <a:stCxn id="150" idx="6"/>
+              <a:endCxn id="151" idx="2"/>
+            </p:cNvCxnSpPr>
+            <p:nvPr/>
+          </p:nvCxnSpPr>
+          <p:spPr>
+            <a:xfrm>
+              <a:off x="7020560" y="2273300"/>
+              <a:ext cx="802640" cy="0"/>
+            </a:xfrm>
+            <a:prstGeom prst="straightConnector1">
+              <a:avLst/>
+            </a:prstGeom>
+            <a:ln w="9525">
+              <a:solidFill>
+                <a:schemeClr val="tx1"/>
+              </a:solidFill>
+              <a:tailEnd type="triangle"/>
+            </a:ln>
+          </p:spPr>
+          <p:style>
+            <a:lnRef idx="1">
+              <a:schemeClr val="accent1"/>
+            </a:lnRef>
+            <a:fillRef idx="0">
+              <a:schemeClr val="accent1"/>
+            </a:fillRef>
+            <a:effectRef idx="0">
+              <a:schemeClr val="accent1"/>
+            </a:effectRef>
+            <a:fontRef idx="minor">
+              <a:schemeClr val="tx1"/>
+            </a:fontRef>
+          </p:style>
+        </p:cxnSp>
+        <p:sp>
+          <p:nvSpPr>
+            <p:cNvPr id="160" name="文本框 159">
+              <a:extLst>
+                <a:ext uri="{FF2B5EF4-FFF2-40B4-BE49-F238E27FC236}">
+                  <a16:creationId xmlns:a16="http://schemas.microsoft.com/office/drawing/2014/main" id="{38958559-34F0-81E2-98A3-0957F45E98D5}"/>
+                </a:ext>
+              </a:extLst>
+            </p:cNvPr>
+            <p:cNvSpPr txBox="1"/>
+            <p:nvPr/>
+          </p:nvSpPr>
+          <p:spPr>
+            <a:xfrm>
+              <a:off x="6875780" y="1842413"/>
+              <a:ext cx="1092200" cy="430887"/>
+            </a:xfrm>
+            <a:prstGeom prst="rect">
+              <a:avLst/>
+            </a:prstGeom>
+            <a:noFill/>
+          </p:spPr>
+          <p:txBody>
+            <a:bodyPr wrap="square" rtlCol="0">
+              <a:spAutoFit/>
+            </a:bodyPr>
+            <a:lstStyle/>
+            <a:p>
+              <a:pPr algn="ctr"/>
+              <a:r>
+                <a:rPr lang="en-US" altLang="zh-CN" sz="1100" dirty="0">
+                  <a:latin typeface="Times New Roman" panose="02020603050405020304" pitchFamily="18" charset="0"/>
+                  <a:cs typeface="Times New Roman" panose="02020603050405020304" pitchFamily="18" charset="0"/>
+                </a:rPr>
+                <a:t>Occupation succeed </a:t>
+              </a:r>
+              <a:endParaRPr lang="zh-CN" altLang="en-US" sz="1100" dirty="0">
+                <a:latin typeface="Times New Roman" panose="02020603050405020304" pitchFamily="18" charset="0"/>
+                <a:cs typeface="Times New Roman" panose="02020603050405020304" pitchFamily="18" charset="0"/>
+              </a:endParaRPr>
+            </a:p>
+          </p:txBody>
+        </p:sp>
+        <p:cxnSp>
+          <p:nvCxnSpPr>
+            <p:cNvPr id="162" name="连接符: 曲线 161">
+              <a:extLst>
+                <a:ext uri="{FF2B5EF4-FFF2-40B4-BE49-F238E27FC236}">
+                  <a16:creationId xmlns:a16="http://schemas.microsoft.com/office/drawing/2014/main" id="{9AADF0BA-2395-779B-17AC-71F60D441C55}"/>
+                </a:ext>
+              </a:extLst>
+            </p:cNvPr>
+            <p:cNvCxnSpPr>
+              <a:cxnSpLocks/>
+              <a:stCxn id="151" idx="6"/>
+              <a:endCxn id="150" idx="4"/>
+            </p:cNvCxnSpPr>
+            <p:nvPr/>
+          </p:nvCxnSpPr>
+          <p:spPr>
+            <a:xfrm flipH="1">
+              <a:off x="6456680" y="2273300"/>
+              <a:ext cx="2494280" cy="327660"/>
+            </a:xfrm>
+            <a:prstGeom prst="curvedConnector4">
+              <a:avLst>
+                <a:gd name="adj1" fmla="val -9165"/>
+                <a:gd name="adj2" fmla="val 287597"/>
+              </a:avLst>
+            </a:prstGeom>
+            <a:ln w="9525">
+              <a:solidFill>
+                <a:schemeClr val="tx1"/>
+              </a:solidFill>
+              <a:tailEnd type="triangle"/>
+            </a:ln>
+          </p:spPr>
+          <p:style>
+            <a:lnRef idx="1">
+              <a:schemeClr val="accent1"/>
+            </a:lnRef>
+            <a:fillRef idx="0">
+              <a:schemeClr val="accent1"/>
+            </a:fillRef>
+            <a:effectRef idx="0">
+              <a:schemeClr val="accent1"/>
+            </a:effectRef>
+            <a:fontRef idx="minor">
+              <a:schemeClr val="tx1"/>
+            </a:fontRef>
+          </p:style>
+        </p:cxnSp>
+        <p:sp>
+          <p:nvSpPr>
+            <p:cNvPr id="166" name="文本框 165">
+              <a:extLst>
+                <a:ext uri="{FF2B5EF4-FFF2-40B4-BE49-F238E27FC236}">
+                  <a16:creationId xmlns:a16="http://schemas.microsoft.com/office/drawing/2014/main" id="{B5CDCBE7-BCDF-551D-E79D-E93BCCCF197D}"/>
+                </a:ext>
+              </a:extLst>
+            </p:cNvPr>
+            <p:cNvSpPr txBox="1"/>
+            <p:nvPr/>
+          </p:nvSpPr>
+          <p:spPr>
+            <a:xfrm>
+              <a:off x="7277100" y="2713176"/>
+              <a:ext cx="1092200" cy="430887"/>
+            </a:xfrm>
+            <a:prstGeom prst="rect">
+              <a:avLst/>
+            </a:prstGeom>
+            <a:noFill/>
+          </p:spPr>
+          <p:txBody>
+            <a:bodyPr wrap="square" rtlCol="0">
+              <a:spAutoFit/>
+            </a:bodyPr>
+            <a:lstStyle/>
+            <a:p>
+              <a:pPr algn="ctr"/>
+              <a:r>
+                <a:rPr lang="en-US" altLang="zh-CN" sz="1100" dirty="0">
+                  <a:latin typeface="Times New Roman" panose="02020603050405020304" pitchFamily="18" charset="0"/>
+                  <a:cs typeface="Times New Roman" panose="02020603050405020304" pitchFamily="18" charset="0"/>
+                </a:rPr>
+                <a:t>Regular message sent</a:t>
+              </a:r>
+              <a:endParaRPr lang="zh-CN" altLang="en-US" sz="1100" dirty="0">
+                <a:latin typeface="Times New Roman" panose="02020603050405020304" pitchFamily="18" charset="0"/>
+                <a:cs typeface="Times New Roman" panose="02020603050405020304" pitchFamily="18" charset="0"/>
+              </a:endParaRPr>
+            </a:p>
+          </p:txBody>
+        </p:sp>
+        <p:cxnSp>
+          <p:nvCxnSpPr>
+            <p:cNvPr id="178" name="连接符: 曲线 177">
+              <a:extLst>
+                <a:ext uri="{FF2B5EF4-FFF2-40B4-BE49-F238E27FC236}">
+                  <a16:creationId xmlns:a16="http://schemas.microsoft.com/office/drawing/2014/main" id="{8E1F572C-F566-9D9C-6F92-977C41428E6E}"/>
+                </a:ext>
+              </a:extLst>
+            </p:cNvPr>
+            <p:cNvCxnSpPr>
+              <a:cxnSpLocks/>
+              <a:stCxn id="148" idx="6"/>
+            </p:cNvCxnSpPr>
+            <p:nvPr/>
+          </p:nvCxnSpPr>
+          <p:spPr>
+            <a:xfrm flipH="1" flipV="1">
+              <a:off x="2029460" y="2270125"/>
+              <a:ext cx="1130300" cy="3175"/>
+            </a:xfrm>
+            <a:prstGeom prst="curvedConnector5">
+              <a:avLst>
+                <a:gd name="adj1" fmla="val -20225"/>
+                <a:gd name="adj2" fmla="val -32880000"/>
+                <a:gd name="adj3" fmla="val 121911"/>
+              </a:avLst>
+            </a:prstGeom>
+            <a:ln w="9525">
+              <a:solidFill>
+                <a:schemeClr val="tx1"/>
+              </a:solidFill>
+              <a:tailEnd type="triangle"/>
+            </a:ln>
+          </p:spPr>
+          <p:style>
+            <a:lnRef idx="1">
+              <a:schemeClr val="accent1"/>
+            </a:lnRef>
+            <a:fillRef idx="0">
+              <a:schemeClr val="accent1"/>
+            </a:fillRef>
+            <a:effectRef idx="0">
+              <a:schemeClr val="accent1"/>
+            </a:effectRef>
+            <a:fontRef idx="minor">
+              <a:schemeClr val="tx1"/>
+            </a:fontRef>
+          </p:style>
+        </p:cxnSp>
+        <p:sp>
+          <p:nvSpPr>
+            <p:cNvPr id="182" name="文本框 181">
+              <a:extLst>
+                <a:ext uri="{FF2B5EF4-FFF2-40B4-BE49-F238E27FC236}">
+                  <a16:creationId xmlns:a16="http://schemas.microsoft.com/office/drawing/2014/main" id="{86CEEC9C-E59A-9808-5188-A4001BBE3AE4}"/>
+                </a:ext>
+              </a:extLst>
+            </p:cNvPr>
+            <p:cNvSpPr txBox="1"/>
+            <p:nvPr/>
+          </p:nvSpPr>
+          <p:spPr>
+            <a:xfrm>
+              <a:off x="2047240" y="2938958"/>
+              <a:ext cx="1092200" cy="261610"/>
+            </a:xfrm>
+            <a:prstGeom prst="rect">
+              <a:avLst/>
+            </a:prstGeom>
+            <a:noFill/>
+          </p:spPr>
+          <p:txBody>
+            <a:bodyPr wrap="square" rtlCol="0">
+              <a:spAutoFit/>
+            </a:bodyPr>
+            <a:lstStyle/>
+            <a:p>
+              <a:pPr algn="ctr"/>
+              <a:r>
+                <a:rPr lang="en-US" altLang="zh-CN" sz="1100" dirty="0">
+                  <a:latin typeface="Times New Roman" panose="02020603050405020304" pitchFamily="18" charset="0"/>
+                  <a:cs typeface="Times New Roman" panose="02020603050405020304" pitchFamily="18" charset="0"/>
+                </a:rPr>
+                <a:t>Channel full</a:t>
+              </a:r>
+              <a:endParaRPr lang="zh-CN" altLang="en-US" sz="1100" dirty="0">
+                <a:latin typeface="Times New Roman" panose="02020603050405020304" pitchFamily="18" charset="0"/>
+                <a:cs typeface="Times New Roman" panose="02020603050405020304" pitchFamily="18" charset="0"/>
+              </a:endParaRPr>
+            </a:p>
+          </p:txBody>
+        </p:sp>
+        <p:cxnSp>
+          <p:nvCxnSpPr>
+            <p:cNvPr id="185" name="直接箭头连接符 184">
+              <a:extLst>
+                <a:ext uri="{FF2B5EF4-FFF2-40B4-BE49-F238E27FC236}">
+                  <a16:creationId xmlns:a16="http://schemas.microsoft.com/office/drawing/2014/main" id="{B07E2215-273F-6908-9509-BA9AC50D413F}"/>
+                </a:ext>
+              </a:extLst>
+            </p:cNvPr>
+            <p:cNvCxnSpPr>
+              <a:endCxn id="148" idx="2"/>
+            </p:cNvCxnSpPr>
+            <p:nvPr/>
+          </p:nvCxnSpPr>
+          <p:spPr>
+            <a:xfrm flipV="1">
+              <a:off x="1224280" y="2273300"/>
+              <a:ext cx="807720" cy="12700"/>
+            </a:xfrm>
+            <a:prstGeom prst="straightConnector1">
+              <a:avLst/>
+            </a:prstGeom>
+            <a:ln w="9525">
+              <a:solidFill>
+                <a:schemeClr val="tx1"/>
+              </a:solidFill>
+              <a:tailEnd type="triangle"/>
+            </a:ln>
+          </p:spPr>
+          <p:style>
+            <a:lnRef idx="1">
+              <a:schemeClr val="accent1"/>
+            </a:lnRef>
+            <a:fillRef idx="0">
+              <a:schemeClr val="accent1"/>
+            </a:fillRef>
+            <a:effectRef idx="0">
+              <a:schemeClr val="accent1"/>
+            </a:effectRef>
+            <a:fontRef idx="minor">
+              <a:schemeClr val="tx1"/>
+            </a:fontRef>
+          </p:style>
+        </p:cxnSp>
+        <p:sp>
+          <p:nvSpPr>
+            <p:cNvPr id="186" name="文本框 185">
+              <a:extLst>
+                <a:ext uri="{FF2B5EF4-FFF2-40B4-BE49-F238E27FC236}">
+                  <a16:creationId xmlns:a16="http://schemas.microsoft.com/office/drawing/2014/main" id="{BA56022C-EB4F-E441-E801-F7BBC4A48959}"/>
+                </a:ext>
+              </a:extLst>
+            </p:cNvPr>
+            <p:cNvSpPr txBox="1"/>
+            <p:nvPr/>
+          </p:nvSpPr>
+          <p:spPr>
+            <a:xfrm>
+              <a:off x="1082040" y="1855113"/>
+              <a:ext cx="1092200" cy="430887"/>
+            </a:xfrm>
+            <a:prstGeom prst="rect">
+              <a:avLst/>
+            </a:prstGeom>
+            <a:noFill/>
+          </p:spPr>
+          <p:txBody>
+            <a:bodyPr wrap="square" rtlCol="0">
+              <a:spAutoFit/>
+            </a:bodyPr>
+            <a:lstStyle/>
+            <a:p>
+              <a:pPr algn="ctr"/>
+              <a:r>
+                <a:rPr lang="en-US" altLang="zh-CN" sz="1100" dirty="0">
+                  <a:latin typeface="Times New Roman" panose="02020603050405020304" pitchFamily="18" charset="0"/>
+                  <a:cs typeface="Times New Roman" panose="02020603050405020304" pitchFamily="18" charset="0"/>
+                </a:rPr>
+                <a:t>Agent initialization</a:t>
+              </a:r>
+              <a:endParaRPr lang="zh-CN" altLang="en-US" sz="1100" dirty="0">
+                <a:latin typeface="Times New Roman" panose="02020603050405020304" pitchFamily="18" charset="0"/>
+                <a:cs typeface="Times New Roman" panose="02020603050405020304" pitchFamily="18" charset="0"/>
+              </a:endParaRPr>
+            </a:p>
+          </p:txBody>
+        </p:sp>
+        <p:cxnSp>
+          <p:nvCxnSpPr>
+            <p:cNvPr id="188" name="连接符: 曲线 187">
+              <a:extLst>
+                <a:ext uri="{FF2B5EF4-FFF2-40B4-BE49-F238E27FC236}">
+                  <a16:creationId xmlns:a16="http://schemas.microsoft.com/office/drawing/2014/main" id="{5C43334B-251A-B3E3-4508-28E8F47D584A}"/>
+                </a:ext>
+              </a:extLst>
+            </p:cNvPr>
+            <p:cNvCxnSpPr>
+              <a:cxnSpLocks/>
+              <a:stCxn id="150" idx="6"/>
+              <a:endCxn id="148" idx="4"/>
+            </p:cNvCxnSpPr>
+            <p:nvPr/>
+          </p:nvCxnSpPr>
+          <p:spPr>
+            <a:xfrm flipH="1">
+              <a:off x="2595880" y="2273300"/>
+              <a:ext cx="4424680" cy="327660"/>
+            </a:xfrm>
+            <a:prstGeom prst="curvedConnector4">
+              <a:avLst>
+                <a:gd name="adj1" fmla="val -5166"/>
+                <a:gd name="adj2" fmla="val 332558"/>
+              </a:avLst>
+            </a:prstGeom>
+            <a:ln w="9525">
+              <a:solidFill>
+                <a:schemeClr val="tx1"/>
+              </a:solidFill>
+              <a:tailEnd type="triangle"/>
+            </a:ln>
+          </p:spPr>
+          <p:style>
+            <a:lnRef idx="1">
+              <a:schemeClr val="accent1"/>
+            </a:lnRef>
+            <a:fillRef idx="0">
+              <a:schemeClr val="accent1"/>
+            </a:fillRef>
+            <a:effectRef idx="0">
+              <a:schemeClr val="accent1"/>
+            </a:effectRef>
+            <a:fontRef idx="minor">
+              <a:schemeClr val="tx1"/>
+            </a:fontRef>
+          </p:style>
+        </p:cxnSp>
+        <p:sp>
+          <p:nvSpPr>
+            <p:cNvPr id="192" name="文本框 191">
+              <a:extLst>
+                <a:ext uri="{FF2B5EF4-FFF2-40B4-BE49-F238E27FC236}">
+                  <a16:creationId xmlns:a16="http://schemas.microsoft.com/office/drawing/2014/main" id="{8B2426A7-D104-34B0-C921-5B387E7B9A02}"/>
+                </a:ext>
+              </a:extLst>
+            </p:cNvPr>
+            <p:cNvSpPr txBox="1"/>
+            <p:nvPr/>
+          </p:nvSpPr>
+          <p:spPr>
+            <a:xfrm>
+              <a:off x="4226560" y="2801620"/>
+              <a:ext cx="1666240" cy="430887"/>
+            </a:xfrm>
+            <a:prstGeom prst="rect">
+              <a:avLst/>
+            </a:prstGeom>
+            <a:noFill/>
+          </p:spPr>
+          <p:txBody>
+            <a:bodyPr wrap="square" rtlCol="0">
+              <a:spAutoFit/>
+            </a:bodyPr>
+            <a:lstStyle/>
+            <a:p>
+              <a:pPr algn="ctr"/>
+              <a:r>
+                <a:rPr lang="en-US" altLang="zh-CN" sz="1100" dirty="0">
+                  <a:latin typeface="Times New Roman" panose="02020603050405020304" pitchFamily="18" charset="0"/>
+                  <a:cs typeface="Times New Roman" panose="02020603050405020304" pitchFamily="18" charset="0"/>
+                </a:rPr>
+                <a:t>Collided with other agent or Occupation failed</a:t>
+              </a:r>
+              <a:endParaRPr lang="zh-CN" altLang="en-US" sz="1100" dirty="0">
+                <a:latin typeface="Times New Roman" panose="02020603050405020304" pitchFamily="18" charset="0"/>
+                <a:cs typeface="Times New Roman" panose="02020603050405020304" pitchFamily="18" charset="0"/>
+              </a:endParaRPr>
+            </a:p>
+          </p:txBody>
+        </p:sp>
+        <p:sp>
+          <p:nvSpPr>
+            <p:cNvPr id="199" name="文本框 198">
+              <a:extLst>
+                <a:ext uri="{FF2B5EF4-FFF2-40B4-BE49-F238E27FC236}">
+                  <a16:creationId xmlns:a16="http://schemas.microsoft.com/office/drawing/2014/main" id="{CC355C7B-127E-45A4-0AC2-EF2F593C3387}"/>
+                </a:ext>
+              </a:extLst>
+            </p:cNvPr>
+            <p:cNvSpPr txBox="1"/>
+            <p:nvPr/>
+          </p:nvSpPr>
+          <p:spPr>
+            <a:xfrm>
+              <a:off x="2296160" y="1331128"/>
+              <a:ext cx="1666240" cy="261610"/>
+            </a:xfrm>
+            <a:prstGeom prst="rect">
+              <a:avLst/>
+            </a:prstGeom>
+            <a:solidFill>
+              <a:schemeClr val="bg1">
+                <a:lumMod val="95000"/>
+              </a:schemeClr>
+            </a:solidFill>
+          </p:spPr>
+          <p:txBody>
+            <a:bodyPr wrap="square" rtlCol="0">
+              <a:spAutoFit/>
+            </a:bodyPr>
+            <a:lstStyle/>
+            <a:p>
+              <a:pPr algn="ctr"/>
+              <a:r>
+                <a:rPr lang="en-US" altLang="zh-CN" sz="1100" dirty="0">
+                  <a:latin typeface="Times New Roman" panose="02020603050405020304" pitchFamily="18" charset="0"/>
+                  <a:cs typeface="Times New Roman" panose="02020603050405020304" pitchFamily="18" charset="0"/>
+                </a:rPr>
+                <a:t>Entering the Network</a:t>
+              </a:r>
+              <a:endParaRPr lang="zh-CN" altLang="en-US" sz="1100" dirty="0">
+                <a:latin typeface="Times New Roman" panose="02020603050405020304" pitchFamily="18" charset="0"/>
+                <a:cs typeface="Times New Roman" panose="02020603050405020304" pitchFamily="18" charset="0"/>
+              </a:endParaRPr>
+            </a:p>
+          </p:txBody>
+        </p:sp>
+        <p:sp>
+          <p:nvSpPr>
+            <p:cNvPr id="200" name="文本框 199">
+              <a:extLst>
+                <a:ext uri="{FF2B5EF4-FFF2-40B4-BE49-F238E27FC236}">
+                  <a16:creationId xmlns:a16="http://schemas.microsoft.com/office/drawing/2014/main" id="{693B696B-9E5D-973C-6460-9DFB4C60F1DB}"/>
+                </a:ext>
+              </a:extLst>
+            </p:cNvPr>
+            <p:cNvSpPr txBox="1"/>
+            <p:nvPr/>
+          </p:nvSpPr>
+          <p:spPr>
+            <a:xfrm>
+              <a:off x="7053898" y="1331128"/>
+              <a:ext cx="1666240" cy="261610"/>
+            </a:xfrm>
+            <a:prstGeom prst="rect">
+              <a:avLst/>
+            </a:prstGeom>
+            <a:solidFill>
+              <a:schemeClr val="bg1">
+                <a:lumMod val="95000"/>
+              </a:schemeClr>
+            </a:solidFill>
+          </p:spPr>
+          <p:txBody>
+            <a:bodyPr wrap="square" rtlCol="0">
+              <a:spAutoFit/>
+            </a:bodyPr>
+            <a:lstStyle/>
+            <a:p>
+              <a:pPr algn="ctr"/>
+              <a:r>
+                <a:rPr lang="en-US" altLang="zh-CN" sz="1100" dirty="0">
+                  <a:latin typeface="Times New Roman" panose="02020603050405020304" pitchFamily="18" charset="0"/>
+                  <a:cs typeface="Times New Roman" panose="02020603050405020304" pitchFamily="18" charset="0"/>
+                </a:rPr>
+                <a:t>Continuous Operation</a:t>
+              </a:r>
+              <a:endParaRPr lang="zh-CN" altLang="en-US" sz="1100" dirty="0">
+                <a:latin typeface="Times New Roman" panose="02020603050405020304" pitchFamily="18" charset="0"/>
+                <a:cs typeface="Times New Roman" panose="02020603050405020304" pitchFamily="18" charset="0"/>
+              </a:endParaRPr>
+            </a:p>
+          </p:txBody>
+        </p:sp>
+      </p:grpSp>
+    </p:spTree>
+    <p:extLst>
+      <p:ext uri="{BB962C8B-B14F-4D97-AF65-F5344CB8AC3E}">
+        <p14:creationId xmlns:p14="http://schemas.microsoft.com/office/powerpoint/2010/main" val="1706141307"/>
+      </p:ext>
+    </p:extLst>
+  </p:cSld>
+  <p:clrMapOvr>
+    <a:masterClrMapping/>
+  </p:clrMapOvr>
+</p:sld>
+</file>
+
+<file path=ppt/slides/slide7.xml><?xml version="1.0" encoding="utf-8"?>
+<p:sld xmlns:a="http://schemas.openxmlformats.org/drawingml/2006/main" xmlns:r="http://schemas.openxmlformats.org/officeDocument/2006/relationships" xmlns:p="http://schemas.openxmlformats.org/presentationml/2006/main">
+  <p:cSld>
+    <p:spTree>
+      <p:nvGrpSpPr>
+        <p:cNvPr id="1" name=""/>
+        <p:cNvGrpSpPr/>
+        <p:nvPr/>
+      </p:nvGrpSpPr>
+      <p:grpSpPr>
+        <a:xfrm>
+          <a:off x="0" y="0"/>
+          <a:ext cx="0" cy="0"/>
+          <a:chOff x="0" y="0"/>
+          <a:chExt cx="0" cy="0"/>
+        </a:xfrm>
+      </p:grpSpPr>
+      <p:graphicFrame>
+        <p:nvGraphicFramePr>
+          <p:cNvPr id="4" name="表格 4">
+            <a:extLst>
+              <a:ext uri="{FF2B5EF4-FFF2-40B4-BE49-F238E27FC236}">
+                <a16:creationId xmlns:a16="http://schemas.microsoft.com/office/drawing/2014/main" id="{9E747222-9EAC-2D8D-EAD7-A4A410BEE4AE}"/>
+              </a:ext>
+            </a:extLst>
+          </p:cNvPr>
+          <p:cNvGraphicFramePr>
+            <a:graphicFrameLocks noGrp="1"/>
+          </p:cNvGraphicFramePr>
+          <p:nvPr>
+            <p:extLst>
+              <p:ext uri="{D42A27DB-BD31-4B8C-83A1-F6EECF244321}">
+                <p14:modId xmlns:p14="http://schemas.microsoft.com/office/powerpoint/2010/main" val="3804476390"/>
+              </p:ext>
+            </p:extLst>
+          </p:nvPr>
+        </p:nvGraphicFramePr>
+        <p:xfrm>
+          <a:off x="3928659" y="566962"/>
+          <a:ext cx="3612235" cy="754293"/>
+        </p:xfrm>
+        <a:graphic>
+          <a:graphicData uri="http://schemas.openxmlformats.org/drawingml/2006/table">
+            <a:tbl>
+              <a:tblPr firstRow="1" bandRow="1">
+                <a:tableStyleId>{5C22544A-7EE6-4342-B048-85BDC9FD1C3A}</a:tableStyleId>
+              </a:tblPr>
+              <a:tblGrid>
+                <a:gridCol w="722447">
+                  <a:extLst>
+                    <a:ext uri="{9D8B030D-6E8A-4147-A177-3AD203B41FA5}">
+                      <a16:colId xmlns:a16="http://schemas.microsoft.com/office/drawing/2014/main" val="319449061"/>
+                    </a:ext>
+                  </a:extLst>
+                </a:gridCol>
+                <a:gridCol w="722447">
+                  <a:extLst>
+                    <a:ext uri="{9D8B030D-6E8A-4147-A177-3AD203B41FA5}">
+                      <a16:colId xmlns:a16="http://schemas.microsoft.com/office/drawing/2014/main" val="3846963674"/>
+                    </a:ext>
+                  </a:extLst>
+                </a:gridCol>
+                <a:gridCol w="722447">
+                  <a:extLst>
+                    <a:ext uri="{9D8B030D-6E8A-4147-A177-3AD203B41FA5}">
+                      <a16:colId xmlns:a16="http://schemas.microsoft.com/office/drawing/2014/main" val="227559631"/>
+                    </a:ext>
+                  </a:extLst>
+                </a:gridCol>
+                <a:gridCol w="722447">
+                  <a:extLst>
+                    <a:ext uri="{9D8B030D-6E8A-4147-A177-3AD203B41FA5}">
+                      <a16:colId xmlns:a16="http://schemas.microsoft.com/office/drawing/2014/main" val="2150371352"/>
+                    </a:ext>
+                  </a:extLst>
+                </a:gridCol>
+                <a:gridCol w="722447">
+                  <a:extLst>
+                    <a:ext uri="{9D8B030D-6E8A-4147-A177-3AD203B41FA5}">
+                      <a16:colId xmlns:a16="http://schemas.microsoft.com/office/drawing/2014/main" val="3699109890"/>
+                    </a:ext>
+                  </a:extLst>
+                </a:gridCol>
+              </a:tblGrid>
+              <a:tr h="754293">
+                <a:tc>
+                  <a:txBody>
+                    <a:bodyPr/>
+                    <a:lstStyle/>
+                    <a:p>
+                      <a:endParaRPr lang="zh-CN" altLang="en-US" dirty="0"/>
+                    </a:p>
+                  </a:txBody>
+                  <a:tcPr>
+                    <a:lnL w="12700" cap="flat" cmpd="sng" algn="ctr">
+                      <a:solidFill>
+                        <a:schemeClr val="tx1"/>
+                      </a:solidFill>
+                      <a:prstDash val="solid"/>
+                      <a:round/>
+                      <a:headEnd type="none" w="med" len="med"/>
+                      <a:tailEnd type="none" w="med" len="med"/>
+                    </a:lnL>
+                    <a:lnR w="12700" cap="flat" cmpd="sng" algn="ctr">
+                      <a:solidFill>
+                        <a:schemeClr val="tx1"/>
+                      </a:solidFill>
+                      <a:prstDash val="solid"/>
+                      <a:round/>
+                      <a:headEnd type="none" w="med" len="med"/>
+                      <a:tailEnd type="none" w="med" len="med"/>
+                    </a:lnR>
+                    <a:lnT w="12700" cap="flat" cmpd="sng" algn="ctr">
+                      <a:solidFill>
+                        <a:schemeClr val="tx1"/>
+                      </a:solidFill>
+                      <a:prstDash val="solid"/>
+                      <a:round/>
+                      <a:headEnd type="none" w="med" len="med"/>
+                      <a:tailEnd type="none" w="med" len="med"/>
+                    </a:lnT>
+                    <a:lnB w="12700" cap="flat" cmpd="sng" algn="ctr">
+                      <a:solidFill>
+                        <a:schemeClr val="tx1"/>
+                      </a:solidFill>
+                      <a:prstDash val="solid"/>
+                      <a:round/>
+                      <a:headEnd type="none" w="med" len="med"/>
+                      <a:tailEnd type="none" w="med" len="med"/>
+                    </a:lnB>
+                    <a:lnTlToBr w="12700" cmpd="sng">
+                      <a:noFill/>
+                      <a:prstDash val="solid"/>
+                    </a:lnTlToBr>
+                    <a:lnBlToTr w="12700" cmpd="sng">
+                      <a:noFill/>
+                      <a:prstDash val="solid"/>
+                    </a:lnBlToTr>
+                    <a:noFill/>
+                  </a:tcPr>
+                </a:tc>
+                <a:tc>
+                  <a:txBody>
+                    <a:bodyPr/>
+                    <a:lstStyle/>
+                    <a:p>
+                      <a:pPr algn="ctr">
+                        <a:lnSpc>
+                          <a:spcPct val="200000"/>
+                        </a:lnSpc>
+                      </a:pPr>
+                      <a:r>
+                        <a:rPr lang="en-US" altLang="zh-CN" dirty="0">
+                          <a:solidFill>
+                            <a:schemeClr val="bg1"/>
+                          </a:solidFill>
+                          <a:latin typeface="Times New Roman" panose="02020603050405020304" pitchFamily="18" charset="0"/>
+                          <a:cs typeface="Times New Roman" panose="02020603050405020304" pitchFamily="18" charset="0"/>
+                        </a:rPr>
+                        <a:t>A</a:t>
+                      </a:r>
+                      <a:endParaRPr lang="zh-CN" altLang="en-US" dirty="0">
+                        <a:solidFill>
+                          <a:schemeClr val="bg1"/>
+                        </a:solidFill>
+                        <a:latin typeface="Times New Roman" panose="02020603050405020304" pitchFamily="18" charset="0"/>
+                        <a:cs typeface="Times New Roman" panose="02020603050405020304" pitchFamily="18" charset="0"/>
+                      </a:endParaRPr>
+                    </a:p>
+                  </a:txBody>
+                  <a:tcPr>
+                    <a:lnL w="12700" cap="flat" cmpd="sng" algn="ctr">
+                      <a:solidFill>
+                        <a:schemeClr val="tx1"/>
+                      </a:solidFill>
+                      <a:prstDash val="solid"/>
+                      <a:round/>
+                      <a:headEnd type="none" w="med" len="med"/>
+                      <a:tailEnd type="none" w="med" len="med"/>
+                    </a:lnL>
+                    <a:lnR w="12700" cap="flat" cmpd="sng" algn="ctr">
+                      <a:solidFill>
+                        <a:schemeClr val="tx1"/>
+                      </a:solidFill>
+                      <a:prstDash val="solid"/>
+                      <a:round/>
+                      <a:headEnd type="none" w="med" len="med"/>
+                      <a:tailEnd type="none" w="med" len="med"/>
+                    </a:lnR>
+                    <a:lnT w="12700" cap="flat" cmpd="sng" algn="ctr">
+                      <a:solidFill>
+                        <a:schemeClr val="tx1"/>
+                      </a:solidFill>
+                      <a:prstDash val="solid"/>
+                      <a:round/>
+                      <a:headEnd type="none" w="med" len="med"/>
+                      <a:tailEnd type="none" w="med" len="med"/>
+                    </a:lnT>
+                    <a:lnB w="12700" cap="flat" cmpd="sng" algn="ctr">
+                      <a:solidFill>
+                        <a:schemeClr val="tx1"/>
+                      </a:solidFill>
+                      <a:prstDash val="solid"/>
+                      <a:round/>
+                      <a:headEnd type="none" w="med" len="med"/>
+                      <a:tailEnd type="none" w="med" len="med"/>
+                    </a:lnB>
+                    <a:lnTlToBr w="12700" cmpd="sng">
+                      <a:noFill/>
+                      <a:prstDash val="solid"/>
+                    </a:lnTlToBr>
+                    <a:lnBlToTr w="12700" cmpd="sng">
+                      <a:noFill/>
+                      <a:prstDash val="solid"/>
+                    </a:lnBlToTr>
+                    <a:solidFill>
+                      <a:schemeClr val="accent1"/>
+                    </a:solidFill>
+                  </a:tcPr>
+                </a:tc>
+                <a:tc>
+                  <a:txBody>
+                    <a:bodyPr/>
+                    <a:lstStyle/>
+                    <a:p>
+                      <a:endParaRPr lang="zh-CN" altLang="en-US" dirty="0"/>
+                    </a:p>
+                  </a:txBody>
+                  <a:tcPr>
+                    <a:lnL w="12700" cap="flat" cmpd="sng" algn="ctr">
+                      <a:solidFill>
+                        <a:schemeClr val="tx1"/>
+                      </a:solidFill>
+                      <a:prstDash val="solid"/>
+                      <a:round/>
+                      <a:headEnd type="none" w="med" len="med"/>
+                      <a:tailEnd type="none" w="med" len="med"/>
+                    </a:lnL>
+                    <a:lnR w="12700" cap="flat" cmpd="sng" algn="ctr">
+                      <a:solidFill>
+                        <a:schemeClr val="tx1"/>
+                      </a:solidFill>
+                      <a:prstDash val="solid"/>
+                      <a:round/>
+                      <a:headEnd type="none" w="med" len="med"/>
+                      <a:tailEnd type="none" w="med" len="med"/>
+                    </a:lnR>
+                    <a:lnT w="12700" cap="flat" cmpd="sng" algn="ctr">
+                      <a:solidFill>
+                        <a:schemeClr val="tx1"/>
+                      </a:solidFill>
+                      <a:prstDash val="solid"/>
+                      <a:round/>
+                      <a:headEnd type="none" w="med" len="med"/>
+                      <a:tailEnd type="none" w="med" len="med"/>
+                    </a:lnT>
+                    <a:lnB w="12700" cap="flat" cmpd="sng" algn="ctr">
+                      <a:solidFill>
+                        <a:schemeClr val="tx1"/>
+                      </a:solidFill>
+                      <a:prstDash val="solid"/>
+                      <a:round/>
+                      <a:headEnd type="none" w="med" len="med"/>
+                      <a:tailEnd type="none" w="med" len="med"/>
+                    </a:lnB>
+                    <a:lnTlToBr w="12700" cmpd="sng">
+                      <a:noFill/>
+                      <a:prstDash val="solid"/>
+                    </a:lnTlToBr>
+                    <a:lnBlToTr w="12700" cmpd="sng">
+                      <a:noFill/>
+                      <a:prstDash val="solid"/>
+                    </a:lnBlToTr>
+                    <a:noFill/>
+                  </a:tcPr>
+                </a:tc>
+                <a:tc>
+                  <a:txBody>
+                    <a:bodyPr/>
+                    <a:lstStyle/>
+                    <a:p>
+                      <a:pPr algn="ctr">
+                        <a:lnSpc>
+                          <a:spcPct val="200000"/>
+                        </a:lnSpc>
+                      </a:pPr>
+                      <a:r>
+                        <a:rPr lang="en-US" altLang="zh-CN" dirty="0">
+                          <a:solidFill>
+                            <a:schemeClr val="bg1"/>
+                          </a:solidFill>
+                          <a:latin typeface="Times New Roman" panose="02020603050405020304" pitchFamily="18" charset="0"/>
+                          <a:cs typeface="Times New Roman" panose="02020603050405020304" pitchFamily="18" charset="0"/>
+                        </a:rPr>
+                        <a:t>B</a:t>
+                      </a:r>
+                      <a:endParaRPr lang="zh-CN" altLang="en-US" dirty="0">
+                        <a:solidFill>
+                          <a:schemeClr val="bg1"/>
+                        </a:solidFill>
+                        <a:latin typeface="Times New Roman" panose="02020603050405020304" pitchFamily="18" charset="0"/>
+                        <a:cs typeface="Times New Roman" panose="02020603050405020304" pitchFamily="18" charset="0"/>
+                      </a:endParaRPr>
+                    </a:p>
+                  </a:txBody>
+                  <a:tcPr>
+                    <a:lnL w="12700" cap="flat" cmpd="sng" algn="ctr">
+                      <a:solidFill>
+                        <a:schemeClr val="tx1"/>
+                      </a:solidFill>
+                      <a:prstDash val="solid"/>
+                      <a:round/>
+                      <a:headEnd type="none" w="med" len="med"/>
+                      <a:tailEnd type="none" w="med" len="med"/>
+                    </a:lnL>
+                    <a:lnR w="12700" cap="flat" cmpd="sng" algn="ctr">
+                      <a:solidFill>
+                        <a:schemeClr val="tx1"/>
+                      </a:solidFill>
+                      <a:prstDash val="solid"/>
+                      <a:round/>
+                      <a:headEnd type="none" w="med" len="med"/>
+                      <a:tailEnd type="none" w="med" len="med"/>
+                    </a:lnR>
+                    <a:lnT w="12700" cap="flat" cmpd="sng" algn="ctr">
+                      <a:solidFill>
+                        <a:schemeClr val="tx1"/>
+                      </a:solidFill>
+                      <a:prstDash val="solid"/>
+                      <a:round/>
+                      <a:headEnd type="none" w="med" len="med"/>
+                      <a:tailEnd type="none" w="med" len="med"/>
+                    </a:lnT>
+                    <a:lnB w="12700" cap="flat" cmpd="sng" algn="ctr">
+                      <a:solidFill>
+                        <a:schemeClr val="tx1"/>
+                      </a:solidFill>
+                      <a:prstDash val="solid"/>
+                      <a:round/>
+                      <a:headEnd type="none" w="med" len="med"/>
+                      <a:tailEnd type="none" w="med" len="med"/>
+                    </a:lnB>
+                    <a:lnTlToBr w="12700" cmpd="sng">
+                      <a:noFill/>
+                      <a:prstDash val="solid"/>
+                    </a:lnTlToBr>
+                    <a:lnBlToTr w="12700" cmpd="sng">
+                      <a:noFill/>
+                      <a:prstDash val="solid"/>
+                    </a:lnBlToTr>
+                    <a:solidFill>
+                      <a:schemeClr val="accent6"/>
+                    </a:solidFill>
+                  </a:tcPr>
+                </a:tc>
+                <a:tc>
+                  <a:txBody>
+                    <a:bodyPr/>
+                    <a:lstStyle/>
+                    <a:p>
+                      <a:endParaRPr lang="zh-CN" altLang="en-US" dirty="0"/>
+                    </a:p>
+                  </a:txBody>
+                  <a:tcPr>
+                    <a:lnL w="12700" cap="flat" cmpd="sng" algn="ctr">
+                      <a:solidFill>
+                        <a:schemeClr val="tx1"/>
+                      </a:solidFill>
+                      <a:prstDash val="solid"/>
+                      <a:round/>
+                      <a:headEnd type="none" w="med" len="med"/>
+                      <a:tailEnd type="none" w="med" len="med"/>
+                    </a:lnL>
+                    <a:lnR w="12700" cap="flat" cmpd="sng" algn="ctr">
+                      <a:solidFill>
+                        <a:schemeClr val="tx1"/>
+                      </a:solidFill>
+                      <a:prstDash val="solid"/>
+                      <a:round/>
+                      <a:headEnd type="none" w="med" len="med"/>
+                      <a:tailEnd type="none" w="med" len="med"/>
+                    </a:lnR>
+                    <a:lnT w="12700" cap="flat" cmpd="sng" algn="ctr">
+                      <a:solidFill>
+                        <a:schemeClr val="tx1"/>
+                      </a:solidFill>
+                      <a:prstDash val="solid"/>
+                      <a:round/>
+                      <a:headEnd type="none" w="med" len="med"/>
+                      <a:tailEnd type="none" w="med" len="med"/>
+                    </a:lnT>
+                    <a:lnB w="12700" cap="flat" cmpd="sng" algn="ctr">
+                      <a:solidFill>
+                        <a:schemeClr val="tx1"/>
+                      </a:solidFill>
+                      <a:prstDash val="solid"/>
+                      <a:round/>
+                      <a:headEnd type="none" w="med" len="med"/>
+                      <a:tailEnd type="none" w="med" len="med"/>
+                    </a:lnB>
+                    <a:lnTlToBr w="12700" cmpd="sng">
+                      <a:noFill/>
+                      <a:prstDash val="solid"/>
+                    </a:lnTlToBr>
+                    <a:lnBlToTr w="12700" cmpd="sng">
+                      <a:noFill/>
+                      <a:prstDash val="solid"/>
+                    </a:lnBlToTr>
+                    <a:noFill/>
+                  </a:tcPr>
+                </a:tc>
+                <a:extLst>
+                  <a:ext uri="{0D108BD9-81ED-4DB2-BD59-A6C34878D82A}">
+                    <a16:rowId xmlns:a16="http://schemas.microsoft.com/office/drawing/2014/main" val="1364259792"/>
+                  </a:ext>
+                </a:extLst>
+              </a:tr>
+            </a:tbl>
+          </a:graphicData>
+        </a:graphic>
+      </p:graphicFrame>
+      <p:sp>
+        <p:nvSpPr>
+          <p:cNvPr id="2" name="文本框 1">
+            <a:extLst>
+              <a:ext uri="{FF2B5EF4-FFF2-40B4-BE49-F238E27FC236}">
+                <a16:creationId xmlns:a16="http://schemas.microsoft.com/office/drawing/2014/main" id="{AB2FD847-7CA6-D645-2222-19CD9BDDA218}"/>
+              </a:ext>
+            </a:extLst>
+          </p:cNvPr>
+          <p:cNvSpPr txBox="1"/>
+          <p:nvPr/>
+        </p:nvSpPr>
+        <p:spPr>
+          <a:xfrm>
+            <a:off x="2440203" y="805608"/>
+            <a:ext cx="1151277" cy="276999"/>
+          </a:xfrm>
+          <a:prstGeom prst="rect">
+            <a:avLst/>
+          </a:prstGeom>
+          <a:noFill/>
+        </p:spPr>
+        <p:txBody>
+          <a:bodyPr wrap="none" rtlCol="0">
+            <a:spAutoFit/>
+          </a:bodyPr>
+          <a:lstStyle/>
+          <a:p>
+            <a:r>
+              <a:rPr lang="en-US" altLang="zh-CN" sz="1200" b="1" dirty="0">
+                <a:latin typeface="Times New Roman" panose="02020603050405020304" pitchFamily="18" charset="0"/>
+                <a:cs typeface="Times New Roman" panose="02020603050405020304" pitchFamily="18" charset="0"/>
+              </a:rPr>
+              <a:t>Moment	t</a:t>
+            </a:r>
+            <a:endParaRPr lang="zh-CN" altLang="en-US" sz="1200" b="1" dirty="0">
+              <a:latin typeface="Times New Roman" panose="02020603050405020304" pitchFamily="18" charset="0"/>
+              <a:cs typeface="Times New Roman" panose="02020603050405020304" pitchFamily="18" charset="0"/>
+            </a:endParaRPr>
+          </a:p>
+        </p:txBody>
+      </p:sp>
+      <p:graphicFrame>
+        <p:nvGraphicFramePr>
+          <p:cNvPr id="3" name="表格 4">
+            <a:extLst>
+              <a:ext uri="{FF2B5EF4-FFF2-40B4-BE49-F238E27FC236}">
+                <a16:creationId xmlns:a16="http://schemas.microsoft.com/office/drawing/2014/main" id="{7BBFBC93-42B4-68E8-297C-14B9ED91D9BB}"/>
+              </a:ext>
+            </a:extLst>
+          </p:cNvPr>
+          <p:cNvGraphicFramePr>
+            <a:graphicFrameLocks noGrp="1"/>
+          </p:cNvGraphicFramePr>
+          <p:nvPr>
+            <p:extLst>
+              <p:ext uri="{D42A27DB-BD31-4B8C-83A1-F6EECF244321}">
+                <p14:modId xmlns:p14="http://schemas.microsoft.com/office/powerpoint/2010/main" val="3715158754"/>
+              </p:ext>
+            </p:extLst>
+          </p:nvPr>
+        </p:nvGraphicFramePr>
+        <p:xfrm>
+          <a:off x="3928659" y="1784220"/>
+          <a:ext cx="3612235" cy="754293"/>
+        </p:xfrm>
+        <a:graphic>
+          <a:graphicData uri="http://schemas.openxmlformats.org/drawingml/2006/table">
+            <a:tbl>
+              <a:tblPr firstRow="1" bandRow="1">
+                <a:tableStyleId>{5C22544A-7EE6-4342-B048-85BDC9FD1C3A}</a:tableStyleId>
+              </a:tblPr>
+              <a:tblGrid>
+                <a:gridCol w="722447">
+                  <a:extLst>
+                    <a:ext uri="{9D8B030D-6E8A-4147-A177-3AD203B41FA5}">
+                      <a16:colId xmlns:a16="http://schemas.microsoft.com/office/drawing/2014/main" val="319449061"/>
+                    </a:ext>
+                  </a:extLst>
+                </a:gridCol>
+                <a:gridCol w="722447">
+                  <a:extLst>
+                    <a:ext uri="{9D8B030D-6E8A-4147-A177-3AD203B41FA5}">
+                      <a16:colId xmlns:a16="http://schemas.microsoft.com/office/drawing/2014/main" val="3846963674"/>
+                    </a:ext>
+                  </a:extLst>
+                </a:gridCol>
+                <a:gridCol w="722447">
+                  <a:extLst>
+                    <a:ext uri="{9D8B030D-6E8A-4147-A177-3AD203B41FA5}">
+                      <a16:colId xmlns:a16="http://schemas.microsoft.com/office/drawing/2014/main" val="227559631"/>
+                    </a:ext>
+                  </a:extLst>
+                </a:gridCol>
+                <a:gridCol w="722447">
+                  <a:extLst>
+                    <a:ext uri="{9D8B030D-6E8A-4147-A177-3AD203B41FA5}">
+                      <a16:colId xmlns:a16="http://schemas.microsoft.com/office/drawing/2014/main" val="2150371352"/>
+                    </a:ext>
+                  </a:extLst>
+                </a:gridCol>
+                <a:gridCol w="722447">
+                  <a:extLst>
+                    <a:ext uri="{9D8B030D-6E8A-4147-A177-3AD203B41FA5}">
+                      <a16:colId xmlns:a16="http://schemas.microsoft.com/office/drawing/2014/main" val="3699109890"/>
+                    </a:ext>
+                  </a:extLst>
+                </a:gridCol>
+              </a:tblGrid>
+              <a:tr h="754293">
+                <a:tc>
+                  <a:txBody>
+                    <a:bodyPr/>
+                    <a:lstStyle/>
+                    <a:p>
+                      <a:endParaRPr lang="zh-CN" altLang="en-US" dirty="0"/>
+                    </a:p>
+                  </a:txBody>
+                  <a:tcPr>
+                    <a:lnL w="12700" cap="flat" cmpd="sng" algn="ctr">
+                      <a:solidFill>
+                        <a:schemeClr val="tx1"/>
+                      </a:solidFill>
+                      <a:prstDash val="solid"/>
+                      <a:round/>
+                      <a:headEnd type="none" w="med" len="med"/>
+                      <a:tailEnd type="none" w="med" len="med"/>
+                    </a:lnL>
+                    <a:lnR w="12700" cap="flat" cmpd="sng" algn="ctr">
+                      <a:solidFill>
+                        <a:schemeClr val="tx1"/>
+                      </a:solidFill>
+                      <a:prstDash val="solid"/>
+                      <a:round/>
+                      <a:headEnd type="none" w="med" len="med"/>
+                      <a:tailEnd type="none" w="med" len="med"/>
+                    </a:lnR>
+                    <a:lnT w="12700" cap="flat" cmpd="sng" algn="ctr">
+                      <a:solidFill>
+                        <a:schemeClr val="tx1"/>
+                      </a:solidFill>
+                      <a:prstDash val="solid"/>
+                      <a:round/>
+                      <a:headEnd type="none" w="med" len="med"/>
+                      <a:tailEnd type="none" w="med" len="med"/>
+                    </a:lnT>
+                    <a:lnB w="12700" cap="flat" cmpd="sng" algn="ctr">
+                      <a:solidFill>
+                        <a:schemeClr val="tx1"/>
+                      </a:solidFill>
+                      <a:prstDash val="solid"/>
+                      <a:round/>
+                      <a:headEnd type="none" w="med" len="med"/>
+                      <a:tailEnd type="none" w="med" len="med"/>
+                    </a:lnB>
+                    <a:lnTlToBr w="12700" cmpd="sng">
+                      <a:noFill/>
+                      <a:prstDash val="solid"/>
+                    </a:lnTlToBr>
+                    <a:lnBlToTr w="12700" cmpd="sng">
+                      <a:noFill/>
+                      <a:prstDash val="solid"/>
+                    </a:lnBlToTr>
+                    <a:noFill/>
+                  </a:tcPr>
+                </a:tc>
+                <a:tc>
+                  <a:txBody>
+                    <a:bodyPr/>
+                    <a:lstStyle/>
+                    <a:p>
+                      <a:pPr algn="ctr">
+                        <a:lnSpc>
+                          <a:spcPct val="200000"/>
+                        </a:lnSpc>
+                      </a:pPr>
+                      <a:endParaRPr lang="zh-CN" altLang="en-US" dirty="0">
+                        <a:solidFill>
+                          <a:schemeClr val="bg1"/>
+                        </a:solidFill>
+                        <a:latin typeface="Times New Roman" panose="02020603050405020304" pitchFamily="18" charset="0"/>
+                        <a:cs typeface="Times New Roman" panose="02020603050405020304" pitchFamily="18" charset="0"/>
+                      </a:endParaRPr>
+                    </a:p>
+                  </a:txBody>
+                  <a:tcPr>
+                    <a:lnL w="12700" cap="flat" cmpd="sng" algn="ctr">
+                      <a:solidFill>
+                        <a:schemeClr val="tx1"/>
+                      </a:solidFill>
+                      <a:prstDash val="solid"/>
+                      <a:round/>
+                      <a:headEnd type="none" w="med" len="med"/>
+                      <a:tailEnd type="none" w="med" len="med"/>
+                    </a:lnL>
+                    <a:lnR w="12700" cap="flat" cmpd="sng" algn="ctr">
+                      <a:solidFill>
+                        <a:schemeClr val="tx1"/>
+                      </a:solidFill>
+                      <a:prstDash val="solid"/>
+                      <a:round/>
+                      <a:headEnd type="none" w="med" len="med"/>
+                      <a:tailEnd type="none" w="med" len="med"/>
+                    </a:lnR>
+                    <a:lnT w="12700" cap="flat" cmpd="sng" algn="ctr">
+                      <a:solidFill>
+                        <a:schemeClr val="tx1"/>
+                      </a:solidFill>
+                      <a:prstDash val="solid"/>
+                      <a:round/>
+                      <a:headEnd type="none" w="med" len="med"/>
+                      <a:tailEnd type="none" w="med" len="med"/>
+                    </a:lnT>
+                    <a:lnB w="12700" cap="flat" cmpd="sng" algn="ctr">
+                      <a:solidFill>
+                        <a:schemeClr val="tx1"/>
+                      </a:solidFill>
+                      <a:prstDash val="solid"/>
+                      <a:round/>
+                      <a:headEnd type="none" w="med" len="med"/>
+                      <a:tailEnd type="none" w="med" len="med"/>
+                    </a:lnB>
+                    <a:lnTlToBr w="12700" cmpd="sng">
+                      <a:noFill/>
+                      <a:prstDash val="solid"/>
+                    </a:lnTlToBr>
+                    <a:lnBlToTr w="12700" cmpd="sng">
+                      <a:noFill/>
+                      <a:prstDash val="solid"/>
+                    </a:lnBlToTr>
+                    <a:solidFill>
+                      <a:schemeClr val="bg1"/>
+                    </a:solidFill>
+                  </a:tcPr>
+                </a:tc>
+                <a:tc>
+                  <a:txBody>
+                    <a:bodyPr/>
+                    <a:lstStyle/>
+                    <a:p>
+                      <a:pPr marL="0" algn="ctr" defTabSz="914400" rtl="0" eaLnBrk="1" latinLnBrk="0" hangingPunct="1">
+                        <a:lnSpc>
+                          <a:spcPct val="300000"/>
+                        </a:lnSpc>
+                      </a:pPr>
+                      <a:r>
+                        <a:rPr lang="en-US" altLang="zh-CN" sz="1100" b="1" kern="1200" dirty="0">
+                          <a:solidFill>
+                            <a:schemeClr val="tx1"/>
+                          </a:solidFill>
+                          <a:latin typeface="Times New Roman" panose="02020603050405020304" pitchFamily="18" charset="0"/>
+                          <a:ea typeface="+mn-ea"/>
+                          <a:cs typeface="Times New Roman" panose="02020603050405020304" pitchFamily="18" charset="0"/>
+                        </a:rPr>
+                        <a:t>Collision</a:t>
+                      </a:r>
+                      <a:endParaRPr lang="zh-CN" altLang="en-US" sz="1400" b="1" kern="1200" dirty="0">
+                        <a:solidFill>
+                          <a:schemeClr val="tx1"/>
+                        </a:solidFill>
+                        <a:latin typeface="Times New Roman" panose="02020603050405020304" pitchFamily="18" charset="0"/>
+                        <a:ea typeface="+mn-ea"/>
+                        <a:cs typeface="Times New Roman" panose="02020603050405020304" pitchFamily="18" charset="0"/>
+                      </a:endParaRPr>
+                    </a:p>
+                  </a:txBody>
+                  <a:tcPr>
+                    <a:lnL w="12700" cap="flat" cmpd="sng" algn="ctr">
+                      <a:solidFill>
+                        <a:schemeClr val="tx1"/>
+                      </a:solidFill>
+                      <a:prstDash val="solid"/>
+                      <a:round/>
+                      <a:headEnd type="none" w="med" len="med"/>
+                      <a:tailEnd type="none" w="med" len="med"/>
+                    </a:lnL>
+                    <a:lnR w="12700" cap="flat" cmpd="sng" algn="ctr">
+                      <a:solidFill>
+                        <a:schemeClr val="tx1"/>
+                      </a:solidFill>
+                      <a:prstDash val="solid"/>
+                      <a:round/>
+                      <a:headEnd type="none" w="med" len="med"/>
+                      <a:tailEnd type="none" w="med" len="med"/>
+                    </a:lnR>
+                    <a:lnT w="12700" cap="flat" cmpd="sng" algn="ctr">
+                      <a:solidFill>
+                        <a:schemeClr val="tx1"/>
+                      </a:solidFill>
+                      <a:prstDash val="solid"/>
+                      <a:round/>
+                      <a:headEnd type="none" w="med" len="med"/>
+                      <a:tailEnd type="none" w="med" len="med"/>
+                    </a:lnT>
+                    <a:lnB w="12700" cap="flat" cmpd="sng" algn="ctr">
+                      <a:solidFill>
+                        <a:schemeClr val="tx1"/>
+                      </a:solidFill>
+                      <a:prstDash val="solid"/>
+                      <a:round/>
+                      <a:headEnd type="none" w="med" len="med"/>
+                      <a:tailEnd type="none" w="med" len="med"/>
+                    </a:lnB>
+                    <a:lnTlToBr w="12700" cmpd="sng">
+                      <a:noFill/>
+                      <a:prstDash val="solid"/>
+                    </a:lnTlToBr>
+                    <a:lnBlToTr w="12700" cmpd="sng">
+                      <a:noFill/>
+                      <a:prstDash val="solid"/>
+                    </a:lnBlToTr>
+                    <a:noFill/>
+                  </a:tcPr>
+                </a:tc>
+                <a:tc>
+                  <a:txBody>
+                    <a:bodyPr/>
+                    <a:lstStyle/>
+                    <a:p>
+                      <a:pPr algn="ctr">
+                        <a:lnSpc>
+                          <a:spcPct val="200000"/>
+                        </a:lnSpc>
+                      </a:pPr>
+                      <a:endParaRPr lang="zh-CN" altLang="en-US" dirty="0">
+                        <a:solidFill>
+                          <a:schemeClr val="bg1"/>
+                        </a:solidFill>
+                        <a:latin typeface="Times New Roman" panose="02020603050405020304" pitchFamily="18" charset="0"/>
+                        <a:cs typeface="Times New Roman" panose="02020603050405020304" pitchFamily="18" charset="0"/>
+                      </a:endParaRPr>
+                    </a:p>
+                  </a:txBody>
+                  <a:tcPr>
+                    <a:lnL w="12700" cap="flat" cmpd="sng" algn="ctr">
+                      <a:solidFill>
+                        <a:schemeClr val="tx1"/>
+                      </a:solidFill>
+                      <a:prstDash val="solid"/>
+                      <a:round/>
+                      <a:headEnd type="none" w="med" len="med"/>
+                      <a:tailEnd type="none" w="med" len="med"/>
+                    </a:lnL>
+                    <a:lnR w="12700" cap="flat" cmpd="sng" algn="ctr">
+                      <a:solidFill>
+                        <a:schemeClr val="tx1"/>
+                      </a:solidFill>
+                      <a:prstDash val="solid"/>
+                      <a:round/>
+                      <a:headEnd type="none" w="med" len="med"/>
+                      <a:tailEnd type="none" w="med" len="med"/>
+                    </a:lnR>
+                    <a:lnT w="12700" cap="flat" cmpd="sng" algn="ctr">
+                      <a:solidFill>
+                        <a:schemeClr val="tx1"/>
+                      </a:solidFill>
+                      <a:prstDash val="solid"/>
+                      <a:round/>
+                      <a:headEnd type="none" w="med" len="med"/>
+                      <a:tailEnd type="none" w="med" len="med"/>
+                    </a:lnT>
+                    <a:lnB w="12700" cap="flat" cmpd="sng" algn="ctr">
+                      <a:solidFill>
+                        <a:schemeClr val="tx1"/>
+                      </a:solidFill>
+                      <a:prstDash val="solid"/>
+                      <a:round/>
+                      <a:headEnd type="none" w="med" len="med"/>
+                      <a:tailEnd type="none" w="med" len="med"/>
+                    </a:lnB>
+                    <a:lnTlToBr w="12700" cmpd="sng">
+                      <a:noFill/>
+                      <a:prstDash val="solid"/>
+                    </a:lnTlToBr>
+                    <a:lnBlToTr w="12700" cmpd="sng">
+                      <a:noFill/>
+                      <a:prstDash val="solid"/>
+                    </a:lnBlToTr>
+                    <a:solidFill>
+                      <a:schemeClr val="bg1"/>
+                    </a:solidFill>
+                  </a:tcPr>
+                </a:tc>
+                <a:tc>
+                  <a:txBody>
+                    <a:bodyPr/>
+                    <a:lstStyle/>
+                    <a:p>
+                      <a:endParaRPr lang="zh-CN" altLang="en-US" dirty="0"/>
+                    </a:p>
+                  </a:txBody>
+                  <a:tcPr>
+                    <a:lnL w="12700" cap="flat" cmpd="sng" algn="ctr">
+                      <a:solidFill>
+                        <a:schemeClr val="tx1"/>
+                      </a:solidFill>
+                      <a:prstDash val="solid"/>
+                      <a:round/>
+                      <a:headEnd type="none" w="med" len="med"/>
+                      <a:tailEnd type="none" w="med" len="med"/>
+                    </a:lnL>
+                    <a:lnR w="12700" cap="flat" cmpd="sng" algn="ctr">
+                      <a:solidFill>
+                        <a:schemeClr val="tx1"/>
+                      </a:solidFill>
+                      <a:prstDash val="solid"/>
+                      <a:round/>
+                      <a:headEnd type="none" w="med" len="med"/>
+                      <a:tailEnd type="none" w="med" len="med"/>
+                    </a:lnR>
+                    <a:lnT w="12700" cap="flat" cmpd="sng" algn="ctr">
+                      <a:solidFill>
+                        <a:schemeClr val="tx1"/>
+                      </a:solidFill>
+                      <a:prstDash val="solid"/>
+                      <a:round/>
+                      <a:headEnd type="none" w="med" len="med"/>
+                      <a:tailEnd type="none" w="med" len="med"/>
+                    </a:lnT>
+                    <a:lnB w="12700" cap="flat" cmpd="sng" algn="ctr">
+                      <a:solidFill>
+                        <a:schemeClr val="tx1"/>
+                      </a:solidFill>
+                      <a:prstDash val="solid"/>
+                      <a:round/>
+                      <a:headEnd type="none" w="med" len="med"/>
+                      <a:tailEnd type="none" w="med" len="med"/>
+                    </a:lnB>
+                    <a:lnTlToBr w="12700" cmpd="sng">
+                      <a:noFill/>
+                      <a:prstDash val="solid"/>
+                    </a:lnTlToBr>
+                    <a:lnBlToTr w="12700" cmpd="sng">
+                      <a:noFill/>
+                      <a:prstDash val="solid"/>
+                    </a:lnBlToTr>
+                    <a:noFill/>
+                  </a:tcPr>
+                </a:tc>
+                <a:extLst>
+                  <a:ext uri="{0D108BD9-81ED-4DB2-BD59-A6C34878D82A}">
+                    <a16:rowId xmlns:a16="http://schemas.microsoft.com/office/drawing/2014/main" val="1364259792"/>
+                  </a:ext>
+                </a:extLst>
+              </a:tr>
+            </a:tbl>
+          </a:graphicData>
+        </a:graphic>
+      </p:graphicFrame>
+      <p:sp>
+        <p:nvSpPr>
+          <p:cNvPr id="5" name="文本框 4">
+            <a:extLst>
+              <a:ext uri="{FF2B5EF4-FFF2-40B4-BE49-F238E27FC236}">
+                <a16:creationId xmlns:a16="http://schemas.microsoft.com/office/drawing/2014/main" id="{E49E52AF-6923-5A05-75E0-0B386DA530FA}"/>
+              </a:ext>
+            </a:extLst>
+          </p:cNvPr>
+          <p:cNvSpPr txBox="1"/>
+          <p:nvPr/>
+        </p:nvSpPr>
+        <p:spPr>
+          <a:xfrm>
+            <a:off x="2440204" y="2017042"/>
+            <a:ext cx="1314784" cy="276999"/>
+          </a:xfrm>
+          <a:prstGeom prst="rect">
+            <a:avLst/>
+          </a:prstGeom>
+          <a:noFill/>
+        </p:spPr>
+        <p:txBody>
+          <a:bodyPr wrap="none" rtlCol="0">
+            <a:spAutoFit/>
+          </a:bodyPr>
+          <a:lstStyle/>
+          <a:p>
+            <a:r>
+              <a:rPr lang="en-US" altLang="zh-CN" sz="1200" b="1" dirty="0">
+                <a:latin typeface="Times New Roman" panose="02020603050405020304" pitchFamily="18" charset="0"/>
+                <a:cs typeface="Times New Roman" panose="02020603050405020304" pitchFamily="18" charset="0"/>
+              </a:rPr>
+              <a:t>Moment	t+1</a:t>
+            </a:r>
+            <a:endParaRPr lang="zh-CN" altLang="en-US" sz="1200" b="1" dirty="0">
+              <a:latin typeface="Times New Roman" panose="02020603050405020304" pitchFamily="18" charset="0"/>
+              <a:cs typeface="Times New Roman" panose="02020603050405020304" pitchFamily="18" charset="0"/>
+            </a:endParaRPr>
+          </a:p>
+        </p:txBody>
+      </p:sp>
+      <p:sp>
+        <p:nvSpPr>
+          <p:cNvPr id="6" name="箭头: 右 5">
+            <a:extLst>
+              <a:ext uri="{FF2B5EF4-FFF2-40B4-BE49-F238E27FC236}">
+                <a16:creationId xmlns:a16="http://schemas.microsoft.com/office/drawing/2014/main" id="{FAF5F0B8-2A59-632D-EDC0-240CC16D75AE}"/>
+              </a:ext>
+            </a:extLst>
+          </p:cNvPr>
+          <p:cNvSpPr/>
+          <p:nvPr/>
+        </p:nvSpPr>
+        <p:spPr>
+          <a:xfrm rot="2700000">
+            <a:off x="5001377" y="1623845"/>
+            <a:ext cx="804632" cy="165729"/>
+          </a:xfrm>
+          <a:prstGeom prst="rightArrow">
+            <a:avLst/>
+          </a:prstGeom>
+        </p:spPr>
+        <p:style>
+          <a:lnRef idx="2">
+            <a:schemeClr val="accent1">
+              <a:shade val="15000"/>
+            </a:schemeClr>
+          </a:lnRef>
+          <a:fillRef idx="1">
+            <a:schemeClr val="accent1"/>
+          </a:fillRef>
+          <a:effectRef idx="0">
+            <a:schemeClr val="accent1"/>
+          </a:effectRef>
+          <a:fontRef idx="minor">
+            <a:schemeClr val="lt1"/>
+          </a:fontRef>
+        </p:style>
+        <p:txBody>
+          <a:bodyPr rtlCol="0" anchor="ctr"/>
+          <a:lstStyle/>
+          <a:p>
+            <a:pPr algn="ctr"/>
+            <a:endParaRPr lang="zh-CN" altLang="en-US"/>
+          </a:p>
+        </p:txBody>
+      </p:sp>
+      <p:sp>
+        <p:nvSpPr>
+          <p:cNvPr id="7" name="箭头: 右 6">
+            <a:extLst>
+              <a:ext uri="{FF2B5EF4-FFF2-40B4-BE49-F238E27FC236}">
+                <a16:creationId xmlns:a16="http://schemas.microsoft.com/office/drawing/2014/main" id="{425FD949-C3F3-BABB-CFFD-C31033C1398E}"/>
+              </a:ext>
+            </a:extLst>
+          </p:cNvPr>
+          <p:cNvSpPr/>
+          <p:nvPr/>
+        </p:nvSpPr>
+        <p:spPr>
+          <a:xfrm rot="8100000">
+            <a:off x="5693683" y="1623844"/>
+            <a:ext cx="804632" cy="165729"/>
+          </a:xfrm>
+          <a:prstGeom prst="rightArrow">
+            <a:avLst/>
+          </a:prstGeom>
+          <a:solidFill>
+            <a:schemeClr val="accent6"/>
+          </a:solidFill>
+        </p:spPr>
+        <p:style>
+          <a:lnRef idx="2">
+            <a:schemeClr val="accent1">
+              <a:shade val="15000"/>
+            </a:schemeClr>
+          </a:lnRef>
+          <a:fillRef idx="1">
+            <a:schemeClr val="accent1"/>
+          </a:fillRef>
+          <a:effectRef idx="0">
+            <a:schemeClr val="accent1"/>
+          </a:effectRef>
+          <a:fontRef idx="minor">
+            <a:schemeClr val="lt1"/>
+          </a:fontRef>
+        </p:style>
+        <p:txBody>
+          <a:bodyPr rtlCol="0" anchor="ctr"/>
+          <a:lstStyle/>
+          <a:p>
+            <a:pPr algn="ctr"/>
+            <a:endParaRPr lang="zh-CN" altLang="en-US"/>
+          </a:p>
+        </p:txBody>
+      </p:sp>
+      <p:graphicFrame>
+        <p:nvGraphicFramePr>
+          <p:cNvPr id="8" name="表格 4">
+            <a:extLst>
+              <a:ext uri="{FF2B5EF4-FFF2-40B4-BE49-F238E27FC236}">
+                <a16:creationId xmlns:a16="http://schemas.microsoft.com/office/drawing/2014/main" id="{C23DC651-E041-1EFD-4F6F-7EEB18A1C5E6}"/>
+              </a:ext>
+            </a:extLst>
+          </p:cNvPr>
+          <p:cNvGraphicFramePr>
+            <a:graphicFrameLocks noGrp="1"/>
+          </p:cNvGraphicFramePr>
+          <p:nvPr>
+            <p:extLst>
+              <p:ext uri="{D42A27DB-BD31-4B8C-83A1-F6EECF244321}">
+                <p14:modId xmlns:p14="http://schemas.microsoft.com/office/powerpoint/2010/main" val="1155291633"/>
+              </p:ext>
+            </p:extLst>
+          </p:nvPr>
+        </p:nvGraphicFramePr>
+        <p:xfrm>
+          <a:off x="4289882" y="3213812"/>
+          <a:ext cx="2889788" cy="754293"/>
+        </p:xfrm>
+        <a:graphic>
+          <a:graphicData uri="http://schemas.openxmlformats.org/drawingml/2006/table">
+            <a:tbl>
+              <a:tblPr firstRow="1" bandRow="1">
+                <a:tableStyleId>{5C22544A-7EE6-4342-B048-85BDC9FD1C3A}</a:tableStyleId>
+              </a:tblPr>
+              <a:tblGrid>
+                <a:gridCol w="722447">
+                  <a:extLst>
+                    <a:ext uri="{9D8B030D-6E8A-4147-A177-3AD203B41FA5}">
+                      <a16:colId xmlns:a16="http://schemas.microsoft.com/office/drawing/2014/main" val="3846963674"/>
+                    </a:ext>
+                  </a:extLst>
+                </a:gridCol>
+                <a:gridCol w="722447">
+                  <a:extLst>
+                    <a:ext uri="{9D8B030D-6E8A-4147-A177-3AD203B41FA5}">
+                      <a16:colId xmlns:a16="http://schemas.microsoft.com/office/drawing/2014/main" val="227559631"/>
+                    </a:ext>
+                  </a:extLst>
+                </a:gridCol>
+                <a:gridCol w="722447">
+                  <a:extLst>
+                    <a:ext uri="{9D8B030D-6E8A-4147-A177-3AD203B41FA5}">
+                      <a16:colId xmlns:a16="http://schemas.microsoft.com/office/drawing/2014/main" val="2150371352"/>
+                    </a:ext>
+                  </a:extLst>
+                </a:gridCol>
+                <a:gridCol w="722447">
+                  <a:extLst>
+                    <a:ext uri="{9D8B030D-6E8A-4147-A177-3AD203B41FA5}">
+                      <a16:colId xmlns:a16="http://schemas.microsoft.com/office/drawing/2014/main" val="3699109890"/>
+                    </a:ext>
+                  </a:extLst>
+                </a:gridCol>
+              </a:tblGrid>
+              <a:tr h="754293">
+                <a:tc>
+                  <a:txBody>
+                    <a:bodyPr/>
+                    <a:lstStyle/>
+                    <a:p>
+                      <a:pPr algn="ctr">
+                        <a:lnSpc>
+                          <a:spcPct val="200000"/>
+                        </a:lnSpc>
+                      </a:pPr>
+                      <a:endParaRPr lang="zh-CN" altLang="en-US" dirty="0">
+                        <a:solidFill>
+                          <a:schemeClr val="bg1"/>
+                        </a:solidFill>
+                        <a:latin typeface="Times New Roman" panose="02020603050405020304" pitchFamily="18" charset="0"/>
+                        <a:cs typeface="Times New Roman" panose="02020603050405020304" pitchFamily="18" charset="0"/>
+                      </a:endParaRPr>
+                    </a:p>
+                  </a:txBody>
+                  <a:tcPr>
+                    <a:lnL w="12700" cap="flat" cmpd="sng" algn="ctr">
+                      <a:solidFill>
+                        <a:schemeClr val="tx1"/>
+                      </a:solidFill>
+                      <a:prstDash val="solid"/>
+                      <a:round/>
+                      <a:headEnd type="none" w="med" len="med"/>
+                      <a:tailEnd type="none" w="med" len="med"/>
+                    </a:lnL>
+                    <a:lnR w="12700" cap="flat" cmpd="sng" algn="ctr">
+                      <a:solidFill>
+                        <a:schemeClr val="tx1"/>
+                      </a:solidFill>
+                      <a:prstDash val="solid"/>
+                      <a:round/>
+                      <a:headEnd type="none" w="med" len="med"/>
+                      <a:tailEnd type="none" w="med" len="med"/>
+                    </a:lnR>
+                    <a:lnT w="12700" cap="flat" cmpd="sng" algn="ctr">
+                      <a:solidFill>
+                        <a:schemeClr val="tx1"/>
+                      </a:solidFill>
+                      <a:prstDash val="solid"/>
+                      <a:round/>
+                      <a:headEnd type="none" w="med" len="med"/>
+                      <a:tailEnd type="none" w="med" len="med"/>
+                    </a:lnT>
+                    <a:lnB w="12700" cap="flat" cmpd="sng" algn="ctr">
+                      <a:solidFill>
+                        <a:schemeClr val="tx1"/>
+                      </a:solidFill>
+                      <a:prstDash val="solid"/>
+                      <a:round/>
+                      <a:headEnd type="none" w="med" len="med"/>
+                      <a:tailEnd type="none" w="med" len="med"/>
+                    </a:lnB>
+                    <a:lnTlToBr w="12700" cmpd="sng">
+                      <a:noFill/>
+                      <a:prstDash val="solid"/>
+                    </a:lnTlToBr>
+                    <a:lnBlToTr w="12700" cmpd="sng">
+                      <a:noFill/>
+                      <a:prstDash val="solid"/>
+                    </a:lnBlToTr>
+                    <a:solidFill>
+                      <a:schemeClr val="bg1"/>
+                    </a:solidFill>
+                  </a:tcPr>
+                </a:tc>
+                <a:tc>
+                  <a:txBody>
+                    <a:bodyPr/>
+                    <a:lstStyle/>
+                    <a:p>
+                      <a:pPr algn="ctr">
+                        <a:lnSpc>
+                          <a:spcPct val="200000"/>
+                        </a:lnSpc>
+                      </a:pPr>
+                      <a:r>
+                        <a:rPr lang="en-US" altLang="zh-CN" dirty="0">
+                          <a:solidFill>
+                            <a:schemeClr val="bg1"/>
+                          </a:solidFill>
+                          <a:latin typeface="Times New Roman" panose="02020603050405020304" pitchFamily="18" charset="0"/>
+                          <a:cs typeface="Times New Roman" panose="02020603050405020304" pitchFamily="18" charset="0"/>
+                        </a:rPr>
+                        <a:t>A</a:t>
+                      </a:r>
+                      <a:endParaRPr lang="zh-CN" altLang="en-US" dirty="0">
+                        <a:solidFill>
+                          <a:schemeClr val="bg1"/>
+                        </a:solidFill>
+                        <a:latin typeface="Times New Roman" panose="02020603050405020304" pitchFamily="18" charset="0"/>
+                        <a:cs typeface="Times New Roman" panose="02020603050405020304" pitchFamily="18" charset="0"/>
+                      </a:endParaRPr>
+                    </a:p>
+                  </a:txBody>
+                  <a:tcPr>
+                    <a:lnL w="12700" cap="flat" cmpd="sng" algn="ctr">
+                      <a:solidFill>
+                        <a:schemeClr val="tx1"/>
+                      </a:solidFill>
+                      <a:prstDash val="solid"/>
+                      <a:round/>
+                      <a:headEnd type="none" w="med" len="med"/>
+                      <a:tailEnd type="none" w="med" len="med"/>
+                    </a:lnL>
+                    <a:lnR w="12700" cap="flat" cmpd="sng" algn="ctr">
+                      <a:solidFill>
+                        <a:schemeClr val="tx1"/>
+                      </a:solidFill>
+                      <a:prstDash val="solid"/>
+                      <a:round/>
+                      <a:headEnd type="none" w="med" len="med"/>
+                      <a:tailEnd type="none" w="med" len="med"/>
+                    </a:lnR>
+                    <a:lnT w="12700" cap="flat" cmpd="sng" algn="ctr">
+                      <a:solidFill>
+                        <a:schemeClr val="tx1"/>
+                      </a:solidFill>
+                      <a:prstDash val="solid"/>
+                      <a:round/>
+                      <a:headEnd type="none" w="med" len="med"/>
+                      <a:tailEnd type="none" w="med" len="med"/>
+                    </a:lnT>
+                    <a:lnB w="12700" cap="flat" cmpd="sng" algn="ctr">
+                      <a:solidFill>
+                        <a:schemeClr val="tx1"/>
+                      </a:solidFill>
+                      <a:prstDash val="solid"/>
+                      <a:round/>
+                      <a:headEnd type="none" w="med" len="med"/>
+                      <a:tailEnd type="none" w="med" len="med"/>
+                    </a:lnB>
+                    <a:lnTlToBr w="12700" cmpd="sng">
+                      <a:noFill/>
+                      <a:prstDash val="solid"/>
+                    </a:lnTlToBr>
+                    <a:lnBlToTr w="12700" cmpd="sng">
+                      <a:noFill/>
+                      <a:prstDash val="solid"/>
+                    </a:lnBlToTr>
+                    <a:solidFill>
+                      <a:srgbClr val="4472C4"/>
+                    </a:solidFill>
+                  </a:tcPr>
+                </a:tc>
+                <a:tc>
+                  <a:txBody>
+                    <a:bodyPr/>
+                    <a:lstStyle/>
+                    <a:p>
+                      <a:pPr algn="ctr">
+                        <a:lnSpc>
+                          <a:spcPct val="200000"/>
+                        </a:lnSpc>
+                      </a:pPr>
+                      <a:r>
+                        <a:rPr lang="en-US" altLang="zh-CN" dirty="0">
+                          <a:solidFill>
+                            <a:schemeClr val="bg1"/>
+                          </a:solidFill>
+                          <a:latin typeface="Times New Roman" panose="02020603050405020304" pitchFamily="18" charset="0"/>
+                          <a:cs typeface="Times New Roman" panose="02020603050405020304" pitchFamily="18" charset="0"/>
+                        </a:rPr>
+                        <a:t>B</a:t>
+                      </a:r>
+                      <a:endParaRPr lang="zh-CN" altLang="en-US" dirty="0">
+                        <a:solidFill>
+                          <a:schemeClr val="bg1"/>
+                        </a:solidFill>
+                        <a:latin typeface="Times New Roman" panose="02020603050405020304" pitchFamily="18" charset="0"/>
+                        <a:cs typeface="Times New Roman" panose="02020603050405020304" pitchFamily="18" charset="0"/>
+                      </a:endParaRPr>
+                    </a:p>
+                  </a:txBody>
+                  <a:tcPr>
+                    <a:lnL w="12700" cap="flat" cmpd="sng" algn="ctr">
+                      <a:solidFill>
+                        <a:schemeClr val="tx1"/>
+                      </a:solidFill>
+                      <a:prstDash val="solid"/>
+                      <a:round/>
+                      <a:headEnd type="none" w="med" len="med"/>
+                      <a:tailEnd type="none" w="med" len="med"/>
+                    </a:lnL>
+                    <a:lnR w="12700" cap="flat" cmpd="sng" algn="ctr">
+                      <a:solidFill>
+                        <a:schemeClr val="tx1"/>
+                      </a:solidFill>
+                      <a:prstDash val="solid"/>
+                      <a:round/>
+                      <a:headEnd type="none" w="med" len="med"/>
+                      <a:tailEnd type="none" w="med" len="med"/>
+                    </a:lnR>
+                    <a:lnT w="12700" cap="flat" cmpd="sng" algn="ctr">
+                      <a:solidFill>
+                        <a:schemeClr val="tx1"/>
+                      </a:solidFill>
+                      <a:prstDash val="solid"/>
+                      <a:round/>
+                      <a:headEnd type="none" w="med" len="med"/>
+                      <a:tailEnd type="none" w="med" len="med"/>
+                    </a:lnT>
+                    <a:lnB w="12700" cap="flat" cmpd="sng" algn="ctr">
+                      <a:solidFill>
+                        <a:schemeClr val="tx1"/>
+                      </a:solidFill>
+                      <a:prstDash val="solid"/>
+                      <a:round/>
+                      <a:headEnd type="none" w="med" len="med"/>
+                      <a:tailEnd type="none" w="med" len="med"/>
+                    </a:lnB>
+                    <a:lnTlToBr w="12700" cmpd="sng">
+                      <a:noFill/>
+                      <a:prstDash val="solid"/>
+                    </a:lnTlToBr>
+                    <a:lnBlToTr w="12700" cmpd="sng">
+                      <a:noFill/>
+                      <a:prstDash val="solid"/>
+                    </a:lnBlToTr>
+                    <a:solidFill>
+                      <a:schemeClr val="accent6"/>
+                    </a:solidFill>
+                  </a:tcPr>
+                </a:tc>
+                <a:tc>
+                  <a:txBody>
+                    <a:bodyPr/>
+                    <a:lstStyle/>
+                    <a:p>
+                      <a:endParaRPr lang="zh-CN" altLang="en-US" dirty="0"/>
+                    </a:p>
+                  </a:txBody>
+                  <a:tcPr>
+                    <a:lnL w="12700" cap="flat" cmpd="sng" algn="ctr">
+                      <a:solidFill>
+                        <a:schemeClr val="tx1"/>
+                      </a:solidFill>
+                      <a:prstDash val="solid"/>
+                      <a:round/>
+                      <a:headEnd type="none" w="med" len="med"/>
+                      <a:tailEnd type="none" w="med" len="med"/>
+                    </a:lnL>
+                    <a:lnR w="12700" cap="flat" cmpd="sng" algn="ctr">
+                      <a:solidFill>
+                        <a:schemeClr val="tx1"/>
+                      </a:solidFill>
+                      <a:prstDash val="solid"/>
+                      <a:round/>
+                      <a:headEnd type="none" w="med" len="med"/>
+                      <a:tailEnd type="none" w="med" len="med"/>
+                    </a:lnR>
+                    <a:lnT w="12700" cap="flat" cmpd="sng" algn="ctr">
+                      <a:solidFill>
+                        <a:schemeClr val="tx1"/>
+                      </a:solidFill>
+                      <a:prstDash val="solid"/>
+                      <a:round/>
+                      <a:headEnd type="none" w="med" len="med"/>
+                      <a:tailEnd type="none" w="med" len="med"/>
+                    </a:lnT>
+                    <a:lnB w="12700" cap="flat" cmpd="sng" algn="ctr">
+                      <a:solidFill>
+                        <a:schemeClr val="tx1"/>
+                      </a:solidFill>
+                      <a:prstDash val="solid"/>
+                      <a:round/>
+                      <a:headEnd type="none" w="med" len="med"/>
+                      <a:tailEnd type="none" w="med" len="med"/>
+                    </a:lnB>
+                    <a:lnTlToBr w="12700" cmpd="sng">
+                      <a:noFill/>
+                      <a:prstDash val="solid"/>
+                    </a:lnTlToBr>
+                    <a:lnBlToTr w="12700" cmpd="sng">
+                      <a:noFill/>
+                      <a:prstDash val="solid"/>
+                    </a:lnBlToTr>
+                    <a:noFill/>
+                  </a:tcPr>
+                </a:tc>
+                <a:extLst>
+                  <a:ext uri="{0D108BD9-81ED-4DB2-BD59-A6C34878D82A}">
+                    <a16:rowId xmlns:a16="http://schemas.microsoft.com/office/drawing/2014/main" val="1364259792"/>
+                  </a:ext>
+                </a:extLst>
+              </a:tr>
+            </a:tbl>
+          </a:graphicData>
+        </a:graphic>
+      </p:graphicFrame>
+      <p:sp>
+        <p:nvSpPr>
+          <p:cNvPr id="9" name="文本框 8">
+            <a:extLst>
+              <a:ext uri="{FF2B5EF4-FFF2-40B4-BE49-F238E27FC236}">
+                <a16:creationId xmlns:a16="http://schemas.microsoft.com/office/drawing/2014/main" id="{E89BC03F-2CA8-6079-7C10-6495A578EA2A}"/>
+              </a:ext>
+            </a:extLst>
+          </p:cNvPr>
+          <p:cNvSpPr txBox="1"/>
+          <p:nvPr/>
+        </p:nvSpPr>
+        <p:spPr>
+          <a:xfrm>
+            <a:off x="2440202" y="3452458"/>
+            <a:ext cx="1151277" cy="276999"/>
+          </a:xfrm>
+          <a:prstGeom prst="rect">
+            <a:avLst/>
+          </a:prstGeom>
+          <a:noFill/>
+        </p:spPr>
+        <p:txBody>
+          <a:bodyPr wrap="none" rtlCol="0">
+            <a:spAutoFit/>
+          </a:bodyPr>
+          <a:lstStyle/>
+          <a:p>
+            <a:r>
+              <a:rPr lang="en-US" altLang="zh-CN" sz="1200" b="1" dirty="0">
+                <a:latin typeface="Times New Roman" panose="02020603050405020304" pitchFamily="18" charset="0"/>
+                <a:cs typeface="Times New Roman" panose="02020603050405020304" pitchFamily="18" charset="0"/>
+              </a:rPr>
+              <a:t>Moment	t</a:t>
+            </a:r>
+            <a:endParaRPr lang="zh-CN" altLang="en-US" sz="1200" b="1" dirty="0">
+              <a:latin typeface="Times New Roman" panose="02020603050405020304" pitchFamily="18" charset="0"/>
+              <a:cs typeface="Times New Roman" panose="02020603050405020304" pitchFamily="18" charset="0"/>
+            </a:endParaRPr>
+          </a:p>
+        </p:txBody>
+      </p:sp>
+      <p:sp>
+        <p:nvSpPr>
+          <p:cNvPr id="11" name="文本框 10">
+            <a:extLst>
+              <a:ext uri="{FF2B5EF4-FFF2-40B4-BE49-F238E27FC236}">
+                <a16:creationId xmlns:a16="http://schemas.microsoft.com/office/drawing/2014/main" id="{9ABE93C4-6070-50E5-F89B-8C112C6783A4}"/>
+              </a:ext>
+            </a:extLst>
+          </p:cNvPr>
+          <p:cNvSpPr txBox="1"/>
+          <p:nvPr/>
+        </p:nvSpPr>
+        <p:spPr>
+          <a:xfrm>
+            <a:off x="2440202" y="4663890"/>
+            <a:ext cx="1314784" cy="276999"/>
+          </a:xfrm>
+          <a:prstGeom prst="rect">
+            <a:avLst/>
+          </a:prstGeom>
+          <a:noFill/>
+        </p:spPr>
+        <p:txBody>
+          <a:bodyPr wrap="none" rtlCol="0">
+            <a:spAutoFit/>
+          </a:bodyPr>
+          <a:lstStyle/>
+          <a:p>
+            <a:r>
+              <a:rPr lang="en-US" altLang="zh-CN" sz="1200" b="1" dirty="0">
+                <a:latin typeface="Times New Roman" panose="02020603050405020304" pitchFamily="18" charset="0"/>
+                <a:cs typeface="Times New Roman" panose="02020603050405020304" pitchFamily="18" charset="0"/>
+              </a:rPr>
+              <a:t>Moment	t+1</a:t>
+            </a:r>
+            <a:endParaRPr lang="zh-CN" altLang="en-US" sz="1200" b="1" dirty="0">
+              <a:latin typeface="Times New Roman" panose="02020603050405020304" pitchFamily="18" charset="0"/>
+              <a:cs typeface="Times New Roman" panose="02020603050405020304" pitchFamily="18" charset="0"/>
+            </a:endParaRPr>
+          </a:p>
+        </p:txBody>
+      </p:sp>
+      <p:grpSp>
+        <p:nvGrpSpPr>
+          <p:cNvPr id="15" name="组合 14">
+            <a:extLst>
+              <a:ext uri="{FF2B5EF4-FFF2-40B4-BE49-F238E27FC236}">
+                <a16:creationId xmlns:a16="http://schemas.microsoft.com/office/drawing/2014/main" id="{781D16FA-C0E0-9427-68F4-AFFF86328BDA}"/>
+              </a:ext>
+            </a:extLst>
+          </p:cNvPr>
+          <p:cNvGrpSpPr/>
+          <p:nvPr/>
+        </p:nvGrpSpPr>
+        <p:grpSpPr>
+          <a:xfrm>
+            <a:off x="5349223" y="4113309"/>
+            <a:ext cx="795090" cy="166730"/>
+            <a:chOff x="5309851" y="4112810"/>
+            <a:chExt cx="795090" cy="166730"/>
+          </a:xfrm>
+        </p:grpSpPr>
+        <p:sp>
+          <p:nvSpPr>
+            <p:cNvPr id="12" name="箭头: 右 11">
+              <a:extLst>
+                <a:ext uri="{FF2B5EF4-FFF2-40B4-BE49-F238E27FC236}">
+                  <a16:creationId xmlns:a16="http://schemas.microsoft.com/office/drawing/2014/main" id="{334A96B6-F936-D22F-694A-E6DDD06E9BB0}"/>
+                </a:ext>
+              </a:extLst>
+            </p:cNvPr>
+            <p:cNvSpPr/>
+            <p:nvPr/>
+          </p:nvSpPr>
+          <p:spPr>
+            <a:xfrm rot="1800000">
+              <a:off x="5352944" y="4112810"/>
+              <a:ext cx="751997" cy="165729"/>
+            </a:xfrm>
+            <a:prstGeom prst="rightArrow">
+              <a:avLst/>
+            </a:prstGeom>
+          </p:spPr>
+          <p:style>
+            <a:lnRef idx="2">
+              <a:schemeClr val="accent1">
+                <a:shade val="15000"/>
+              </a:schemeClr>
+            </a:lnRef>
+            <a:fillRef idx="1">
+              <a:schemeClr val="accent1"/>
+            </a:fillRef>
+            <a:effectRef idx="0">
+              <a:schemeClr val="accent1"/>
+            </a:effectRef>
+            <a:fontRef idx="minor">
+              <a:schemeClr val="lt1"/>
+            </a:fontRef>
+          </p:style>
+          <p:txBody>
+            <a:bodyPr rtlCol="0" anchor="ctr"/>
+            <a:lstStyle/>
+            <a:p>
+              <a:pPr algn="ctr"/>
+              <a:endParaRPr lang="zh-CN" altLang="en-US"/>
+            </a:p>
+          </p:txBody>
+        </p:sp>
+        <p:sp>
+          <p:nvSpPr>
+            <p:cNvPr id="13" name="箭头: 右 12">
+              <a:extLst>
+                <a:ext uri="{FF2B5EF4-FFF2-40B4-BE49-F238E27FC236}">
+                  <a16:creationId xmlns:a16="http://schemas.microsoft.com/office/drawing/2014/main" id="{71C7C88D-40B8-B6DB-48BC-9305B304BECB}"/>
+                </a:ext>
+              </a:extLst>
+            </p:cNvPr>
+            <p:cNvSpPr/>
+            <p:nvPr/>
+          </p:nvSpPr>
+          <p:spPr>
+            <a:xfrm rot="9000000">
+              <a:off x="5309851" y="4113811"/>
+              <a:ext cx="755991" cy="165729"/>
+            </a:xfrm>
+            <a:prstGeom prst="rightArrow">
+              <a:avLst/>
+            </a:prstGeom>
+            <a:solidFill>
+              <a:schemeClr val="accent6"/>
+            </a:solidFill>
+          </p:spPr>
+          <p:style>
+            <a:lnRef idx="2">
+              <a:schemeClr val="accent1">
+                <a:shade val="15000"/>
+              </a:schemeClr>
+            </a:lnRef>
+            <a:fillRef idx="1">
+              <a:schemeClr val="accent1"/>
+            </a:fillRef>
+            <a:effectRef idx="0">
+              <a:schemeClr val="accent1"/>
+            </a:effectRef>
+            <a:fontRef idx="minor">
+              <a:schemeClr val="lt1"/>
+            </a:fontRef>
+          </p:style>
+          <p:txBody>
+            <a:bodyPr rtlCol="0" anchor="ctr"/>
+            <a:lstStyle/>
+            <a:p>
+              <a:pPr algn="ctr"/>
+              <a:endParaRPr lang="zh-CN" altLang="en-US"/>
+            </a:p>
+          </p:txBody>
+        </p:sp>
+      </p:grpSp>
+      <p:graphicFrame>
+        <p:nvGraphicFramePr>
+          <p:cNvPr id="14" name="表格 4">
+            <a:extLst>
+              <a:ext uri="{FF2B5EF4-FFF2-40B4-BE49-F238E27FC236}">
+                <a16:creationId xmlns:a16="http://schemas.microsoft.com/office/drawing/2014/main" id="{C9F05254-A137-90CF-2D87-17A5BF158A3A}"/>
+              </a:ext>
+            </a:extLst>
+          </p:cNvPr>
+          <p:cNvGraphicFramePr>
+            <a:graphicFrameLocks noGrp="1"/>
+          </p:cNvGraphicFramePr>
+          <p:nvPr>
+            <p:extLst>
+              <p:ext uri="{D42A27DB-BD31-4B8C-83A1-F6EECF244321}">
+                <p14:modId xmlns:p14="http://schemas.microsoft.com/office/powerpoint/2010/main" val="458560094"/>
+              </p:ext>
+            </p:extLst>
+          </p:nvPr>
+        </p:nvGraphicFramePr>
+        <p:xfrm>
+          <a:off x="4289882" y="4425244"/>
+          <a:ext cx="2889788" cy="754293"/>
+        </p:xfrm>
+        <a:graphic>
+          <a:graphicData uri="http://schemas.openxmlformats.org/drawingml/2006/table">
+            <a:tbl>
+              <a:tblPr firstRow="1" bandRow="1">
+                <a:tableStyleId>{5C22544A-7EE6-4342-B048-85BDC9FD1C3A}</a:tableStyleId>
+              </a:tblPr>
+              <a:tblGrid>
+                <a:gridCol w="722447">
+                  <a:extLst>
+                    <a:ext uri="{9D8B030D-6E8A-4147-A177-3AD203B41FA5}">
+                      <a16:colId xmlns:a16="http://schemas.microsoft.com/office/drawing/2014/main" val="3846963674"/>
+                    </a:ext>
+                  </a:extLst>
+                </a:gridCol>
+                <a:gridCol w="722447">
+                  <a:extLst>
+                    <a:ext uri="{9D8B030D-6E8A-4147-A177-3AD203B41FA5}">
+                      <a16:colId xmlns:a16="http://schemas.microsoft.com/office/drawing/2014/main" val="227559631"/>
+                    </a:ext>
+                  </a:extLst>
+                </a:gridCol>
+                <a:gridCol w="722447">
+                  <a:extLst>
+                    <a:ext uri="{9D8B030D-6E8A-4147-A177-3AD203B41FA5}">
+                      <a16:colId xmlns:a16="http://schemas.microsoft.com/office/drawing/2014/main" val="2150371352"/>
+                    </a:ext>
+                  </a:extLst>
+                </a:gridCol>
+                <a:gridCol w="722447">
+                  <a:extLst>
+                    <a:ext uri="{9D8B030D-6E8A-4147-A177-3AD203B41FA5}">
+                      <a16:colId xmlns:a16="http://schemas.microsoft.com/office/drawing/2014/main" val="3699109890"/>
+                    </a:ext>
+                  </a:extLst>
+                </a:gridCol>
+              </a:tblGrid>
+              <a:tr h="754293">
+                <a:tc>
+                  <a:txBody>
+                    <a:bodyPr/>
+                    <a:lstStyle/>
+                    <a:p>
+                      <a:pPr algn="ctr">
+                        <a:lnSpc>
+                          <a:spcPct val="200000"/>
+                        </a:lnSpc>
+                      </a:pPr>
+                      <a:endParaRPr lang="zh-CN" altLang="en-US" dirty="0">
+                        <a:solidFill>
+                          <a:schemeClr val="bg1"/>
+                        </a:solidFill>
+                        <a:latin typeface="Times New Roman" panose="02020603050405020304" pitchFamily="18" charset="0"/>
+                        <a:cs typeface="Times New Roman" panose="02020603050405020304" pitchFamily="18" charset="0"/>
+                      </a:endParaRPr>
+                    </a:p>
+                  </a:txBody>
+                  <a:tcPr>
+                    <a:lnL w="12700" cap="flat" cmpd="sng" algn="ctr">
+                      <a:solidFill>
+                        <a:schemeClr val="tx1"/>
+                      </a:solidFill>
+                      <a:prstDash val="solid"/>
+                      <a:round/>
+                      <a:headEnd type="none" w="med" len="med"/>
+                      <a:tailEnd type="none" w="med" len="med"/>
+                    </a:lnL>
+                    <a:lnR w="12700" cap="flat" cmpd="sng" algn="ctr">
+                      <a:solidFill>
+                        <a:schemeClr val="tx1"/>
+                      </a:solidFill>
+                      <a:prstDash val="solid"/>
+                      <a:round/>
+                      <a:headEnd type="none" w="med" len="med"/>
+                      <a:tailEnd type="none" w="med" len="med"/>
+                    </a:lnR>
+                    <a:lnT w="12700" cap="flat" cmpd="sng" algn="ctr">
+                      <a:solidFill>
+                        <a:schemeClr val="tx1"/>
+                      </a:solidFill>
+                      <a:prstDash val="solid"/>
+                      <a:round/>
+                      <a:headEnd type="none" w="med" len="med"/>
+                      <a:tailEnd type="none" w="med" len="med"/>
+                    </a:lnT>
+                    <a:lnB w="12700" cap="flat" cmpd="sng" algn="ctr">
+                      <a:solidFill>
+                        <a:schemeClr val="tx1"/>
+                      </a:solidFill>
+                      <a:prstDash val="solid"/>
+                      <a:round/>
+                      <a:headEnd type="none" w="med" len="med"/>
+                      <a:tailEnd type="none" w="med" len="med"/>
+                    </a:lnB>
+                    <a:lnTlToBr w="12700" cmpd="sng">
+                      <a:noFill/>
+                      <a:prstDash val="solid"/>
+                    </a:lnTlToBr>
+                    <a:lnBlToTr w="12700" cmpd="sng">
+                      <a:noFill/>
+                      <a:prstDash val="solid"/>
+                    </a:lnBlToTr>
+                    <a:solidFill>
+                      <a:schemeClr val="bg1"/>
+                    </a:solidFill>
+                  </a:tcPr>
+                </a:tc>
+                <a:tc>
+                  <a:txBody>
+                    <a:bodyPr/>
+                    <a:lstStyle/>
+                    <a:p>
+                      <a:pPr algn="ctr">
+                        <a:lnSpc>
+                          <a:spcPct val="200000"/>
+                        </a:lnSpc>
+                      </a:pPr>
+                      <a:r>
+                        <a:rPr lang="en-US" altLang="zh-CN" dirty="0">
+                          <a:solidFill>
+                            <a:schemeClr val="bg1"/>
+                          </a:solidFill>
+                          <a:latin typeface="Times New Roman" panose="02020603050405020304" pitchFamily="18" charset="0"/>
+                          <a:cs typeface="Times New Roman" panose="02020603050405020304" pitchFamily="18" charset="0"/>
+                        </a:rPr>
+                        <a:t>B</a:t>
+                      </a:r>
+                      <a:endParaRPr lang="zh-CN" altLang="en-US" dirty="0">
+                        <a:solidFill>
+                          <a:schemeClr val="bg1"/>
+                        </a:solidFill>
+                        <a:latin typeface="Times New Roman" panose="02020603050405020304" pitchFamily="18" charset="0"/>
+                        <a:cs typeface="Times New Roman" panose="02020603050405020304" pitchFamily="18" charset="0"/>
+                      </a:endParaRPr>
+                    </a:p>
+                  </a:txBody>
+                  <a:tcPr>
+                    <a:lnL w="12700" cap="flat" cmpd="sng" algn="ctr">
+                      <a:solidFill>
+                        <a:schemeClr val="tx1"/>
+                      </a:solidFill>
+                      <a:prstDash val="solid"/>
+                      <a:round/>
+                      <a:headEnd type="none" w="med" len="med"/>
+                      <a:tailEnd type="none" w="med" len="med"/>
+                    </a:lnL>
+                    <a:lnR w="12700" cap="flat" cmpd="sng" algn="ctr">
+                      <a:solidFill>
+                        <a:schemeClr val="tx1"/>
+                      </a:solidFill>
+                      <a:prstDash val="solid"/>
+                      <a:round/>
+                      <a:headEnd type="none" w="med" len="med"/>
+                      <a:tailEnd type="none" w="med" len="med"/>
+                    </a:lnR>
+                    <a:lnT w="12700" cap="flat" cmpd="sng" algn="ctr">
+                      <a:solidFill>
+                        <a:schemeClr val="tx1"/>
+                      </a:solidFill>
+                      <a:prstDash val="solid"/>
+                      <a:round/>
+                      <a:headEnd type="none" w="med" len="med"/>
+                      <a:tailEnd type="none" w="med" len="med"/>
+                    </a:lnT>
+                    <a:lnB w="12700" cap="flat" cmpd="sng" algn="ctr">
+                      <a:solidFill>
+                        <a:schemeClr val="tx1"/>
+                      </a:solidFill>
+                      <a:prstDash val="solid"/>
+                      <a:round/>
+                      <a:headEnd type="none" w="med" len="med"/>
+                      <a:tailEnd type="none" w="med" len="med"/>
+                    </a:lnB>
+                    <a:lnTlToBr w="12700" cmpd="sng">
+                      <a:noFill/>
+                      <a:prstDash val="solid"/>
+                    </a:lnTlToBr>
+                    <a:lnBlToTr w="12700" cmpd="sng">
+                      <a:noFill/>
+                      <a:prstDash val="solid"/>
+                    </a:lnBlToTr>
+                    <a:solidFill>
+                      <a:schemeClr val="accent6"/>
+                    </a:solidFill>
+                  </a:tcPr>
+                </a:tc>
+                <a:tc>
+                  <a:txBody>
+                    <a:bodyPr/>
+                    <a:lstStyle/>
+                    <a:p>
+                      <a:pPr algn="ctr">
+                        <a:lnSpc>
+                          <a:spcPct val="200000"/>
+                        </a:lnSpc>
+                      </a:pPr>
+                      <a:r>
+                        <a:rPr lang="en-US" altLang="zh-CN" dirty="0">
+                          <a:solidFill>
+                            <a:schemeClr val="bg1"/>
+                          </a:solidFill>
+                          <a:latin typeface="Times New Roman" panose="02020603050405020304" pitchFamily="18" charset="0"/>
+                          <a:cs typeface="Times New Roman" panose="02020603050405020304" pitchFamily="18" charset="0"/>
+                        </a:rPr>
+                        <a:t>A</a:t>
+                      </a:r>
+                      <a:endParaRPr lang="zh-CN" altLang="en-US" dirty="0">
+                        <a:solidFill>
+                          <a:schemeClr val="bg1"/>
+                        </a:solidFill>
+                        <a:latin typeface="Times New Roman" panose="02020603050405020304" pitchFamily="18" charset="0"/>
+                        <a:cs typeface="Times New Roman" panose="02020603050405020304" pitchFamily="18" charset="0"/>
+                      </a:endParaRPr>
+                    </a:p>
+                  </a:txBody>
+                  <a:tcPr>
+                    <a:lnL w="12700" cap="flat" cmpd="sng" algn="ctr">
+                      <a:solidFill>
+                        <a:schemeClr val="tx1"/>
+                      </a:solidFill>
+                      <a:prstDash val="solid"/>
+                      <a:round/>
+                      <a:headEnd type="none" w="med" len="med"/>
+                      <a:tailEnd type="none" w="med" len="med"/>
+                    </a:lnL>
+                    <a:lnR w="12700" cap="flat" cmpd="sng" algn="ctr">
+                      <a:solidFill>
+                        <a:schemeClr val="tx1"/>
+                      </a:solidFill>
+                      <a:prstDash val="solid"/>
+                      <a:round/>
+                      <a:headEnd type="none" w="med" len="med"/>
+                      <a:tailEnd type="none" w="med" len="med"/>
+                    </a:lnR>
+                    <a:lnT w="12700" cap="flat" cmpd="sng" algn="ctr">
+                      <a:solidFill>
+                        <a:schemeClr val="tx1"/>
+                      </a:solidFill>
+                      <a:prstDash val="solid"/>
+                      <a:round/>
+                      <a:headEnd type="none" w="med" len="med"/>
+                      <a:tailEnd type="none" w="med" len="med"/>
+                    </a:lnT>
+                    <a:lnB w="12700" cap="flat" cmpd="sng" algn="ctr">
+                      <a:solidFill>
+                        <a:schemeClr val="tx1"/>
+                      </a:solidFill>
+                      <a:prstDash val="solid"/>
+                      <a:round/>
+                      <a:headEnd type="none" w="med" len="med"/>
+                      <a:tailEnd type="none" w="med" len="med"/>
+                    </a:lnB>
+                    <a:lnTlToBr w="12700" cmpd="sng">
+                      <a:noFill/>
+                      <a:prstDash val="solid"/>
+                    </a:lnTlToBr>
+                    <a:lnBlToTr w="12700" cmpd="sng">
+                      <a:noFill/>
+                      <a:prstDash val="solid"/>
+                    </a:lnBlToTr>
+                    <a:solidFill>
+                      <a:srgbClr val="4472C4"/>
+                    </a:solidFill>
+                  </a:tcPr>
+                </a:tc>
+                <a:tc>
+                  <a:txBody>
+                    <a:bodyPr/>
+                    <a:lstStyle/>
+                    <a:p>
+                      <a:endParaRPr lang="zh-CN" altLang="en-US" dirty="0"/>
+                    </a:p>
+                  </a:txBody>
+                  <a:tcPr>
+                    <a:lnL w="12700" cap="flat" cmpd="sng" algn="ctr">
+                      <a:solidFill>
+                        <a:schemeClr val="tx1"/>
+                      </a:solidFill>
+                      <a:prstDash val="solid"/>
+                      <a:round/>
+                      <a:headEnd type="none" w="med" len="med"/>
+                      <a:tailEnd type="none" w="med" len="med"/>
+                    </a:lnL>
+                    <a:lnR w="12700" cap="flat" cmpd="sng" algn="ctr">
+                      <a:solidFill>
+                        <a:schemeClr val="tx1"/>
+                      </a:solidFill>
+                      <a:prstDash val="solid"/>
+                      <a:round/>
+                      <a:headEnd type="none" w="med" len="med"/>
+                      <a:tailEnd type="none" w="med" len="med"/>
+                    </a:lnR>
+                    <a:lnT w="12700" cap="flat" cmpd="sng" algn="ctr">
+                      <a:solidFill>
+                        <a:schemeClr val="tx1"/>
+                      </a:solidFill>
+                      <a:prstDash val="solid"/>
+                      <a:round/>
+                      <a:headEnd type="none" w="med" len="med"/>
+                      <a:tailEnd type="none" w="med" len="med"/>
+                    </a:lnT>
+                    <a:lnB w="12700" cap="flat" cmpd="sng" algn="ctr">
+                      <a:solidFill>
+                        <a:schemeClr val="tx1"/>
+                      </a:solidFill>
+                      <a:prstDash val="solid"/>
+                      <a:round/>
+                      <a:headEnd type="none" w="med" len="med"/>
+                      <a:tailEnd type="none" w="med" len="med"/>
+                    </a:lnB>
+                    <a:lnTlToBr w="12700" cmpd="sng">
+                      <a:noFill/>
+                      <a:prstDash val="solid"/>
+                    </a:lnTlToBr>
+                    <a:lnBlToTr w="12700" cmpd="sng">
+                      <a:noFill/>
+                      <a:prstDash val="solid"/>
+                    </a:lnBlToTr>
+                    <a:noFill/>
+                  </a:tcPr>
+                </a:tc>
+                <a:extLst>
+                  <a:ext uri="{0D108BD9-81ED-4DB2-BD59-A6C34878D82A}">
+                    <a16:rowId xmlns:a16="http://schemas.microsoft.com/office/drawing/2014/main" val="1364259792"/>
+                  </a:ext>
+                </a:extLst>
+              </a:tr>
+            </a:tbl>
+          </a:graphicData>
+        </a:graphic>
+      </p:graphicFrame>
+      <p:sp>
+        <p:nvSpPr>
+          <p:cNvPr id="16" name="文本框 15">
+            <a:extLst>
+              <a:ext uri="{FF2B5EF4-FFF2-40B4-BE49-F238E27FC236}">
+                <a16:creationId xmlns:a16="http://schemas.microsoft.com/office/drawing/2014/main" id="{040474AD-91FC-81E0-87D5-9280622152A1}"/>
+              </a:ext>
+            </a:extLst>
+          </p:cNvPr>
+          <p:cNvSpPr txBox="1"/>
+          <p:nvPr/>
+        </p:nvSpPr>
+        <p:spPr>
+          <a:xfrm>
+            <a:off x="5957861" y="4065962"/>
+            <a:ext cx="1221809" cy="261610"/>
+          </a:xfrm>
+          <a:prstGeom prst="rect">
+            <a:avLst/>
+          </a:prstGeom>
+          <a:noFill/>
+        </p:spPr>
+        <p:txBody>
+          <a:bodyPr wrap="none" rtlCol="0">
+            <a:spAutoFit/>
+          </a:bodyPr>
+          <a:lstStyle/>
+          <a:p>
+            <a:pPr algn="ctr"/>
+            <a:r>
+              <a:rPr lang="en-US" altLang="zh-CN" sz="1100" b="1" dirty="0">
+                <a:latin typeface="Times New Roman" panose="02020603050405020304" pitchFamily="18" charset="0"/>
+                <a:cs typeface="Times New Roman" panose="02020603050405020304" pitchFamily="18" charset="0"/>
+              </a:rPr>
+              <a:t>“Swap” Collision</a:t>
+            </a:r>
+            <a:endParaRPr lang="zh-CN" altLang="en-US" sz="1100" b="1" dirty="0">
+              <a:latin typeface="Times New Roman" panose="02020603050405020304" pitchFamily="18" charset="0"/>
+              <a:cs typeface="Times New Roman" panose="02020603050405020304" pitchFamily="18" charset="0"/>
+            </a:endParaRPr>
+          </a:p>
+        </p:txBody>
+      </p:sp>
+    </p:spTree>
+    <p:extLst>
+      <p:ext uri="{BB962C8B-B14F-4D97-AF65-F5344CB8AC3E}">
+        <p14:creationId xmlns:p14="http://schemas.microsoft.com/office/powerpoint/2010/main" val="3213869265"/>
+      </p:ext>
+    </p:extLst>
+  </p:cSld>
+  <p:clrMapOvr>
+    <a:masterClrMapping/>
+  </p:clrMapOvr>
+</p:sld>
+</file>
+
+<file path=ppt/slides/slide8.xml><?xml version="1.0" encoding="utf-8"?>
+<p:sld xmlns:a="http://schemas.openxmlformats.org/drawingml/2006/main" xmlns:r="http://schemas.openxmlformats.org/officeDocument/2006/relationships" xmlns:p="http://schemas.openxmlformats.org/presentationml/2006/main">
+  <p:cSld>
+    <p:spTree>
+      <p:nvGrpSpPr>
+        <p:cNvPr id="1" name=""/>
+        <p:cNvGrpSpPr/>
+        <p:nvPr/>
+      </p:nvGrpSpPr>
+      <p:grpSpPr>
+        <a:xfrm>
+          <a:off x="0" y="0"/>
+          <a:ext cx="0" cy="0"/>
+          <a:chOff x="0" y="0"/>
+          <a:chExt cx="0" cy="0"/>
+        </a:xfrm>
+      </p:grpSpPr>
+      <p:sp>
+        <p:nvSpPr>
+          <p:cNvPr id="5" name="矩形 4">
+            <a:extLst>
+              <a:ext uri="{FF2B5EF4-FFF2-40B4-BE49-F238E27FC236}">
+                <a16:creationId xmlns:a16="http://schemas.microsoft.com/office/drawing/2014/main" id="{46302B44-915E-F351-893B-0E746E69CFA2}"/>
+              </a:ext>
+            </a:extLst>
+          </p:cNvPr>
+          <p:cNvSpPr/>
+          <p:nvPr/>
+        </p:nvSpPr>
+        <p:spPr>
+          <a:xfrm>
+            <a:off x="3595602" y="2805961"/>
+            <a:ext cx="532686" cy="539999"/>
+          </a:xfrm>
+          <a:prstGeom prst="rect">
+            <a:avLst/>
+          </a:prstGeom>
+          <a:solidFill>
+            <a:schemeClr val="accent6"/>
+          </a:solidFill>
+          <a:ln>
+            <a:noFill/>
+          </a:ln>
+        </p:spPr>
+        <p:style>
+          <a:lnRef idx="2">
+            <a:schemeClr val="accent1">
+              <a:shade val="15000"/>
+            </a:schemeClr>
+          </a:lnRef>
+          <a:fillRef idx="1">
+            <a:schemeClr val="accent1"/>
+          </a:fillRef>
+          <a:effectRef idx="0">
+            <a:schemeClr val="accent1"/>
+          </a:effectRef>
+          <a:fontRef idx="minor">
+            <a:schemeClr val="lt1"/>
+          </a:fontRef>
+        </p:style>
+        <p:txBody>
+          <a:bodyPr rtlCol="0" anchor="ctr"/>
+          <a:lstStyle/>
+          <a:p>
+            <a:pPr algn="ctr"/>
+            <a:endParaRPr lang="zh-CN" altLang="en-US" dirty="0"/>
+          </a:p>
+        </p:txBody>
+      </p:sp>
+      <p:grpSp>
+        <p:nvGrpSpPr>
+          <p:cNvPr id="15" name="组合 14">
+            <a:extLst>
+              <a:ext uri="{FF2B5EF4-FFF2-40B4-BE49-F238E27FC236}">
+                <a16:creationId xmlns:a16="http://schemas.microsoft.com/office/drawing/2014/main" id="{A39B2E65-8A1C-BA89-DC63-8B4B4656D1F5}"/>
+              </a:ext>
+            </a:extLst>
+          </p:cNvPr>
+          <p:cNvGrpSpPr/>
+          <p:nvPr/>
+        </p:nvGrpSpPr>
+        <p:grpSpPr>
+          <a:xfrm>
+            <a:off x="580334" y="533610"/>
+            <a:ext cx="1080000" cy="540000"/>
+            <a:chOff x="1986054" y="1741437"/>
+            <a:chExt cx="1080000" cy="540000"/>
+          </a:xfrm>
+        </p:grpSpPr>
+        <p:grpSp>
+          <p:nvGrpSpPr>
+            <p:cNvPr id="9" name="组合 8">
+              <a:extLst>
+                <a:ext uri="{FF2B5EF4-FFF2-40B4-BE49-F238E27FC236}">
+                  <a16:creationId xmlns:a16="http://schemas.microsoft.com/office/drawing/2014/main" id="{B5B46E01-D713-A78A-CAE4-F6214AE5D27E}"/>
+                </a:ext>
+              </a:extLst>
+            </p:cNvPr>
+            <p:cNvGrpSpPr/>
+            <p:nvPr/>
+          </p:nvGrpSpPr>
+          <p:grpSpPr>
+            <a:xfrm>
+              <a:off x="1986054" y="1741437"/>
+              <a:ext cx="540000" cy="540000"/>
+              <a:chOff x="1986054" y="1741437"/>
+              <a:chExt cx="540000" cy="540000"/>
+            </a:xfrm>
+          </p:grpSpPr>
+          <p:cxnSp>
+            <p:nvCxnSpPr>
+              <p:cNvPr id="3" name="直接连接符 2">
+                <a:extLst>
+                  <a:ext uri="{FF2B5EF4-FFF2-40B4-BE49-F238E27FC236}">
+                    <a16:creationId xmlns:a16="http://schemas.microsoft.com/office/drawing/2014/main" id="{5EB4856B-ECE7-3D5C-A732-A4FF88E5803E}"/>
+                  </a:ext>
+                </a:extLst>
+              </p:cNvPr>
+              <p:cNvCxnSpPr/>
+              <p:nvPr/>
+            </p:nvCxnSpPr>
+            <p:spPr>
+              <a:xfrm>
+                <a:off x="1986054" y="1741437"/>
+                <a:ext cx="0" cy="540000"/>
+              </a:xfrm>
+              <a:prstGeom prst="line">
+                <a:avLst/>
+              </a:prstGeom>
+              <a:ln w="12700"/>
+            </p:spPr>
+            <p:style>
+              <a:lnRef idx="1">
+                <a:schemeClr val="dk1"/>
+              </a:lnRef>
+              <a:fillRef idx="0">
+                <a:schemeClr val="dk1"/>
+              </a:fillRef>
+              <a:effectRef idx="0">
+                <a:schemeClr val="dk1"/>
+              </a:effectRef>
+              <a:fontRef idx="minor">
+                <a:schemeClr val="tx1"/>
+              </a:fontRef>
+            </p:style>
+          </p:cxnSp>
+          <p:cxnSp>
+            <p:nvCxnSpPr>
+              <p:cNvPr id="8" name="直接连接符 7">
+                <a:extLst>
+                  <a:ext uri="{FF2B5EF4-FFF2-40B4-BE49-F238E27FC236}">
+                    <a16:creationId xmlns:a16="http://schemas.microsoft.com/office/drawing/2014/main" id="{B4D63808-60F3-C80B-EC80-2365585D2255}"/>
+                  </a:ext>
+                </a:extLst>
+              </p:cNvPr>
+              <p:cNvCxnSpPr/>
+              <p:nvPr/>
+            </p:nvCxnSpPr>
+            <p:spPr>
+              <a:xfrm>
+                <a:off x="1986054" y="1741437"/>
+                <a:ext cx="540000" cy="0"/>
+              </a:xfrm>
+              <a:prstGeom prst="line">
+                <a:avLst/>
+              </a:prstGeom>
+              <a:ln w="12700"/>
+            </p:spPr>
+            <p:style>
+              <a:lnRef idx="1">
+                <a:schemeClr val="dk1"/>
+              </a:lnRef>
+              <a:fillRef idx="0">
+                <a:schemeClr val="dk1"/>
+              </a:fillRef>
+              <a:effectRef idx="0">
+                <a:schemeClr val="dk1"/>
+              </a:effectRef>
+              <a:fontRef idx="minor">
+                <a:schemeClr val="tx1"/>
+              </a:fontRef>
+            </p:style>
+          </p:cxnSp>
+        </p:grpSp>
+        <p:grpSp>
+          <p:nvGrpSpPr>
+            <p:cNvPr id="10" name="组合 9">
+              <a:extLst>
+                <a:ext uri="{FF2B5EF4-FFF2-40B4-BE49-F238E27FC236}">
+                  <a16:creationId xmlns:a16="http://schemas.microsoft.com/office/drawing/2014/main" id="{F8375F45-7584-2F7D-3D0A-EBEE2FDB53DE}"/>
+                </a:ext>
+              </a:extLst>
+            </p:cNvPr>
+            <p:cNvGrpSpPr/>
+            <p:nvPr/>
+          </p:nvGrpSpPr>
+          <p:grpSpPr>
+            <a:xfrm rot="16200000">
+              <a:off x="2526054" y="1741437"/>
+              <a:ext cx="540000" cy="540000"/>
+              <a:chOff x="1986054" y="1741437"/>
+              <a:chExt cx="540000" cy="540000"/>
+            </a:xfrm>
+          </p:grpSpPr>
+          <p:cxnSp>
+            <p:nvCxnSpPr>
+              <p:cNvPr id="12" name="直接连接符 11">
+                <a:extLst>
+                  <a:ext uri="{FF2B5EF4-FFF2-40B4-BE49-F238E27FC236}">
+                    <a16:creationId xmlns:a16="http://schemas.microsoft.com/office/drawing/2014/main" id="{735B88DF-7047-DDFF-7D55-85EC1A3F8089}"/>
+                  </a:ext>
+                </a:extLst>
+              </p:cNvPr>
+              <p:cNvCxnSpPr/>
+              <p:nvPr/>
+            </p:nvCxnSpPr>
+            <p:spPr>
+              <a:xfrm>
+                <a:off x="1986054" y="1741437"/>
+                <a:ext cx="0" cy="540000"/>
+              </a:xfrm>
+              <a:prstGeom prst="line">
+                <a:avLst/>
+              </a:prstGeom>
+              <a:ln w="12700"/>
+            </p:spPr>
+            <p:style>
+              <a:lnRef idx="1">
+                <a:schemeClr val="dk1"/>
+              </a:lnRef>
+              <a:fillRef idx="0">
+                <a:schemeClr val="dk1"/>
+              </a:fillRef>
+              <a:effectRef idx="0">
+                <a:schemeClr val="dk1"/>
+              </a:effectRef>
+              <a:fontRef idx="minor">
+                <a:schemeClr val="tx1"/>
+              </a:fontRef>
+            </p:style>
+          </p:cxnSp>
+          <p:cxnSp>
+            <p:nvCxnSpPr>
+              <p:cNvPr id="13" name="直接连接符 12">
+                <a:extLst>
+                  <a:ext uri="{FF2B5EF4-FFF2-40B4-BE49-F238E27FC236}">
+                    <a16:creationId xmlns:a16="http://schemas.microsoft.com/office/drawing/2014/main" id="{C4E31281-AD26-764B-3978-D3113E307418}"/>
+                  </a:ext>
+                </a:extLst>
+              </p:cNvPr>
+              <p:cNvCxnSpPr/>
+              <p:nvPr/>
+            </p:nvCxnSpPr>
+            <p:spPr>
+              <a:xfrm>
+                <a:off x="1986054" y="1741437"/>
+                <a:ext cx="540000" cy="0"/>
+              </a:xfrm>
+              <a:prstGeom prst="line">
+                <a:avLst/>
+              </a:prstGeom>
+              <a:ln w="12700"/>
+            </p:spPr>
+            <p:style>
+              <a:lnRef idx="1">
+                <a:schemeClr val="dk1"/>
+              </a:lnRef>
+              <a:fillRef idx="0">
+                <a:schemeClr val="dk1"/>
+              </a:fillRef>
+              <a:effectRef idx="0">
+                <a:schemeClr val="dk1"/>
+              </a:effectRef>
+              <a:fontRef idx="minor">
+                <a:schemeClr val="tx1"/>
+              </a:fontRef>
+            </p:style>
+          </p:cxnSp>
+        </p:grpSp>
+      </p:grpSp>
+      <p:grpSp>
+        <p:nvGrpSpPr>
+          <p:cNvPr id="16" name="组合 15">
+            <a:extLst>
+              <a:ext uri="{FF2B5EF4-FFF2-40B4-BE49-F238E27FC236}">
+                <a16:creationId xmlns:a16="http://schemas.microsoft.com/office/drawing/2014/main" id="{8FD2FACB-ED08-EE09-2FDA-8498A5C8138B}"/>
+              </a:ext>
+            </a:extLst>
+          </p:cNvPr>
+          <p:cNvGrpSpPr/>
+          <p:nvPr/>
+        </p:nvGrpSpPr>
+        <p:grpSpPr>
+          <a:xfrm>
+            <a:off x="2511947" y="2805962"/>
+            <a:ext cx="1080000" cy="540000"/>
+            <a:chOff x="1986054" y="1741437"/>
+            <a:chExt cx="1080000" cy="540000"/>
+          </a:xfrm>
+        </p:grpSpPr>
+        <p:grpSp>
+          <p:nvGrpSpPr>
+            <p:cNvPr id="17" name="组合 16">
+              <a:extLst>
+                <a:ext uri="{FF2B5EF4-FFF2-40B4-BE49-F238E27FC236}">
+                  <a16:creationId xmlns:a16="http://schemas.microsoft.com/office/drawing/2014/main" id="{0EC35AC2-51AA-97FB-40EA-035EA3237882}"/>
+                </a:ext>
+              </a:extLst>
+            </p:cNvPr>
+            <p:cNvGrpSpPr/>
+            <p:nvPr/>
+          </p:nvGrpSpPr>
+          <p:grpSpPr>
+            <a:xfrm>
+              <a:off x="1986054" y="1741437"/>
+              <a:ext cx="540000" cy="540000"/>
+              <a:chOff x="1986054" y="1741437"/>
+              <a:chExt cx="540000" cy="540000"/>
+            </a:xfrm>
+          </p:grpSpPr>
+          <p:cxnSp>
+            <p:nvCxnSpPr>
+              <p:cNvPr id="21" name="直接连接符 20">
+                <a:extLst>
+                  <a:ext uri="{FF2B5EF4-FFF2-40B4-BE49-F238E27FC236}">
+                    <a16:creationId xmlns:a16="http://schemas.microsoft.com/office/drawing/2014/main" id="{DEEEAC8D-D94C-3C4E-BF86-F1EAF32CB831}"/>
+                  </a:ext>
+                </a:extLst>
+              </p:cNvPr>
+              <p:cNvCxnSpPr/>
+              <p:nvPr/>
+            </p:nvCxnSpPr>
+            <p:spPr>
+              <a:xfrm>
+                <a:off x="1986054" y="1741437"/>
+                <a:ext cx="0" cy="540000"/>
+              </a:xfrm>
+              <a:prstGeom prst="line">
+                <a:avLst/>
+              </a:prstGeom>
+              <a:ln w="12700"/>
+            </p:spPr>
+            <p:style>
+              <a:lnRef idx="1">
+                <a:schemeClr val="dk1"/>
+              </a:lnRef>
+              <a:fillRef idx="0">
+                <a:schemeClr val="dk1"/>
+              </a:fillRef>
+              <a:effectRef idx="0">
+                <a:schemeClr val="dk1"/>
+              </a:effectRef>
+              <a:fontRef idx="minor">
+                <a:schemeClr val="tx1"/>
+              </a:fontRef>
+            </p:style>
+          </p:cxnSp>
+          <p:cxnSp>
+            <p:nvCxnSpPr>
+              <p:cNvPr id="22" name="直接连接符 21">
+                <a:extLst>
+                  <a:ext uri="{FF2B5EF4-FFF2-40B4-BE49-F238E27FC236}">
+                    <a16:creationId xmlns:a16="http://schemas.microsoft.com/office/drawing/2014/main" id="{D79D832E-778A-D70E-2A9A-B1C607192D2C}"/>
+                  </a:ext>
+                </a:extLst>
+              </p:cNvPr>
+              <p:cNvCxnSpPr/>
+              <p:nvPr/>
+            </p:nvCxnSpPr>
+            <p:spPr>
+              <a:xfrm>
+                <a:off x="1986054" y="1741437"/>
+                <a:ext cx="540000" cy="0"/>
+              </a:xfrm>
+              <a:prstGeom prst="line">
+                <a:avLst/>
+              </a:prstGeom>
+              <a:ln w="12700"/>
+            </p:spPr>
+            <p:style>
+              <a:lnRef idx="1">
+                <a:schemeClr val="dk1"/>
+              </a:lnRef>
+              <a:fillRef idx="0">
+                <a:schemeClr val="dk1"/>
+              </a:fillRef>
+              <a:effectRef idx="0">
+                <a:schemeClr val="dk1"/>
+              </a:effectRef>
+              <a:fontRef idx="minor">
+                <a:schemeClr val="tx1"/>
+              </a:fontRef>
+            </p:style>
+          </p:cxnSp>
+        </p:grpSp>
+        <p:grpSp>
+          <p:nvGrpSpPr>
+            <p:cNvPr id="18" name="组合 17">
+              <a:extLst>
+                <a:ext uri="{FF2B5EF4-FFF2-40B4-BE49-F238E27FC236}">
+                  <a16:creationId xmlns:a16="http://schemas.microsoft.com/office/drawing/2014/main" id="{18A7C93C-9E06-C99F-76EB-14EB3D9D8316}"/>
+                </a:ext>
+              </a:extLst>
+            </p:cNvPr>
+            <p:cNvGrpSpPr/>
+            <p:nvPr/>
+          </p:nvGrpSpPr>
+          <p:grpSpPr>
+            <a:xfrm rot="16200000">
+              <a:off x="2526054" y="1741437"/>
+              <a:ext cx="540000" cy="540000"/>
+              <a:chOff x="1986054" y="1741437"/>
+              <a:chExt cx="540000" cy="540000"/>
+            </a:xfrm>
+          </p:grpSpPr>
+          <p:cxnSp>
+            <p:nvCxnSpPr>
+              <p:cNvPr id="19" name="直接连接符 18">
+                <a:extLst>
+                  <a:ext uri="{FF2B5EF4-FFF2-40B4-BE49-F238E27FC236}">
+                    <a16:creationId xmlns:a16="http://schemas.microsoft.com/office/drawing/2014/main" id="{07C5BA0F-FE50-A930-CEC4-3CA61C3B2FA6}"/>
+                  </a:ext>
+                </a:extLst>
+              </p:cNvPr>
+              <p:cNvCxnSpPr/>
+              <p:nvPr/>
+            </p:nvCxnSpPr>
+            <p:spPr>
+              <a:xfrm>
+                <a:off x="1986054" y="1741437"/>
+                <a:ext cx="0" cy="540000"/>
+              </a:xfrm>
+              <a:prstGeom prst="line">
+                <a:avLst/>
+              </a:prstGeom>
+              <a:ln w="12700"/>
+            </p:spPr>
+            <p:style>
+              <a:lnRef idx="1">
+                <a:schemeClr val="dk1"/>
+              </a:lnRef>
+              <a:fillRef idx="0">
+                <a:schemeClr val="dk1"/>
+              </a:fillRef>
+              <a:effectRef idx="0">
+                <a:schemeClr val="dk1"/>
+              </a:effectRef>
+              <a:fontRef idx="minor">
+                <a:schemeClr val="tx1"/>
+              </a:fontRef>
+            </p:style>
+          </p:cxnSp>
+          <p:cxnSp>
+            <p:nvCxnSpPr>
+              <p:cNvPr id="20" name="直接连接符 19">
+                <a:extLst>
+                  <a:ext uri="{FF2B5EF4-FFF2-40B4-BE49-F238E27FC236}">
+                    <a16:creationId xmlns:a16="http://schemas.microsoft.com/office/drawing/2014/main" id="{B0735D39-843E-5088-498C-242127721148}"/>
+                  </a:ext>
+                </a:extLst>
+              </p:cNvPr>
+              <p:cNvCxnSpPr/>
+              <p:nvPr/>
+            </p:nvCxnSpPr>
+            <p:spPr>
+              <a:xfrm>
+                <a:off x="1986054" y="1741437"/>
+                <a:ext cx="540000" cy="0"/>
+              </a:xfrm>
+              <a:prstGeom prst="line">
+                <a:avLst/>
+              </a:prstGeom>
+              <a:ln w="12700"/>
+            </p:spPr>
+            <p:style>
+              <a:lnRef idx="1">
+                <a:schemeClr val="dk1"/>
+              </a:lnRef>
+              <a:fillRef idx="0">
+                <a:schemeClr val="dk1"/>
+              </a:fillRef>
+              <a:effectRef idx="0">
+                <a:schemeClr val="dk1"/>
+              </a:effectRef>
+              <a:fontRef idx="minor">
+                <a:schemeClr val="tx1"/>
+              </a:fontRef>
+            </p:style>
+          </p:cxnSp>
+        </p:grpSp>
+      </p:grpSp>
+      <p:grpSp>
+        <p:nvGrpSpPr>
+          <p:cNvPr id="23" name="组合 22">
+            <a:extLst>
+              <a:ext uri="{FF2B5EF4-FFF2-40B4-BE49-F238E27FC236}">
+                <a16:creationId xmlns:a16="http://schemas.microsoft.com/office/drawing/2014/main" id="{94105B8C-CDAE-1D8C-ED3E-E4387B6597E6}"/>
+              </a:ext>
+            </a:extLst>
+          </p:cNvPr>
+          <p:cNvGrpSpPr/>
+          <p:nvPr/>
+        </p:nvGrpSpPr>
+        <p:grpSpPr>
+          <a:xfrm>
+            <a:off x="3591945" y="2805962"/>
+            <a:ext cx="1080001" cy="540000"/>
+            <a:chOff x="1986054" y="1741437"/>
+            <a:chExt cx="1080001" cy="540000"/>
+          </a:xfrm>
+        </p:grpSpPr>
+        <p:grpSp>
+          <p:nvGrpSpPr>
+            <p:cNvPr id="24" name="组合 23">
+              <a:extLst>
+                <a:ext uri="{FF2B5EF4-FFF2-40B4-BE49-F238E27FC236}">
+                  <a16:creationId xmlns:a16="http://schemas.microsoft.com/office/drawing/2014/main" id="{0358E003-B4D9-EE1C-8339-2B489CE90993}"/>
+                </a:ext>
+              </a:extLst>
+            </p:cNvPr>
+            <p:cNvGrpSpPr/>
+            <p:nvPr/>
+          </p:nvGrpSpPr>
+          <p:grpSpPr>
+            <a:xfrm>
+              <a:off x="1986054" y="1741437"/>
+              <a:ext cx="540000" cy="540000"/>
+              <a:chOff x="1986054" y="1741437"/>
+              <a:chExt cx="540000" cy="540000"/>
+            </a:xfrm>
+          </p:grpSpPr>
+          <p:cxnSp>
+            <p:nvCxnSpPr>
+              <p:cNvPr id="32" name="直接连接符 31">
+                <a:extLst>
+                  <a:ext uri="{FF2B5EF4-FFF2-40B4-BE49-F238E27FC236}">
+                    <a16:creationId xmlns:a16="http://schemas.microsoft.com/office/drawing/2014/main" id="{22E9ABC0-DBA3-AB93-FFF3-CB1EBF380E16}"/>
+                  </a:ext>
+                </a:extLst>
+              </p:cNvPr>
+              <p:cNvCxnSpPr/>
+              <p:nvPr/>
+            </p:nvCxnSpPr>
+            <p:spPr>
+              <a:xfrm>
+                <a:off x="1986054" y="1741437"/>
+                <a:ext cx="0" cy="540000"/>
+              </a:xfrm>
+              <a:prstGeom prst="line">
+                <a:avLst/>
+              </a:prstGeom>
+              <a:ln w="12700"/>
+            </p:spPr>
+            <p:style>
+              <a:lnRef idx="1">
+                <a:schemeClr val="dk1"/>
+              </a:lnRef>
+              <a:fillRef idx="0">
+                <a:schemeClr val="dk1"/>
+              </a:fillRef>
+              <a:effectRef idx="0">
+                <a:schemeClr val="dk1"/>
+              </a:effectRef>
+              <a:fontRef idx="minor">
+                <a:schemeClr val="tx1"/>
+              </a:fontRef>
+            </p:style>
+          </p:cxnSp>
+          <p:cxnSp>
+            <p:nvCxnSpPr>
+              <p:cNvPr id="33" name="直接连接符 32">
+                <a:extLst>
+                  <a:ext uri="{FF2B5EF4-FFF2-40B4-BE49-F238E27FC236}">
+                    <a16:creationId xmlns:a16="http://schemas.microsoft.com/office/drawing/2014/main" id="{5D5197DA-2B24-FE3C-BD89-A66E1ADBEA4A}"/>
+                  </a:ext>
+                </a:extLst>
+              </p:cNvPr>
+              <p:cNvCxnSpPr/>
+              <p:nvPr/>
+            </p:nvCxnSpPr>
+            <p:spPr>
+              <a:xfrm>
+                <a:off x="1986054" y="1741437"/>
+                <a:ext cx="540000" cy="0"/>
+              </a:xfrm>
+              <a:prstGeom prst="line">
+                <a:avLst/>
+              </a:prstGeom>
+              <a:ln w="12700"/>
+            </p:spPr>
+            <p:style>
+              <a:lnRef idx="1">
+                <a:schemeClr val="dk1"/>
+              </a:lnRef>
+              <a:fillRef idx="0">
+                <a:schemeClr val="dk1"/>
+              </a:fillRef>
+              <a:effectRef idx="0">
+                <a:schemeClr val="dk1"/>
+              </a:effectRef>
+              <a:fontRef idx="minor">
+                <a:schemeClr val="tx1"/>
+              </a:fontRef>
+            </p:style>
+          </p:cxnSp>
+        </p:grpSp>
+        <p:grpSp>
+          <p:nvGrpSpPr>
+            <p:cNvPr id="29" name="组合 28">
+              <a:extLst>
+                <a:ext uri="{FF2B5EF4-FFF2-40B4-BE49-F238E27FC236}">
+                  <a16:creationId xmlns:a16="http://schemas.microsoft.com/office/drawing/2014/main" id="{41DD7049-C173-55C4-636F-649991680B9A}"/>
+                </a:ext>
+              </a:extLst>
+            </p:cNvPr>
+            <p:cNvGrpSpPr/>
+            <p:nvPr/>
+          </p:nvGrpSpPr>
+          <p:grpSpPr>
+            <a:xfrm rot="16200000">
+              <a:off x="2526055" y="1741437"/>
+              <a:ext cx="540000" cy="540000"/>
+              <a:chOff x="1986054" y="1741437"/>
+              <a:chExt cx="540000" cy="540000"/>
+            </a:xfrm>
+          </p:grpSpPr>
+          <p:cxnSp>
+            <p:nvCxnSpPr>
+              <p:cNvPr id="30" name="直接连接符 29">
+                <a:extLst>
+                  <a:ext uri="{FF2B5EF4-FFF2-40B4-BE49-F238E27FC236}">
+                    <a16:creationId xmlns:a16="http://schemas.microsoft.com/office/drawing/2014/main" id="{C3A35B90-FE1B-492B-F94C-001CF59EC680}"/>
+                  </a:ext>
+                </a:extLst>
+              </p:cNvPr>
+              <p:cNvCxnSpPr/>
+              <p:nvPr/>
+            </p:nvCxnSpPr>
+            <p:spPr>
+              <a:xfrm>
+                <a:off x="1986054" y="1741437"/>
+                <a:ext cx="0" cy="540000"/>
+              </a:xfrm>
+              <a:prstGeom prst="line">
+                <a:avLst/>
+              </a:prstGeom>
+              <a:ln w="12700"/>
+            </p:spPr>
+            <p:style>
+              <a:lnRef idx="1">
+                <a:schemeClr val="dk1"/>
+              </a:lnRef>
+              <a:fillRef idx="0">
+                <a:schemeClr val="dk1"/>
+              </a:fillRef>
+              <a:effectRef idx="0">
+                <a:schemeClr val="dk1"/>
+              </a:effectRef>
+              <a:fontRef idx="minor">
+                <a:schemeClr val="tx1"/>
+              </a:fontRef>
+            </p:style>
+          </p:cxnSp>
+          <p:cxnSp>
+            <p:nvCxnSpPr>
+              <p:cNvPr id="31" name="直接连接符 30">
+                <a:extLst>
+                  <a:ext uri="{FF2B5EF4-FFF2-40B4-BE49-F238E27FC236}">
+                    <a16:creationId xmlns:a16="http://schemas.microsoft.com/office/drawing/2014/main" id="{46CABCA2-D8C0-562F-1FF1-7FEBB96C50BA}"/>
+                  </a:ext>
+                </a:extLst>
+              </p:cNvPr>
+              <p:cNvCxnSpPr/>
+              <p:nvPr/>
+            </p:nvCxnSpPr>
+            <p:spPr>
+              <a:xfrm>
+                <a:off x="1986054" y="1741437"/>
+                <a:ext cx="540000" cy="0"/>
+              </a:xfrm>
+              <a:prstGeom prst="line">
+                <a:avLst/>
+              </a:prstGeom>
+              <a:ln w="12700"/>
+            </p:spPr>
+            <p:style>
+              <a:lnRef idx="1">
+                <a:schemeClr val="dk1"/>
+              </a:lnRef>
+              <a:fillRef idx="0">
+                <a:schemeClr val="dk1"/>
+              </a:fillRef>
+              <a:effectRef idx="0">
+                <a:schemeClr val="dk1"/>
+              </a:effectRef>
+              <a:fontRef idx="minor">
+                <a:schemeClr val="tx1"/>
+              </a:fontRef>
+            </p:style>
+          </p:cxnSp>
+        </p:grpSp>
+      </p:grpSp>
+      <p:grpSp>
+        <p:nvGrpSpPr>
+          <p:cNvPr id="35" name="组合 34">
+            <a:extLst>
+              <a:ext uri="{FF2B5EF4-FFF2-40B4-BE49-F238E27FC236}">
+                <a16:creationId xmlns:a16="http://schemas.microsoft.com/office/drawing/2014/main" id="{EEE0F7AE-B7EE-4C79-1DED-E9443A74BE22}"/>
+              </a:ext>
+            </a:extLst>
+          </p:cNvPr>
+          <p:cNvGrpSpPr/>
+          <p:nvPr/>
+        </p:nvGrpSpPr>
+        <p:grpSpPr>
+          <a:xfrm>
+            <a:off x="4675601" y="2805961"/>
+            <a:ext cx="1080001" cy="540000"/>
+            <a:chOff x="1986054" y="1741437"/>
+            <a:chExt cx="1080001" cy="540000"/>
+          </a:xfrm>
+        </p:grpSpPr>
+        <p:grpSp>
+          <p:nvGrpSpPr>
+            <p:cNvPr id="36" name="组合 35">
+              <a:extLst>
+                <a:ext uri="{FF2B5EF4-FFF2-40B4-BE49-F238E27FC236}">
+                  <a16:creationId xmlns:a16="http://schemas.microsoft.com/office/drawing/2014/main" id="{7F4328F1-0812-CA37-1511-38018E48F0B7}"/>
+                </a:ext>
+              </a:extLst>
+            </p:cNvPr>
+            <p:cNvGrpSpPr/>
+            <p:nvPr/>
+          </p:nvGrpSpPr>
+          <p:grpSpPr>
+            <a:xfrm>
+              <a:off x="1986054" y="1741437"/>
+              <a:ext cx="540000" cy="540000"/>
+              <a:chOff x="1986054" y="1741437"/>
+              <a:chExt cx="540000" cy="540000"/>
+            </a:xfrm>
+          </p:grpSpPr>
+          <p:cxnSp>
+            <p:nvCxnSpPr>
+              <p:cNvPr id="40" name="直接连接符 39">
+                <a:extLst>
+                  <a:ext uri="{FF2B5EF4-FFF2-40B4-BE49-F238E27FC236}">
+                    <a16:creationId xmlns:a16="http://schemas.microsoft.com/office/drawing/2014/main" id="{F442833E-AC96-2D3F-B62F-099B95270F54}"/>
+                  </a:ext>
+                </a:extLst>
+              </p:cNvPr>
+              <p:cNvCxnSpPr/>
+              <p:nvPr/>
+            </p:nvCxnSpPr>
+            <p:spPr>
+              <a:xfrm>
+                <a:off x="1986054" y="1741437"/>
+                <a:ext cx="0" cy="540000"/>
+              </a:xfrm>
+              <a:prstGeom prst="line">
+                <a:avLst/>
+              </a:prstGeom>
+              <a:ln w="12700"/>
+            </p:spPr>
+            <p:style>
+              <a:lnRef idx="1">
+                <a:schemeClr val="dk1"/>
+              </a:lnRef>
+              <a:fillRef idx="0">
+                <a:schemeClr val="dk1"/>
+              </a:fillRef>
+              <a:effectRef idx="0">
+                <a:schemeClr val="dk1"/>
+              </a:effectRef>
+              <a:fontRef idx="minor">
+                <a:schemeClr val="tx1"/>
+              </a:fontRef>
+            </p:style>
+          </p:cxnSp>
+          <p:cxnSp>
+            <p:nvCxnSpPr>
+              <p:cNvPr id="41" name="直接连接符 40">
+                <a:extLst>
+                  <a:ext uri="{FF2B5EF4-FFF2-40B4-BE49-F238E27FC236}">
+                    <a16:creationId xmlns:a16="http://schemas.microsoft.com/office/drawing/2014/main" id="{D1605545-F624-525E-7692-B4E4E95ECCCD}"/>
+                  </a:ext>
+                </a:extLst>
+              </p:cNvPr>
+              <p:cNvCxnSpPr/>
+              <p:nvPr/>
+            </p:nvCxnSpPr>
+            <p:spPr>
+              <a:xfrm>
+                <a:off x="1986054" y="1741437"/>
+                <a:ext cx="540000" cy="0"/>
+              </a:xfrm>
+              <a:prstGeom prst="line">
+                <a:avLst/>
+              </a:prstGeom>
+              <a:ln w="12700"/>
+            </p:spPr>
+            <p:style>
+              <a:lnRef idx="1">
+                <a:schemeClr val="dk1"/>
+              </a:lnRef>
+              <a:fillRef idx="0">
+                <a:schemeClr val="dk1"/>
+              </a:fillRef>
+              <a:effectRef idx="0">
+                <a:schemeClr val="dk1"/>
+              </a:effectRef>
+              <a:fontRef idx="minor">
+                <a:schemeClr val="tx1"/>
+              </a:fontRef>
+            </p:style>
+          </p:cxnSp>
+        </p:grpSp>
+        <p:grpSp>
+          <p:nvGrpSpPr>
+            <p:cNvPr id="37" name="组合 36">
+              <a:extLst>
+                <a:ext uri="{FF2B5EF4-FFF2-40B4-BE49-F238E27FC236}">
+                  <a16:creationId xmlns:a16="http://schemas.microsoft.com/office/drawing/2014/main" id="{A06F1744-9B26-49BD-17A6-613DA968946B}"/>
+                </a:ext>
+              </a:extLst>
+            </p:cNvPr>
+            <p:cNvGrpSpPr/>
+            <p:nvPr/>
+          </p:nvGrpSpPr>
+          <p:grpSpPr>
+            <a:xfrm rot="16200000">
+              <a:off x="2526055" y="1741437"/>
+              <a:ext cx="540000" cy="540000"/>
+              <a:chOff x="1986054" y="1741437"/>
+              <a:chExt cx="540000" cy="540000"/>
+            </a:xfrm>
+          </p:grpSpPr>
+          <p:cxnSp>
+            <p:nvCxnSpPr>
+              <p:cNvPr id="38" name="直接连接符 37">
+                <a:extLst>
+                  <a:ext uri="{FF2B5EF4-FFF2-40B4-BE49-F238E27FC236}">
+                    <a16:creationId xmlns:a16="http://schemas.microsoft.com/office/drawing/2014/main" id="{56C01559-76CB-64D3-731C-BBD00C5B24E0}"/>
+                  </a:ext>
+                </a:extLst>
+              </p:cNvPr>
+              <p:cNvCxnSpPr/>
+              <p:nvPr/>
+            </p:nvCxnSpPr>
+            <p:spPr>
+              <a:xfrm>
+                <a:off x="1986054" y="1741437"/>
+                <a:ext cx="0" cy="540000"/>
+              </a:xfrm>
+              <a:prstGeom prst="line">
+                <a:avLst/>
+              </a:prstGeom>
+              <a:ln w="12700"/>
+            </p:spPr>
+            <p:style>
+              <a:lnRef idx="1">
+                <a:schemeClr val="dk1"/>
+              </a:lnRef>
+              <a:fillRef idx="0">
+                <a:schemeClr val="dk1"/>
+              </a:fillRef>
+              <a:effectRef idx="0">
+                <a:schemeClr val="dk1"/>
+              </a:effectRef>
+              <a:fontRef idx="minor">
+                <a:schemeClr val="tx1"/>
+              </a:fontRef>
+            </p:style>
+          </p:cxnSp>
+          <p:cxnSp>
+            <p:nvCxnSpPr>
+              <p:cNvPr id="39" name="直接连接符 38">
+                <a:extLst>
+                  <a:ext uri="{FF2B5EF4-FFF2-40B4-BE49-F238E27FC236}">
+                    <a16:creationId xmlns:a16="http://schemas.microsoft.com/office/drawing/2014/main" id="{15898EB4-6A93-872A-BB0E-3C4BE60B0E0E}"/>
+                  </a:ext>
+                </a:extLst>
+              </p:cNvPr>
+              <p:cNvCxnSpPr/>
+              <p:nvPr/>
+            </p:nvCxnSpPr>
+            <p:spPr>
+              <a:xfrm>
+                <a:off x="1986054" y="1741437"/>
+                <a:ext cx="540000" cy="0"/>
+              </a:xfrm>
+              <a:prstGeom prst="line">
+                <a:avLst/>
+              </a:prstGeom>
+              <a:ln w="12700"/>
+            </p:spPr>
+            <p:style>
+              <a:lnRef idx="1">
+                <a:schemeClr val="dk1"/>
+              </a:lnRef>
+              <a:fillRef idx="0">
+                <a:schemeClr val="dk1"/>
+              </a:fillRef>
+              <a:effectRef idx="0">
+                <a:schemeClr val="dk1"/>
+              </a:effectRef>
+              <a:fontRef idx="minor">
+                <a:schemeClr val="tx1"/>
+              </a:fontRef>
+            </p:style>
+          </p:cxnSp>
+        </p:grpSp>
+      </p:grpSp>
+      <p:sp>
+        <p:nvSpPr>
+          <p:cNvPr id="53" name="左大括号 52">
+            <a:extLst>
+              <a:ext uri="{FF2B5EF4-FFF2-40B4-BE49-F238E27FC236}">
+                <a16:creationId xmlns:a16="http://schemas.microsoft.com/office/drawing/2014/main" id="{E43FBB95-BCAE-956B-9A8E-04E673B49C87}"/>
+              </a:ext>
+            </a:extLst>
+          </p:cNvPr>
+          <p:cNvSpPr/>
+          <p:nvPr/>
+        </p:nvSpPr>
+        <p:spPr>
+          <a:xfrm rot="5400000">
+            <a:off x="4051219" y="2125819"/>
+            <a:ext cx="161448" cy="1079996"/>
+          </a:xfrm>
+          <a:prstGeom prst="leftBrace">
+            <a:avLst>
+              <a:gd name="adj1" fmla="val 8333"/>
+              <a:gd name="adj2" fmla="val 49647"/>
+            </a:avLst>
+          </a:prstGeom>
+          <a:ln w="9525">
+            <a:solidFill>
+              <a:schemeClr val="tx1"/>
+            </a:solidFill>
+          </a:ln>
+        </p:spPr>
+        <p:style>
+          <a:lnRef idx="1">
+            <a:schemeClr val="accent1"/>
+          </a:lnRef>
+          <a:fillRef idx="0">
+            <a:schemeClr val="accent1"/>
+          </a:fillRef>
+          <a:effectRef idx="0">
+            <a:schemeClr val="accent1"/>
+          </a:effectRef>
+          <a:fontRef idx="minor">
+            <a:schemeClr val="tx1"/>
+          </a:fontRef>
+        </p:style>
+        <p:txBody>
+          <a:bodyPr rtlCol="0" anchor="ctr"/>
+          <a:lstStyle/>
+          <a:p>
+            <a:pPr algn="ctr"/>
+            <a:endParaRPr lang="zh-CN" altLang="en-US"/>
+          </a:p>
+        </p:txBody>
+      </p:sp>
+      <p:sp>
+        <p:nvSpPr>
+          <p:cNvPr id="54" name="文本框 53">
+            <a:extLst>
+              <a:ext uri="{FF2B5EF4-FFF2-40B4-BE49-F238E27FC236}">
+                <a16:creationId xmlns:a16="http://schemas.microsoft.com/office/drawing/2014/main" id="{C075AB28-552C-D22F-7385-E3CE498AD1C7}"/>
+              </a:ext>
+            </a:extLst>
+          </p:cNvPr>
+          <p:cNvSpPr txBox="1"/>
+          <p:nvPr/>
+        </p:nvSpPr>
+        <p:spPr>
+          <a:xfrm>
+            <a:off x="3696567" y="2215761"/>
+            <a:ext cx="870751" cy="369332"/>
+          </a:xfrm>
+          <a:prstGeom prst="rect">
+            <a:avLst/>
+          </a:prstGeom>
+          <a:noFill/>
+        </p:spPr>
+        <p:txBody>
+          <a:bodyPr wrap="none" rtlCol="0">
+            <a:spAutoFit/>
+          </a:bodyPr>
+          <a:lstStyle/>
+          <a:p>
+            <a:r>
+              <a:rPr lang="en-US" altLang="zh-CN" dirty="0">
+                <a:latin typeface="Times New Roman" panose="02020603050405020304" pitchFamily="18" charset="0"/>
+                <a:cs typeface="Times New Roman" panose="02020603050405020304" pitchFamily="18" charset="0"/>
+              </a:rPr>
+              <a:t>my slot</a:t>
+            </a:r>
+            <a:endParaRPr lang="zh-CN" altLang="en-US" dirty="0">
+              <a:latin typeface="Times New Roman" panose="02020603050405020304" pitchFamily="18" charset="0"/>
+              <a:cs typeface="Times New Roman" panose="02020603050405020304" pitchFamily="18" charset="0"/>
+            </a:endParaRPr>
+          </a:p>
+        </p:txBody>
+      </p:sp>
+      <p:sp>
+        <p:nvSpPr>
+          <p:cNvPr id="56" name="文本框 55">
+            <a:extLst>
+              <a:ext uri="{FF2B5EF4-FFF2-40B4-BE49-F238E27FC236}">
+                <a16:creationId xmlns:a16="http://schemas.microsoft.com/office/drawing/2014/main" id="{3DA5C2AA-BE32-9B0E-9229-9B1C0062E2D9}"/>
+              </a:ext>
+            </a:extLst>
+          </p:cNvPr>
+          <p:cNvSpPr txBox="1"/>
+          <p:nvPr/>
+        </p:nvSpPr>
+        <p:spPr>
+          <a:xfrm>
+            <a:off x="5755602" y="2828326"/>
+            <a:ext cx="415498" cy="369332"/>
+          </a:xfrm>
+          <a:prstGeom prst="rect">
+            <a:avLst/>
+          </a:prstGeom>
+          <a:noFill/>
+        </p:spPr>
+        <p:txBody>
+          <a:bodyPr wrap="none" rtlCol="0">
+            <a:spAutoFit/>
+          </a:bodyPr>
+          <a:lstStyle/>
+          <a:p>
+            <a:r>
+              <a:rPr lang="en-US" altLang="zh-CN" b="1" dirty="0">
+                <a:latin typeface="Times New Roman" panose="02020603050405020304" pitchFamily="18" charset="0"/>
+                <a:cs typeface="Times New Roman" panose="02020603050405020304" pitchFamily="18" charset="0"/>
+              </a:rPr>
+              <a:t>…</a:t>
+            </a:r>
+            <a:endParaRPr lang="zh-CN" altLang="en-US" b="1" dirty="0">
+              <a:latin typeface="Times New Roman" panose="02020603050405020304" pitchFamily="18" charset="0"/>
+              <a:cs typeface="Times New Roman" panose="02020603050405020304" pitchFamily="18" charset="0"/>
+            </a:endParaRPr>
+          </a:p>
+        </p:txBody>
+      </p:sp>
+      <p:cxnSp>
+        <p:nvCxnSpPr>
+          <p:cNvPr id="60" name="直接箭头连接符 59">
+            <a:extLst>
+              <a:ext uri="{FF2B5EF4-FFF2-40B4-BE49-F238E27FC236}">
+                <a16:creationId xmlns:a16="http://schemas.microsoft.com/office/drawing/2014/main" id="{5AC71F60-E100-3750-7477-F22C3B9DDB72}"/>
+              </a:ext>
+            </a:extLst>
+          </p:cNvPr>
+          <p:cNvCxnSpPr/>
+          <p:nvPr/>
+        </p:nvCxnSpPr>
+        <p:spPr>
+          <a:xfrm flipV="1">
+            <a:off x="3051944" y="3383280"/>
+            <a:ext cx="0" cy="255270"/>
+          </a:xfrm>
+          <a:prstGeom prst="straightConnector1">
+            <a:avLst/>
+          </a:prstGeom>
+          <a:ln w="9525">
+            <a:solidFill>
+              <a:schemeClr val="tx1"/>
+            </a:solidFill>
+            <a:tailEnd type="triangle"/>
+          </a:ln>
+        </p:spPr>
+        <p:style>
+          <a:lnRef idx="1">
+            <a:schemeClr val="accent1"/>
+          </a:lnRef>
+          <a:fillRef idx="0">
+            <a:schemeClr val="accent1"/>
+          </a:fillRef>
+          <a:effectRef idx="0">
+            <a:schemeClr val="accent1"/>
+          </a:effectRef>
+          <a:fontRef idx="minor">
+            <a:schemeClr val="tx1"/>
+          </a:fontRef>
+        </p:style>
+      </p:cxnSp>
+      <p:sp>
+        <p:nvSpPr>
+          <p:cNvPr id="61" name="文本框 60">
+            <a:extLst>
+              <a:ext uri="{FF2B5EF4-FFF2-40B4-BE49-F238E27FC236}">
+                <a16:creationId xmlns:a16="http://schemas.microsoft.com/office/drawing/2014/main" id="{2DA2EE9C-81B2-9BF4-9023-420DB813E716}"/>
+              </a:ext>
+            </a:extLst>
+          </p:cNvPr>
+          <p:cNvSpPr txBox="1"/>
+          <p:nvPr/>
+        </p:nvSpPr>
+        <p:spPr>
+          <a:xfrm>
+            <a:off x="2196845" y="3648710"/>
+            <a:ext cx="1710198" cy="646331"/>
+          </a:xfrm>
+          <a:prstGeom prst="rect">
+            <a:avLst/>
+          </a:prstGeom>
+          <a:noFill/>
+        </p:spPr>
+        <p:txBody>
+          <a:bodyPr wrap="square" rtlCol="0">
+            <a:spAutoFit/>
+          </a:bodyPr>
+          <a:lstStyle/>
+          <a:p>
+            <a:pPr algn="ctr"/>
+            <a:r>
+              <a:rPr lang="en-US" altLang="zh-CN" sz="1200" dirty="0">
+                <a:latin typeface="Times New Roman" panose="02020603050405020304" pitchFamily="18" charset="0"/>
+                <a:cs typeface="Times New Roman" panose="02020603050405020304" pitchFamily="18" charset="0"/>
+              </a:rPr>
+              <a:t>Previous agent</a:t>
+            </a:r>
+          </a:p>
+          <a:p>
+            <a:pPr algn="ctr"/>
+            <a:r>
+              <a:rPr lang="en-US" altLang="zh-CN" sz="1200" dirty="0">
+                <a:latin typeface="Times New Roman" panose="02020603050405020304" pitchFamily="18" charset="0"/>
+                <a:cs typeface="Times New Roman" panose="02020603050405020304" pitchFamily="18" charset="0"/>
+              </a:rPr>
+              <a:t> broadcasted their message</a:t>
+            </a:r>
+          </a:p>
+        </p:txBody>
+      </p:sp>
+      <p:cxnSp>
+        <p:nvCxnSpPr>
+          <p:cNvPr id="2" name="直接箭头连接符 1">
+            <a:extLst>
+              <a:ext uri="{FF2B5EF4-FFF2-40B4-BE49-F238E27FC236}">
+                <a16:creationId xmlns:a16="http://schemas.microsoft.com/office/drawing/2014/main" id="{AD8F5EA4-B493-7DB2-E380-C58B84B93518}"/>
+              </a:ext>
+            </a:extLst>
+          </p:cNvPr>
+          <p:cNvCxnSpPr/>
+          <p:nvPr/>
+        </p:nvCxnSpPr>
+        <p:spPr>
+          <a:xfrm flipV="1">
+            <a:off x="4131942" y="3393440"/>
+            <a:ext cx="0" cy="255270"/>
+          </a:xfrm>
+          <a:prstGeom prst="straightConnector1">
+            <a:avLst/>
+          </a:prstGeom>
+          <a:ln w="9525">
+            <a:solidFill>
+              <a:schemeClr val="tx1"/>
+            </a:solidFill>
+            <a:tailEnd type="triangle"/>
+          </a:ln>
+        </p:spPr>
+        <p:style>
+          <a:lnRef idx="1">
+            <a:schemeClr val="accent1"/>
+          </a:lnRef>
+          <a:fillRef idx="0">
+            <a:schemeClr val="accent1"/>
+          </a:fillRef>
+          <a:effectRef idx="0">
+            <a:schemeClr val="accent1"/>
+          </a:effectRef>
+          <a:fontRef idx="minor">
+            <a:schemeClr val="tx1"/>
+          </a:fontRef>
+        </p:style>
+      </p:cxnSp>
+      <p:sp>
+        <p:nvSpPr>
+          <p:cNvPr id="4" name="文本框 3">
+            <a:extLst>
+              <a:ext uri="{FF2B5EF4-FFF2-40B4-BE49-F238E27FC236}">
+                <a16:creationId xmlns:a16="http://schemas.microsoft.com/office/drawing/2014/main" id="{8ECED0A7-2DF0-625A-0698-0EB36EB3369C}"/>
+              </a:ext>
+            </a:extLst>
+          </p:cNvPr>
+          <p:cNvSpPr txBox="1"/>
+          <p:nvPr/>
+        </p:nvSpPr>
+        <p:spPr>
+          <a:xfrm>
+            <a:off x="3276843" y="3684803"/>
+            <a:ext cx="1710198" cy="461665"/>
+          </a:xfrm>
+          <a:prstGeom prst="rect">
+            <a:avLst/>
+          </a:prstGeom>
+          <a:noFill/>
+        </p:spPr>
+        <p:txBody>
+          <a:bodyPr wrap="square" rtlCol="0">
+            <a:spAutoFit/>
+          </a:bodyPr>
+          <a:lstStyle/>
+          <a:p>
+            <a:pPr algn="ctr"/>
+            <a:r>
+              <a:rPr lang="en-US" altLang="zh-CN" sz="1200" dirty="0">
+                <a:latin typeface="Times New Roman" panose="02020603050405020304" pitchFamily="18" charset="0"/>
+                <a:cs typeface="Times New Roman" panose="02020603050405020304" pitchFamily="18" charset="0"/>
+              </a:rPr>
+              <a:t>My timing</a:t>
+            </a:r>
+            <a:r>
+              <a:rPr lang="zh-CN" altLang="en-US" sz="1200" dirty="0">
+                <a:latin typeface="Times New Roman" panose="02020603050405020304" pitchFamily="18" charset="0"/>
+                <a:cs typeface="Times New Roman" panose="02020603050405020304" pitchFamily="18" charset="0"/>
+              </a:rPr>
+              <a:t> </a:t>
+            </a:r>
+            <a:r>
+              <a:rPr lang="en-US" altLang="zh-CN" sz="1200" dirty="0">
+                <a:latin typeface="Times New Roman" panose="02020603050405020304" pitchFamily="18" charset="0"/>
+                <a:cs typeface="Times New Roman" panose="02020603050405020304" pitchFamily="18" charset="0"/>
+              </a:rPr>
+              <a:t>for</a:t>
+            </a:r>
+            <a:r>
+              <a:rPr lang="zh-CN" altLang="en-US" sz="1200" dirty="0">
+                <a:latin typeface="Times New Roman" panose="02020603050405020304" pitchFamily="18" charset="0"/>
+                <a:cs typeface="Times New Roman" panose="02020603050405020304" pitchFamily="18" charset="0"/>
+              </a:rPr>
+              <a:t> </a:t>
+            </a:r>
+            <a:r>
+              <a:rPr lang="en-US" altLang="zh-CN" sz="1200" dirty="0">
+                <a:latin typeface="Times New Roman" panose="02020603050405020304" pitchFamily="18" charset="0"/>
+                <a:cs typeface="Times New Roman" panose="02020603050405020304" pitchFamily="18" charset="0"/>
+              </a:rPr>
+              <a:t>broadcasting</a:t>
+            </a:r>
+          </a:p>
+        </p:txBody>
+      </p:sp>
+      <p:cxnSp>
+        <p:nvCxnSpPr>
+          <p:cNvPr id="7" name="直接连接符 6">
+            <a:extLst>
+              <a:ext uri="{FF2B5EF4-FFF2-40B4-BE49-F238E27FC236}">
+                <a16:creationId xmlns:a16="http://schemas.microsoft.com/office/drawing/2014/main" id="{14EBC754-2C1B-3B74-BA2C-5C16B7F712B6}"/>
+              </a:ext>
+            </a:extLst>
+          </p:cNvPr>
+          <p:cNvCxnSpPr>
+            <a:cxnSpLocks/>
+          </p:cNvCxnSpPr>
+          <p:nvPr/>
+        </p:nvCxnSpPr>
+        <p:spPr>
+          <a:xfrm>
+            <a:off x="3199440" y="2402245"/>
+            <a:ext cx="495298" cy="565760"/>
+          </a:xfrm>
+          <a:prstGeom prst="line">
+            <a:avLst/>
+          </a:prstGeom>
+          <a:ln w="9525"/>
+        </p:spPr>
+        <p:style>
+          <a:lnRef idx="1">
+            <a:schemeClr val="dk1"/>
+          </a:lnRef>
+          <a:fillRef idx="0">
+            <a:schemeClr val="dk1"/>
+          </a:fillRef>
+          <a:effectRef idx="0">
+            <a:schemeClr val="dk1"/>
+          </a:effectRef>
+          <a:fontRef idx="minor">
+            <a:schemeClr val="tx1"/>
+          </a:fontRef>
+        </p:style>
+      </p:cxnSp>
+      <p:sp>
+        <p:nvSpPr>
+          <p:cNvPr id="25" name="文本框 24">
+            <a:extLst>
+              <a:ext uri="{FF2B5EF4-FFF2-40B4-BE49-F238E27FC236}">
+                <a16:creationId xmlns:a16="http://schemas.microsoft.com/office/drawing/2014/main" id="{3E691B6B-69BB-CC90-12C0-63E3E36D39F0}"/>
+              </a:ext>
+            </a:extLst>
+          </p:cNvPr>
+          <p:cNvSpPr txBox="1"/>
+          <p:nvPr/>
+        </p:nvSpPr>
+        <p:spPr>
+          <a:xfrm>
+            <a:off x="1999407" y="1766971"/>
+            <a:ext cx="1710198" cy="646331"/>
+          </a:xfrm>
+          <a:prstGeom prst="rect">
+            <a:avLst/>
+          </a:prstGeom>
+          <a:noFill/>
+        </p:spPr>
+        <p:txBody>
+          <a:bodyPr wrap="square" rtlCol="0">
+            <a:spAutoFit/>
+          </a:bodyPr>
+          <a:lstStyle/>
+          <a:p>
+            <a:pPr algn="ctr"/>
+            <a:r>
+              <a:rPr lang="en-US" altLang="zh-CN" sz="1200" dirty="0">
+                <a:latin typeface="Times New Roman" panose="02020603050405020304" pitchFamily="18" charset="0"/>
+                <a:cs typeface="Times New Roman" panose="02020603050405020304" pitchFamily="18" charset="0"/>
+              </a:rPr>
+              <a:t>Planning Time Window:</a:t>
+            </a:r>
+          </a:p>
+          <a:p>
+            <a:pPr algn="ctr"/>
+            <a:r>
+              <a:rPr lang="en-US" altLang="zh-CN" sz="1200" dirty="0">
+                <a:latin typeface="Times New Roman" panose="02020603050405020304" pitchFamily="18" charset="0"/>
+                <a:cs typeface="Times New Roman" panose="02020603050405020304" pitchFamily="18" charset="0"/>
+              </a:rPr>
+              <a:t>All external conditions guaranteed to be fixed</a:t>
+            </a:r>
+          </a:p>
+        </p:txBody>
+      </p:sp>
+    </p:spTree>
+    <p:extLst>
+      <p:ext uri="{BB962C8B-B14F-4D97-AF65-F5344CB8AC3E}">
+        <p14:creationId xmlns:p14="http://schemas.microsoft.com/office/powerpoint/2010/main" val="1890616869"/>
+      </p:ext>
+    </p:extLst>
+  </p:cSld>
+  <p:clrMapOvr>
+    <a:masterClrMapping/>
+  </p:clrMapOvr>
+</p:sld>
+</file>
+
+<file path=ppt/slides/slide9.xml><?xml version="1.0" encoding="utf-8"?>
+<p:sld xmlns:a="http://schemas.openxmlformats.org/drawingml/2006/main" xmlns:r="http://schemas.openxmlformats.org/officeDocument/2006/relationships" xmlns:p="http://schemas.openxmlformats.org/presentationml/2006/main">
+  <p:cSld>
+    <p:spTree>
+      <p:nvGrpSpPr>
+        <p:cNvPr id="1" name=""/>
+        <p:cNvGrpSpPr/>
+        <p:nvPr/>
+      </p:nvGrpSpPr>
+      <p:grpSpPr>
+        <a:xfrm>
+          <a:off x="0" y="0"/>
+          <a:ext cx="0" cy="0"/>
+          <a:chOff x="0" y="0"/>
+          <a:chExt cx="0" cy="0"/>
+        </a:xfrm>
+      </p:grpSpPr>
+      <p:cxnSp>
+        <p:nvCxnSpPr>
+          <p:cNvPr id="29" name="直接连接符 28">
+            <a:extLst>
+              <a:ext uri="{FF2B5EF4-FFF2-40B4-BE49-F238E27FC236}">
+                <a16:creationId xmlns:a16="http://schemas.microsoft.com/office/drawing/2014/main" id="{FEB92FCC-20B0-CA70-891E-0613DA57CF7C}"/>
+              </a:ext>
+            </a:extLst>
+          </p:cNvPr>
+          <p:cNvCxnSpPr>
+            <a:endCxn id="12" idx="1"/>
+          </p:cNvCxnSpPr>
+          <p:nvPr/>
+        </p:nvCxnSpPr>
+        <p:spPr>
+          <a:xfrm flipV="1">
+            <a:off x="6257331" y="1579046"/>
+            <a:ext cx="0" cy="666348"/>
+          </a:xfrm>
+          <a:prstGeom prst="line">
+            <a:avLst/>
+          </a:prstGeom>
+          <a:ln w="12700">
+            <a:prstDash val="sysDot"/>
+          </a:ln>
+        </p:spPr>
+        <p:style>
+          <a:lnRef idx="1">
+            <a:schemeClr val="accent1"/>
+          </a:lnRef>
+          <a:fillRef idx="0">
+            <a:schemeClr val="accent1"/>
+          </a:fillRef>
+          <a:effectRef idx="0">
+            <a:schemeClr val="accent1"/>
+          </a:effectRef>
+          <a:fontRef idx="minor">
+            <a:schemeClr val="tx1"/>
+          </a:fontRef>
+        </p:style>
+      </p:cxnSp>
+      <p:cxnSp>
+        <p:nvCxnSpPr>
+          <p:cNvPr id="19" name="直接连接符 18">
+            <a:extLst>
+              <a:ext uri="{FF2B5EF4-FFF2-40B4-BE49-F238E27FC236}">
+                <a16:creationId xmlns:a16="http://schemas.microsoft.com/office/drawing/2014/main" id="{D4E3E743-97C5-C67F-2E7B-CFC4C096BF81}"/>
+              </a:ext>
+            </a:extLst>
+          </p:cNvPr>
+          <p:cNvCxnSpPr>
+            <a:cxnSpLocks/>
+            <a:stCxn id="10" idx="1"/>
+          </p:cNvCxnSpPr>
+          <p:nvPr/>
+        </p:nvCxnSpPr>
+        <p:spPr>
+          <a:xfrm>
+            <a:off x="5530928" y="1759126"/>
+            <a:ext cx="0" cy="486268"/>
+          </a:xfrm>
+          <a:prstGeom prst="line">
+            <a:avLst/>
+          </a:prstGeom>
+          <a:ln w="12700">
+            <a:solidFill>
+              <a:srgbClr val="FF0000"/>
+            </a:solidFill>
+            <a:prstDash val="sysDot"/>
+          </a:ln>
+        </p:spPr>
+        <p:style>
+          <a:lnRef idx="1">
+            <a:schemeClr val="accent1"/>
+          </a:lnRef>
+          <a:fillRef idx="0">
+            <a:schemeClr val="accent1"/>
+          </a:fillRef>
+          <a:effectRef idx="0">
+            <a:schemeClr val="accent1"/>
+          </a:effectRef>
+          <a:fontRef idx="minor">
+            <a:schemeClr val="tx1"/>
+          </a:fontRef>
+        </p:style>
+      </p:cxnSp>
+      <p:cxnSp>
+        <p:nvCxnSpPr>
+          <p:cNvPr id="17" name="直接连接符 16">
+            <a:extLst>
+              <a:ext uri="{FF2B5EF4-FFF2-40B4-BE49-F238E27FC236}">
+                <a16:creationId xmlns:a16="http://schemas.microsoft.com/office/drawing/2014/main" id="{6EA9CD24-EBC2-B352-D80B-EB69A1E95A2D}"/>
+              </a:ext>
+            </a:extLst>
+          </p:cNvPr>
+          <p:cNvCxnSpPr>
+            <a:cxnSpLocks/>
+            <a:stCxn id="8" idx="1"/>
+            <a:endCxn id="4" idx="0"/>
+          </p:cNvCxnSpPr>
+          <p:nvPr/>
+        </p:nvCxnSpPr>
+        <p:spPr>
+          <a:xfrm flipH="1">
+            <a:off x="4812721" y="1937050"/>
+            <a:ext cx="1344" cy="308344"/>
+          </a:xfrm>
+          <a:prstGeom prst="line">
+            <a:avLst/>
+          </a:prstGeom>
+          <a:ln w="12700">
+            <a:solidFill>
+              <a:srgbClr val="70AD47"/>
+            </a:solidFill>
+            <a:prstDash val="sysDot"/>
+          </a:ln>
+        </p:spPr>
+        <p:style>
+          <a:lnRef idx="1">
+            <a:schemeClr val="accent1"/>
+          </a:lnRef>
+          <a:fillRef idx="0">
+            <a:schemeClr val="accent1"/>
+          </a:fillRef>
+          <a:effectRef idx="0">
+            <a:schemeClr val="accent1"/>
+          </a:effectRef>
+          <a:fontRef idx="minor">
+            <a:schemeClr val="tx1"/>
+          </a:fontRef>
+        </p:style>
+      </p:cxnSp>
+      <p:cxnSp>
+        <p:nvCxnSpPr>
+          <p:cNvPr id="23" name="直接连接符 22">
+            <a:extLst>
+              <a:ext uri="{FF2B5EF4-FFF2-40B4-BE49-F238E27FC236}">
+                <a16:creationId xmlns:a16="http://schemas.microsoft.com/office/drawing/2014/main" id="{F561E364-CBD5-AF6B-76C2-B47E2E3F548E}"/>
+              </a:ext>
+            </a:extLst>
+          </p:cNvPr>
+          <p:cNvCxnSpPr>
+            <a:stCxn id="6" idx="1"/>
+          </p:cNvCxnSpPr>
+          <p:nvPr/>
+        </p:nvCxnSpPr>
+        <p:spPr>
+          <a:xfrm>
+            <a:off x="4089187" y="2118498"/>
+            <a:ext cx="0" cy="126896"/>
+          </a:xfrm>
+          <a:prstGeom prst="line">
+            <a:avLst/>
+          </a:prstGeom>
+          <a:ln w="12700">
+            <a:prstDash val="sysDot"/>
+          </a:ln>
+        </p:spPr>
+        <p:style>
+          <a:lnRef idx="1">
+            <a:schemeClr val="accent1"/>
+          </a:lnRef>
+          <a:fillRef idx="0">
+            <a:schemeClr val="accent1"/>
+          </a:fillRef>
+          <a:effectRef idx="0">
+            <a:schemeClr val="accent1"/>
+          </a:effectRef>
+          <a:fontRef idx="minor">
+            <a:schemeClr val="tx1"/>
+          </a:fontRef>
+        </p:style>
+      </p:cxnSp>
+      <p:graphicFrame>
+        <p:nvGraphicFramePr>
+          <p:cNvPr id="4" name="表格 4">
+            <a:extLst>
+              <a:ext uri="{FF2B5EF4-FFF2-40B4-BE49-F238E27FC236}">
+                <a16:creationId xmlns:a16="http://schemas.microsoft.com/office/drawing/2014/main" id="{9E747222-9EAC-2D8D-EAD7-A4A410BEE4AE}"/>
+              </a:ext>
+            </a:extLst>
+          </p:cNvPr>
+          <p:cNvGraphicFramePr>
+            <a:graphicFrameLocks noGrp="1"/>
+          </p:cNvGraphicFramePr>
+          <p:nvPr>
+            <p:extLst>
+              <p:ext uri="{D42A27DB-BD31-4B8C-83A1-F6EECF244321}">
+                <p14:modId xmlns:p14="http://schemas.microsoft.com/office/powerpoint/2010/main" val="2048675176"/>
+              </p:ext>
+            </p:extLst>
+          </p:nvPr>
+        </p:nvGraphicFramePr>
+        <p:xfrm>
+          <a:off x="3367827" y="2245394"/>
+          <a:ext cx="2889788" cy="754293"/>
+        </p:xfrm>
+        <a:graphic>
+          <a:graphicData uri="http://schemas.openxmlformats.org/drawingml/2006/table">
+            <a:tbl>
+              <a:tblPr firstRow="1" bandRow="1">
+                <a:tableStyleId>{5C22544A-7EE6-4342-B048-85BDC9FD1C3A}</a:tableStyleId>
+              </a:tblPr>
+              <a:tblGrid>
+                <a:gridCol w="722447">
+                  <a:extLst>
+                    <a:ext uri="{9D8B030D-6E8A-4147-A177-3AD203B41FA5}">
+                      <a16:colId xmlns:a16="http://schemas.microsoft.com/office/drawing/2014/main" val="1247109164"/>
+                    </a:ext>
+                  </a:extLst>
+                </a:gridCol>
+                <a:gridCol w="722447">
+                  <a:extLst>
+                    <a:ext uri="{9D8B030D-6E8A-4147-A177-3AD203B41FA5}">
+                      <a16:colId xmlns:a16="http://schemas.microsoft.com/office/drawing/2014/main" val="319449061"/>
+                    </a:ext>
+                  </a:extLst>
+                </a:gridCol>
+                <a:gridCol w="722447">
+                  <a:extLst>
+                    <a:ext uri="{9D8B030D-6E8A-4147-A177-3AD203B41FA5}">
+                      <a16:colId xmlns:a16="http://schemas.microsoft.com/office/drawing/2014/main" val="3846963674"/>
+                    </a:ext>
+                  </a:extLst>
+                </a:gridCol>
+                <a:gridCol w="722447">
+                  <a:extLst>
+                    <a:ext uri="{9D8B030D-6E8A-4147-A177-3AD203B41FA5}">
+                      <a16:colId xmlns:a16="http://schemas.microsoft.com/office/drawing/2014/main" val="3699109890"/>
+                    </a:ext>
+                  </a:extLst>
+                </a:gridCol>
+              </a:tblGrid>
+              <a:tr h="754293">
+                <a:tc>
+                  <a:txBody>
+                    <a:bodyPr/>
+                    <a:lstStyle/>
+                    <a:p>
+                      <a:pPr algn="ctr">
+                        <a:lnSpc>
+                          <a:spcPct val="200000"/>
+                        </a:lnSpc>
+                      </a:pPr>
+                      <a:r>
+                        <a:rPr lang="en-US" altLang="zh-CN" dirty="0">
+                          <a:latin typeface="Times New Roman" panose="02020603050405020304" pitchFamily="18" charset="0"/>
+                          <a:cs typeface="Times New Roman" panose="02020603050405020304" pitchFamily="18" charset="0"/>
+                        </a:rPr>
+                        <a:t>A</a:t>
+                      </a:r>
+                      <a:endParaRPr lang="zh-CN" altLang="en-US" dirty="0">
+                        <a:latin typeface="Times New Roman" panose="02020603050405020304" pitchFamily="18" charset="0"/>
+                        <a:cs typeface="Times New Roman" panose="02020603050405020304" pitchFamily="18" charset="0"/>
+                      </a:endParaRPr>
+                    </a:p>
+                  </a:txBody>
+                  <a:tcPr>
+                    <a:lnL w="12700" cap="flat" cmpd="sng" algn="ctr">
+                      <a:solidFill>
+                        <a:schemeClr val="tx1"/>
+                      </a:solidFill>
+                      <a:prstDash val="solid"/>
+                      <a:round/>
+                      <a:headEnd type="none" w="med" len="med"/>
+                      <a:tailEnd type="none" w="med" len="med"/>
+                    </a:lnL>
+                    <a:lnR w="12700" cap="flat" cmpd="sng" algn="ctr">
+                      <a:solidFill>
+                        <a:schemeClr val="tx1"/>
+                      </a:solidFill>
+                      <a:prstDash val="solid"/>
+                      <a:round/>
+                      <a:headEnd type="none" w="med" len="med"/>
+                      <a:tailEnd type="none" w="med" len="med"/>
+                    </a:lnR>
+                    <a:lnT w="12700" cap="flat" cmpd="sng" algn="ctr">
+                      <a:solidFill>
+                        <a:schemeClr val="tx1"/>
+                      </a:solidFill>
+                      <a:prstDash val="solid"/>
+                      <a:round/>
+                      <a:headEnd type="none" w="med" len="med"/>
+                      <a:tailEnd type="none" w="med" len="med"/>
+                    </a:lnT>
+                    <a:lnB w="12700" cap="flat" cmpd="sng" algn="ctr">
+                      <a:solidFill>
+                        <a:schemeClr val="tx1"/>
+                      </a:solidFill>
+                      <a:prstDash val="solid"/>
+                      <a:round/>
+                      <a:headEnd type="none" w="med" len="med"/>
+                      <a:tailEnd type="none" w="med" len="med"/>
+                    </a:lnB>
+                    <a:lnTlToBr w="12700" cmpd="sng">
+                      <a:noFill/>
+                      <a:prstDash val="solid"/>
+                    </a:lnTlToBr>
+                    <a:lnBlToTr w="12700" cmpd="sng">
+                      <a:noFill/>
+                      <a:prstDash val="solid"/>
+                    </a:lnBlToTr>
+                    <a:solidFill>
+                      <a:srgbClr val="4472C4"/>
+                    </a:solidFill>
+                  </a:tcPr>
+                </a:tc>
+                <a:tc>
+                  <a:txBody>
+                    <a:bodyPr/>
+                    <a:lstStyle/>
+                    <a:p>
+                      <a:pPr algn="ctr">
+                        <a:lnSpc>
+                          <a:spcPct val="200000"/>
+                        </a:lnSpc>
+                      </a:pPr>
+                      <a:r>
+                        <a:rPr lang="en-US" altLang="zh-CN" dirty="0">
+                          <a:latin typeface="Times New Roman" panose="02020603050405020304" pitchFamily="18" charset="0"/>
+                          <a:cs typeface="Times New Roman" panose="02020603050405020304" pitchFamily="18" charset="0"/>
+                        </a:rPr>
+                        <a:t>B</a:t>
+                      </a:r>
+                      <a:endParaRPr lang="zh-CN" altLang="en-US" dirty="0">
+                        <a:latin typeface="Times New Roman" panose="02020603050405020304" pitchFamily="18" charset="0"/>
+                        <a:cs typeface="Times New Roman" panose="02020603050405020304" pitchFamily="18" charset="0"/>
+                      </a:endParaRPr>
+                    </a:p>
+                  </a:txBody>
+                  <a:tcPr>
+                    <a:lnL w="12700" cap="flat" cmpd="sng" algn="ctr">
+                      <a:solidFill>
+                        <a:schemeClr val="tx1"/>
+                      </a:solidFill>
+                      <a:prstDash val="solid"/>
+                      <a:round/>
+                      <a:headEnd type="none" w="med" len="med"/>
+                      <a:tailEnd type="none" w="med" len="med"/>
+                    </a:lnL>
+                    <a:lnR w="12700" cap="flat" cmpd="sng" algn="ctr">
+                      <a:solidFill>
+                        <a:schemeClr val="tx1"/>
+                      </a:solidFill>
+                      <a:prstDash val="solid"/>
+                      <a:round/>
+                      <a:headEnd type="none" w="med" len="med"/>
+                      <a:tailEnd type="none" w="med" len="med"/>
+                    </a:lnR>
+                    <a:lnT w="12700" cap="flat" cmpd="sng" algn="ctr">
+                      <a:solidFill>
+                        <a:schemeClr val="tx1"/>
+                      </a:solidFill>
+                      <a:prstDash val="solid"/>
+                      <a:round/>
+                      <a:headEnd type="none" w="med" len="med"/>
+                      <a:tailEnd type="none" w="med" len="med"/>
+                    </a:lnT>
+                    <a:lnB w="12700" cap="flat" cmpd="sng" algn="ctr">
+                      <a:solidFill>
+                        <a:schemeClr val="tx1"/>
+                      </a:solidFill>
+                      <a:prstDash val="solid"/>
+                      <a:round/>
+                      <a:headEnd type="none" w="med" len="med"/>
+                      <a:tailEnd type="none" w="med" len="med"/>
+                    </a:lnB>
+                    <a:lnTlToBr w="12700" cmpd="sng">
+                      <a:noFill/>
+                      <a:prstDash val="solid"/>
+                    </a:lnTlToBr>
+                    <a:lnBlToTr w="12700" cmpd="sng">
+                      <a:noFill/>
+                      <a:prstDash val="solid"/>
+                    </a:lnBlToTr>
+                    <a:solidFill>
+                      <a:schemeClr val="accent6"/>
+                    </a:solidFill>
+                  </a:tcPr>
+                </a:tc>
+                <a:tc>
+                  <a:txBody>
+                    <a:bodyPr/>
+                    <a:lstStyle/>
+                    <a:p>
+                      <a:pPr algn="ctr">
+                        <a:lnSpc>
+                          <a:spcPct val="200000"/>
+                        </a:lnSpc>
+                      </a:pPr>
+                      <a:r>
+                        <a:rPr lang="en-US" altLang="zh-CN" dirty="0">
+                          <a:latin typeface="Times New Roman" panose="02020603050405020304" pitchFamily="18" charset="0"/>
+                          <a:cs typeface="Times New Roman" panose="02020603050405020304" pitchFamily="18" charset="0"/>
+                        </a:rPr>
+                        <a:t>C</a:t>
+                      </a:r>
+                      <a:endParaRPr lang="zh-CN" altLang="en-US" dirty="0">
+                        <a:latin typeface="Times New Roman" panose="02020603050405020304" pitchFamily="18" charset="0"/>
+                        <a:cs typeface="Times New Roman" panose="02020603050405020304" pitchFamily="18" charset="0"/>
+                      </a:endParaRPr>
+                    </a:p>
+                  </a:txBody>
+                  <a:tcPr>
+                    <a:lnL w="12700" cap="flat" cmpd="sng" algn="ctr">
+                      <a:solidFill>
+                        <a:schemeClr val="tx1"/>
+                      </a:solidFill>
+                      <a:prstDash val="solid"/>
+                      <a:round/>
+                      <a:headEnd type="none" w="med" len="med"/>
+                      <a:tailEnd type="none" w="med" len="med"/>
+                    </a:lnL>
+                    <a:lnR w="12700" cap="flat" cmpd="sng" algn="ctr">
+                      <a:solidFill>
+                        <a:schemeClr val="tx1"/>
+                      </a:solidFill>
+                      <a:prstDash val="solid"/>
+                      <a:round/>
+                      <a:headEnd type="none" w="med" len="med"/>
+                      <a:tailEnd type="none" w="med" len="med"/>
+                    </a:lnR>
+                    <a:lnT w="12700" cap="flat" cmpd="sng" algn="ctr">
+                      <a:solidFill>
+                        <a:schemeClr val="tx1"/>
+                      </a:solidFill>
+                      <a:prstDash val="solid"/>
+                      <a:round/>
+                      <a:headEnd type="none" w="med" len="med"/>
+                      <a:tailEnd type="none" w="med" len="med"/>
+                    </a:lnT>
+                    <a:lnB w="12700" cap="flat" cmpd="sng" algn="ctr">
+                      <a:solidFill>
+                        <a:schemeClr val="tx1"/>
+                      </a:solidFill>
+                      <a:prstDash val="solid"/>
+                      <a:round/>
+                      <a:headEnd type="none" w="med" len="med"/>
+                      <a:tailEnd type="none" w="med" len="med"/>
+                    </a:lnB>
+                    <a:lnTlToBr w="12700" cmpd="sng">
+                      <a:noFill/>
+                      <a:prstDash val="solid"/>
+                    </a:lnTlToBr>
+                    <a:lnBlToTr w="12700" cmpd="sng">
+                      <a:noFill/>
+                      <a:prstDash val="solid"/>
+                    </a:lnBlToTr>
+                    <a:solidFill>
+                      <a:srgbClr val="FF0000"/>
+                    </a:solidFill>
+                  </a:tcPr>
+                </a:tc>
+                <a:tc>
+                  <a:txBody>
+                    <a:bodyPr/>
+                    <a:lstStyle/>
+                    <a:p>
+                      <a:pPr algn="ctr">
+                        <a:lnSpc>
+                          <a:spcPct val="200000"/>
+                        </a:lnSpc>
+                      </a:pPr>
+                      <a:r>
+                        <a:rPr lang="en-US" altLang="zh-CN" dirty="0">
+                          <a:latin typeface="Times New Roman" panose="02020603050405020304" pitchFamily="18" charset="0"/>
+                          <a:cs typeface="Times New Roman" panose="02020603050405020304" pitchFamily="18" charset="0"/>
+                        </a:rPr>
+                        <a:t>A</a:t>
+                      </a:r>
+                      <a:endParaRPr lang="zh-CN" altLang="en-US" dirty="0">
+                        <a:latin typeface="Times New Roman" panose="02020603050405020304" pitchFamily="18" charset="0"/>
+                        <a:cs typeface="Times New Roman" panose="02020603050405020304" pitchFamily="18" charset="0"/>
+                      </a:endParaRPr>
+                    </a:p>
+                  </a:txBody>
+                  <a:tcPr>
+                    <a:lnL w="12700" cap="flat" cmpd="sng" algn="ctr">
+                      <a:solidFill>
+                        <a:schemeClr val="tx1"/>
+                      </a:solidFill>
+                      <a:prstDash val="solid"/>
+                      <a:round/>
+                      <a:headEnd type="none" w="med" len="med"/>
+                      <a:tailEnd type="none" w="med" len="med"/>
+                    </a:lnL>
+                    <a:lnR w="12700" cap="flat" cmpd="sng" algn="ctr">
+                      <a:solidFill>
+                        <a:schemeClr val="tx1"/>
+                      </a:solidFill>
+                      <a:prstDash val="solid"/>
+                      <a:round/>
+                      <a:headEnd type="none" w="med" len="med"/>
+                      <a:tailEnd type="none" w="med" len="med"/>
+                    </a:lnR>
+                    <a:lnT w="12700" cap="flat" cmpd="sng" algn="ctr">
+                      <a:solidFill>
+                        <a:schemeClr val="tx1"/>
+                      </a:solidFill>
+                      <a:prstDash val="solid"/>
+                      <a:round/>
+                      <a:headEnd type="none" w="med" len="med"/>
+                      <a:tailEnd type="none" w="med" len="med"/>
+                    </a:lnT>
+                    <a:lnB w="12700" cap="flat" cmpd="sng" algn="ctr">
+                      <a:solidFill>
+                        <a:schemeClr val="tx1"/>
+                      </a:solidFill>
+                      <a:prstDash val="solid"/>
+                      <a:round/>
+                      <a:headEnd type="none" w="med" len="med"/>
+                      <a:tailEnd type="none" w="med" len="med"/>
+                    </a:lnB>
+                    <a:lnTlToBr w="12700" cmpd="sng">
+                      <a:noFill/>
+                      <a:prstDash val="solid"/>
+                    </a:lnTlToBr>
+                    <a:lnBlToTr w="12700" cmpd="sng">
+                      <a:noFill/>
+                      <a:prstDash val="solid"/>
+                    </a:lnBlToTr>
+                    <a:solidFill>
+                      <a:srgbClr val="4472C4"/>
+                    </a:solidFill>
+                  </a:tcPr>
+                </a:tc>
+                <a:extLst>
+                  <a:ext uri="{0D108BD9-81ED-4DB2-BD59-A6C34878D82A}">
+                    <a16:rowId xmlns:a16="http://schemas.microsoft.com/office/drawing/2014/main" val="1364259792"/>
+                  </a:ext>
+                </a:extLst>
+              </a:tr>
+            </a:tbl>
+          </a:graphicData>
+        </a:graphic>
+      </p:graphicFrame>
+      <p:cxnSp>
+        <p:nvCxnSpPr>
+          <p:cNvPr id="3" name="直接箭头连接符 2">
+            <a:extLst>
+              <a:ext uri="{FF2B5EF4-FFF2-40B4-BE49-F238E27FC236}">
+                <a16:creationId xmlns:a16="http://schemas.microsoft.com/office/drawing/2014/main" id="{18AAD875-95E0-75F2-F1D8-6EADA451AF4C}"/>
+              </a:ext>
+            </a:extLst>
+          </p:cNvPr>
+          <p:cNvCxnSpPr/>
+          <p:nvPr/>
+        </p:nvCxnSpPr>
+        <p:spPr>
+          <a:xfrm>
+            <a:off x="3388674" y="3639312"/>
+            <a:ext cx="4596384" cy="0"/>
+          </a:xfrm>
+          <a:prstGeom prst="straightConnector1">
+            <a:avLst/>
+          </a:prstGeom>
+          <a:ln w="12700">
+            <a:solidFill>
+              <a:schemeClr val="tx1"/>
+            </a:solidFill>
+            <a:tailEnd type="triangle"/>
+          </a:ln>
+        </p:spPr>
+        <p:style>
+          <a:lnRef idx="1">
+            <a:schemeClr val="accent1"/>
+          </a:lnRef>
+          <a:fillRef idx="0">
+            <a:schemeClr val="accent1"/>
+          </a:fillRef>
+          <a:effectRef idx="0">
+            <a:schemeClr val="accent1"/>
+          </a:effectRef>
+          <a:fontRef idx="minor">
+            <a:schemeClr val="tx1"/>
+          </a:fontRef>
+        </p:style>
+      </p:cxnSp>
+      <p:sp>
+        <p:nvSpPr>
+          <p:cNvPr id="5" name="文本框 4">
+            <a:extLst>
+              <a:ext uri="{FF2B5EF4-FFF2-40B4-BE49-F238E27FC236}">
+                <a16:creationId xmlns:a16="http://schemas.microsoft.com/office/drawing/2014/main" id="{DA17A73D-E8C3-B34A-83AE-44561BFFABA2}"/>
+              </a:ext>
+            </a:extLst>
+          </p:cNvPr>
+          <p:cNvSpPr txBox="1"/>
+          <p:nvPr/>
+        </p:nvSpPr>
+        <p:spPr>
+          <a:xfrm>
+            <a:off x="7524412" y="3639312"/>
+            <a:ext cx="595035" cy="369332"/>
+          </a:xfrm>
+          <a:prstGeom prst="rect">
+            <a:avLst/>
+          </a:prstGeom>
+          <a:noFill/>
+        </p:spPr>
+        <p:txBody>
+          <a:bodyPr wrap="none" rtlCol="0">
+            <a:spAutoFit/>
+          </a:bodyPr>
+          <a:lstStyle/>
+          <a:p>
+            <a:r>
+              <a:rPr lang="en-US" altLang="zh-CN" dirty="0">
+                <a:latin typeface="Times New Roman" panose="02020603050405020304" pitchFamily="18" charset="0"/>
+                <a:cs typeface="Times New Roman" panose="02020603050405020304" pitchFamily="18" charset="0"/>
+              </a:rPr>
+              <a:t>time</a:t>
+            </a:r>
+            <a:endParaRPr lang="zh-CN" altLang="en-US" dirty="0">
+              <a:latin typeface="Times New Roman" panose="02020603050405020304" pitchFamily="18" charset="0"/>
+              <a:cs typeface="Times New Roman" panose="02020603050405020304" pitchFamily="18" charset="0"/>
+            </a:endParaRPr>
+          </a:p>
+        </p:txBody>
+      </p:sp>
+      <p:sp>
+        <p:nvSpPr>
+          <p:cNvPr id="6" name="箭头: 右 5">
+            <a:extLst>
+              <a:ext uri="{FF2B5EF4-FFF2-40B4-BE49-F238E27FC236}">
+                <a16:creationId xmlns:a16="http://schemas.microsoft.com/office/drawing/2014/main" id="{DF0A675C-7618-B233-B94D-D0CA7F9CD0BA}"/>
+              </a:ext>
+            </a:extLst>
+          </p:cNvPr>
+          <p:cNvSpPr/>
+          <p:nvPr/>
+        </p:nvSpPr>
+        <p:spPr>
+          <a:xfrm>
+            <a:off x="4089187" y="2066682"/>
+            <a:ext cx="2163950" cy="103632"/>
+          </a:xfrm>
+          <a:prstGeom prst="rightArrow">
+            <a:avLst/>
+          </a:prstGeom>
+        </p:spPr>
+        <p:style>
+          <a:lnRef idx="2">
+            <a:schemeClr val="accent1">
+              <a:shade val="15000"/>
+            </a:schemeClr>
+          </a:lnRef>
+          <a:fillRef idx="1">
+            <a:schemeClr val="accent1"/>
+          </a:fillRef>
+          <a:effectRef idx="0">
+            <a:schemeClr val="accent1"/>
+          </a:effectRef>
+          <a:fontRef idx="minor">
+            <a:schemeClr val="lt1"/>
+          </a:fontRef>
+        </p:style>
+        <p:txBody>
+          <a:bodyPr rtlCol="0" anchor="ctr"/>
+          <a:lstStyle/>
+          <a:p>
+            <a:pPr algn="ctr"/>
+            <a:endParaRPr lang="zh-CN" altLang="en-US"/>
+          </a:p>
+        </p:txBody>
+      </p:sp>
+      <p:sp>
+        <p:nvSpPr>
+          <p:cNvPr id="8" name="箭头: 右 7">
+            <a:extLst>
+              <a:ext uri="{FF2B5EF4-FFF2-40B4-BE49-F238E27FC236}">
+                <a16:creationId xmlns:a16="http://schemas.microsoft.com/office/drawing/2014/main" id="{B46BD467-38BA-29F1-B4CD-E04BD49FE496}"/>
+              </a:ext>
+            </a:extLst>
+          </p:cNvPr>
+          <p:cNvSpPr/>
+          <p:nvPr/>
+        </p:nvSpPr>
+        <p:spPr>
+          <a:xfrm>
+            <a:off x="4814065" y="1885234"/>
+            <a:ext cx="2163950" cy="103632"/>
+          </a:xfrm>
+          <a:prstGeom prst="rightArrow">
+            <a:avLst/>
+          </a:prstGeom>
+          <a:solidFill>
+            <a:schemeClr val="accent6"/>
+          </a:solidFill>
+        </p:spPr>
+        <p:style>
+          <a:lnRef idx="2">
+            <a:schemeClr val="accent1">
+              <a:shade val="15000"/>
+            </a:schemeClr>
+          </a:lnRef>
+          <a:fillRef idx="1">
+            <a:schemeClr val="accent1"/>
+          </a:fillRef>
+          <a:effectRef idx="0">
+            <a:schemeClr val="accent1"/>
+          </a:effectRef>
+          <a:fontRef idx="minor">
+            <a:schemeClr val="lt1"/>
+          </a:fontRef>
+        </p:style>
+        <p:txBody>
+          <a:bodyPr rtlCol="0" anchor="ctr"/>
+          <a:lstStyle/>
+          <a:p>
+            <a:pPr algn="ctr"/>
+            <a:endParaRPr lang="zh-CN" altLang="en-US"/>
+          </a:p>
+        </p:txBody>
+      </p:sp>
+      <p:sp>
+        <p:nvSpPr>
+          <p:cNvPr id="9" name="文本框 8">
+            <a:extLst>
+              <a:ext uri="{FF2B5EF4-FFF2-40B4-BE49-F238E27FC236}">
+                <a16:creationId xmlns:a16="http://schemas.microsoft.com/office/drawing/2014/main" id="{958624F1-B31E-8EC3-C815-6C75327CB073}"/>
+              </a:ext>
+            </a:extLst>
+          </p:cNvPr>
+          <p:cNvSpPr txBox="1"/>
+          <p:nvPr/>
+        </p:nvSpPr>
+        <p:spPr>
+          <a:xfrm>
+            <a:off x="4744043" y="1600121"/>
+            <a:ext cx="630301" cy="307777"/>
+          </a:xfrm>
+          <a:prstGeom prst="rect">
+            <a:avLst/>
+          </a:prstGeom>
+          <a:noFill/>
+        </p:spPr>
+        <p:txBody>
+          <a:bodyPr wrap="none" rtlCol="0">
+            <a:spAutoFit/>
+          </a:bodyPr>
+          <a:lstStyle/>
+          <a:p>
+            <a:r>
+              <a:rPr lang="en-US" altLang="zh-CN" sz="700" dirty="0">
+                <a:latin typeface="Times New Roman" panose="02020603050405020304" pitchFamily="18" charset="0"/>
+                <a:cs typeface="Times New Roman" panose="02020603050405020304" pitchFamily="18" charset="0"/>
+              </a:rPr>
+              <a:t>B publishes </a:t>
+            </a:r>
+          </a:p>
+          <a:p>
+            <a:r>
+              <a:rPr lang="en-US" altLang="zh-CN" sz="700" dirty="0">
+                <a:latin typeface="Times New Roman" panose="02020603050405020304" pitchFamily="18" charset="0"/>
+                <a:cs typeface="Times New Roman" panose="02020603050405020304" pitchFamily="18" charset="0"/>
+              </a:rPr>
+              <a:t>new plan</a:t>
+            </a:r>
+            <a:endParaRPr lang="zh-CN" altLang="en-US" sz="700" dirty="0">
+              <a:latin typeface="Times New Roman" panose="02020603050405020304" pitchFamily="18" charset="0"/>
+              <a:cs typeface="Times New Roman" panose="02020603050405020304" pitchFamily="18" charset="0"/>
+            </a:endParaRPr>
+          </a:p>
+        </p:txBody>
+      </p:sp>
+      <p:sp>
+        <p:nvSpPr>
+          <p:cNvPr id="10" name="箭头: 右 9">
+            <a:extLst>
+              <a:ext uri="{FF2B5EF4-FFF2-40B4-BE49-F238E27FC236}">
+                <a16:creationId xmlns:a16="http://schemas.microsoft.com/office/drawing/2014/main" id="{5CD58B26-A113-B39C-54CE-388F12706213}"/>
+              </a:ext>
+            </a:extLst>
+          </p:cNvPr>
+          <p:cNvSpPr/>
+          <p:nvPr/>
+        </p:nvSpPr>
+        <p:spPr>
+          <a:xfrm>
+            <a:off x="5530928" y="1707310"/>
+            <a:ext cx="2163950" cy="103632"/>
+          </a:xfrm>
+          <a:prstGeom prst="rightArrow">
+            <a:avLst/>
+          </a:prstGeom>
+          <a:solidFill>
+            <a:srgbClr val="FF0000"/>
+          </a:solidFill>
+        </p:spPr>
+        <p:style>
+          <a:lnRef idx="2">
+            <a:schemeClr val="accent1">
+              <a:shade val="15000"/>
+            </a:schemeClr>
+          </a:lnRef>
+          <a:fillRef idx="1">
+            <a:schemeClr val="accent1"/>
+          </a:fillRef>
+          <a:effectRef idx="0">
+            <a:schemeClr val="accent1"/>
+          </a:effectRef>
+          <a:fontRef idx="minor">
+            <a:schemeClr val="lt1"/>
+          </a:fontRef>
+        </p:style>
+        <p:txBody>
+          <a:bodyPr rtlCol="0" anchor="ctr"/>
+          <a:lstStyle/>
+          <a:p>
+            <a:pPr algn="ctr"/>
+            <a:endParaRPr lang="zh-CN" altLang="en-US"/>
+          </a:p>
+        </p:txBody>
+      </p:sp>
+      <p:sp>
+        <p:nvSpPr>
+          <p:cNvPr id="12" name="箭头: 右 11">
+            <a:extLst>
+              <a:ext uri="{FF2B5EF4-FFF2-40B4-BE49-F238E27FC236}">
+                <a16:creationId xmlns:a16="http://schemas.microsoft.com/office/drawing/2014/main" id="{89D4E6D8-8F6C-2608-1586-C2BA070FBEA9}"/>
+              </a:ext>
+            </a:extLst>
+          </p:cNvPr>
+          <p:cNvSpPr/>
+          <p:nvPr/>
+        </p:nvSpPr>
+        <p:spPr>
+          <a:xfrm>
+            <a:off x="6257331" y="1527230"/>
+            <a:ext cx="2163950" cy="103632"/>
+          </a:xfrm>
+          <a:prstGeom prst="rightArrow">
+            <a:avLst/>
+          </a:prstGeom>
+        </p:spPr>
+        <p:style>
+          <a:lnRef idx="2">
+            <a:schemeClr val="accent1">
+              <a:shade val="15000"/>
+            </a:schemeClr>
+          </a:lnRef>
+          <a:fillRef idx="1">
+            <a:schemeClr val="accent1"/>
+          </a:fillRef>
+          <a:effectRef idx="0">
+            <a:schemeClr val="accent1"/>
+          </a:effectRef>
+          <a:fontRef idx="minor">
+            <a:schemeClr val="lt1"/>
+          </a:fontRef>
+        </p:style>
+        <p:txBody>
+          <a:bodyPr rtlCol="0" anchor="ctr"/>
+          <a:lstStyle/>
+          <a:p>
+            <a:pPr algn="ctr"/>
+            <a:endParaRPr lang="zh-CN" altLang="en-US"/>
+          </a:p>
+        </p:txBody>
+      </p:sp>
+      <p:cxnSp>
+        <p:nvCxnSpPr>
+          <p:cNvPr id="31" name="直接连接符 30">
+            <a:extLst>
+              <a:ext uri="{FF2B5EF4-FFF2-40B4-BE49-F238E27FC236}">
+                <a16:creationId xmlns:a16="http://schemas.microsoft.com/office/drawing/2014/main" id="{B43322BC-FFE0-1687-7AF0-11377FBED72A}"/>
+              </a:ext>
+            </a:extLst>
+          </p:cNvPr>
+          <p:cNvCxnSpPr>
+            <a:cxnSpLocks/>
+          </p:cNvCxnSpPr>
+          <p:nvPr/>
+        </p:nvCxnSpPr>
+        <p:spPr>
+          <a:xfrm>
+            <a:off x="6978015" y="1988866"/>
+            <a:ext cx="361291" cy="328770"/>
+          </a:xfrm>
+          <a:prstGeom prst="line">
+            <a:avLst/>
+          </a:prstGeom>
+          <a:ln>
+            <a:solidFill>
+              <a:schemeClr val="tx1"/>
+            </a:solidFill>
+          </a:ln>
+        </p:spPr>
+        <p:style>
+          <a:lnRef idx="1">
+            <a:schemeClr val="accent1"/>
+          </a:lnRef>
+          <a:fillRef idx="0">
+            <a:schemeClr val="accent1"/>
+          </a:fillRef>
+          <a:effectRef idx="0">
+            <a:schemeClr val="accent1"/>
+          </a:effectRef>
+          <a:fontRef idx="minor">
+            <a:schemeClr val="tx1"/>
+          </a:fontRef>
+        </p:style>
+      </p:cxnSp>
+      <p:cxnSp>
+        <p:nvCxnSpPr>
+          <p:cNvPr id="33" name="直接连接符 32">
+            <a:extLst>
+              <a:ext uri="{FF2B5EF4-FFF2-40B4-BE49-F238E27FC236}">
+                <a16:creationId xmlns:a16="http://schemas.microsoft.com/office/drawing/2014/main" id="{52E3D661-67AD-3660-5B78-A32495B91831}"/>
+              </a:ext>
+            </a:extLst>
+          </p:cNvPr>
+          <p:cNvCxnSpPr>
+            <a:cxnSpLocks/>
+          </p:cNvCxnSpPr>
+          <p:nvPr/>
+        </p:nvCxnSpPr>
+        <p:spPr>
+          <a:xfrm>
+            <a:off x="6309360" y="2118498"/>
+            <a:ext cx="786166" cy="209124"/>
+          </a:xfrm>
+          <a:prstGeom prst="line">
+            <a:avLst/>
+          </a:prstGeom>
+          <a:ln>
+            <a:solidFill>
+              <a:schemeClr val="tx1"/>
+            </a:solidFill>
+          </a:ln>
+        </p:spPr>
+        <p:style>
+          <a:lnRef idx="1">
+            <a:schemeClr val="accent1"/>
+          </a:lnRef>
+          <a:fillRef idx="0">
+            <a:schemeClr val="accent1"/>
+          </a:fillRef>
+          <a:effectRef idx="0">
+            <a:schemeClr val="accent1"/>
+          </a:effectRef>
+          <a:fontRef idx="minor">
+            <a:schemeClr val="tx1"/>
+          </a:fontRef>
+        </p:style>
+      </p:cxnSp>
+      <p:cxnSp>
+        <p:nvCxnSpPr>
+          <p:cNvPr id="35" name="直接连接符 34">
+            <a:extLst>
+              <a:ext uri="{FF2B5EF4-FFF2-40B4-BE49-F238E27FC236}">
+                <a16:creationId xmlns:a16="http://schemas.microsoft.com/office/drawing/2014/main" id="{F55F7EBB-2B33-AD5E-AC9B-3C0E85752210}"/>
+              </a:ext>
+            </a:extLst>
+          </p:cNvPr>
+          <p:cNvCxnSpPr>
+            <a:cxnSpLocks/>
+          </p:cNvCxnSpPr>
+          <p:nvPr/>
+        </p:nvCxnSpPr>
+        <p:spPr>
+          <a:xfrm flipH="1">
+            <a:off x="7578149" y="1832256"/>
+            <a:ext cx="148531" cy="485380"/>
+          </a:xfrm>
+          <a:prstGeom prst="line">
+            <a:avLst/>
+          </a:prstGeom>
+          <a:ln>
+            <a:solidFill>
+              <a:schemeClr val="tx1"/>
+            </a:solidFill>
+          </a:ln>
+        </p:spPr>
+        <p:style>
+          <a:lnRef idx="1">
+            <a:schemeClr val="accent1"/>
+          </a:lnRef>
+          <a:fillRef idx="0">
+            <a:schemeClr val="accent1"/>
+          </a:fillRef>
+          <a:effectRef idx="0">
+            <a:schemeClr val="accent1"/>
+          </a:effectRef>
+          <a:fontRef idx="minor">
+            <a:schemeClr val="tx1"/>
+          </a:fontRef>
+        </p:style>
+      </p:cxnSp>
+      <p:cxnSp>
+        <p:nvCxnSpPr>
+          <p:cNvPr id="37" name="直接连接符 36">
+            <a:extLst>
+              <a:ext uri="{FF2B5EF4-FFF2-40B4-BE49-F238E27FC236}">
+                <a16:creationId xmlns:a16="http://schemas.microsoft.com/office/drawing/2014/main" id="{1E5B3381-9816-4D4E-EFDD-4A94892544CB}"/>
+              </a:ext>
+            </a:extLst>
+          </p:cNvPr>
+          <p:cNvCxnSpPr>
+            <a:cxnSpLocks/>
+          </p:cNvCxnSpPr>
+          <p:nvPr/>
+        </p:nvCxnSpPr>
+        <p:spPr>
+          <a:xfrm flipH="1">
+            <a:off x="7821929" y="1735282"/>
+            <a:ext cx="599352" cy="582354"/>
+          </a:xfrm>
+          <a:prstGeom prst="line">
+            <a:avLst/>
+          </a:prstGeom>
+          <a:ln>
+            <a:solidFill>
+              <a:schemeClr val="tx1"/>
+            </a:solidFill>
+          </a:ln>
+        </p:spPr>
+        <p:style>
+          <a:lnRef idx="1">
+            <a:schemeClr val="accent1"/>
+          </a:lnRef>
+          <a:fillRef idx="0">
+            <a:schemeClr val="accent1"/>
+          </a:fillRef>
+          <a:effectRef idx="0">
+            <a:schemeClr val="accent1"/>
+          </a:effectRef>
+          <a:fontRef idx="minor">
+            <a:schemeClr val="tx1"/>
+          </a:fontRef>
+        </p:style>
+      </p:cxnSp>
+      <p:sp>
+        <p:nvSpPr>
+          <p:cNvPr id="38" name="文本框 37">
+            <a:extLst>
+              <a:ext uri="{FF2B5EF4-FFF2-40B4-BE49-F238E27FC236}">
+                <a16:creationId xmlns:a16="http://schemas.microsoft.com/office/drawing/2014/main" id="{EF511313-1582-B86D-D500-CB27A6F7031E}"/>
+              </a:ext>
+            </a:extLst>
+          </p:cNvPr>
+          <p:cNvSpPr txBox="1"/>
+          <p:nvPr/>
+        </p:nvSpPr>
+        <p:spPr>
+          <a:xfrm>
+            <a:off x="6739067" y="2352374"/>
+            <a:ext cx="1850186" cy="600164"/>
+          </a:xfrm>
+          <a:prstGeom prst="rect">
+            <a:avLst/>
+          </a:prstGeom>
+          <a:noFill/>
+        </p:spPr>
+        <p:txBody>
+          <a:bodyPr wrap="none" rtlCol="0">
+            <a:spAutoFit/>
+          </a:bodyPr>
+          <a:lstStyle/>
+          <a:p>
+            <a:r>
+              <a:rPr lang="en-US" altLang="zh-CN" sz="1100" dirty="0">
+                <a:latin typeface="Times New Roman" panose="02020603050405020304" pitchFamily="18" charset="0"/>
+                <a:cs typeface="Times New Roman" panose="02020603050405020304" pitchFamily="18" charset="0"/>
+              </a:rPr>
+              <a:t>Plans are on the frontier of </a:t>
+            </a:r>
+          </a:p>
+          <a:p>
+            <a:r>
+              <a:rPr lang="en-US" altLang="zh-CN" sz="1100" dirty="0">
+                <a:latin typeface="Times New Roman" panose="02020603050405020304" pitchFamily="18" charset="0"/>
+                <a:cs typeface="Times New Roman" panose="02020603050405020304" pitchFamily="18" charset="0"/>
+              </a:rPr>
+              <a:t>the overall predicting horizon</a:t>
+            </a:r>
+          </a:p>
+          <a:p>
+            <a:r>
+              <a:rPr lang="en-US" altLang="zh-CN" sz="1100" dirty="0">
+                <a:latin typeface="Times New Roman" panose="02020603050405020304" pitchFamily="18" charset="0"/>
+                <a:cs typeface="Times New Roman" panose="02020603050405020304" pitchFamily="18" charset="0"/>
+              </a:rPr>
+              <a:t>when they are published </a:t>
+            </a:r>
+            <a:endParaRPr lang="zh-CN" altLang="en-US" sz="1100" dirty="0">
+              <a:latin typeface="Times New Roman" panose="02020603050405020304" pitchFamily="18" charset="0"/>
+              <a:cs typeface="Times New Roman" panose="02020603050405020304" pitchFamily="18" charset="0"/>
+            </a:endParaRPr>
+          </a:p>
+        </p:txBody>
+      </p:sp>
+      <p:sp>
+        <p:nvSpPr>
+          <p:cNvPr id="39" name="文本框 38">
+            <a:extLst>
+              <a:ext uri="{FF2B5EF4-FFF2-40B4-BE49-F238E27FC236}">
+                <a16:creationId xmlns:a16="http://schemas.microsoft.com/office/drawing/2014/main" id="{7E2FBDFD-C146-6B7E-6C6E-B35D0251C286}"/>
+              </a:ext>
+            </a:extLst>
+          </p:cNvPr>
+          <p:cNvSpPr txBox="1"/>
+          <p:nvPr/>
+        </p:nvSpPr>
+        <p:spPr>
+          <a:xfrm>
+            <a:off x="4012832" y="1786389"/>
+            <a:ext cx="635110" cy="307777"/>
+          </a:xfrm>
+          <a:prstGeom prst="rect">
+            <a:avLst/>
+          </a:prstGeom>
+          <a:noFill/>
+        </p:spPr>
+        <p:txBody>
+          <a:bodyPr wrap="none" rtlCol="0">
+            <a:spAutoFit/>
+          </a:bodyPr>
+          <a:lstStyle/>
+          <a:p>
+            <a:r>
+              <a:rPr lang="en-US" altLang="zh-CN" sz="700" dirty="0">
+                <a:latin typeface="Times New Roman" panose="02020603050405020304" pitchFamily="18" charset="0"/>
+                <a:cs typeface="Times New Roman" panose="02020603050405020304" pitchFamily="18" charset="0"/>
+              </a:rPr>
+              <a:t>A publishes </a:t>
+            </a:r>
+          </a:p>
+          <a:p>
+            <a:r>
+              <a:rPr lang="en-US" altLang="zh-CN" sz="700" dirty="0">
+                <a:latin typeface="Times New Roman" panose="02020603050405020304" pitchFamily="18" charset="0"/>
+                <a:cs typeface="Times New Roman" panose="02020603050405020304" pitchFamily="18" charset="0"/>
+              </a:rPr>
+              <a:t>new plan</a:t>
+            </a:r>
+            <a:endParaRPr lang="zh-CN" altLang="en-US" sz="700" dirty="0">
+              <a:latin typeface="Times New Roman" panose="02020603050405020304" pitchFamily="18" charset="0"/>
+              <a:cs typeface="Times New Roman" panose="02020603050405020304" pitchFamily="18" charset="0"/>
+            </a:endParaRPr>
+          </a:p>
+        </p:txBody>
+      </p:sp>
+      <p:sp>
+        <p:nvSpPr>
+          <p:cNvPr id="40" name="文本框 39">
+            <a:extLst>
+              <a:ext uri="{FF2B5EF4-FFF2-40B4-BE49-F238E27FC236}">
+                <a16:creationId xmlns:a16="http://schemas.microsoft.com/office/drawing/2014/main" id="{83C530CE-A30B-99CE-3917-9BA25CA08773}"/>
+              </a:ext>
+            </a:extLst>
+          </p:cNvPr>
+          <p:cNvSpPr txBox="1"/>
+          <p:nvPr/>
+        </p:nvSpPr>
+        <p:spPr>
+          <a:xfrm>
+            <a:off x="5447002" y="1423721"/>
+            <a:ext cx="630301" cy="307777"/>
+          </a:xfrm>
+          <a:prstGeom prst="rect">
+            <a:avLst/>
+          </a:prstGeom>
+          <a:noFill/>
+        </p:spPr>
+        <p:txBody>
+          <a:bodyPr wrap="none" rtlCol="0">
+            <a:spAutoFit/>
+          </a:bodyPr>
+          <a:lstStyle/>
+          <a:p>
+            <a:r>
+              <a:rPr lang="en-US" altLang="zh-CN" sz="700" dirty="0">
+                <a:latin typeface="Times New Roman" panose="02020603050405020304" pitchFamily="18" charset="0"/>
+                <a:cs typeface="Times New Roman" panose="02020603050405020304" pitchFamily="18" charset="0"/>
+              </a:rPr>
+              <a:t>C publishes </a:t>
+            </a:r>
+          </a:p>
+          <a:p>
+            <a:r>
+              <a:rPr lang="en-US" altLang="zh-CN" sz="700" dirty="0">
+                <a:latin typeface="Times New Roman" panose="02020603050405020304" pitchFamily="18" charset="0"/>
+                <a:cs typeface="Times New Roman" panose="02020603050405020304" pitchFamily="18" charset="0"/>
+              </a:rPr>
+              <a:t>new plan</a:t>
+            </a:r>
+            <a:endParaRPr lang="zh-CN" altLang="en-US" sz="700" dirty="0">
+              <a:latin typeface="Times New Roman" panose="02020603050405020304" pitchFamily="18" charset="0"/>
+              <a:cs typeface="Times New Roman" panose="02020603050405020304" pitchFamily="18" charset="0"/>
+            </a:endParaRPr>
+          </a:p>
+        </p:txBody>
+      </p:sp>
+      <p:sp>
+        <p:nvSpPr>
+          <p:cNvPr id="41" name="文本框 40">
+            <a:extLst>
+              <a:ext uri="{FF2B5EF4-FFF2-40B4-BE49-F238E27FC236}">
+                <a16:creationId xmlns:a16="http://schemas.microsoft.com/office/drawing/2014/main" id="{EF15CCE6-1C07-C0FC-2C4A-0D9E10BA2952}"/>
+              </a:ext>
+            </a:extLst>
+          </p:cNvPr>
+          <p:cNvSpPr txBox="1"/>
+          <p:nvPr/>
+        </p:nvSpPr>
+        <p:spPr>
+          <a:xfrm>
+            <a:off x="6180786" y="1250843"/>
+            <a:ext cx="635110" cy="307777"/>
+          </a:xfrm>
+          <a:prstGeom prst="rect">
+            <a:avLst/>
+          </a:prstGeom>
+          <a:noFill/>
+        </p:spPr>
+        <p:txBody>
+          <a:bodyPr wrap="none" rtlCol="0">
+            <a:spAutoFit/>
+          </a:bodyPr>
+          <a:lstStyle/>
+          <a:p>
+            <a:r>
+              <a:rPr lang="en-US" altLang="zh-CN" sz="700" dirty="0">
+                <a:latin typeface="Times New Roman" panose="02020603050405020304" pitchFamily="18" charset="0"/>
+                <a:cs typeface="Times New Roman" panose="02020603050405020304" pitchFamily="18" charset="0"/>
+              </a:rPr>
+              <a:t>A publishes </a:t>
+            </a:r>
+          </a:p>
+          <a:p>
+            <a:r>
+              <a:rPr lang="en-US" altLang="zh-CN" sz="700" dirty="0">
+                <a:latin typeface="Times New Roman" panose="02020603050405020304" pitchFamily="18" charset="0"/>
+                <a:cs typeface="Times New Roman" panose="02020603050405020304" pitchFamily="18" charset="0"/>
+              </a:rPr>
+              <a:t>new plan</a:t>
+            </a:r>
+            <a:endParaRPr lang="zh-CN" altLang="en-US" sz="700" dirty="0">
+              <a:latin typeface="Times New Roman" panose="02020603050405020304" pitchFamily="18" charset="0"/>
+              <a:cs typeface="Times New Roman" panose="02020603050405020304" pitchFamily="18" charset="0"/>
+            </a:endParaRPr>
+          </a:p>
+        </p:txBody>
+      </p:sp>
+      <p:sp>
+        <p:nvSpPr>
+          <p:cNvPr id="42" name="左大括号 41">
+            <a:extLst>
+              <a:ext uri="{FF2B5EF4-FFF2-40B4-BE49-F238E27FC236}">
+                <a16:creationId xmlns:a16="http://schemas.microsoft.com/office/drawing/2014/main" id="{B9BACC2A-EBEE-0E93-81B6-995A4C2F20CE}"/>
+              </a:ext>
+            </a:extLst>
+          </p:cNvPr>
+          <p:cNvSpPr/>
+          <p:nvPr/>
+        </p:nvSpPr>
+        <p:spPr>
+          <a:xfrm rot="16200000">
+            <a:off x="4315922" y="2085548"/>
+            <a:ext cx="266913" cy="2163102"/>
+          </a:xfrm>
+          <a:prstGeom prst="leftBrace">
+            <a:avLst/>
+          </a:prstGeom>
+          <a:ln w="9525">
+            <a:solidFill>
+              <a:schemeClr val="tx1"/>
+            </a:solidFill>
+          </a:ln>
+        </p:spPr>
+        <p:style>
+          <a:lnRef idx="1">
+            <a:schemeClr val="accent1"/>
+          </a:lnRef>
+          <a:fillRef idx="0">
+            <a:schemeClr val="accent1"/>
+          </a:fillRef>
+          <a:effectRef idx="0">
+            <a:schemeClr val="accent1"/>
+          </a:effectRef>
+          <a:fontRef idx="minor">
+            <a:schemeClr val="tx1"/>
+          </a:fontRef>
+        </p:style>
+        <p:txBody>
+          <a:bodyPr rtlCol="0" anchor="ctr"/>
+          <a:lstStyle/>
+          <a:p>
+            <a:pPr algn="ctr"/>
+            <a:endParaRPr lang="zh-CN" altLang="en-US" dirty="0"/>
+          </a:p>
+        </p:txBody>
+      </p:sp>
+      <p:sp>
+        <p:nvSpPr>
+          <p:cNvPr id="44" name="文本框 43">
+            <a:extLst>
+              <a:ext uri="{FF2B5EF4-FFF2-40B4-BE49-F238E27FC236}">
+                <a16:creationId xmlns:a16="http://schemas.microsoft.com/office/drawing/2014/main" id="{C40E3BC5-BC3E-C8FF-7AEE-843CC5F5CD32}"/>
+              </a:ext>
+            </a:extLst>
+          </p:cNvPr>
+          <p:cNvSpPr txBox="1"/>
+          <p:nvPr/>
+        </p:nvSpPr>
+        <p:spPr>
+          <a:xfrm>
+            <a:off x="4042054" y="3267143"/>
+            <a:ext cx="814647" cy="261610"/>
+          </a:xfrm>
+          <a:prstGeom prst="rect">
+            <a:avLst/>
+          </a:prstGeom>
+          <a:noFill/>
+        </p:spPr>
+        <p:txBody>
+          <a:bodyPr wrap="none" rtlCol="0">
+            <a:spAutoFit/>
+          </a:bodyPr>
+          <a:lstStyle/>
+          <a:p>
+            <a:r>
+              <a:rPr lang="en-US" altLang="zh-CN" sz="1100" dirty="0">
+                <a:latin typeface="Times New Roman" panose="02020603050405020304" pitchFamily="18" charset="0"/>
+                <a:cs typeface="Times New Roman" panose="02020603050405020304" pitchFamily="18" charset="0"/>
+              </a:rPr>
+              <a:t>One Frame</a:t>
+            </a:r>
+            <a:endParaRPr lang="zh-CN" altLang="en-US" sz="1100" dirty="0">
+              <a:latin typeface="Times New Roman" panose="02020603050405020304" pitchFamily="18" charset="0"/>
+              <a:cs typeface="Times New Roman" panose="02020603050405020304" pitchFamily="18" charset="0"/>
+            </a:endParaRPr>
+          </a:p>
+        </p:txBody>
+      </p:sp>
+      <p:sp>
+        <p:nvSpPr>
+          <p:cNvPr id="45" name="文本框 44">
+            <a:extLst>
+              <a:ext uri="{FF2B5EF4-FFF2-40B4-BE49-F238E27FC236}">
+                <a16:creationId xmlns:a16="http://schemas.microsoft.com/office/drawing/2014/main" id="{321269B2-AD5F-ADC9-0844-3D96801EC05C}"/>
+              </a:ext>
+            </a:extLst>
+          </p:cNvPr>
+          <p:cNvSpPr txBox="1"/>
+          <p:nvPr/>
+        </p:nvSpPr>
+        <p:spPr>
+          <a:xfrm>
+            <a:off x="6290592" y="2388355"/>
+            <a:ext cx="415498" cy="369332"/>
+          </a:xfrm>
+          <a:prstGeom prst="rect">
+            <a:avLst/>
+          </a:prstGeom>
+          <a:noFill/>
+        </p:spPr>
+        <p:txBody>
+          <a:bodyPr wrap="none" rtlCol="0">
+            <a:spAutoFit/>
+          </a:bodyPr>
+          <a:lstStyle/>
+          <a:p>
+            <a:r>
+              <a:rPr lang="en-US" altLang="zh-CN" b="1" dirty="0">
+                <a:latin typeface="Times New Roman" panose="02020603050405020304" pitchFamily="18" charset="0"/>
+                <a:cs typeface="Times New Roman" panose="02020603050405020304" pitchFamily="18" charset="0"/>
+              </a:rPr>
+              <a:t>…</a:t>
+            </a:r>
+            <a:endParaRPr lang="zh-CN" altLang="en-US" b="1" dirty="0">
+              <a:latin typeface="Times New Roman" panose="02020603050405020304" pitchFamily="18" charset="0"/>
+              <a:cs typeface="Times New Roman" panose="02020603050405020304" pitchFamily="18" charset="0"/>
+            </a:endParaRPr>
+          </a:p>
+        </p:txBody>
+      </p:sp>
+    </p:spTree>
+    <p:extLst>
+      <p:ext uri="{BB962C8B-B14F-4D97-AF65-F5344CB8AC3E}">
+        <p14:creationId xmlns:p14="http://schemas.microsoft.com/office/powerpoint/2010/main" val="3800812550"/>
+      </p:ext>
+    </p:extLst>
+  </p:cSld>
+  <p:clrMapOvr>
+    <a:masterClrMapping/>
+  </p:clrMapOvr>
+</p:sld>
+</file>
+
 <file path=ppt/theme/theme1.xml><?xml version="1.0" encoding="utf-8"?>
 <a:theme xmlns:a="http://schemas.openxmlformats.org/drawingml/2006/main" name="Office 主题​​">
   <a:themeElements>
@@ -11049,4 +19865,299 @@
     </a:ext>
   </a:extLst>
 </a:theme>
+</file>
+
+<file path=ppt/theme/theme2.xml><?xml version="1.0" encoding="utf-8"?>
+<a:theme xmlns:a="http://schemas.openxmlformats.org/drawingml/2006/main" name="Office 主题​​">
+  <a:themeElements>
+    <a:clrScheme name="Office">
+      <a:dk1>
+        <a:sysClr val="windowText" lastClr="000000"/>
+      </a:dk1>
+      <a:lt1>
+        <a:sysClr val="window" lastClr="FFFFFF"/>
+      </a:lt1>
+      <a:dk2>
+        <a:srgbClr val="44546A"/>
+      </a:dk2>
+      <a:lt2>
+        <a:srgbClr val="E7E6E6"/>
+      </a:lt2>
+      <a:accent1>
+        <a:srgbClr val="4472C4"/>
+      </a:accent1>
+      <a:accent2>
+        <a:srgbClr val="ED7D31"/>
+      </a:accent2>
+      <a:accent3>
+        <a:srgbClr val="A5A5A5"/>
+      </a:accent3>
+      <a:accent4>
+        <a:srgbClr val="FFC000"/>
+      </a:accent4>
+      <a:accent5>
+        <a:srgbClr val="5B9BD5"/>
+      </a:accent5>
+      <a:accent6>
+        <a:srgbClr val="70AD47"/>
+      </a:accent6>
+      <a:hlink>
+        <a:srgbClr val="0563C1"/>
+      </a:hlink>
+      <a:folHlink>
+        <a:srgbClr val="954F72"/>
+      </a:folHlink>
+    </a:clrScheme>
+    <a:fontScheme name="Office">
+      <a:majorFont>
+        <a:latin typeface="等线 Light" panose="020F0302020204030204"/>
+        <a:ea typeface=""/>
+        <a:cs typeface=""/>
+        <a:font script="Jpan" typeface="游ゴシック Light"/>
+        <a:font script="Hang" typeface="맑은 고딕"/>
+        <a:font script="Hans" typeface="等线 Light"/>
+        <a:font script="Hant" typeface="新細明體"/>
+        <a:font script="Arab" typeface="Times New Roman"/>
+        <a:font script="Hebr" typeface="Times New Roman"/>
+        <a:font script="Thai" typeface="Angsana New"/>
+        <a:font script="Ethi" typeface="Nyala"/>
+        <a:font script="Beng" typeface="Vrinda"/>
+        <a:font script="Gujr" typeface="Shruti"/>
+        <a:font script="Khmr" typeface="MoolBoran"/>
+        <a:font script="Knda" typeface="Tunga"/>
+        <a:font script="Guru" typeface="Raavi"/>
+        <a:font script="Cans" typeface="Euphemia"/>
+        <a:font script="Cher" typeface="Plantagenet Cherokee"/>
+        <a:font script="Yiii" typeface="Microsoft Yi Baiti"/>
+        <a:font script="Tibt" typeface="Microsoft Himalaya"/>
+        <a:font script="Thaa" typeface="MV Boli"/>
+        <a:font script="Deva" typeface="Mangal"/>
+        <a:font script="Telu" typeface="Gautami"/>
+        <a:font script="Taml" typeface="Latha"/>
+        <a:font script="Syrc" typeface="Estrangelo Edessa"/>
+        <a:font script="Orya" typeface="Kalinga"/>
+        <a:font script="Mlym" typeface="Kartika"/>
+        <a:font script="Laoo" typeface="DokChampa"/>
+        <a:font script="Sinh" typeface="Iskoola Pota"/>
+        <a:font script="Mong" typeface="Mongolian Baiti"/>
+        <a:font script="Viet" typeface="Times New Roman"/>
+        <a:font script="Uigh" typeface="Microsoft Uighur"/>
+        <a:font script="Geor" typeface="Sylfaen"/>
+        <a:font script="Armn" typeface="Arial"/>
+        <a:font script="Bugi" typeface="Leelawadee UI"/>
+        <a:font script="Bopo" typeface="Microsoft JhengHei"/>
+        <a:font script="Java" typeface="Javanese Text"/>
+        <a:font script="Lisu" typeface="Segoe UI"/>
+        <a:font script="Mymr" typeface="Myanmar Text"/>
+        <a:font script="Nkoo" typeface="Ebrima"/>
+        <a:font script="Olck" typeface="Nirmala UI"/>
+        <a:font script="Osma" typeface="Ebrima"/>
+        <a:font script="Phag" typeface="Phagspa"/>
+        <a:font script="Syrn" typeface="Estrangelo Edessa"/>
+        <a:font script="Syrj" typeface="Estrangelo Edessa"/>
+        <a:font script="Syre" typeface="Estrangelo Edessa"/>
+        <a:font script="Sora" typeface="Nirmala UI"/>
+        <a:font script="Tale" typeface="Microsoft Tai Le"/>
+        <a:font script="Talu" typeface="Microsoft New Tai Lue"/>
+        <a:font script="Tfng" typeface="Ebrima"/>
+      </a:majorFont>
+      <a:minorFont>
+        <a:latin typeface="等线" panose="020F0502020204030204"/>
+        <a:ea typeface=""/>
+        <a:cs typeface=""/>
+        <a:font script="Jpan" typeface="游ゴシック"/>
+        <a:font script="Hang" typeface="맑은 고딕"/>
+        <a:font script="Hans" typeface="等线"/>
+        <a:font script="Hant" typeface="新細明體"/>
+        <a:font script="Arab" typeface="Arial"/>
+        <a:font script="Hebr" typeface="Arial"/>
+        <a:font script="Thai" typeface="Cordia New"/>
+        <a:font script="Ethi" typeface="Nyala"/>
+        <a:font script="Beng" typeface="Vrinda"/>
+        <a:font script="Gujr" typeface="Shruti"/>
+        <a:font script="Khmr" typeface="DaunPenh"/>
+        <a:font script="Knda" typeface="Tunga"/>
+        <a:font script="Guru" typeface="Raavi"/>
+        <a:font script="Cans" typeface="Euphemia"/>
+        <a:font script="Cher" typeface="Plantagenet Cherokee"/>
+        <a:font script="Yiii" typeface="Microsoft Yi Baiti"/>
+        <a:font script="Tibt" typeface="Microsoft Himalaya"/>
+        <a:font script="Thaa" typeface="MV Boli"/>
+        <a:font script="Deva" typeface="Mangal"/>
+        <a:font script="Telu" typeface="Gautami"/>
+        <a:font script="Taml" typeface="Latha"/>
+        <a:font script="Syrc" typeface="Estrangelo Edessa"/>
+        <a:font script="Orya" typeface="Kalinga"/>
+        <a:font script="Mlym" typeface="Kartika"/>
+        <a:font script="Laoo" typeface="DokChampa"/>
+        <a:font script="Sinh" typeface="Iskoola Pota"/>
+        <a:font script="Mong" typeface="Mongolian Baiti"/>
+        <a:font script="Viet" typeface="Arial"/>
+        <a:font script="Uigh" typeface="Microsoft Uighur"/>
+        <a:font script="Geor" typeface="Sylfaen"/>
+        <a:font script="Armn" typeface="Arial"/>
+        <a:font script="Bugi" typeface="Leelawadee UI"/>
+        <a:font script="Bopo" typeface="Microsoft JhengHei"/>
+        <a:font script="Java" typeface="Javanese Text"/>
+        <a:font script="Lisu" typeface="Segoe UI"/>
+        <a:font script="Mymr" typeface="Myanmar Text"/>
+        <a:font script="Nkoo" typeface="Ebrima"/>
+        <a:font script="Olck" typeface="Nirmala UI"/>
+        <a:font script="Osma" typeface="Ebrima"/>
+        <a:font script="Phag" typeface="Phagspa"/>
+        <a:font script="Syrn" typeface="Estrangelo Edessa"/>
+        <a:font script="Syrj" typeface="Estrangelo Edessa"/>
+        <a:font script="Syre" typeface="Estrangelo Edessa"/>
+        <a:font script="Sora" typeface="Nirmala UI"/>
+        <a:font script="Tale" typeface="Microsoft Tai Le"/>
+        <a:font script="Talu" typeface="Microsoft New Tai Lue"/>
+        <a:font script="Tfng" typeface="Ebrima"/>
+      </a:minorFont>
+    </a:fontScheme>
+    <a:fmtScheme name="Office">
+      <a:fillStyleLst>
+        <a:solidFill>
+          <a:schemeClr val="phClr"/>
+        </a:solidFill>
+        <a:gradFill rotWithShape="1">
+          <a:gsLst>
+            <a:gs pos="0">
+              <a:schemeClr val="phClr">
+                <a:lumMod val="110000"/>
+                <a:satMod val="105000"/>
+                <a:tint val="67000"/>
+              </a:schemeClr>
+            </a:gs>
+            <a:gs pos="50000">
+              <a:schemeClr val="phClr">
+                <a:lumMod val="105000"/>
+                <a:satMod val="103000"/>
+                <a:tint val="73000"/>
+              </a:schemeClr>
+            </a:gs>
+            <a:gs pos="100000">
+              <a:schemeClr val="phClr">
+                <a:lumMod val="105000"/>
+                <a:satMod val="109000"/>
+                <a:tint val="81000"/>
+              </a:schemeClr>
+            </a:gs>
+          </a:gsLst>
+          <a:lin ang="5400000" scaled="0"/>
+        </a:gradFill>
+        <a:gradFill rotWithShape="1">
+          <a:gsLst>
+            <a:gs pos="0">
+              <a:schemeClr val="phClr">
+                <a:satMod val="103000"/>
+                <a:lumMod val="102000"/>
+                <a:tint val="94000"/>
+              </a:schemeClr>
+            </a:gs>
+            <a:gs pos="50000">
+              <a:schemeClr val="phClr">
+                <a:satMod val="110000"/>
+                <a:lumMod val="100000"/>
+                <a:shade val="100000"/>
+              </a:schemeClr>
+            </a:gs>
+            <a:gs pos="100000">
+              <a:schemeClr val="phClr">
+                <a:lumMod val="99000"/>
+                <a:satMod val="120000"/>
+                <a:shade val="78000"/>
+              </a:schemeClr>
+            </a:gs>
+          </a:gsLst>
+          <a:lin ang="5400000" scaled="0"/>
+        </a:gradFill>
+      </a:fillStyleLst>
+      <a:lnStyleLst>
+        <a:ln w="6350" cap="flat" cmpd="sng" algn="ctr">
+          <a:solidFill>
+            <a:schemeClr val="phClr"/>
+          </a:solidFill>
+          <a:prstDash val="solid"/>
+          <a:miter lim="800000"/>
+        </a:ln>
+        <a:ln w="12700" cap="flat" cmpd="sng" algn="ctr">
+          <a:solidFill>
+            <a:schemeClr val="phClr"/>
+          </a:solidFill>
+          <a:prstDash val="solid"/>
+          <a:miter lim="800000"/>
+        </a:ln>
+        <a:ln w="19050" cap="flat" cmpd="sng" algn="ctr">
+          <a:solidFill>
+            <a:schemeClr val="phClr"/>
+          </a:solidFill>
+          <a:prstDash val="solid"/>
+          <a:miter lim="800000"/>
+        </a:ln>
+      </a:lnStyleLst>
+      <a:effectStyleLst>
+        <a:effectStyle>
+          <a:effectLst/>
+        </a:effectStyle>
+        <a:effectStyle>
+          <a:effectLst/>
+        </a:effectStyle>
+        <a:effectStyle>
+          <a:effectLst>
+            <a:outerShdw blurRad="57150" dist="19050" dir="5400000" algn="ctr" rotWithShape="0">
+              <a:srgbClr val="000000">
+                <a:alpha val="63000"/>
+              </a:srgbClr>
+            </a:outerShdw>
+          </a:effectLst>
+        </a:effectStyle>
+      </a:effectStyleLst>
+      <a:bgFillStyleLst>
+        <a:solidFill>
+          <a:schemeClr val="phClr"/>
+        </a:solidFill>
+        <a:solidFill>
+          <a:schemeClr val="phClr">
+            <a:tint val="95000"/>
+            <a:satMod val="170000"/>
+          </a:schemeClr>
+        </a:solidFill>
+        <a:gradFill rotWithShape="1">
+          <a:gsLst>
+            <a:gs pos="0">
+              <a:schemeClr val="phClr">
+                <a:tint val="93000"/>
+                <a:satMod val="150000"/>
+                <a:shade val="98000"/>
+                <a:lumMod val="102000"/>
+              </a:schemeClr>
+            </a:gs>
+            <a:gs pos="50000">
+              <a:schemeClr val="phClr">
+                <a:tint val="98000"/>
+                <a:satMod val="130000"/>
+                <a:shade val="90000"/>
+                <a:lumMod val="103000"/>
+              </a:schemeClr>
+            </a:gs>
+            <a:gs pos="100000">
+              <a:schemeClr val="phClr">
+                <a:shade val="63000"/>
+                <a:satMod val="120000"/>
+              </a:schemeClr>
+            </a:gs>
+          </a:gsLst>
+          <a:lin ang="5400000" scaled="0"/>
+        </a:gradFill>
+      </a:bgFillStyleLst>
+    </a:fmtScheme>
+  </a:themeElements>
+  <a:objectDefaults/>
+  <a:extraClrSchemeLst/>
+  <a:extLst>
+    <a:ext uri="{05A4C25C-085E-4340-85A3-A5531E510DB2}">
+      <thm15:themeFamily xmlns:thm15="http://schemas.microsoft.com/office/thememl/2012/main" name="Office Theme" id="{62F939B6-93AF-4DB8-9C6B-D6C7DFDC589F}" vid="{4A3C46E8-61CC-4603-A589-7422A47A8E4A}"/>
+    </a:ext>
+  </a:extLst>
+</a:theme>
 </file>
--- a/thesis/v0.3/figures/drawings.pptx
+++ b/thesis/v0.3/figures/drawings.pptx
@@ -5,7 +5,7 @@
     <p:sldMasterId id="2147483648" r:id="rId1"/>
   </p:sldMasterIdLst>
   <p:notesMasterIdLst>
-    <p:notesMasterId r:id="rId11"/>
+    <p:notesMasterId r:id="rId12"/>
   </p:notesMasterIdLst>
   <p:sldIdLst>
     <p:sldId id="256" r:id="rId2"/>
@@ -17,6 +17,7 @@
     <p:sldId id="262" r:id="rId8"/>
     <p:sldId id="263" r:id="rId9"/>
     <p:sldId id="264" r:id="rId10"/>
+    <p:sldId id="265" r:id="rId11"/>
   </p:sldIdLst>
   <p:sldSz cx="12192000" cy="6858000"/>
   <p:notesSz cx="6858000" cy="9144000"/>
@@ -126,7 +127,7 @@
 <file path=ppt/revisionInfo.xml><?xml version="1.0" encoding="utf-8"?>
 <p1510:revInfo xmlns:a="http://schemas.openxmlformats.org/drawingml/2006/main" xmlns:r="http://schemas.openxmlformats.org/officeDocument/2006/relationships" xmlns:p1510="http://schemas.microsoft.com/office/powerpoint/2015/10/main">
   <p1510:revLst>
-    <p1510:client id="{8F46019D-248D-48EE-8955-6019E00368B9}" v="114" dt="2023-08-28T22:31:54.757"/>
+    <p1510:client id="{8F46019D-248D-48EE-8955-6019E00368B9}" v="171" dt="2023-08-29T21:34:20.454"/>
   </p1510:revLst>
 </p1510:revInfo>
 </file>
@@ -1733,7 +1734,7 @@
   <pc:docChgLst>
     <pc:chgData name="苑 润泽" userId="0783eeab76cf4181" providerId="LiveId" clId="{8F46019D-248D-48EE-8955-6019E00368B9}"/>
     <pc:docChg chg="undo custSel addSld modSld sldOrd">
-      <pc:chgData name="苑 润泽" userId="0783eeab76cf4181" providerId="LiveId" clId="{8F46019D-248D-48EE-8955-6019E00368B9}" dt="2023-08-28T22:32:32.239" v="2288" actId="20577"/>
+      <pc:chgData name="苑 润泽" userId="0783eeab76cf4181" providerId="LiveId" clId="{8F46019D-248D-48EE-8955-6019E00368B9}" dt="2023-08-29T21:35:36.277" v="2743" actId="14100"/>
       <pc:docMkLst>
         <pc:docMk/>
       </pc:docMkLst>
@@ -2752,7 +2753,7 @@
         </pc:cxnChg>
       </pc:sldChg>
       <pc:sldChg chg="addSp delSp modSp add mod ord">
-        <pc:chgData name="苑 润泽" userId="0783eeab76cf4181" providerId="LiveId" clId="{8F46019D-248D-48EE-8955-6019E00368B9}" dt="2023-08-28T18:19:02.957" v="1474" actId="1076"/>
+        <pc:chgData name="苑 润泽" userId="0783eeab76cf4181" providerId="LiveId" clId="{8F46019D-248D-48EE-8955-6019E00368B9}" dt="2023-08-29T21:21:56.405" v="2501"/>
         <pc:sldMkLst>
           <pc:docMk/>
           <pc:sldMk cId="3213869265" sldId="262"/>
@@ -2846,7 +2847,7 @@
           </ac:graphicFrameMkLst>
         </pc:graphicFrameChg>
         <pc:graphicFrameChg chg="add del mod modGraphic">
-          <ac:chgData name="苑 润泽" userId="0783eeab76cf4181" providerId="LiveId" clId="{8F46019D-248D-48EE-8955-6019E00368B9}" dt="2023-08-28T18:15:26.151" v="1381"/>
+          <ac:chgData name="苑 润泽" userId="0783eeab76cf4181" providerId="LiveId" clId="{8F46019D-248D-48EE-8955-6019E00368B9}" dt="2023-08-29T21:21:56.405" v="2501"/>
           <ac:graphicFrameMkLst>
             <pc:docMk/>
             <pc:sldMk cId="3213869265" sldId="262"/>
@@ -2966,7 +2967,7 @@
         </pc:cxnChg>
       </pc:sldChg>
       <pc:sldChg chg="addSp delSp modSp add mod ord">
-        <pc:chgData name="苑 润泽" userId="0783eeab76cf4181" providerId="LiveId" clId="{8F46019D-248D-48EE-8955-6019E00368B9}" dt="2023-08-28T22:32:32.239" v="2288" actId="20577"/>
+        <pc:chgData name="苑 润泽" userId="0783eeab76cf4181" providerId="LiveId" clId="{8F46019D-248D-48EE-8955-6019E00368B9}" dt="2023-08-29T21:21:39.839" v="2491"/>
         <pc:sldMkLst>
           <pc:docMk/>
           <pc:sldMk cId="3800812550" sldId="264"/>
@@ -2995,6 +2996,14 @@
             <ac:spMk id="7" creationId="{5D22528F-268B-B0D1-6E02-583FBBB93AE8}"/>
           </ac:spMkLst>
         </pc:spChg>
+        <pc:spChg chg="add del">
+          <ac:chgData name="苑 润泽" userId="0783eeab76cf4181" providerId="LiveId" clId="{8F46019D-248D-48EE-8955-6019E00368B9}" dt="2023-08-29T16:58:52.253" v="2290" actId="22"/>
+          <ac:spMkLst>
+            <pc:docMk/>
+            <pc:sldMk cId="3800812550" sldId="264"/>
+            <ac:spMk id="7" creationId="{AE0B18B1-F2C9-2722-C2B5-F0455150BB73}"/>
+          </ac:spMkLst>
+        </pc:spChg>
         <pc:spChg chg="add mod">
           <ac:chgData name="苑 润泽" userId="0783eeab76cf4181" providerId="LiveId" clId="{8F46019D-248D-48EE-8955-6019E00368B9}" dt="2023-08-28T22:25:24.705" v="2013" actId="1076"/>
           <ac:spMkLst>
@@ -3100,7 +3109,7 @@
           </ac:spMkLst>
         </pc:spChg>
         <pc:graphicFrameChg chg="mod modGraphic">
-          <ac:chgData name="苑 润泽" userId="0783eeab76cf4181" providerId="LiveId" clId="{8F46019D-248D-48EE-8955-6019E00368B9}" dt="2023-08-28T22:30:25.721" v="2238" actId="1076"/>
+          <ac:chgData name="苑 润泽" userId="0783eeab76cf4181" providerId="LiveId" clId="{8F46019D-248D-48EE-8955-6019E00368B9}" dt="2023-08-29T21:21:39.839" v="2491"/>
           <ac:graphicFrameMkLst>
             <pc:docMk/>
             <pc:sldMk cId="3800812550" sldId="264"/>
@@ -3193,6 +3202,461 @@
             <pc:docMk/>
             <pc:sldMk cId="3800812550" sldId="264"/>
             <ac:cxnSpMk id="37" creationId="{1E5B3381-9816-4D4E-EFDD-4A94892544CB}"/>
+          </ac:cxnSpMkLst>
+        </pc:cxnChg>
+      </pc:sldChg>
+      <pc:sldChg chg="addSp delSp modSp add mod">
+        <pc:chgData name="苑 润泽" userId="0783eeab76cf4181" providerId="LiveId" clId="{8F46019D-248D-48EE-8955-6019E00368B9}" dt="2023-08-29T21:35:36.277" v="2743" actId="14100"/>
+        <pc:sldMkLst>
+          <pc:docMk/>
+          <pc:sldMk cId="3703205194" sldId="265"/>
+        </pc:sldMkLst>
+        <pc:spChg chg="del">
+          <ac:chgData name="苑 润泽" userId="0783eeab76cf4181" providerId="LiveId" clId="{8F46019D-248D-48EE-8955-6019E00368B9}" dt="2023-08-29T16:58:55.591" v="2292" actId="478"/>
+          <ac:spMkLst>
+            <pc:docMk/>
+            <pc:sldMk cId="3703205194" sldId="265"/>
+            <ac:spMk id="5" creationId="{DA17A73D-E8C3-B34A-83AE-44561BFFABA2}"/>
+          </ac:spMkLst>
+        </pc:spChg>
+        <pc:spChg chg="del">
+          <ac:chgData name="苑 润泽" userId="0783eeab76cf4181" providerId="LiveId" clId="{8F46019D-248D-48EE-8955-6019E00368B9}" dt="2023-08-29T16:58:55.591" v="2292" actId="478"/>
+          <ac:spMkLst>
+            <pc:docMk/>
+            <pc:sldMk cId="3703205194" sldId="265"/>
+            <ac:spMk id="6" creationId="{DF0A675C-7618-B233-B94D-D0CA7F9CD0BA}"/>
+          </ac:spMkLst>
+        </pc:spChg>
+        <pc:spChg chg="del">
+          <ac:chgData name="苑 润泽" userId="0783eeab76cf4181" providerId="LiveId" clId="{8F46019D-248D-48EE-8955-6019E00368B9}" dt="2023-08-29T16:58:55.591" v="2292" actId="478"/>
+          <ac:spMkLst>
+            <pc:docMk/>
+            <pc:sldMk cId="3703205194" sldId="265"/>
+            <ac:spMk id="8" creationId="{B46BD467-38BA-29F1-B4CD-E04BD49FE496}"/>
+          </ac:spMkLst>
+        </pc:spChg>
+        <pc:spChg chg="del">
+          <ac:chgData name="苑 润泽" userId="0783eeab76cf4181" providerId="LiveId" clId="{8F46019D-248D-48EE-8955-6019E00368B9}" dt="2023-08-29T16:58:55.591" v="2292" actId="478"/>
+          <ac:spMkLst>
+            <pc:docMk/>
+            <pc:sldMk cId="3703205194" sldId="265"/>
+            <ac:spMk id="9" creationId="{958624F1-B31E-8EC3-C815-6C75327CB073}"/>
+          </ac:spMkLst>
+        </pc:spChg>
+        <pc:spChg chg="del">
+          <ac:chgData name="苑 润泽" userId="0783eeab76cf4181" providerId="LiveId" clId="{8F46019D-248D-48EE-8955-6019E00368B9}" dt="2023-08-29T16:58:55.591" v="2292" actId="478"/>
+          <ac:spMkLst>
+            <pc:docMk/>
+            <pc:sldMk cId="3703205194" sldId="265"/>
+            <ac:spMk id="10" creationId="{5CD58B26-A113-B39C-54CE-388F12706213}"/>
+          </ac:spMkLst>
+        </pc:spChg>
+        <pc:spChg chg="del">
+          <ac:chgData name="苑 润泽" userId="0783eeab76cf4181" providerId="LiveId" clId="{8F46019D-248D-48EE-8955-6019E00368B9}" dt="2023-08-29T16:58:55.591" v="2292" actId="478"/>
+          <ac:spMkLst>
+            <pc:docMk/>
+            <pc:sldMk cId="3703205194" sldId="265"/>
+            <ac:spMk id="12" creationId="{89D4E6D8-8F6C-2608-1586-C2BA070FBEA9}"/>
+          </ac:spMkLst>
+        </pc:spChg>
+        <pc:spChg chg="add del mod">
+          <ac:chgData name="苑 润泽" userId="0783eeab76cf4181" providerId="LiveId" clId="{8F46019D-248D-48EE-8955-6019E00368B9}" dt="2023-08-29T17:14:07.362" v="2467" actId="478"/>
+          <ac:spMkLst>
+            <pc:docMk/>
+            <pc:sldMk cId="3703205194" sldId="265"/>
+            <ac:spMk id="30" creationId="{6230C7FF-D18B-C2E7-3039-A1B9E140F4D7}"/>
+          </ac:spMkLst>
+        </pc:spChg>
+        <pc:spChg chg="del">
+          <ac:chgData name="苑 润泽" userId="0783eeab76cf4181" providerId="LiveId" clId="{8F46019D-248D-48EE-8955-6019E00368B9}" dt="2023-08-29T16:58:55.591" v="2292" actId="478"/>
+          <ac:spMkLst>
+            <pc:docMk/>
+            <pc:sldMk cId="3703205194" sldId="265"/>
+            <ac:spMk id="38" creationId="{EF511313-1582-B86D-D500-CB27A6F7031E}"/>
+          </ac:spMkLst>
+        </pc:spChg>
+        <pc:spChg chg="del">
+          <ac:chgData name="苑 润泽" userId="0783eeab76cf4181" providerId="LiveId" clId="{8F46019D-248D-48EE-8955-6019E00368B9}" dt="2023-08-29T16:58:55.591" v="2292" actId="478"/>
+          <ac:spMkLst>
+            <pc:docMk/>
+            <pc:sldMk cId="3703205194" sldId="265"/>
+            <ac:spMk id="39" creationId="{7E2FBDFD-C146-6B7E-6C6E-B35D0251C286}"/>
+          </ac:spMkLst>
+        </pc:spChg>
+        <pc:spChg chg="del">
+          <ac:chgData name="苑 润泽" userId="0783eeab76cf4181" providerId="LiveId" clId="{8F46019D-248D-48EE-8955-6019E00368B9}" dt="2023-08-29T16:58:55.591" v="2292" actId="478"/>
+          <ac:spMkLst>
+            <pc:docMk/>
+            <pc:sldMk cId="3703205194" sldId="265"/>
+            <ac:spMk id="40" creationId="{83C530CE-A30B-99CE-3917-9BA25CA08773}"/>
+          </ac:spMkLst>
+        </pc:spChg>
+        <pc:spChg chg="del">
+          <ac:chgData name="苑 润泽" userId="0783eeab76cf4181" providerId="LiveId" clId="{8F46019D-248D-48EE-8955-6019E00368B9}" dt="2023-08-29T16:58:55.591" v="2292" actId="478"/>
+          <ac:spMkLst>
+            <pc:docMk/>
+            <pc:sldMk cId="3703205194" sldId="265"/>
+            <ac:spMk id="41" creationId="{EF15CCE6-1C07-C0FC-2C4A-0D9E10BA2952}"/>
+          </ac:spMkLst>
+        </pc:spChg>
+        <pc:spChg chg="del">
+          <ac:chgData name="苑 润泽" userId="0783eeab76cf4181" providerId="LiveId" clId="{8F46019D-248D-48EE-8955-6019E00368B9}" dt="2023-08-29T16:58:55.591" v="2292" actId="478"/>
+          <ac:spMkLst>
+            <pc:docMk/>
+            <pc:sldMk cId="3703205194" sldId="265"/>
+            <ac:spMk id="42" creationId="{B9BACC2A-EBEE-0E93-81B6-995A4C2F20CE}"/>
+          </ac:spMkLst>
+        </pc:spChg>
+        <pc:spChg chg="del">
+          <ac:chgData name="苑 润泽" userId="0783eeab76cf4181" providerId="LiveId" clId="{8F46019D-248D-48EE-8955-6019E00368B9}" dt="2023-08-29T16:58:55.591" v="2292" actId="478"/>
+          <ac:spMkLst>
+            <pc:docMk/>
+            <pc:sldMk cId="3703205194" sldId="265"/>
+            <ac:spMk id="44" creationId="{C40E3BC5-BC3E-C8FF-7AEE-843CC5F5CD32}"/>
+          </ac:spMkLst>
+        </pc:spChg>
+        <pc:spChg chg="del">
+          <ac:chgData name="苑 润泽" userId="0783eeab76cf4181" providerId="LiveId" clId="{8F46019D-248D-48EE-8955-6019E00368B9}" dt="2023-08-29T16:58:55.591" v="2292" actId="478"/>
+          <ac:spMkLst>
+            <pc:docMk/>
+            <pc:sldMk cId="3703205194" sldId="265"/>
+            <ac:spMk id="45" creationId="{321269B2-AD5F-ADC9-0844-3D96801EC05C}"/>
+          </ac:spMkLst>
+        </pc:spChg>
+        <pc:spChg chg="add mod">
+          <ac:chgData name="苑 润泽" userId="0783eeab76cf4181" providerId="LiveId" clId="{8F46019D-248D-48EE-8955-6019E00368B9}" dt="2023-08-29T21:32:26.042" v="2676" actId="1076"/>
+          <ac:spMkLst>
+            <pc:docMk/>
+            <pc:sldMk cId="3703205194" sldId="265"/>
+            <ac:spMk id="88" creationId="{AF3E0491-BFD5-AF55-C045-551B6F476813}"/>
+          </ac:spMkLst>
+        </pc:spChg>
+        <pc:spChg chg="add mod">
+          <ac:chgData name="苑 润泽" userId="0783eeab76cf4181" providerId="LiveId" clId="{8F46019D-248D-48EE-8955-6019E00368B9}" dt="2023-08-29T21:34:20.453" v="2734" actId="571"/>
+          <ac:spMkLst>
+            <pc:docMk/>
+            <pc:sldMk cId="3703205194" sldId="265"/>
+            <ac:spMk id="104" creationId="{27F42C94-18BB-331D-A211-446DE2E1B5D4}"/>
+          </ac:spMkLst>
+        </pc:spChg>
+        <pc:grpChg chg="add mod">
+          <ac:chgData name="苑 润泽" userId="0783eeab76cf4181" providerId="LiveId" clId="{8F46019D-248D-48EE-8955-6019E00368B9}" dt="2023-08-29T21:32:38.661" v="2678" actId="164"/>
+          <ac:grpSpMkLst>
+            <pc:docMk/>
+            <pc:sldMk cId="3703205194" sldId="265"/>
+            <ac:grpSpMk id="89" creationId="{AED6CDF2-990F-A114-8C47-38EE0219B288}"/>
+          </ac:grpSpMkLst>
+        </pc:grpChg>
+        <pc:grpChg chg="add mod">
+          <ac:chgData name="苑 润泽" userId="0783eeab76cf4181" providerId="LiveId" clId="{8F46019D-248D-48EE-8955-6019E00368B9}" dt="2023-08-29T21:33:45.822" v="2724" actId="14100"/>
+          <ac:grpSpMkLst>
+            <pc:docMk/>
+            <pc:sldMk cId="3703205194" sldId="265"/>
+            <ac:grpSpMk id="90" creationId="{B05E5BCB-C4F1-3364-32DC-4C8CF48C4C7D}"/>
+          </ac:grpSpMkLst>
+        </pc:grpChg>
+        <pc:graphicFrameChg chg="del">
+          <ac:chgData name="苑 润泽" userId="0783eeab76cf4181" providerId="LiveId" clId="{8F46019D-248D-48EE-8955-6019E00368B9}" dt="2023-08-29T16:58:55.591" v="2292" actId="478"/>
+          <ac:graphicFrameMkLst>
+            <pc:docMk/>
+            <pc:sldMk cId="3703205194" sldId="265"/>
+            <ac:graphicFrameMk id="4" creationId="{9E747222-9EAC-2D8D-EAD7-A4A410BEE4AE}"/>
+          </ac:graphicFrameMkLst>
+        </pc:graphicFrameChg>
+        <pc:graphicFrameChg chg="add mod modGraphic">
+          <ac:chgData name="苑 润泽" userId="0783eeab76cf4181" providerId="LiveId" clId="{8F46019D-248D-48EE-8955-6019E00368B9}" dt="2023-08-29T21:31:27.084" v="2628" actId="14100"/>
+          <ac:graphicFrameMkLst>
+            <pc:docMk/>
+            <pc:sldMk cId="3703205194" sldId="265"/>
+            <ac:graphicFrameMk id="46" creationId="{12A45507-0E83-8816-70C4-C50B47C355B5}"/>
+          </ac:graphicFrameMkLst>
+        </pc:graphicFrameChg>
+        <pc:graphicFrameChg chg="add mod modGraphic">
+          <ac:chgData name="苑 润泽" userId="0783eeab76cf4181" providerId="LiveId" clId="{8F46019D-248D-48EE-8955-6019E00368B9}" dt="2023-08-29T21:34:11.390" v="2731" actId="14100"/>
+          <ac:graphicFrameMkLst>
+            <pc:docMk/>
+            <pc:sldMk cId="3703205194" sldId="265"/>
+            <ac:graphicFrameMk id="70" creationId="{8EFC2959-4FBA-A018-3C9F-B270D30623BB}"/>
+          </ac:graphicFrameMkLst>
+        </pc:graphicFrameChg>
+        <pc:picChg chg="add del mod">
+          <ac:chgData name="苑 润泽" userId="0783eeab76cf4181" providerId="LiveId" clId="{8F46019D-248D-48EE-8955-6019E00368B9}" dt="2023-08-29T17:11:00.983" v="2456" actId="478"/>
+          <ac:picMkLst>
+            <pc:docMk/>
+            <pc:sldMk cId="3703205194" sldId="265"/>
+            <ac:picMk id="7" creationId="{0EF712F2-8525-A887-D64B-A306207B9F7C}"/>
+          </ac:picMkLst>
+        </pc:picChg>
+        <pc:cxnChg chg="del">
+          <ac:chgData name="苑 润泽" userId="0783eeab76cf4181" providerId="LiveId" clId="{8F46019D-248D-48EE-8955-6019E00368B9}" dt="2023-08-29T16:58:55.591" v="2292" actId="478"/>
+          <ac:cxnSpMkLst>
+            <pc:docMk/>
+            <pc:sldMk cId="3703205194" sldId="265"/>
+            <ac:cxnSpMk id="3" creationId="{18AAD875-95E0-75F2-F1D8-6EADA451AF4C}"/>
+          </ac:cxnSpMkLst>
+        </pc:cxnChg>
+        <pc:cxnChg chg="add del mod">
+          <ac:chgData name="苑 润泽" userId="0783eeab76cf4181" providerId="LiveId" clId="{8F46019D-248D-48EE-8955-6019E00368B9}" dt="2023-08-29T17:11:02.852" v="2457" actId="478"/>
+          <ac:cxnSpMkLst>
+            <pc:docMk/>
+            <pc:sldMk cId="3703205194" sldId="265"/>
+            <ac:cxnSpMk id="13" creationId="{191F1C73-E3A7-751B-E48A-1F14EF24EB00}"/>
+          </ac:cxnSpMkLst>
+        </pc:cxnChg>
+        <pc:cxnChg chg="add del mod">
+          <ac:chgData name="苑 润泽" userId="0783eeab76cf4181" providerId="LiveId" clId="{8F46019D-248D-48EE-8955-6019E00368B9}" dt="2023-08-29T17:11:02.852" v="2457" actId="478"/>
+          <ac:cxnSpMkLst>
+            <pc:docMk/>
+            <pc:sldMk cId="3703205194" sldId="265"/>
+            <ac:cxnSpMk id="16" creationId="{BD6E9521-8AB7-A2F4-FDD9-83E2A6E323C8}"/>
+          </ac:cxnSpMkLst>
+        </pc:cxnChg>
+        <pc:cxnChg chg="del mod">
+          <ac:chgData name="苑 润泽" userId="0783eeab76cf4181" providerId="LiveId" clId="{8F46019D-248D-48EE-8955-6019E00368B9}" dt="2023-08-29T16:58:55.591" v="2292" actId="478"/>
+          <ac:cxnSpMkLst>
+            <pc:docMk/>
+            <pc:sldMk cId="3703205194" sldId="265"/>
+            <ac:cxnSpMk id="17" creationId="{6EA9CD24-EBC2-B352-D80B-EB69A1E95A2D}"/>
+          </ac:cxnSpMkLst>
+        </pc:cxnChg>
+        <pc:cxnChg chg="del mod">
+          <ac:chgData name="苑 润泽" userId="0783eeab76cf4181" providerId="LiveId" clId="{8F46019D-248D-48EE-8955-6019E00368B9}" dt="2023-08-29T16:58:55.591" v="2292" actId="478"/>
+          <ac:cxnSpMkLst>
+            <pc:docMk/>
+            <pc:sldMk cId="3703205194" sldId="265"/>
+            <ac:cxnSpMk id="19" creationId="{D4E3E743-97C5-C67F-2E7B-CFC4C096BF81}"/>
+          </ac:cxnSpMkLst>
+        </pc:cxnChg>
+        <pc:cxnChg chg="add del mod">
+          <ac:chgData name="苑 润泽" userId="0783eeab76cf4181" providerId="LiveId" clId="{8F46019D-248D-48EE-8955-6019E00368B9}" dt="2023-08-29T17:11:02.852" v="2457" actId="478"/>
+          <ac:cxnSpMkLst>
+            <pc:docMk/>
+            <pc:sldMk cId="3703205194" sldId="265"/>
+            <ac:cxnSpMk id="21" creationId="{C8B9DE96-B89D-0CEE-D166-8AB07D71429F}"/>
+          </ac:cxnSpMkLst>
+        </pc:cxnChg>
+        <pc:cxnChg chg="del mod">
+          <ac:chgData name="苑 润泽" userId="0783eeab76cf4181" providerId="LiveId" clId="{8F46019D-248D-48EE-8955-6019E00368B9}" dt="2023-08-29T16:58:55.591" v="2292" actId="478"/>
+          <ac:cxnSpMkLst>
+            <pc:docMk/>
+            <pc:sldMk cId="3703205194" sldId="265"/>
+            <ac:cxnSpMk id="23" creationId="{F561E364-CBD5-AF6B-76C2-B47E2E3F548E}"/>
+          </ac:cxnSpMkLst>
+        </pc:cxnChg>
+        <pc:cxnChg chg="add del mod">
+          <ac:chgData name="苑 润泽" userId="0783eeab76cf4181" providerId="LiveId" clId="{8F46019D-248D-48EE-8955-6019E00368B9}" dt="2023-08-29T17:11:02.852" v="2457" actId="478"/>
+          <ac:cxnSpMkLst>
+            <pc:docMk/>
+            <pc:sldMk cId="3703205194" sldId="265"/>
+            <ac:cxnSpMk id="25" creationId="{533812A3-16E8-726B-4E11-B0B853EA8B85}"/>
+          </ac:cxnSpMkLst>
+        </pc:cxnChg>
+        <pc:cxnChg chg="del mod">
+          <ac:chgData name="苑 润泽" userId="0783eeab76cf4181" providerId="LiveId" clId="{8F46019D-248D-48EE-8955-6019E00368B9}" dt="2023-08-29T16:58:55.591" v="2292" actId="478"/>
+          <ac:cxnSpMkLst>
+            <pc:docMk/>
+            <pc:sldMk cId="3703205194" sldId="265"/>
+            <ac:cxnSpMk id="29" creationId="{FEB92FCC-20B0-CA70-891E-0613DA57CF7C}"/>
+          </ac:cxnSpMkLst>
+        </pc:cxnChg>
+        <pc:cxnChg chg="del">
+          <ac:chgData name="苑 润泽" userId="0783eeab76cf4181" providerId="LiveId" clId="{8F46019D-248D-48EE-8955-6019E00368B9}" dt="2023-08-29T16:58:55.591" v="2292" actId="478"/>
+          <ac:cxnSpMkLst>
+            <pc:docMk/>
+            <pc:sldMk cId="3703205194" sldId="265"/>
+            <ac:cxnSpMk id="31" creationId="{B43322BC-FFE0-1687-7AF0-11377FBED72A}"/>
+          </ac:cxnSpMkLst>
+        </pc:cxnChg>
+        <pc:cxnChg chg="del">
+          <ac:chgData name="苑 润泽" userId="0783eeab76cf4181" providerId="LiveId" clId="{8F46019D-248D-48EE-8955-6019E00368B9}" dt="2023-08-29T16:58:55.591" v="2292" actId="478"/>
+          <ac:cxnSpMkLst>
+            <pc:docMk/>
+            <pc:sldMk cId="3703205194" sldId="265"/>
+            <ac:cxnSpMk id="33" creationId="{52E3D661-67AD-3660-5B78-A32495B91831}"/>
+          </ac:cxnSpMkLst>
+        </pc:cxnChg>
+        <pc:cxnChg chg="add del mod">
+          <ac:chgData name="苑 润泽" userId="0783eeab76cf4181" providerId="LiveId" clId="{8F46019D-248D-48EE-8955-6019E00368B9}" dt="2023-08-29T17:13:55.828" v="2464" actId="11529"/>
+          <ac:cxnSpMkLst>
+            <pc:docMk/>
+            <pc:sldMk cId="3703205194" sldId="265"/>
+            <ac:cxnSpMk id="34" creationId="{9F11C680-0EF7-FC40-B10D-1C1CDC72B733}"/>
+          </ac:cxnSpMkLst>
+        </pc:cxnChg>
+        <pc:cxnChg chg="del">
+          <ac:chgData name="苑 润泽" userId="0783eeab76cf4181" providerId="LiveId" clId="{8F46019D-248D-48EE-8955-6019E00368B9}" dt="2023-08-29T16:58:55.591" v="2292" actId="478"/>
+          <ac:cxnSpMkLst>
+            <pc:docMk/>
+            <pc:sldMk cId="3703205194" sldId="265"/>
+            <ac:cxnSpMk id="35" creationId="{F55F7EBB-2B33-AD5E-AC9B-3C0E85752210}"/>
+          </ac:cxnSpMkLst>
+        </pc:cxnChg>
+        <pc:cxnChg chg="del">
+          <ac:chgData name="苑 润泽" userId="0783eeab76cf4181" providerId="LiveId" clId="{8F46019D-248D-48EE-8955-6019E00368B9}" dt="2023-08-29T16:58:55.591" v="2292" actId="478"/>
+          <ac:cxnSpMkLst>
+            <pc:docMk/>
+            <pc:sldMk cId="3703205194" sldId="265"/>
+            <ac:cxnSpMk id="37" creationId="{1E5B3381-9816-4D4E-EFDD-4A94892544CB}"/>
+          </ac:cxnSpMkLst>
+        </pc:cxnChg>
+        <pc:cxnChg chg="add del mod">
+          <ac:chgData name="苑 润泽" userId="0783eeab76cf4181" providerId="LiveId" clId="{8F46019D-248D-48EE-8955-6019E00368B9}" dt="2023-08-29T17:14:05.861" v="2466" actId="478"/>
+          <ac:cxnSpMkLst>
+            <pc:docMk/>
+            <pc:sldMk cId="3703205194" sldId="265"/>
+            <ac:cxnSpMk id="43" creationId="{FF7A0620-CF4F-2486-B3C6-2B7E6B0C98D8}"/>
+          </ac:cxnSpMkLst>
+        </pc:cxnChg>
+        <pc:cxnChg chg="add del">
+          <ac:chgData name="苑 润泽" userId="0783eeab76cf4181" providerId="LiveId" clId="{8F46019D-248D-48EE-8955-6019E00368B9}" dt="2023-08-29T21:22:33.327" v="2512" actId="11529"/>
+          <ac:cxnSpMkLst>
+            <pc:docMk/>
+            <pc:sldMk cId="3703205194" sldId="265"/>
+            <ac:cxnSpMk id="48" creationId="{58C3288B-6FC5-8106-7CF8-863DD7A8547F}"/>
+          </ac:cxnSpMkLst>
+        </pc:cxnChg>
+        <pc:cxnChg chg="add mod">
+          <ac:chgData name="苑 润泽" userId="0783eeab76cf4181" providerId="LiveId" clId="{8F46019D-248D-48EE-8955-6019E00368B9}" dt="2023-08-29T21:31:02.311" v="2623" actId="14100"/>
+          <ac:cxnSpMkLst>
+            <pc:docMk/>
+            <pc:sldMk cId="3703205194" sldId="265"/>
+            <ac:cxnSpMk id="50" creationId="{65C82B21-CCBD-5755-6B17-D0EF0D23BB2E}"/>
+          </ac:cxnSpMkLst>
+        </pc:cxnChg>
+        <pc:cxnChg chg="add del">
+          <ac:chgData name="苑 润泽" userId="0783eeab76cf4181" providerId="LiveId" clId="{8F46019D-248D-48EE-8955-6019E00368B9}" dt="2023-08-29T21:23:06.709" v="2523" actId="11529"/>
+          <ac:cxnSpMkLst>
+            <pc:docMk/>
+            <pc:sldMk cId="3703205194" sldId="265"/>
+            <ac:cxnSpMk id="53" creationId="{B4595097-E13B-5E3A-DCC3-E85FD5B9819C}"/>
+          </ac:cxnSpMkLst>
+        </pc:cxnChg>
+        <pc:cxnChg chg="add mod">
+          <ac:chgData name="苑 润泽" userId="0783eeab76cf4181" providerId="LiveId" clId="{8F46019D-248D-48EE-8955-6019E00368B9}" dt="2023-08-29T21:32:38.661" v="2678" actId="164"/>
+          <ac:cxnSpMkLst>
+            <pc:docMk/>
+            <pc:sldMk cId="3703205194" sldId="265"/>
+            <ac:cxnSpMk id="54" creationId="{F4A55773-9AC9-1F4A-9D75-4884E6BF30B6}"/>
+          </ac:cxnSpMkLst>
+        </pc:cxnChg>
+        <pc:cxnChg chg="add mod">
+          <ac:chgData name="苑 润泽" userId="0783eeab76cf4181" providerId="LiveId" clId="{8F46019D-248D-48EE-8955-6019E00368B9}" dt="2023-08-29T21:32:38.661" v="2678" actId="164"/>
+          <ac:cxnSpMkLst>
+            <pc:docMk/>
+            <pc:sldMk cId="3703205194" sldId="265"/>
+            <ac:cxnSpMk id="61" creationId="{76696FA7-EDE9-71D0-8181-6F764D06A5A9}"/>
+          </ac:cxnSpMkLst>
+        </pc:cxnChg>
+        <pc:cxnChg chg="add mod">
+          <ac:chgData name="苑 润泽" userId="0783eeab76cf4181" providerId="LiveId" clId="{8F46019D-248D-48EE-8955-6019E00368B9}" dt="2023-08-29T21:23:50.269" v="2535" actId="571"/>
+          <ac:cxnSpMkLst>
+            <pc:docMk/>
+            <pc:sldMk cId="3703205194" sldId="265"/>
+            <ac:cxnSpMk id="63" creationId="{7BF739B2-56F3-E996-6EA8-650DC4AA8BE4}"/>
+          </ac:cxnSpMkLst>
+        </pc:cxnChg>
+        <pc:cxnChg chg="add mod">
+          <ac:chgData name="苑 润泽" userId="0783eeab76cf4181" providerId="LiveId" clId="{8F46019D-248D-48EE-8955-6019E00368B9}" dt="2023-08-29T21:32:38.661" v="2678" actId="164"/>
+          <ac:cxnSpMkLst>
+            <pc:docMk/>
+            <pc:sldMk cId="3703205194" sldId="265"/>
+            <ac:cxnSpMk id="64" creationId="{01F36AFC-6E1E-A5F0-6E95-377002F385F0}"/>
+          </ac:cxnSpMkLst>
+        </pc:cxnChg>
+        <pc:cxnChg chg="add del mod">
+          <ac:chgData name="苑 润泽" userId="0783eeab76cf4181" providerId="LiveId" clId="{8F46019D-248D-48EE-8955-6019E00368B9}" dt="2023-08-29T21:24:03.202" v="2538" actId="478"/>
+          <ac:cxnSpMkLst>
+            <pc:docMk/>
+            <pc:sldMk cId="3703205194" sldId="265"/>
+            <ac:cxnSpMk id="65" creationId="{646BADC7-A40E-103B-51CD-E61FFC4C2B1E}"/>
+          </ac:cxnSpMkLst>
+        </pc:cxnChg>
+        <pc:cxnChg chg="add mod">
+          <ac:chgData name="苑 润泽" userId="0783eeab76cf4181" providerId="LiveId" clId="{8F46019D-248D-48EE-8955-6019E00368B9}" dt="2023-08-29T21:35:36.277" v="2743" actId="14100"/>
+          <ac:cxnSpMkLst>
+            <pc:docMk/>
+            <pc:sldMk cId="3703205194" sldId="265"/>
+            <ac:cxnSpMk id="66" creationId="{5A988251-06E7-A312-546A-DD69AEBAE538}"/>
+          </ac:cxnSpMkLst>
+        </pc:cxnChg>
+        <pc:cxnChg chg="add mod">
+          <ac:chgData name="苑 润泽" userId="0783eeab76cf4181" providerId="LiveId" clId="{8F46019D-248D-48EE-8955-6019E00368B9}" dt="2023-08-29T21:31:23.851" v="2627" actId="14100"/>
+          <ac:cxnSpMkLst>
+            <pc:docMk/>
+            <pc:sldMk cId="3703205194" sldId="265"/>
+            <ac:cxnSpMk id="67" creationId="{24559E24-DE39-68C2-D434-519421A52D40}"/>
+          </ac:cxnSpMkLst>
+        </pc:cxnChg>
+        <pc:cxnChg chg="add mod">
+          <ac:chgData name="苑 润泽" userId="0783eeab76cf4181" providerId="LiveId" clId="{8F46019D-248D-48EE-8955-6019E00368B9}" dt="2023-08-29T21:28:10.967" v="2596" actId="571"/>
+          <ac:cxnSpMkLst>
+            <pc:docMk/>
+            <pc:sldMk cId="3703205194" sldId="265"/>
+            <ac:cxnSpMk id="71" creationId="{8637E60F-77B3-2F23-1A32-A901EF7E3ABD}"/>
+          </ac:cxnSpMkLst>
+        </pc:cxnChg>
+        <pc:cxnChg chg="add mod">
+          <ac:chgData name="苑 润泽" userId="0783eeab76cf4181" providerId="LiveId" clId="{8F46019D-248D-48EE-8955-6019E00368B9}" dt="2023-08-29T21:34:11.390" v="2731" actId="14100"/>
+          <ac:cxnSpMkLst>
+            <pc:docMk/>
+            <pc:sldMk cId="3703205194" sldId="265"/>
+            <ac:cxnSpMk id="72" creationId="{DB11F899-52D6-B47F-5B49-99A8C026F1BB}"/>
+          </ac:cxnSpMkLst>
+        </pc:cxnChg>
+        <pc:cxnChg chg="add mod">
+          <ac:chgData name="苑 润泽" userId="0783eeab76cf4181" providerId="LiveId" clId="{8F46019D-248D-48EE-8955-6019E00368B9}" dt="2023-08-29T21:33:38.794" v="2722" actId="14100"/>
+          <ac:cxnSpMkLst>
+            <pc:docMk/>
+            <pc:sldMk cId="3703205194" sldId="265"/>
+            <ac:cxnSpMk id="76" creationId="{2D326427-D2F1-79B6-B43B-F50108BEBB16}"/>
+          </ac:cxnSpMkLst>
+        </pc:cxnChg>
+        <pc:cxnChg chg="add mod">
+          <ac:chgData name="苑 润泽" userId="0783eeab76cf4181" providerId="LiveId" clId="{8F46019D-248D-48EE-8955-6019E00368B9}" dt="2023-08-29T21:31:53.747" v="2630" actId="13822"/>
+          <ac:cxnSpMkLst>
+            <pc:docMk/>
+            <pc:sldMk cId="3703205194" sldId="265"/>
+            <ac:cxnSpMk id="87" creationId="{96E8F14B-1359-BB49-6DCD-7AD320C3661E}"/>
+          </ac:cxnSpMkLst>
+        </pc:cxnChg>
+        <pc:cxnChg chg="add del mod">
+          <ac:chgData name="苑 润泽" userId="0783eeab76cf4181" providerId="LiveId" clId="{8F46019D-248D-48EE-8955-6019E00368B9}" dt="2023-08-29T21:34:54.091" v="2742" actId="14100"/>
+          <ac:cxnSpMkLst>
+            <pc:docMk/>
+            <pc:sldMk cId="3703205194" sldId="265"/>
+            <ac:cxnSpMk id="91" creationId="{1486E8EF-4C2A-26E1-4C75-58655DAC52DE}"/>
+          </ac:cxnSpMkLst>
+        </pc:cxnChg>
+        <pc:cxnChg chg="mod">
+          <ac:chgData name="苑 润泽" userId="0783eeab76cf4181" providerId="LiveId" clId="{8F46019D-248D-48EE-8955-6019E00368B9}" dt="2023-08-29T21:34:30.599" v="2735" actId="1076"/>
+          <ac:cxnSpMkLst>
+            <pc:docMk/>
+            <pc:sldMk cId="3703205194" sldId="265"/>
+            <ac:cxnSpMk id="92" creationId="{546EA2F6-FAB1-9AC7-65CC-46EB38FC0F0A}"/>
+          </ac:cxnSpMkLst>
+        </pc:cxnChg>
+        <pc:cxnChg chg="mod">
+          <ac:chgData name="苑 润泽" userId="0783eeab76cf4181" providerId="LiveId" clId="{8F46019D-248D-48EE-8955-6019E00368B9}" dt="2023-08-29T21:34:32.763" v="2736" actId="14100"/>
+          <ac:cxnSpMkLst>
+            <pc:docMk/>
+            <pc:sldMk cId="3703205194" sldId="265"/>
+            <ac:cxnSpMk id="93" creationId="{66C87E15-A94B-1894-8436-42CD9ED3409F}"/>
+          </ac:cxnSpMkLst>
+        </pc:cxnChg>
+        <pc:cxnChg chg="add mod">
+          <ac:chgData name="苑 润泽" userId="0783eeab76cf4181" providerId="LiveId" clId="{8F46019D-248D-48EE-8955-6019E00368B9}" dt="2023-08-29T21:34:01.749" v="2728" actId="692"/>
+          <ac:cxnSpMkLst>
+            <pc:docMk/>
+            <pc:sldMk cId="3703205194" sldId="265"/>
+            <ac:cxnSpMk id="96" creationId="{6D1706B8-F40E-8F24-8B76-9F2AD8E8237B}"/>
+          </ac:cxnSpMkLst>
+        </pc:cxnChg>
+        <pc:cxnChg chg="add mod">
+          <ac:chgData name="苑 润泽" userId="0783eeab76cf4181" providerId="LiveId" clId="{8F46019D-248D-48EE-8955-6019E00368B9}" dt="2023-08-29T21:34:17.314" v="2733" actId="1076"/>
+          <ac:cxnSpMkLst>
+            <pc:docMk/>
+            <pc:sldMk cId="3703205194" sldId="265"/>
+            <ac:cxnSpMk id="100" creationId="{05A5AD35-6612-61A3-8371-533A65DBB8BF}"/>
           </ac:cxnSpMkLst>
         </pc:cxnChg>
       </pc:sldChg>
@@ -3283,7 +3747,7 @@
           <a:p>
             <a:fld id="{BFD65AB2-401A-4355-8D1C-8A6C9B3461AD}" type="datetimeFigureOut">
               <a:rPr lang="zh-CN" altLang="en-US" smtClean="0"/>
-              <a:t>2023/8/28</a:t>
+              <a:t>2023/8/29</a:t>
             </a:fld>
             <a:endParaRPr lang="zh-CN" altLang="en-US"/>
           </a:p>
@@ -3697,7 +4161,7 @@
           <a:p>
             <a:fld id="{7829C5DA-417D-443D-A6D3-E52113842282}" type="datetimeFigureOut">
               <a:rPr lang="zh-CN" altLang="en-US" smtClean="0"/>
-              <a:t>2023/8/28</a:t>
+              <a:t>2023/8/29</a:t>
             </a:fld>
             <a:endParaRPr lang="zh-CN" altLang="en-US"/>
           </a:p>
@@ -3895,7 +4359,7 @@
           <a:p>
             <a:fld id="{7829C5DA-417D-443D-A6D3-E52113842282}" type="datetimeFigureOut">
               <a:rPr lang="zh-CN" altLang="en-US" smtClean="0"/>
-              <a:t>2023/8/28</a:t>
+              <a:t>2023/8/29</a:t>
             </a:fld>
             <a:endParaRPr lang="zh-CN" altLang="en-US"/>
           </a:p>
@@ -4103,7 +4567,7 @@
           <a:p>
             <a:fld id="{7829C5DA-417D-443D-A6D3-E52113842282}" type="datetimeFigureOut">
               <a:rPr lang="zh-CN" altLang="en-US" smtClean="0"/>
-              <a:t>2023/8/28</a:t>
+              <a:t>2023/8/29</a:t>
             </a:fld>
             <a:endParaRPr lang="zh-CN" altLang="en-US"/>
           </a:p>
@@ -4301,7 +4765,7 @@
           <a:p>
             <a:fld id="{7829C5DA-417D-443D-A6D3-E52113842282}" type="datetimeFigureOut">
               <a:rPr lang="zh-CN" altLang="en-US" smtClean="0"/>
-              <a:t>2023/8/28</a:t>
+              <a:t>2023/8/29</a:t>
             </a:fld>
             <a:endParaRPr lang="zh-CN" altLang="en-US"/>
           </a:p>
@@ -4576,7 +5040,7 @@
           <a:p>
             <a:fld id="{7829C5DA-417D-443D-A6D3-E52113842282}" type="datetimeFigureOut">
               <a:rPr lang="zh-CN" altLang="en-US" smtClean="0"/>
-              <a:t>2023/8/28</a:t>
+              <a:t>2023/8/29</a:t>
             </a:fld>
             <a:endParaRPr lang="zh-CN" altLang="en-US"/>
           </a:p>
@@ -4841,7 +5305,7 @@
           <a:p>
             <a:fld id="{7829C5DA-417D-443D-A6D3-E52113842282}" type="datetimeFigureOut">
               <a:rPr lang="zh-CN" altLang="en-US" smtClean="0"/>
-              <a:t>2023/8/28</a:t>
+              <a:t>2023/8/29</a:t>
             </a:fld>
             <a:endParaRPr lang="zh-CN" altLang="en-US"/>
           </a:p>
@@ -5253,7 +5717,7 @@
           <a:p>
             <a:fld id="{7829C5DA-417D-443D-A6D3-E52113842282}" type="datetimeFigureOut">
               <a:rPr lang="zh-CN" altLang="en-US" smtClean="0"/>
-              <a:t>2023/8/28</a:t>
+              <a:t>2023/8/29</a:t>
             </a:fld>
             <a:endParaRPr lang="zh-CN" altLang="en-US"/>
           </a:p>
@@ -5394,7 +5858,7 @@
           <a:p>
             <a:fld id="{7829C5DA-417D-443D-A6D3-E52113842282}" type="datetimeFigureOut">
               <a:rPr lang="zh-CN" altLang="en-US" smtClean="0"/>
-              <a:t>2023/8/28</a:t>
+              <a:t>2023/8/29</a:t>
             </a:fld>
             <a:endParaRPr lang="zh-CN" altLang="en-US"/>
           </a:p>
@@ -5507,7 +5971,7 @@
           <a:p>
             <a:fld id="{7829C5DA-417D-443D-A6D3-E52113842282}" type="datetimeFigureOut">
               <a:rPr lang="zh-CN" altLang="en-US" smtClean="0"/>
-              <a:t>2023/8/28</a:t>
+              <a:t>2023/8/29</a:t>
             </a:fld>
             <a:endParaRPr lang="zh-CN" altLang="en-US"/>
           </a:p>
@@ -5818,7 +6282,7 @@
           <a:p>
             <a:fld id="{7829C5DA-417D-443D-A6D3-E52113842282}" type="datetimeFigureOut">
               <a:rPr lang="zh-CN" altLang="en-US" smtClean="0"/>
-              <a:t>2023/8/28</a:t>
+              <a:t>2023/8/29</a:t>
             </a:fld>
             <a:endParaRPr lang="zh-CN" altLang="en-US"/>
           </a:p>
@@ -6106,7 +6570,7 @@
           <a:p>
             <a:fld id="{7829C5DA-417D-443D-A6D3-E52113842282}" type="datetimeFigureOut">
               <a:rPr lang="zh-CN" altLang="en-US" smtClean="0"/>
-              <a:t>2023/8/28</a:t>
+              <a:t>2023/8/29</a:t>
             </a:fld>
             <a:endParaRPr lang="zh-CN" altLang="en-US"/>
           </a:p>
@@ -6347,7 +6811,7 @@
           <a:p>
             <a:fld id="{7829C5DA-417D-443D-A6D3-E52113842282}" type="datetimeFigureOut">
               <a:rPr lang="zh-CN" altLang="en-US" smtClean="0"/>
-              <a:t>2023/8/28</a:t>
+              <a:t>2023/8/29</a:t>
             </a:fld>
             <a:endParaRPr lang="zh-CN" altLang="en-US"/>
           </a:p>
@@ -6900,7 +7364,7 @@
                     <a:bodyPr/>
                     <a:lstStyle/>
                     <a:p>
-                      <a:endParaRPr lang="zh-CN" altLang="en-US"/>
+                      <a:endParaRPr lang="zh-CN" altLang="en-US" dirty="0"/>
                     </a:p>
                   </a:txBody>
                   <a:tcPr>
@@ -7189,6 +7653,2787 @@
     <p:extLst>
       <p:ext uri="{BB962C8B-B14F-4D97-AF65-F5344CB8AC3E}">
         <p14:creationId xmlns:p14="http://schemas.microsoft.com/office/powerpoint/2010/main" val="3529815699"/>
+      </p:ext>
+    </p:extLst>
+  </p:cSld>
+  <p:clrMapOvr>
+    <a:masterClrMapping/>
+  </p:clrMapOvr>
+</p:sld>
+</file>
+
+<file path=ppt/slides/slide10.xml><?xml version="1.0" encoding="utf-8"?>
+<p:sld xmlns:a="http://schemas.openxmlformats.org/drawingml/2006/main" xmlns:r="http://schemas.openxmlformats.org/officeDocument/2006/relationships" xmlns:p="http://schemas.openxmlformats.org/presentationml/2006/main">
+  <p:cSld>
+    <p:spTree>
+      <p:nvGrpSpPr>
+        <p:cNvPr id="1" name=""/>
+        <p:cNvGrpSpPr/>
+        <p:nvPr/>
+      </p:nvGrpSpPr>
+      <p:grpSpPr>
+        <a:xfrm>
+          <a:off x="0" y="0"/>
+          <a:ext cx="0" cy="0"/>
+          <a:chOff x="0" y="0"/>
+          <a:chExt cx="0" cy="0"/>
+        </a:xfrm>
+      </p:grpSpPr>
+      <p:graphicFrame>
+        <p:nvGraphicFramePr>
+          <p:cNvPr id="46" name="表格 4">
+            <a:extLst>
+              <a:ext uri="{FF2B5EF4-FFF2-40B4-BE49-F238E27FC236}">
+                <a16:creationId xmlns:a16="http://schemas.microsoft.com/office/drawing/2014/main" id="{12A45507-0E83-8816-70C4-C50B47C355B5}"/>
+              </a:ext>
+            </a:extLst>
+          </p:cNvPr>
+          <p:cNvGraphicFramePr>
+            <a:graphicFrameLocks noGrp="1"/>
+          </p:cNvGraphicFramePr>
+          <p:nvPr>
+            <p:extLst>
+              <p:ext uri="{D42A27DB-BD31-4B8C-83A1-F6EECF244321}">
+                <p14:modId xmlns:p14="http://schemas.microsoft.com/office/powerpoint/2010/main" val="4060978373"/>
+              </p:ext>
+            </p:extLst>
+          </p:nvPr>
+        </p:nvGraphicFramePr>
+        <p:xfrm>
+          <a:off x="3778533" y="1197336"/>
+          <a:ext cx="3612235" cy="1508586"/>
+        </p:xfrm>
+        <a:graphic>
+          <a:graphicData uri="http://schemas.openxmlformats.org/drawingml/2006/table">
+            <a:tbl>
+              <a:tblPr firstRow="1" bandRow="1">
+                <a:tableStyleId>{5C22544A-7EE6-4342-B048-85BDC9FD1C3A}</a:tableStyleId>
+              </a:tblPr>
+              <a:tblGrid>
+                <a:gridCol w="722447">
+                  <a:extLst>
+                    <a:ext uri="{9D8B030D-6E8A-4147-A177-3AD203B41FA5}">
+                      <a16:colId xmlns:a16="http://schemas.microsoft.com/office/drawing/2014/main" val="1247109164"/>
+                    </a:ext>
+                  </a:extLst>
+                </a:gridCol>
+                <a:gridCol w="722447">
+                  <a:extLst>
+                    <a:ext uri="{9D8B030D-6E8A-4147-A177-3AD203B41FA5}">
+                      <a16:colId xmlns:a16="http://schemas.microsoft.com/office/drawing/2014/main" val="319449061"/>
+                    </a:ext>
+                  </a:extLst>
+                </a:gridCol>
+                <a:gridCol w="722447">
+                  <a:extLst>
+                    <a:ext uri="{9D8B030D-6E8A-4147-A177-3AD203B41FA5}">
+                      <a16:colId xmlns:a16="http://schemas.microsoft.com/office/drawing/2014/main" val="227559631"/>
+                    </a:ext>
+                  </a:extLst>
+                </a:gridCol>
+                <a:gridCol w="722447">
+                  <a:extLst>
+                    <a:ext uri="{9D8B030D-6E8A-4147-A177-3AD203B41FA5}">
+                      <a16:colId xmlns:a16="http://schemas.microsoft.com/office/drawing/2014/main" val="2150371352"/>
+                    </a:ext>
+                  </a:extLst>
+                </a:gridCol>
+                <a:gridCol w="722447">
+                  <a:extLst>
+                    <a:ext uri="{9D8B030D-6E8A-4147-A177-3AD203B41FA5}">
+                      <a16:colId xmlns:a16="http://schemas.microsoft.com/office/drawing/2014/main" val="3699109890"/>
+                    </a:ext>
+                  </a:extLst>
+                </a:gridCol>
+              </a:tblGrid>
+              <a:tr h="754293">
+                <a:tc>
+                  <a:txBody>
+                    <a:bodyPr/>
+                    <a:lstStyle/>
+                    <a:p>
+                      <a:endParaRPr lang="zh-CN" altLang="en-US" dirty="0"/>
+                    </a:p>
+                  </a:txBody>
+                  <a:tcPr>
+                    <a:lnL w="12700" cap="flat" cmpd="sng" algn="ctr">
+                      <a:noFill/>
+                      <a:prstDash val="solid"/>
+                      <a:round/>
+                      <a:headEnd type="none" w="med" len="med"/>
+                      <a:tailEnd type="none" w="med" len="med"/>
+                    </a:lnL>
+                    <a:lnR w="12700" cap="flat" cmpd="sng" algn="ctr">
+                      <a:solidFill>
+                        <a:schemeClr val="tx1"/>
+                      </a:solidFill>
+                      <a:prstDash val="solid"/>
+                      <a:round/>
+                      <a:headEnd type="none" w="med" len="med"/>
+                      <a:tailEnd type="none" w="med" len="med"/>
+                    </a:lnR>
+                    <a:lnT w="12700" cap="flat" cmpd="sng" algn="ctr">
+                      <a:noFill/>
+                      <a:prstDash val="solid"/>
+                      <a:round/>
+                      <a:headEnd type="none" w="med" len="med"/>
+                      <a:tailEnd type="none" w="med" len="med"/>
+                    </a:lnT>
+                    <a:lnB w="12700" cap="flat" cmpd="sng" algn="ctr">
+                      <a:solidFill>
+                        <a:schemeClr val="tx1"/>
+                      </a:solidFill>
+                      <a:prstDash val="solid"/>
+                      <a:round/>
+                      <a:headEnd type="none" w="med" len="med"/>
+                      <a:tailEnd type="none" w="med" len="med"/>
+                    </a:lnB>
+                    <a:lnTlToBr w="12700" cmpd="sng">
+                      <a:noFill/>
+                      <a:prstDash val="solid"/>
+                    </a:lnTlToBr>
+                    <a:lnBlToTr w="12700" cmpd="sng">
+                      <a:noFill/>
+                      <a:prstDash val="solid"/>
+                    </a:lnBlToTr>
+                    <a:noFill/>
+                  </a:tcPr>
+                </a:tc>
+                <a:tc>
+                  <a:txBody>
+                    <a:bodyPr/>
+                    <a:lstStyle/>
+                    <a:p>
+                      <a:endParaRPr lang="zh-CN" altLang="en-US" dirty="0"/>
+                    </a:p>
+                  </a:txBody>
+                  <a:tcPr>
+                    <a:lnL w="12700" cap="flat" cmpd="sng" algn="ctr">
+                      <a:solidFill>
+                        <a:schemeClr val="tx1"/>
+                      </a:solidFill>
+                      <a:prstDash val="solid"/>
+                      <a:round/>
+                      <a:headEnd type="none" w="med" len="med"/>
+                      <a:tailEnd type="none" w="med" len="med"/>
+                    </a:lnL>
+                    <a:lnR w="12700" cap="flat" cmpd="sng" algn="ctr">
+                      <a:solidFill>
+                        <a:schemeClr val="tx1"/>
+                      </a:solidFill>
+                      <a:prstDash val="solid"/>
+                      <a:round/>
+                      <a:headEnd type="none" w="med" len="med"/>
+                      <a:tailEnd type="none" w="med" len="med"/>
+                    </a:lnR>
+                    <a:lnT w="12700" cap="flat" cmpd="sng" algn="ctr">
+                      <a:solidFill>
+                        <a:schemeClr val="tx1"/>
+                      </a:solidFill>
+                      <a:prstDash val="solid"/>
+                      <a:round/>
+                      <a:headEnd type="none" w="med" len="med"/>
+                      <a:tailEnd type="none" w="med" len="med"/>
+                    </a:lnT>
+                    <a:lnB w="12700" cap="flat" cmpd="sng" algn="ctr">
+                      <a:solidFill>
+                        <a:schemeClr val="tx1"/>
+                      </a:solidFill>
+                      <a:prstDash val="solid"/>
+                      <a:round/>
+                      <a:headEnd type="none" w="med" len="med"/>
+                      <a:tailEnd type="none" w="med" len="med"/>
+                    </a:lnB>
+                    <a:lnTlToBr w="12700" cmpd="sng">
+                      <a:noFill/>
+                      <a:prstDash val="solid"/>
+                    </a:lnTlToBr>
+                    <a:lnBlToTr w="12700" cmpd="sng">
+                      <a:noFill/>
+                      <a:prstDash val="solid"/>
+                    </a:lnBlToTr>
+                    <a:noFill/>
+                  </a:tcPr>
+                </a:tc>
+                <a:tc>
+                  <a:txBody>
+                    <a:bodyPr/>
+                    <a:lstStyle/>
+                    <a:p>
+                      <a:endParaRPr lang="zh-CN" altLang="en-US" dirty="0"/>
+                    </a:p>
+                  </a:txBody>
+                  <a:tcPr>
+                    <a:lnL w="12700" cap="flat" cmpd="sng" algn="ctr">
+                      <a:solidFill>
+                        <a:schemeClr val="tx1"/>
+                      </a:solidFill>
+                      <a:prstDash val="solid"/>
+                      <a:round/>
+                      <a:headEnd type="none" w="med" len="med"/>
+                      <a:tailEnd type="none" w="med" len="med"/>
+                    </a:lnL>
+                    <a:lnR w="12700" cap="flat" cmpd="sng" algn="ctr">
+                      <a:noFill/>
+                      <a:prstDash val="solid"/>
+                      <a:round/>
+                      <a:headEnd type="none" w="med" len="med"/>
+                      <a:tailEnd type="none" w="med" len="med"/>
+                    </a:lnR>
+                    <a:lnT w="12700" cap="flat" cmpd="sng" algn="ctr">
+                      <a:noFill/>
+                      <a:prstDash val="solid"/>
+                      <a:round/>
+                      <a:headEnd type="none" w="med" len="med"/>
+                      <a:tailEnd type="none" w="med" len="med"/>
+                    </a:lnT>
+                    <a:lnB w="12700" cap="flat" cmpd="sng" algn="ctr">
+                      <a:solidFill>
+                        <a:schemeClr val="tx1"/>
+                      </a:solidFill>
+                      <a:prstDash val="solid"/>
+                      <a:round/>
+                      <a:headEnd type="none" w="med" len="med"/>
+                      <a:tailEnd type="none" w="med" len="med"/>
+                    </a:lnB>
+                    <a:lnTlToBr w="12700" cmpd="sng">
+                      <a:noFill/>
+                      <a:prstDash val="solid"/>
+                    </a:lnTlToBr>
+                    <a:lnBlToTr w="12700" cmpd="sng">
+                      <a:noFill/>
+                      <a:prstDash val="solid"/>
+                    </a:lnBlToTr>
+                    <a:noFill/>
+                  </a:tcPr>
+                </a:tc>
+                <a:tc>
+                  <a:txBody>
+                    <a:bodyPr/>
+                    <a:lstStyle/>
+                    <a:p>
+                      <a:endParaRPr lang="zh-CN" altLang="en-US" dirty="0"/>
+                    </a:p>
+                  </a:txBody>
+                  <a:tcPr>
+                    <a:lnL w="12700" cap="flat" cmpd="sng" algn="ctr">
+                      <a:noFill/>
+                      <a:prstDash val="solid"/>
+                      <a:round/>
+                      <a:headEnd type="none" w="med" len="med"/>
+                      <a:tailEnd type="none" w="med" len="med"/>
+                    </a:lnL>
+                    <a:lnR w="12700" cap="flat" cmpd="sng" algn="ctr">
+                      <a:noFill/>
+                      <a:prstDash val="solid"/>
+                      <a:round/>
+                      <a:headEnd type="none" w="med" len="med"/>
+                      <a:tailEnd type="none" w="med" len="med"/>
+                    </a:lnR>
+                    <a:lnT w="12700" cap="flat" cmpd="sng" algn="ctr">
+                      <a:noFill/>
+                      <a:prstDash val="solid"/>
+                      <a:round/>
+                      <a:headEnd type="none" w="med" len="med"/>
+                      <a:tailEnd type="none" w="med" len="med"/>
+                    </a:lnT>
+                    <a:lnB w="12700" cap="flat" cmpd="sng" algn="ctr">
+                      <a:solidFill>
+                        <a:schemeClr val="tx1"/>
+                      </a:solidFill>
+                      <a:prstDash val="solid"/>
+                      <a:round/>
+                      <a:headEnd type="none" w="med" len="med"/>
+                      <a:tailEnd type="none" w="med" len="med"/>
+                    </a:lnB>
+                    <a:lnTlToBr w="12700" cmpd="sng">
+                      <a:noFill/>
+                      <a:prstDash val="solid"/>
+                    </a:lnTlToBr>
+                    <a:lnBlToTr w="12700" cmpd="sng">
+                      <a:noFill/>
+                      <a:prstDash val="solid"/>
+                    </a:lnBlToTr>
+                    <a:noFill/>
+                  </a:tcPr>
+                </a:tc>
+                <a:tc>
+                  <a:txBody>
+                    <a:bodyPr/>
+                    <a:lstStyle/>
+                    <a:p>
+                      <a:endParaRPr lang="zh-CN" altLang="en-US" dirty="0"/>
+                    </a:p>
+                  </a:txBody>
+                  <a:tcPr>
+                    <a:lnL w="12700" cap="flat" cmpd="sng" algn="ctr">
+                      <a:noFill/>
+                      <a:prstDash val="solid"/>
+                      <a:round/>
+                      <a:headEnd type="none" w="med" len="med"/>
+                      <a:tailEnd type="none" w="med" len="med"/>
+                    </a:lnL>
+                    <a:lnR w="12700" cap="flat" cmpd="sng" algn="ctr">
+                      <a:noFill/>
+                      <a:prstDash val="solid"/>
+                      <a:round/>
+                      <a:headEnd type="none" w="med" len="med"/>
+                      <a:tailEnd type="none" w="med" len="med"/>
+                    </a:lnR>
+                    <a:lnT w="12700" cap="flat" cmpd="sng" algn="ctr">
+                      <a:noFill/>
+                      <a:prstDash val="solid"/>
+                      <a:round/>
+                      <a:headEnd type="none" w="med" len="med"/>
+                      <a:tailEnd type="none" w="med" len="med"/>
+                    </a:lnT>
+                    <a:lnB w="12700" cap="flat" cmpd="sng" algn="ctr">
+                      <a:solidFill>
+                        <a:schemeClr val="tx1"/>
+                      </a:solidFill>
+                      <a:prstDash val="solid"/>
+                      <a:round/>
+                      <a:headEnd type="none" w="med" len="med"/>
+                      <a:tailEnd type="none" w="med" len="med"/>
+                    </a:lnB>
+                    <a:lnTlToBr w="12700" cmpd="sng">
+                      <a:noFill/>
+                      <a:prstDash val="solid"/>
+                    </a:lnTlToBr>
+                    <a:lnBlToTr w="12700" cmpd="sng">
+                      <a:noFill/>
+                      <a:prstDash val="solid"/>
+                    </a:lnBlToTr>
+                    <a:noFill/>
+                  </a:tcPr>
+                </a:tc>
+                <a:extLst>
+                  <a:ext uri="{0D108BD9-81ED-4DB2-BD59-A6C34878D82A}">
+                    <a16:rowId xmlns:a16="http://schemas.microsoft.com/office/drawing/2014/main" val="1364259792"/>
+                  </a:ext>
+                </a:extLst>
+              </a:tr>
+              <a:tr h="754293">
+                <a:tc>
+                  <a:txBody>
+                    <a:bodyPr/>
+                    <a:lstStyle/>
+                    <a:p>
+                      <a:pPr marL="0" marR="0" lvl="0" indent="0" algn="ctr" defTabSz="914400" rtl="0" eaLnBrk="1" fontAlgn="auto" latinLnBrk="0" hangingPunct="1">
+                        <a:lnSpc>
+                          <a:spcPct val="200000"/>
+                        </a:lnSpc>
+                        <a:spcBef>
+                          <a:spcPts val="0"/>
+                        </a:spcBef>
+                        <a:spcAft>
+                          <a:spcPts val="0"/>
+                        </a:spcAft>
+                        <a:buClrTx/>
+                        <a:buSzTx/>
+                        <a:buFontTx/>
+                        <a:buNone/>
+                        <a:tabLst/>
+                        <a:defRPr/>
+                      </a:pPr>
+                      <a:r>
+                        <a:rPr lang="en-US" altLang="zh-CN" sz="1800" b="1" kern="1200" dirty="0">
+                          <a:solidFill>
+                            <a:schemeClr val="bg1"/>
+                          </a:solidFill>
+                          <a:latin typeface="Times New Roman" panose="02020603050405020304" pitchFamily="18" charset="0"/>
+                          <a:ea typeface="+mn-ea"/>
+                          <a:cs typeface="Times New Roman" panose="02020603050405020304" pitchFamily="18" charset="0"/>
+                        </a:rPr>
+                        <a:t>A</a:t>
+                      </a:r>
+                      <a:endParaRPr lang="zh-CN" altLang="en-US" sz="1800" b="1" kern="1200" dirty="0">
+                        <a:solidFill>
+                          <a:schemeClr val="bg1"/>
+                        </a:solidFill>
+                        <a:latin typeface="Times New Roman" panose="02020603050405020304" pitchFamily="18" charset="0"/>
+                        <a:ea typeface="+mn-ea"/>
+                        <a:cs typeface="Times New Roman" panose="02020603050405020304" pitchFamily="18" charset="0"/>
+                      </a:endParaRPr>
+                    </a:p>
+                  </a:txBody>
+                  <a:tcPr>
+                    <a:lnL w="12700" cap="flat" cmpd="sng" algn="ctr">
+                      <a:solidFill>
+                        <a:schemeClr val="tx1"/>
+                      </a:solidFill>
+                      <a:prstDash val="solid"/>
+                      <a:round/>
+                      <a:headEnd type="none" w="med" len="med"/>
+                      <a:tailEnd type="none" w="med" len="med"/>
+                    </a:lnL>
+                    <a:lnR w="12700" cap="flat" cmpd="sng" algn="ctr">
+                      <a:solidFill>
+                        <a:schemeClr val="tx1"/>
+                      </a:solidFill>
+                      <a:prstDash val="solid"/>
+                      <a:round/>
+                      <a:headEnd type="none" w="med" len="med"/>
+                      <a:tailEnd type="none" w="med" len="med"/>
+                    </a:lnR>
+                    <a:lnT w="12700" cap="flat" cmpd="sng" algn="ctr">
+                      <a:solidFill>
+                        <a:schemeClr val="tx1"/>
+                      </a:solidFill>
+                      <a:prstDash val="solid"/>
+                      <a:round/>
+                      <a:headEnd type="none" w="med" len="med"/>
+                      <a:tailEnd type="none" w="med" len="med"/>
+                    </a:lnT>
+                    <a:lnB w="12700" cap="flat" cmpd="sng" algn="ctr">
+                      <a:solidFill>
+                        <a:schemeClr val="tx1"/>
+                      </a:solidFill>
+                      <a:prstDash val="solid"/>
+                      <a:round/>
+                      <a:headEnd type="none" w="med" len="med"/>
+                      <a:tailEnd type="none" w="med" len="med"/>
+                    </a:lnB>
+                    <a:lnTlToBr w="12700" cmpd="sng">
+                      <a:noFill/>
+                      <a:prstDash val="solid"/>
+                    </a:lnTlToBr>
+                    <a:lnBlToTr w="12700" cmpd="sng">
+                      <a:noFill/>
+                      <a:prstDash val="solid"/>
+                    </a:lnBlToTr>
+                    <a:solidFill>
+                      <a:srgbClr val="4472C4"/>
+                    </a:solidFill>
+                  </a:tcPr>
+                </a:tc>
+                <a:tc>
+                  <a:txBody>
+                    <a:bodyPr/>
+                    <a:lstStyle/>
+                    <a:p>
+                      <a:endParaRPr lang="zh-CN" altLang="en-US" dirty="0"/>
+                    </a:p>
+                  </a:txBody>
+                  <a:tcPr>
+                    <a:lnL w="12700" cap="flat" cmpd="sng" algn="ctr">
+                      <a:solidFill>
+                        <a:schemeClr val="tx1"/>
+                      </a:solidFill>
+                      <a:prstDash val="solid"/>
+                      <a:round/>
+                      <a:headEnd type="none" w="med" len="med"/>
+                      <a:tailEnd type="none" w="med" len="med"/>
+                    </a:lnL>
+                    <a:lnR w="12700" cap="flat" cmpd="sng" algn="ctr">
+                      <a:solidFill>
+                        <a:schemeClr val="tx1"/>
+                      </a:solidFill>
+                      <a:prstDash val="solid"/>
+                      <a:round/>
+                      <a:headEnd type="none" w="med" len="med"/>
+                      <a:tailEnd type="none" w="med" len="med"/>
+                    </a:lnR>
+                    <a:lnT w="12700" cap="flat" cmpd="sng" algn="ctr">
+                      <a:solidFill>
+                        <a:schemeClr val="tx1"/>
+                      </a:solidFill>
+                      <a:prstDash val="solid"/>
+                      <a:round/>
+                      <a:headEnd type="none" w="med" len="med"/>
+                      <a:tailEnd type="none" w="med" len="med"/>
+                    </a:lnT>
+                    <a:lnB w="12700" cap="flat" cmpd="sng" algn="ctr">
+                      <a:solidFill>
+                        <a:schemeClr val="tx1"/>
+                      </a:solidFill>
+                      <a:prstDash val="solid"/>
+                      <a:round/>
+                      <a:headEnd type="none" w="med" len="med"/>
+                      <a:tailEnd type="none" w="med" len="med"/>
+                    </a:lnB>
+                    <a:lnTlToBr w="12700" cmpd="sng">
+                      <a:noFill/>
+                      <a:prstDash val="solid"/>
+                    </a:lnTlToBr>
+                    <a:lnBlToTr w="12700" cmpd="sng">
+                      <a:noFill/>
+                      <a:prstDash val="solid"/>
+                    </a:lnBlToTr>
+                    <a:noFill/>
+                  </a:tcPr>
+                </a:tc>
+                <a:tc>
+                  <a:txBody>
+                    <a:bodyPr/>
+                    <a:lstStyle/>
+                    <a:p>
+                      <a:endParaRPr lang="zh-CN" altLang="en-US" dirty="0"/>
+                    </a:p>
+                  </a:txBody>
+                  <a:tcPr>
+                    <a:lnL w="12700" cap="flat" cmpd="sng" algn="ctr">
+                      <a:solidFill>
+                        <a:schemeClr val="tx1"/>
+                      </a:solidFill>
+                      <a:prstDash val="solid"/>
+                      <a:round/>
+                      <a:headEnd type="none" w="med" len="med"/>
+                      <a:tailEnd type="none" w="med" len="med"/>
+                    </a:lnL>
+                    <a:lnR w="12700" cap="flat" cmpd="sng" algn="ctr">
+                      <a:solidFill>
+                        <a:schemeClr val="tx1"/>
+                      </a:solidFill>
+                      <a:prstDash val="solid"/>
+                      <a:round/>
+                      <a:headEnd type="none" w="med" len="med"/>
+                      <a:tailEnd type="none" w="med" len="med"/>
+                    </a:lnR>
+                    <a:lnT w="12700" cap="flat" cmpd="sng" algn="ctr">
+                      <a:solidFill>
+                        <a:schemeClr val="tx1"/>
+                      </a:solidFill>
+                      <a:prstDash val="solid"/>
+                      <a:round/>
+                      <a:headEnd type="none" w="med" len="med"/>
+                      <a:tailEnd type="none" w="med" len="med"/>
+                    </a:lnT>
+                    <a:lnB w="12700" cap="flat" cmpd="sng" algn="ctr">
+                      <a:solidFill>
+                        <a:schemeClr val="tx1"/>
+                      </a:solidFill>
+                      <a:prstDash val="solid"/>
+                      <a:round/>
+                      <a:headEnd type="none" w="med" len="med"/>
+                      <a:tailEnd type="none" w="med" len="med"/>
+                    </a:lnB>
+                    <a:lnTlToBr w="12700" cmpd="sng">
+                      <a:noFill/>
+                      <a:prstDash val="solid"/>
+                    </a:lnTlToBr>
+                    <a:lnBlToTr w="12700" cmpd="sng">
+                      <a:noFill/>
+                      <a:prstDash val="solid"/>
+                    </a:lnBlToTr>
+                    <a:noFill/>
+                  </a:tcPr>
+                </a:tc>
+                <a:tc>
+                  <a:txBody>
+                    <a:bodyPr/>
+                    <a:lstStyle/>
+                    <a:p>
+                      <a:endParaRPr lang="zh-CN" altLang="en-US" dirty="0"/>
+                    </a:p>
+                  </a:txBody>
+                  <a:tcPr>
+                    <a:lnL w="12700" cap="flat" cmpd="sng" algn="ctr">
+                      <a:solidFill>
+                        <a:schemeClr val="tx1"/>
+                      </a:solidFill>
+                      <a:prstDash val="solid"/>
+                      <a:round/>
+                      <a:headEnd type="none" w="med" len="med"/>
+                      <a:tailEnd type="none" w="med" len="med"/>
+                    </a:lnL>
+                    <a:lnR w="12700" cap="flat" cmpd="sng" algn="ctr">
+                      <a:solidFill>
+                        <a:schemeClr val="tx1"/>
+                      </a:solidFill>
+                      <a:prstDash val="solid"/>
+                      <a:round/>
+                      <a:headEnd type="none" w="med" len="med"/>
+                      <a:tailEnd type="none" w="med" len="med"/>
+                    </a:lnR>
+                    <a:lnT w="12700" cap="flat" cmpd="sng" algn="ctr">
+                      <a:solidFill>
+                        <a:schemeClr val="tx1"/>
+                      </a:solidFill>
+                      <a:prstDash val="solid"/>
+                      <a:round/>
+                      <a:headEnd type="none" w="med" len="med"/>
+                      <a:tailEnd type="none" w="med" len="med"/>
+                    </a:lnT>
+                    <a:lnB w="12700" cap="flat" cmpd="sng" algn="ctr">
+                      <a:solidFill>
+                        <a:schemeClr val="tx1"/>
+                      </a:solidFill>
+                      <a:prstDash val="solid"/>
+                      <a:round/>
+                      <a:headEnd type="none" w="med" len="med"/>
+                      <a:tailEnd type="none" w="med" len="med"/>
+                    </a:lnB>
+                    <a:lnTlToBr w="12700" cmpd="sng">
+                      <a:noFill/>
+                      <a:prstDash val="solid"/>
+                    </a:lnTlToBr>
+                    <a:lnBlToTr w="12700" cmpd="sng">
+                      <a:noFill/>
+                      <a:prstDash val="solid"/>
+                    </a:lnBlToTr>
+                    <a:noFill/>
+                  </a:tcPr>
+                </a:tc>
+                <a:tc>
+                  <a:txBody>
+                    <a:bodyPr/>
+                    <a:lstStyle/>
+                    <a:p>
+                      <a:pPr marL="0" marR="0" lvl="0" indent="0" algn="ctr" defTabSz="914400" rtl="0" eaLnBrk="1" fontAlgn="auto" latinLnBrk="0" hangingPunct="1">
+                        <a:lnSpc>
+                          <a:spcPct val="200000"/>
+                        </a:lnSpc>
+                        <a:spcBef>
+                          <a:spcPts val="0"/>
+                        </a:spcBef>
+                        <a:spcAft>
+                          <a:spcPts val="0"/>
+                        </a:spcAft>
+                        <a:buClrTx/>
+                        <a:buSzTx/>
+                        <a:buFontTx/>
+                        <a:buNone/>
+                        <a:tabLst/>
+                        <a:defRPr/>
+                      </a:pPr>
+                      <a:r>
+                        <a:rPr lang="en-US" altLang="zh-CN" sz="1800" b="1" kern="1200" dirty="0">
+                          <a:solidFill>
+                            <a:schemeClr val="bg1"/>
+                          </a:solidFill>
+                          <a:latin typeface="Times New Roman" panose="02020603050405020304" pitchFamily="18" charset="0"/>
+                          <a:ea typeface="+mn-ea"/>
+                          <a:cs typeface="Times New Roman" panose="02020603050405020304" pitchFamily="18" charset="0"/>
+                        </a:rPr>
+                        <a:t>B</a:t>
+                      </a:r>
+                      <a:endParaRPr lang="zh-CN" altLang="en-US" sz="1800" b="1" kern="1200" dirty="0">
+                        <a:solidFill>
+                          <a:schemeClr val="bg1"/>
+                        </a:solidFill>
+                        <a:latin typeface="Times New Roman" panose="02020603050405020304" pitchFamily="18" charset="0"/>
+                        <a:ea typeface="+mn-ea"/>
+                        <a:cs typeface="Times New Roman" panose="02020603050405020304" pitchFamily="18" charset="0"/>
+                      </a:endParaRPr>
+                    </a:p>
+                  </a:txBody>
+                  <a:tcPr>
+                    <a:lnL w="12700" cap="flat" cmpd="sng" algn="ctr">
+                      <a:solidFill>
+                        <a:schemeClr val="tx1"/>
+                      </a:solidFill>
+                      <a:prstDash val="solid"/>
+                      <a:round/>
+                      <a:headEnd type="none" w="med" len="med"/>
+                      <a:tailEnd type="none" w="med" len="med"/>
+                    </a:lnL>
+                    <a:lnR w="12700" cap="flat" cmpd="sng" algn="ctr">
+                      <a:solidFill>
+                        <a:schemeClr val="tx1"/>
+                      </a:solidFill>
+                      <a:prstDash val="solid"/>
+                      <a:round/>
+                      <a:headEnd type="none" w="med" len="med"/>
+                      <a:tailEnd type="none" w="med" len="med"/>
+                    </a:lnR>
+                    <a:lnT w="12700" cap="flat" cmpd="sng" algn="ctr">
+                      <a:solidFill>
+                        <a:schemeClr val="tx1"/>
+                      </a:solidFill>
+                      <a:prstDash val="solid"/>
+                      <a:round/>
+                      <a:headEnd type="none" w="med" len="med"/>
+                      <a:tailEnd type="none" w="med" len="med"/>
+                    </a:lnT>
+                    <a:lnB w="12700" cap="flat" cmpd="sng" algn="ctr">
+                      <a:solidFill>
+                        <a:schemeClr val="tx1"/>
+                      </a:solidFill>
+                      <a:prstDash val="solid"/>
+                      <a:round/>
+                      <a:headEnd type="none" w="med" len="med"/>
+                      <a:tailEnd type="none" w="med" len="med"/>
+                    </a:lnB>
+                    <a:lnTlToBr w="12700" cmpd="sng">
+                      <a:noFill/>
+                      <a:prstDash val="solid"/>
+                    </a:lnTlToBr>
+                    <a:lnBlToTr w="12700" cmpd="sng">
+                      <a:noFill/>
+                      <a:prstDash val="solid"/>
+                    </a:lnBlToTr>
+                    <a:solidFill>
+                      <a:srgbClr val="70AD47"/>
+                    </a:solidFill>
+                  </a:tcPr>
+                </a:tc>
+                <a:extLst>
+                  <a:ext uri="{0D108BD9-81ED-4DB2-BD59-A6C34878D82A}">
+                    <a16:rowId xmlns:a16="http://schemas.microsoft.com/office/drawing/2014/main" val="793124375"/>
+                  </a:ext>
+                </a:extLst>
+              </a:tr>
+            </a:tbl>
+          </a:graphicData>
+        </a:graphic>
+      </p:graphicFrame>
+      <p:cxnSp>
+        <p:nvCxnSpPr>
+          <p:cNvPr id="50" name="直接连接符 49">
+            <a:extLst>
+              <a:ext uri="{FF2B5EF4-FFF2-40B4-BE49-F238E27FC236}">
+                <a16:creationId xmlns:a16="http://schemas.microsoft.com/office/drawing/2014/main" id="{65C82B21-CCBD-5755-6B17-D0EF0D23BB2E}"/>
+              </a:ext>
+            </a:extLst>
+          </p:cNvPr>
+          <p:cNvCxnSpPr>
+            <a:cxnSpLocks/>
+          </p:cNvCxnSpPr>
+          <p:nvPr/>
+        </p:nvCxnSpPr>
+        <p:spPr>
+          <a:xfrm>
+            <a:off x="4503420" y="2087880"/>
+            <a:ext cx="161290" cy="0"/>
+          </a:xfrm>
+          <a:prstGeom prst="line">
+            <a:avLst/>
+          </a:prstGeom>
+          <a:ln w="38100"/>
+        </p:spPr>
+        <p:style>
+          <a:lnRef idx="1">
+            <a:schemeClr val="accent1"/>
+          </a:lnRef>
+          <a:fillRef idx="0">
+            <a:schemeClr val="accent1"/>
+          </a:fillRef>
+          <a:effectRef idx="0">
+            <a:schemeClr val="accent1"/>
+          </a:effectRef>
+          <a:fontRef idx="minor">
+            <a:schemeClr val="tx1"/>
+          </a:fontRef>
+        </p:style>
+      </p:cxnSp>
+      <p:grpSp>
+        <p:nvGrpSpPr>
+          <p:cNvPr id="89" name="组合 88">
+            <a:extLst>
+              <a:ext uri="{FF2B5EF4-FFF2-40B4-BE49-F238E27FC236}">
+                <a16:creationId xmlns:a16="http://schemas.microsoft.com/office/drawing/2014/main" id="{AED6CDF2-990F-A114-8C47-38EE0219B288}"/>
+              </a:ext>
+            </a:extLst>
+          </p:cNvPr>
+          <p:cNvGrpSpPr/>
+          <p:nvPr/>
+        </p:nvGrpSpPr>
+        <p:grpSpPr>
+          <a:xfrm>
+            <a:off x="4664710" y="1344930"/>
+            <a:ext cx="415290" cy="762000"/>
+            <a:chOff x="4664710" y="1344930"/>
+            <a:chExt cx="415290" cy="762000"/>
+          </a:xfrm>
+        </p:grpSpPr>
+        <p:cxnSp>
+          <p:nvCxnSpPr>
+            <p:cNvPr id="54" name="直接连接符 53">
+              <a:extLst>
+                <a:ext uri="{FF2B5EF4-FFF2-40B4-BE49-F238E27FC236}">
+                  <a16:creationId xmlns:a16="http://schemas.microsoft.com/office/drawing/2014/main" id="{F4A55773-9AC9-1F4A-9D75-4884E6BF30B6}"/>
+                </a:ext>
+              </a:extLst>
+            </p:cNvPr>
+            <p:cNvCxnSpPr>
+              <a:cxnSpLocks/>
+            </p:cNvCxnSpPr>
+            <p:nvPr/>
+          </p:nvCxnSpPr>
+          <p:spPr>
+            <a:xfrm flipV="1">
+              <a:off x="4664710" y="1344930"/>
+              <a:ext cx="0" cy="762000"/>
+            </a:xfrm>
+            <a:prstGeom prst="line">
+              <a:avLst/>
+            </a:prstGeom>
+            <a:ln w="38100"/>
+          </p:spPr>
+          <p:style>
+            <a:lnRef idx="1">
+              <a:schemeClr val="accent1"/>
+            </a:lnRef>
+            <a:fillRef idx="0">
+              <a:schemeClr val="accent1"/>
+            </a:fillRef>
+            <a:effectRef idx="0">
+              <a:schemeClr val="accent1"/>
+            </a:effectRef>
+            <a:fontRef idx="minor">
+              <a:schemeClr val="tx1"/>
+            </a:fontRef>
+          </p:style>
+        </p:cxnSp>
+        <p:cxnSp>
+          <p:nvCxnSpPr>
+            <p:cNvPr id="61" name="直接连接符 60">
+              <a:extLst>
+                <a:ext uri="{FF2B5EF4-FFF2-40B4-BE49-F238E27FC236}">
+                  <a16:creationId xmlns:a16="http://schemas.microsoft.com/office/drawing/2014/main" id="{76696FA7-EDE9-71D0-8181-6F764D06A5A9}"/>
+                </a:ext>
+              </a:extLst>
+            </p:cNvPr>
+            <p:cNvCxnSpPr>
+              <a:cxnSpLocks/>
+            </p:cNvCxnSpPr>
+            <p:nvPr/>
+          </p:nvCxnSpPr>
+          <p:spPr>
+            <a:xfrm>
+              <a:off x="4664710" y="1363980"/>
+              <a:ext cx="415290" cy="0"/>
+            </a:xfrm>
+            <a:prstGeom prst="line">
+              <a:avLst/>
+            </a:prstGeom>
+            <a:ln w="38100"/>
+          </p:spPr>
+          <p:style>
+            <a:lnRef idx="1">
+              <a:schemeClr val="accent1"/>
+            </a:lnRef>
+            <a:fillRef idx="0">
+              <a:schemeClr val="accent1"/>
+            </a:fillRef>
+            <a:effectRef idx="0">
+              <a:schemeClr val="accent1"/>
+            </a:effectRef>
+            <a:fontRef idx="minor">
+              <a:schemeClr val="tx1"/>
+            </a:fontRef>
+          </p:style>
+        </p:cxnSp>
+        <p:cxnSp>
+          <p:nvCxnSpPr>
+            <p:cNvPr id="64" name="直接连接符 63">
+              <a:extLst>
+                <a:ext uri="{FF2B5EF4-FFF2-40B4-BE49-F238E27FC236}">
+                  <a16:creationId xmlns:a16="http://schemas.microsoft.com/office/drawing/2014/main" id="{01F36AFC-6E1E-A5F0-6E95-377002F385F0}"/>
+                </a:ext>
+              </a:extLst>
+            </p:cNvPr>
+            <p:cNvCxnSpPr>
+              <a:cxnSpLocks/>
+            </p:cNvCxnSpPr>
+            <p:nvPr/>
+          </p:nvCxnSpPr>
+          <p:spPr>
+            <a:xfrm flipV="1">
+              <a:off x="5060950" y="1344930"/>
+              <a:ext cx="0" cy="762000"/>
+            </a:xfrm>
+            <a:prstGeom prst="line">
+              <a:avLst/>
+            </a:prstGeom>
+            <a:ln w="38100"/>
+          </p:spPr>
+          <p:style>
+            <a:lnRef idx="1">
+              <a:schemeClr val="accent1"/>
+            </a:lnRef>
+            <a:fillRef idx="0">
+              <a:schemeClr val="accent1"/>
+            </a:fillRef>
+            <a:effectRef idx="0">
+              <a:schemeClr val="accent1"/>
+            </a:effectRef>
+            <a:fontRef idx="minor">
+              <a:schemeClr val="tx1"/>
+            </a:fontRef>
+          </p:style>
+        </p:cxnSp>
+      </p:grpSp>
+      <p:cxnSp>
+        <p:nvCxnSpPr>
+          <p:cNvPr id="66" name="直接连接符 65">
+            <a:extLst>
+              <a:ext uri="{FF2B5EF4-FFF2-40B4-BE49-F238E27FC236}">
+                <a16:creationId xmlns:a16="http://schemas.microsoft.com/office/drawing/2014/main" id="{5A988251-06E7-A312-546A-DD69AEBAE538}"/>
+              </a:ext>
+            </a:extLst>
+          </p:cNvPr>
+          <p:cNvCxnSpPr>
+            <a:cxnSpLocks/>
+          </p:cNvCxnSpPr>
+          <p:nvPr/>
+        </p:nvCxnSpPr>
+        <p:spPr>
+          <a:xfrm>
+            <a:off x="5060950" y="2087880"/>
+            <a:ext cx="2020570" cy="0"/>
+          </a:xfrm>
+          <a:prstGeom prst="line">
+            <a:avLst/>
+          </a:prstGeom>
+          <a:ln w="38100">
+            <a:tailEnd type="triangle"/>
+          </a:ln>
+        </p:spPr>
+        <p:style>
+          <a:lnRef idx="1">
+            <a:schemeClr val="accent1"/>
+          </a:lnRef>
+          <a:fillRef idx="0">
+            <a:schemeClr val="accent1"/>
+          </a:fillRef>
+          <a:effectRef idx="0">
+            <a:schemeClr val="accent1"/>
+          </a:effectRef>
+          <a:fontRef idx="minor">
+            <a:schemeClr val="tx1"/>
+          </a:fontRef>
+        </p:style>
+      </p:cxnSp>
+      <p:cxnSp>
+        <p:nvCxnSpPr>
+          <p:cNvPr id="67" name="直接连接符 66">
+            <a:extLst>
+              <a:ext uri="{FF2B5EF4-FFF2-40B4-BE49-F238E27FC236}">
+                <a16:creationId xmlns:a16="http://schemas.microsoft.com/office/drawing/2014/main" id="{24559E24-DE39-68C2-D434-519421A52D40}"/>
+              </a:ext>
+            </a:extLst>
+          </p:cNvPr>
+          <p:cNvCxnSpPr>
+            <a:cxnSpLocks/>
+          </p:cNvCxnSpPr>
+          <p:nvPr/>
+        </p:nvCxnSpPr>
+        <p:spPr>
+          <a:xfrm flipH="1">
+            <a:off x="4043680" y="2518410"/>
+            <a:ext cx="2616200" cy="0"/>
+          </a:xfrm>
+          <a:prstGeom prst="line">
+            <a:avLst/>
+          </a:prstGeom>
+          <a:ln w="38100">
+            <a:solidFill>
+              <a:srgbClr val="70AD47"/>
+            </a:solidFill>
+            <a:tailEnd type="triangle"/>
+          </a:ln>
+        </p:spPr>
+        <p:style>
+          <a:lnRef idx="1">
+            <a:schemeClr val="accent1"/>
+          </a:lnRef>
+          <a:fillRef idx="0">
+            <a:schemeClr val="accent1"/>
+          </a:fillRef>
+          <a:effectRef idx="0">
+            <a:schemeClr val="accent1"/>
+          </a:effectRef>
+          <a:fontRef idx="minor">
+            <a:schemeClr val="tx1"/>
+          </a:fontRef>
+        </p:style>
+      </p:cxnSp>
+      <p:graphicFrame>
+        <p:nvGraphicFramePr>
+          <p:cNvPr id="70" name="表格 4">
+            <a:extLst>
+              <a:ext uri="{FF2B5EF4-FFF2-40B4-BE49-F238E27FC236}">
+                <a16:creationId xmlns:a16="http://schemas.microsoft.com/office/drawing/2014/main" id="{8EFC2959-4FBA-A018-3C9F-B270D30623BB}"/>
+              </a:ext>
+            </a:extLst>
+          </p:cNvPr>
+          <p:cNvGraphicFramePr>
+            <a:graphicFrameLocks noGrp="1"/>
+          </p:cNvGraphicFramePr>
+          <p:nvPr>
+            <p:extLst>
+              <p:ext uri="{D42A27DB-BD31-4B8C-83A1-F6EECF244321}">
+                <p14:modId xmlns:p14="http://schemas.microsoft.com/office/powerpoint/2010/main" val="1105913167"/>
+              </p:ext>
+            </p:extLst>
+          </p:nvPr>
+        </p:nvGraphicFramePr>
+        <p:xfrm>
+          <a:off x="3778533" y="2978425"/>
+          <a:ext cx="3612235" cy="3017172"/>
+        </p:xfrm>
+        <a:graphic>
+          <a:graphicData uri="http://schemas.openxmlformats.org/drawingml/2006/table">
+            <a:tbl>
+              <a:tblPr firstRow="1" bandRow="1">
+                <a:tableStyleId>{5C22544A-7EE6-4342-B048-85BDC9FD1C3A}</a:tableStyleId>
+              </a:tblPr>
+              <a:tblGrid>
+                <a:gridCol w="722447">
+                  <a:extLst>
+                    <a:ext uri="{9D8B030D-6E8A-4147-A177-3AD203B41FA5}">
+                      <a16:colId xmlns:a16="http://schemas.microsoft.com/office/drawing/2014/main" val="1247109164"/>
+                    </a:ext>
+                  </a:extLst>
+                </a:gridCol>
+                <a:gridCol w="722447">
+                  <a:extLst>
+                    <a:ext uri="{9D8B030D-6E8A-4147-A177-3AD203B41FA5}">
+                      <a16:colId xmlns:a16="http://schemas.microsoft.com/office/drawing/2014/main" val="319449061"/>
+                    </a:ext>
+                  </a:extLst>
+                </a:gridCol>
+                <a:gridCol w="722447">
+                  <a:extLst>
+                    <a:ext uri="{9D8B030D-6E8A-4147-A177-3AD203B41FA5}">
+                      <a16:colId xmlns:a16="http://schemas.microsoft.com/office/drawing/2014/main" val="227559631"/>
+                    </a:ext>
+                  </a:extLst>
+                </a:gridCol>
+                <a:gridCol w="722447">
+                  <a:extLst>
+                    <a:ext uri="{9D8B030D-6E8A-4147-A177-3AD203B41FA5}">
+                      <a16:colId xmlns:a16="http://schemas.microsoft.com/office/drawing/2014/main" val="2150371352"/>
+                    </a:ext>
+                  </a:extLst>
+                </a:gridCol>
+                <a:gridCol w="722447">
+                  <a:extLst>
+                    <a:ext uri="{9D8B030D-6E8A-4147-A177-3AD203B41FA5}">
+                      <a16:colId xmlns:a16="http://schemas.microsoft.com/office/drawing/2014/main" val="3699109890"/>
+                    </a:ext>
+                  </a:extLst>
+                </a:gridCol>
+              </a:tblGrid>
+              <a:tr h="754293">
+                <a:tc>
+                  <a:txBody>
+                    <a:bodyPr/>
+                    <a:lstStyle/>
+                    <a:p>
+                      <a:endParaRPr lang="zh-CN" altLang="en-US" dirty="0"/>
+                    </a:p>
+                  </a:txBody>
+                  <a:tcPr>
+                    <a:lnL w="12700" cap="flat" cmpd="sng" algn="ctr">
+                      <a:noFill/>
+                      <a:prstDash val="solid"/>
+                      <a:round/>
+                      <a:headEnd type="none" w="med" len="med"/>
+                      <a:tailEnd type="none" w="med" len="med"/>
+                    </a:lnL>
+                    <a:lnR w="12700" cap="flat" cmpd="sng" algn="ctr">
+                      <a:noFill/>
+                      <a:prstDash val="solid"/>
+                      <a:round/>
+                      <a:headEnd type="none" w="med" len="med"/>
+                      <a:tailEnd type="none" w="med" len="med"/>
+                    </a:lnR>
+                    <a:lnT w="12700" cap="flat" cmpd="sng" algn="ctr">
+                      <a:noFill/>
+                      <a:prstDash val="solid"/>
+                      <a:round/>
+                      <a:headEnd type="none" w="med" len="med"/>
+                      <a:tailEnd type="none" w="med" len="med"/>
+                    </a:lnT>
+                    <a:lnB w="12700" cap="flat" cmpd="sng" algn="ctr">
+                      <a:solidFill>
+                        <a:schemeClr val="tx1"/>
+                      </a:solidFill>
+                      <a:prstDash val="solid"/>
+                      <a:round/>
+                      <a:headEnd type="none" w="med" len="med"/>
+                      <a:tailEnd type="none" w="med" len="med"/>
+                    </a:lnB>
+                    <a:lnTlToBr w="12700" cmpd="sng">
+                      <a:noFill/>
+                      <a:prstDash val="solid"/>
+                    </a:lnTlToBr>
+                    <a:lnBlToTr w="12700" cmpd="sng">
+                      <a:noFill/>
+                      <a:prstDash val="solid"/>
+                    </a:lnBlToTr>
+                    <a:noFill/>
+                  </a:tcPr>
+                </a:tc>
+                <a:tc>
+                  <a:txBody>
+                    <a:bodyPr/>
+                    <a:lstStyle/>
+                    <a:p>
+                      <a:endParaRPr lang="zh-CN" altLang="en-US" dirty="0"/>
+                    </a:p>
+                  </a:txBody>
+                  <a:tcPr>
+                    <a:lnL w="12700" cap="flat" cmpd="sng" algn="ctr">
+                      <a:noFill/>
+                      <a:prstDash val="solid"/>
+                      <a:round/>
+                      <a:headEnd type="none" w="med" len="med"/>
+                      <a:tailEnd type="none" w="med" len="med"/>
+                    </a:lnL>
+                    <a:lnR w="12700" cap="flat" cmpd="sng" algn="ctr">
+                      <a:solidFill>
+                        <a:schemeClr val="tx1"/>
+                      </a:solidFill>
+                      <a:prstDash val="solid"/>
+                      <a:round/>
+                      <a:headEnd type="none" w="med" len="med"/>
+                      <a:tailEnd type="none" w="med" len="med"/>
+                    </a:lnR>
+                    <a:lnT w="12700" cap="flat" cmpd="sng" algn="ctr">
+                      <a:noFill/>
+                      <a:prstDash val="solid"/>
+                      <a:round/>
+                      <a:headEnd type="none" w="med" len="med"/>
+                      <a:tailEnd type="none" w="med" len="med"/>
+                    </a:lnT>
+                    <a:lnB w="12700" cap="flat" cmpd="sng" algn="ctr">
+                      <a:solidFill>
+                        <a:schemeClr val="tx1"/>
+                      </a:solidFill>
+                      <a:prstDash val="solid"/>
+                      <a:round/>
+                      <a:headEnd type="none" w="med" len="med"/>
+                      <a:tailEnd type="none" w="med" len="med"/>
+                    </a:lnB>
+                    <a:lnTlToBr w="12700" cmpd="sng">
+                      <a:noFill/>
+                      <a:prstDash val="solid"/>
+                    </a:lnTlToBr>
+                    <a:lnBlToTr w="12700" cmpd="sng">
+                      <a:noFill/>
+                      <a:prstDash val="solid"/>
+                    </a:lnBlToTr>
+                    <a:noFill/>
+                  </a:tcPr>
+                </a:tc>
+                <a:tc>
+                  <a:txBody>
+                    <a:bodyPr/>
+                    <a:lstStyle/>
+                    <a:p>
+                      <a:endParaRPr lang="zh-CN" altLang="en-US" dirty="0"/>
+                    </a:p>
+                  </a:txBody>
+                  <a:tcPr>
+                    <a:lnL w="12700" cap="flat" cmpd="sng" algn="ctr">
+                      <a:solidFill>
+                        <a:schemeClr val="tx1"/>
+                      </a:solidFill>
+                      <a:prstDash val="solid"/>
+                      <a:round/>
+                      <a:headEnd type="none" w="med" len="med"/>
+                      <a:tailEnd type="none" w="med" len="med"/>
+                    </a:lnL>
+                    <a:lnR w="12700" cap="flat" cmpd="sng" algn="ctr">
+                      <a:solidFill>
+                        <a:schemeClr val="tx1"/>
+                      </a:solidFill>
+                      <a:prstDash val="solid"/>
+                      <a:round/>
+                      <a:headEnd type="none" w="med" len="med"/>
+                      <a:tailEnd type="none" w="med" len="med"/>
+                    </a:lnR>
+                    <a:lnT w="12700" cap="flat" cmpd="sng" algn="ctr">
+                      <a:solidFill>
+                        <a:schemeClr val="tx1"/>
+                      </a:solidFill>
+                      <a:prstDash val="solid"/>
+                      <a:round/>
+                      <a:headEnd type="none" w="med" len="med"/>
+                      <a:tailEnd type="none" w="med" len="med"/>
+                    </a:lnT>
+                    <a:lnB w="12700" cap="flat" cmpd="sng" algn="ctr">
+                      <a:solidFill>
+                        <a:schemeClr val="tx1"/>
+                      </a:solidFill>
+                      <a:prstDash val="solid"/>
+                      <a:round/>
+                      <a:headEnd type="none" w="med" len="med"/>
+                      <a:tailEnd type="none" w="med" len="med"/>
+                    </a:lnB>
+                    <a:lnTlToBr w="12700" cmpd="sng">
+                      <a:noFill/>
+                      <a:prstDash val="solid"/>
+                    </a:lnTlToBr>
+                    <a:lnBlToTr w="12700" cmpd="sng">
+                      <a:noFill/>
+                      <a:prstDash val="solid"/>
+                    </a:lnBlToTr>
+                    <a:noFill/>
+                  </a:tcPr>
+                </a:tc>
+                <a:tc>
+                  <a:txBody>
+                    <a:bodyPr/>
+                    <a:lstStyle/>
+                    <a:p>
+                      <a:endParaRPr lang="zh-CN" altLang="en-US" dirty="0"/>
+                    </a:p>
+                  </a:txBody>
+                  <a:tcPr>
+                    <a:lnL w="12700" cap="flat" cmpd="sng" algn="ctr">
+                      <a:solidFill>
+                        <a:schemeClr val="tx1"/>
+                      </a:solidFill>
+                      <a:prstDash val="solid"/>
+                      <a:round/>
+                      <a:headEnd type="none" w="med" len="med"/>
+                      <a:tailEnd type="none" w="med" len="med"/>
+                    </a:lnL>
+                    <a:lnR w="12700" cap="flat" cmpd="sng" algn="ctr">
+                      <a:noFill/>
+                      <a:prstDash val="solid"/>
+                      <a:round/>
+                      <a:headEnd type="none" w="med" len="med"/>
+                      <a:tailEnd type="none" w="med" len="med"/>
+                    </a:lnR>
+                    <a:lnT w="12700" cap="flat" cmpd="sng" algn="ctr">
+                      <a:noFill/>
+                      <a:prstDash val="solid"/>
+                      <a:round/>
+                      <a:headEnd type="none" w="med" len="med"/>
+                      <a:tailEnd type="none" w="med" len="med"/>
+                    </a:lnT>
+                    <a:lnB w="12700" cap="flat" cmpd="sng" algn="ctr">
+                      <a:solidFill>
+                        <a:schemeClr val="tx1"/>
+                      </a:solidFill>
+                      <a:prstDash val="solid"/>
+                      <a:round/>
+                      <a:headEnd type="none" w="med" len="med"/>
+                      <a:tailEnd type="none" w="med" len="med"/>
+                    </a:lnB>
+                    <a:lnTlToBr w="12700" cmpd="sng">
+                      <a:noFill/>
+                      <a:prstDash val="solid"/>
+                    </a:lnTlToBr>
+                    <a:lnBlToTr w="12700" cmpd="sng">
+                      <a:noFill/>
+                      <a:prstDash val="solid"/>
+                    </a:lnBlToTr>
+                    <a:noFill/>
+                  </a:tcPr>
+                </a:tc>
+                <a:tc>
+                  <a:txBody>
+                    <a:bodyPr/>
+                    <a:lstStyle/>
+                    <a:p>
+                      <a:endParaRPr lang="zh-CN" altLang="en-US" dirty="0"/>
+                    </a:p>
+                  </a:txBody>
+                  <a:tcPr>
+                    <a:lnL w="12700" cap="flat" cmpd="sng" algn="ctr">
+                      <a:noFill/>
+                      <a:prstDash val="solid"/>
+                      <a:round/>
+                      <a:headEnd type="none" w="med" len="med"/>
+                      <a:tailEnd type="none" w="med" len="med"/>
+                    </a:lnL>
+                    <a:lnR w="12700" cap="flat" cmpd="sng" algn="ctr">
+                      <a:noFill/>
+                      <a:prstDash val="solid"/>
+                      <a:round/>
+                      <a:headEnd type="none" w="med" len="med"/>
+                      <a:tailEnd type="none" w="med" len="med"/>
+                    </a:lnR>
+                    <a:lnT w="12700" cap="flat" cmpd="sng" algn="ctr">
+                      <a:noFill/>
+                      <a:prstDash val="solid"/>
+                      <a:round/>
+                      <a:headEnd type="none" w="med" len="med"/>
+                      <a:tailEnd type="none" w="med" len="med"/>
+                    </a:lnT>
+                    <a:lnB w="12700" cap="flat" cmpd="sng" algn="ctr">
+                      <a:solidFill>
+                        <a:schemeClr val="tx1"/>
+                      </a:solidFill>
+                      <a:prstDash val="solid"/>
+                      <a:round/>
+                      <a:headEnd type="none" w="med" len="med"/>
+                      <a:tailEnd type="none" w="med" len="med"/>
+                    </a:lnB>
+                    <a:lnTlToBr w="12700" cmpd="sng">
+                      <a:noFill/>
+                      <a:prstDash val="solid"/>
+                    </a:lnTlToBr>
+                    <a:lnBlToTr w="12700" cmpd="sng">
+                      <a:noFill/>
+                      <a:prstDash val="solid"/>
+                    </a:lnBlToTr>
+                    <a:noFill/>
+                  </a:tcPr>
+                </a:tc>
+                <a:extLst>
+                  <a:ext uri="{0D108BD9-81ED-4DB2-BD59-A6C34878D82A}">
+                    <a16:rowId xmlns:a16="http://schemas.microsoft.com/office/drawing/2014/main" val="1364259792"/>
+                  </a:ext>
+                </a:extLst>
+              </a:tr>
+              <a:tr h="754293">
+                <a:tc>
+                  <a:txBody>
+                    <a:bodyPr/>
+                    <a:lstStyle/>
+                    <a:p>
+                      <a:pPr marL="0" marR="0" lvl="0" indent="0" algn="ctr" defTabSz="914400" rtl="0" eaLnBrk="1" fontAlgn="auto" latinLnBrk="0" hangingPunct="1">
+                        <a:lnSpc>
+                          <a:spcPct val="200000"/>
+                        </a:lnSpc>
+                        <a:spcBef>
+                          <a:spcPts val="0"/>
+                        </a:spcBef>
+                        <a:spcAft>
+                          <a:spcPts val="0"/>
+                        </a:spcAft>
+                        <a:buClrTx/>
+                        <a:buSzTx/>
+                        <a:buFontTx/>
+                        <a:buNone/>
+                        <a:tabLst/>
+                        <a:defRPr/>
+                      </a:pPr>
+                      <a:r>
+                        <a:rPr lang="en-US" altLang="zh-CN" sz="1800" b="1" kern="1200" dirty="0">
+                          <a:solidFill>
+                            <a:schemeClr val="bg1"/>
+                          </a:solidFill>
+                          <a:latin typeface="Times New Roman" panose="02020603050405020304" pitchFamily="18" charset="0"/>
+                          <a:ea typeface="+mn-ea"/>
+                          <a:cs typeface="Times New Roman" panose="02020603050405020304" pitchFamily="18" charset="0"/>
+                        </a:rPr>
+                        <a:t>A</a:t>
+                      </a:r>
+                      <a:endParaRPr lang="zh-CN" altLang="en-US" sz="1800" b="1" kern="1200" dirty="0">
+                        <a:solidFill>
+                          <a:schemeClr val="bg1"/>
+                        </a:solidFill>
+                        <a:latin typeface="Times New Roman" panose="02020603050405020304" pitchFamily="18" charset="0"/>
+                        <a:ea typeface="+mn-ea"/>
+                        <a:cs typeface="Times New Roman" panose="02020603050405020304" pitchFamily="18" charset="0"/>
+                      </a:endParaRPr>
+                    </a:p>
+                  </a:txBody>
+                  <a:tcPr>
+                    <a:lnL w="12700" cap="flat" cmpd="sng" algn="ctr">
+                      <a:solidFill>
+                        <a:schemeClr val="tx1"/>
+                      </a:solidFill>
+                      <a:prstDash val="solid"/>
+                      <a:round/>
+                      <a:headEnd type="none" w="med" len="med"/>
+                      <a:tailEnd type="none" w="med" len="med"/>
+                    </a:lnL>
+                    <a:lnR w="12700" cap="flat" cmpd="sng" algn="ctr">
+                      <a:solidFill>
+                        <a:schemeClr val="tx1"/>
+                      </a:solidFill>
+                      <a:prstDash val="solid"/>
+                      <a:round/>
+                      <a:headEnd type="none" w="med" len="med"/>
+                      <a:tailEnd type="none" w="med" len="med"/>
+                    </a:lnR>
+                    <a:lnT w="12700" cap="flat" cmpd="sng" algn="ctr">
+                      <a:solidFill>
+                        <a:schemeClr val="tx1"/>
+                      </a:solidFill>
+                      <a:prstDash val="solid"/>
+                      <a:round/>
+                      <a:headEnd type="none" w="med" len="med"/>
+                      <a:tailEnd type="none" w="med" len="med"/>
+                    </a:lnT>
+                    <a:lnB w="12700" cap="flat" cmpd="sng" algn="ctr">
+                      <a:solidFill>
+                        <a:schemeClr val="tx1"/>
+                      </a:solidFill>
+                      <a:prstDash val="solid"/>
+                      <a:round/>
+                      <a:headEnd type="none" w="med" len="med"/>
+                      <a:tailEnd type="none" w="med" len="med"/>
+                    </a:lnB>
+                    <a:lnTlToBr w="12700" cmpd="sng">
+                      <a:noFill/>
+                      <a:prstDash val="solid"/>
+                    </a:lnTlToBr>
+                    <a:lnBlToTr w="12700" cmpd="sng">
+                      <a:noFill/>
+                      <a:prstDash val="solid"/>
+                    </a:lnBlToTr>
+                    <a:solidFill>
+                      <a:srgbClr val="4472C4"/>
+                    </a:solidFill>
+                  </a:tcPr>
+                </a:tc>
+                <a:tc>
+                  <a:txBody>
+                    <a:bodyPr/>
+                    <a:lstStyle/>
+                    <a:p>
+                      <a:endParaRPr lang="zh-CN" altLang="en-US" dirty="0"/>
+                    </a:p>
+                  </a:txBody>
+                  <a:tcPr>
+                    <a:lnL w="12700" cap="flat" cmpd="sng" algn="ctr">
+                      <a:solidFill>
+                        <a:schemeClr val="tx1"/>
+                      </a:solidFill>
+                      <a:prstDash val="solid"/>
+                      <a:round/>
+                      <a:headEnd type="none" w="med" len="med"/>
+                      <a:tailEnd type="none" w="med" len="med"/>
+                    </a:lnL>
+                    <a:lnR w="12700" cap="flat" cmpd="sng" algn="ctr">
+                      <a:solidFill>
+                        <a:schemeClr val="tx1"/>
+                      </a:solidFill>
+                      <a:prstDash val="solid"/>
+                      <a:round/>
+                      <a:headEnd type="none" w="med" len="med"/>
+                      <a:tailEnd type="none" w="med" len="med"/>
+                    </a:lnR>
+                    <a:lnT w="12700" cap="flat" cmpd="sng" algn="ctr">
+                      <a:solidFill>
+                        <a:schemeClr val="tx1"/>
+                      </a:solidFill>
+                      <a:prstDash val="solid"/>
+                      <a:round/>
+                      <a:headEnd type="none" w="med" len="med"/>
+                      <a:tailEnd type="none" w="med" len="med"/>
+                    </a:lnT>
+                    <a:lnB w="12700" cap="flat" cmpd="sng" algn="ctr">
+                      <a:solidFill>
+                        <a:schemeClr val="tx1"/>
+                      </a:solidFill>
+                      <a:prstDash val="solid"/>
+                      <a:round/>
+                      <a:headEnd type="none" w="med" len="med"/>
+                      <a:tailEnd type="none" w="med" len="med"/>
+                    </a:lnB>
+                    <a:lnTlToBr w="12700" cmpd="sng">
+                      <a:noFill/>
+                      <a:prstDash val="solid"/>
+                    </a:lnTlToBr>
+                    <a:lnBlToTr w="12700" cmpd="sng">
+                      <a:noFill/>
+                      <a:prstDash val="solid"/>
+                    </a:lnBlToTr>
+                    <a:noFill/>
+                  </a:tcPr>
+                </a:tc>
+                <a:tc>
+                  <a:txBody>
+                    <a:bodyPr/>
+                    <a:lstStyle/>
+                    <a:p>
+                      <a:endParaRPr lang="zh-CN" altLang="en-US" dirty="0"/>
+                    </a:p>
+                  </a:txBody>
+                  <a:tcPr>
+                    <a:lnL w="12700" cap="flat" cmpd="sng" algn="ctr">
+                      <a:solidFill>
+                        <a:schemeClr val="tx1"/>
+                      </a:solidFill>
+                      <a:prstDash val="solid"/>
+                      <a:round/>
+                      <a:headEnd type="none" w="med" len="med"/>
+                      <a:tailEnd type="none" w="med" len="med"/>
+                    </a:lnL>
+                    <a:lnR w="12700" cap="flat" cmpd="sng" algn="ctr">
+                      <a:solidFill>
+                        <a:schemeClr val="tx1"/>
+                      </a:solidFill>
+                      <a:prstDash val="solid"/>
+                      <a:round/>
+                      <a:headEnd type="none" w="med" len="med"/>
+                      <a:tailEnd type="none" w="med" len="med"/>
+                    </a:lnR>
+                    <a:lnT w="12700" cap="flat" cmpd="sng" algn="ctr">
+                      <a:solidFill>
+                        <a:schemeClr val="tx1"/>
+                      </a:solidFill>
+                      <a:prstDash val="solid"/>
+                      <a:round/>
+                      <a:headEnd type="none" w="med" len="med"/>
+                      <a:tailEnd type="none" w="med" len="med"/>
+                    </a:lnT>
+                    <a:lnB w="12700" cap="flat" cmpd="sng" algn="ctr">
+                      <a:solidFill>
+                        <a:schemeClr val="tx1"/>
+                      </a:solidFill>
+                      <a:prstDash val="solid"/>
+                      <a:round/>
+                      <a:headEnd type="none" w="med" len="med"/>
+                      <a:tailEnd type="none" w="med" len="med"/>
+                    </a:lnB>
+                    <a:lnTlToBr w="12700" cmpd="sng">
+                      <a:noFill/>
+                      <a:prstDash val="solid"/>
+                    </a:lnTlToBr>
+                    <a:lnBlToTr w="12700" cmpd="sng">
+                      <a:noFill/>
+                      <a:prstDash val="solid"/>
+                    </a:lnBlToTr>
+                    <a:noFill/>
+                  </a:tcPr>
+                </a:tc>
+                <a:tc>
+                  <a:txBody>
+                    <a:bodyPr/>
+                    <a:lstStyle/>
+                    <a:p>
+                      <a:endParaRPr lang="zh-CN" altLang="en-US" dirty="0"/>
+                    </a:p>
+                  </a:txBody>
+                  <a:tcPr>
+                    <a:lnL w="12700" cap="flat" cmpd="sng" algn="ctr">
+                      <a:solidFill>
+                        <a:schemeClr val="tx1"/>
+                      </a:solidFill>
+                      <a:prstDash val="solid"/>
+                      <a:round/>
+                      <a:headEnd type="none" w="med" len="med"/>
+                      <a:tailEnd type="none" w="med" len="med"/>
+                    </a:lnL>
+                    <a:lnR w="12700" cap="flat" cmpd="sng" algn="ctr">
+                      <a:solidFill>
+                        <a:schemeClr val="tx1"/>
+                      </a:solidFill>
+                      <a:prstDash val="solid"/>
+                      <a:round/>
+                      <a:headEnd type="none" w="med" len="med"/>
+                      <a:tailEnd type="none" w="med" len="med"/>
+                    </a:lnR>
+                    <a:lnT w="12700" cap="flat" cmpd="sng" algn="ctr">
+                      <a:solidFill>
+                        <a:schemeClr val="tx1"/>
+                      </a:solidFill>
+                      <a:prstDash val="solid"/>
+                      <a:round/>
+                      <a:headEnd type="none" w="med" len="med"/>
+                      <a:tailEnd type="none" w="med" len="med"/>
+                    </a:lnT>
+                    <a:lnB w="12700" cap="flat" cmpd="sng" algn="ctr">
+                      <a:solidFill>
+                        <a:schemeClr val="tx1"/>
+                      </a:solidFill>
+                      <a:prstDash val="solid"/>
+                      <a:round/>
+                      <a:headEnd type="none" w="med" len="med"/>
+                      <a:tailEnd type="none" w="med" len="med"/>
+                    </a:lnB>
+                    <a:lnTlToBr w="12700" cmpd="sng">
+                      <a:noFill/>
+                      <a:prstDash val="solid"/>
+                    </a:lnTlToBr>
+                    <a:lnBlToTr w="12700" cmpd="sng">
+                      <a:noFill/>
+                      <a:prstDash val="solid"/>
+                    </a:lnBlToTr>
+                    <a:noFill/>
+                  </a:tcPr>
+                </a:tc>
+                <a:tc>
+                  <a:txBody>
+                    <a:bodyPr/>
+                    <a:lstStyle/>
+                    <a:p>
+                      <a:pPr marL="0" marR="0" lvl="0" indent="0" algn="ctr" defTabSz="914400" rtl="0" eaLnBrk="1" fontAlgn="auto" latinLnBrk="0" hangingPunct="1">
+                        <a:lnSpc>
+                          <a:spcPct val="200000"/>
+                        </a:lnSpc>
+                        <a:spcBef>
+                          <a:spcPts val="0"/>
+                        </a:spcBef>
+                        <a:spcAft>
+                          <a:spcPts val="0"/>
+                        </a:spcAft>
+                        <a:buClrTx/>
+                        <a:buSzTx/>
+                        <a:buFontTx/>
+                        <a:buNone/>
+                        <a:tabLst/>
+                        <a:defRPr/>
+                      </a:pPr>
+                      <a:endParaRPr lang="zh-CN" altLang="en-US" sz="1800" b="1" kern="1200" dirty="0">
+                        <a:solidFill>
+                          <a:schemeClr val="bg1"/>
+                        </a:solidFill>
+                        <a:latin typeface="Times New Roman" panose="02020603050405020304" pitchFamily="18" charset="0"/>
+                        <a:ea typeface="+mn-ea"/>
+                        <a:cs typeface="Times New Roman" panose="02020603050405020304" pitchFamily="18" charset="0"/>
+                      </a:endParaRPr>
+                    </a:p>
+                  </a:txBody>
+                  <a:tcPr>
+                    <a:lnL w="12700" cap="flat" cmpd="sng" algn="ctr">
+                      <a:solidFill>
+                        <a:schemeClr val="tx1"/>
+                      </a:solidFill>
+                      <a:prstDash val="solid"/>
+                      <a:round/>
+                      <a:headEnd type="none" w="med" len="med"/>
+                      <a:tailEnd type="none" w="med" len="med"/>
+                    </a:lnL>
+                    <a:lnR w="12700" cap="flat" cmpd="sng" algn="ctr">
+                      <a:solidFill>
+                        <a:schemeClr val="tx1"/>
+                      </a:solidFill>
+                      <a:prstDash val="solid"/>
+                      <a:round/>
+                      <a:headEnd type="none" w="med" len="med"/>
+                      <a:tailEnd type="none" w="med" len="med"/>
+                    </a:lnR>
+                    <a:lnT w="12700" cap="flat" cmpd="sng" algn="ctr">
+                      <a:solidFill>
+                        <a:schemeClr val="tx1"/>
+                      </a:solidFill>
+                      <a:prstDash val="solid"/>
+                      <a:round/>
+                      <a:headEnd type="none" w="med" len="med"/>
+                      <a:tailEnd type="none" w="med" len="med"/>
+                    </a:lnT>
+                    <a:lnB w="12700" cap="flat" cmpd="sng" algn="ctr">
+                      <a:solidFill>
+                        <a:schemeClr val="tx1"/>
+                      </a:solidFill>
+                      <a:prstDash val="solid"/>
+                      <a:round/>
+                      <a:headEnd type="none" w="med" len="med"/>
+                      <a:tailEnd type="none" w="med" len="med"/>
+                    </a:lnB>
+                    <a:lnTlToBr w="12700" cmpd="sng">
+                      <a:noFill/>
+                      <a:prstDash val="solid"/>
+                    </a:lnTlToBr>
+                    <a:lnBlToTr w="12700" cmpd="sng">
+                      <a:noFill/>
+                      <a:prstDash val="solid"/>
+                    </a:lnBlToTr>
+                    <a:noFill/>
+                  </a:tcPr>
+                </a:tc>
+                <a:extLst>
+                  <a:ext uri="{0D108BD9-81ED-4DB2-BD59-A6C34878D82A}">
+                    <a16:rowId xmlns:a16="http://schemas.microsoft.com/office/drawing/2014/main" val="793124375"/>
+                  </a:ext>
+                </a:extLst>
+              </a:tr>
+              <a:tr h="754293">
+                <a:tc>
+                  <a:txBody>
+                    <a:bodyPr/>
+                    <a:lstStyle/>
+                    <a:p>
+                      <a:pPr marL="0" marR="0" lvl="0" indent="0" algn="ctr" defTabSz="914400" rtl="0" eaLnBrk="1" fontAlgn="auto" latinLnBrk="0" hangingPunct="1">
+                        <a:lnSpc>
+                          <a:spcPct val="200000"/>
+                        </a:lnSpc>
+                        <a:spcBef>
+                          <a:spcPts val="0"/>
+                        </a:spcBef>
+                        <a:spcAft>
+                          <a:spcPts val="0"/>
+                        </a:spcAft>
+                        <a:buClrTx/>
+                        <a:buSzTx/>
+                        <a:buFontTx/>
+                        <a:buNone/>
+                        <a:tabLst/>
+                        <a:defRPr/>
+                      </a:pPr>
+                      <a:endParaRPr lang="zh-CN" altLang="en-US" sz="1800" b="1" kern="1200" dirty="0">
+                        <a:solidFill>
+                          <a:schemeClr val="bg1"/>
+                        </a:solidFill>
+                        <a:latin typeface="Times New Roman" panose="02020603050405020304" pitchFamily="18" charset="0"/>
+                        <a:ea typeface="+mn-ea"/>
+                        <a:cs typeface="Times New Roman" panose="02020603050405020304" pitchFamily="18" charset="0"/>
+                      </a:endParaRPr>
+                    </a:p>
+                  </a:txBody>
+                  <a:tcPr>
+                    <a:lnL w="12700" cap="flat" cmpd="sng" algn="ctr">
+                      <a:noFill/>
+                      <a:prstDash val="solid"/>
+                      <a:round/>
+                      <a:headEnd type="none" w="med" len="med"/>
+                      <a:tailEnd type="none" w="med" len="med"/>
+                    </a:lnL>
+                    <a:lnR w="12700" cap="flat" cmpd="sng" algn="ctr">
+                      <a:noFill/>
+                      <a:prstDash val="solid"/>
+                      <a:round/>
+                      <a:headEnd type="none" w="med" len="med"/>
+                      <a:tailEnd type="none" w="med" len="med"/>
+                    </a:lnR>
+                    <a:lnT w="12700" cap="flat" cmpd="sng" algn="ctr">
+                      <a:solidFill>
+                        <a:schemeClr val="tx1"/>
+                      </a:solidFill>
+                      <a:prstDash val="solid"/>
+                      <a:round/>
+                      <a:headEnd type="none" w="med" len="med"/>
+                      <a:tailEnd type="none" w="med" len="med"/>
+                    </a:lnT>
+                    <a:lnB w="12700" cap="flat" cmpd="sng" algn="ctr">
+                      <a:noFill/>
+                      <a:prstDash val="solid"/>
+                      <a:round/>
+                      <a:headEnd type="none" w="med" len="med"/>
+                      <a:tailEnd type="none" w="med" len="med"/>
+                    </a:lnB>
+                    <a:lnTlToBr w="12700" cmpd="sng">
+                      <a:noFill/>
+                      <a:prstDash val="solid"/>
+                    </a:lnTlToBr>
+                    <a:lnBlToTr w="12700" cmpd="sng">
+                      <a:noFill/>
+                      <a:prstDash val="solid"/>
+                    </a:lnBlToTr>
+                    <a:noFill/>
+                  </a:tcPr>
+                </a:tc>
+                <a:tc>
+                  <a:txBody>
+                    <a:bodyPr/>
+                    <a:lstStyle/>
+                    <a:p>
+                      <a:endParaRPr lang="zh-CN" altLang="en-US" dirty="0"/>
+                    </a:p>
+                  </a:txBody>
+                  <a:tcPr>
+                    <a:lnL w="12700" cap="flat" cmpd="sng" algn="ctr">
+                      <a:noFill/>
+                      <a:prstDash val="solid"/>
+                      <a:round/>
+                      <a:headEnd type="none" w="med" len="med"/>
+                      <a:tailEnd type="none" w="med" len="med"/>
+                    </a:lnL>
+                    <a:lnR w="12700" cap="flat" cmpd="sng" algn="ctr">
+                      <a:solidFill>
+                        <a:schemeClr val="tx1"/>
+                      </a:solidFill>
+                      <a:prstDash val="solid"/>
+                      <a:round/>
+                      <a:headEnd type="none" w="med" len="med"/>
+                      <a:tailEnd type="none" w="med" len="med"/>
+                    </a:lnR>
+                    <a:lnT w="12700" cap="flat" cmpd="sng" algn="ctr">
+                      <a:solidFill>
+                        <a:schemeClr val="tx1"/>
+                      </a:solidFill>
+                      <a:prstDash val="solid"/>
+                      <a:round/>
+                      <a:headEnd type="none" w="med" len="med"/>
+                      <a:tailEnd type="none" w="med" len="med"/>
+                    </a:lnT>
+                    <a:lnB w="12700" cap="flat" cmpd="sng" algn="ctr">
+                      <a:noFill/>
+                      <a:prstDash val="solid"/>
+                      <a:round/>
+                      <a:headEnd type="none" w="med" len="med"/>
+                      <a:tailEnd type="none" w="med" len="med"/>
+                    </a:lnB>
+                    <a:lnTlToBr w="12700" cmpd="sng">
+                      <a:noFill/>
+                      <a:prstDash val="solid"/>
+                    </a:lnTlToBr>
+                    <a:lnBlToTr w="12700" cmpd="sng">
+                      <a:noFill/>
+                      <a:prstDash val="solid"/>
+                    </a:lnBlToTr>
+                    <a:noFill/>
+                  </a:tcPr>
+                </a:tc>
+                <a:tc>
+                  <a:txBody>
+                    <a:bodyPr/>
+                    <a:lstStyle/>
+                    <a:p>
+                      <a:pPr marL="0" marR="0" lvl="0" indent="0" algn="ctr" defTabSz="914400" rtl="0" eaLnBrk="1" fontAlgn="auto" latinLnBrk="0" hangingPunct="1">
+                        <a:lnSpc>
+                          <a:spcPct val="200000"/>
+                        </a:lnSpc>
+                        <a:spcBef>
+                          <a:spcPts val="0"/>
+                        </a:spcBef>
+                        <a:spcAft>
+                          <a:spcPts val="0"/>
+                        </a:spcAft>
+                        <a:buClrTx/>
+                        <a:buSzTx/>
+                        <a:buFontTx/>
+                        <a:buNone/>
+                        <a:tabLst/>
+                        <a:defRPr/>
+                      </a:pPr>
+                      <a:endParaRPr lang="zh-CN" altLang="en-US" sz="1800" b="1" kern="1200" dirty="0">
+                        <a:solidFill>
+                          <a:schemeClr val="bg1"/>
+                        </a:solidFill>
+                        <a:latin typeface="Times New Roman" panose="02020603050405020304" pitchFamily="18" charset="0"/>
+                        <a:ea typeface="+mn-ea"/>
+                        <a:cs typeface="Times New Roman" panose="02020603050405020304" pitchFamily="18" charset="0"/>
+                      </a:endParaRPr>
+                    </a:p>
+                  </a:txBody>
+                  <a:tcPr>
+                    <a:lnL w="12700" cap="flat" cmpd="sng" algn="ctr">
+                      <a:solidFill>
+                        <a:schemeClr val="tx1"/>
+                      </a:solidFill>
+                      <a:prstDash val="solid"/>
+                      <a:round/>
+                      <a:headEnd type="none" w="med" len="med"/>
+                      <a:tailEnd type="none" w="med" len="med"/>
+                    </a:lnL>
+                    <a:lnR w="12700" cap="flat" cmpd="sng" algn="ctr">
+                      <a:solidFill>
+                        <a:schemeClr val="tx1"/>
+                      </a:solidFill>
+                      <a:prstDash val="solid"/>
+                      <a:round/>
+                      <a:headEnd type="none" w="med" len="med"/>
+                      <a:tailEnd type="none" w="med" len="med"/>
+                    </a:lnR>
+                    <a:lnT w="12700" cap="flat" cmpd="sng" algn="ctr">
+                      <a:solidFill>
+                        <a:schemeClr val="tx1"/>
+                      </a:solidFill>
+                      <a:prstDash val="solid"/>
+                      <a:round/>
+                      <a:headEnd type="none" w="med" len="med"/>
+                      <a:tailEnd type="none" w="med" len="med"/>
+                    </a:lnT>
+                    <a:lnB w="12700" cap="flat" cmpd="sng" algn="ctr">
+                      <a:solidFill>
+                        <a:schemeClr val="tx1"/>
+                      </a:solidFill>
+                      <a:prstDash val="solid"/>
+                      <a:round/>
+                      <a:headEnd type="none" w="med" len="med"/>
+                      <a:tailEnd type="none" w="med" len="med"/>
+                    </a:lnB>
+                    <a:lnTlToBr w="12700" cmpd="sng">
+                      <a:noFill/>
+                      <a:prstDash val="solid"/>
+                    </a:lnTlToBr>
+                    <a:lnBlToTr w="12700" cmpd="sng">
+                      <a:noFill/>
+                      <a:prstDash val="solid"/>
+                    </a:lnBlToTr>
+                    <a:noFill/>
+                  </a:tcPr>
+                </a:tc>
+                <a:tc>
+                  <a:txBody>
+                    <a:bodyPr/>
+                    <a:lstStyle/>
+                    <a:p>
+                      <a:endParaRPr lang="zh-CN" altLang="en-US" dirty="0"/>
+                    </a:p>
+                  </a:txBody>
+                  <a:tcPr>
+                    <a:lnL w="12700" cap="flat" cmpd="sng" algn="ctr">
+                      <a:solidFill>
+                        <a:schemeClr val="tx1"/>
+                      </a:solidFill>
+                      <a:prstDash val="solid"/>
+                      <a:round/>
+                      <a:headEnd type="none" w="med" len="med"/>
+                      <a:tailEnd type="none" w="med" len="med"/>
+                    </a:lnL>
+                    <a:lnR w="12700" cap="flat" cmpd="sng" algn="ctr">
+                      <a:noFill/>
+                      <a:prstDash val="solid"/>
+                      <a:round/>
+                      <a:headEnd type="none" w="med" len="med"/>
+                      <a:tailEnd type="none" w="med" len="med"/>
+                    </a:lnR>
+                    <a:lnT w="12700" cap="flat" cmpd="sng" algn="ctr">
+                      <a:solidFill>
+                        <a:schemeClr val="tx1"/>
+                      </a:solidFill>
+                      <a:prstDash val="solid"/>
+                      <a:round/>
+                      <a:headEnd type="none" w="med" len="med"/>
+                      <a:tailEnd type="none" w="med" len="med"/>
+                    </a:lnT>
+                    <a:lnB w="12700" cap="flat" cmpd="sng" algn="ctr">
+                      <a:noFill/>
+                      <a:prstDash val="solid"/>
+                      <a:round/>
+                      <a:headEnd type="none" w="med" len="med"/>
+                      <a:tailEnd type="none" w="med" len="med"/>
+                    </a:lnB>
+                    <a:lnTlToBr w="12700" cmpd="sng">
+                      <a:noFill/>
+                      <a:prstDash val="solid"/>
+                    </a:lnTlToBr>
+                    <a:lnBlToTr w="12700" cmpd="sng">
+                      <a:noFill/>
+                      <a:prstDash val="solid"/>
+                    </a:lnBlToTr>
+                    <a:noFill/>
+                  </a:tcPr>
+                </a:tc>
+                <a:tc>
+                  <a:txBody>
+                    <a:bodyPr/>
+                    <a:lstStyle/>
+                    <a:p>
+                      <a:pPr marL="0" marR="0" lvl="0" indent="0" algn="ctr" defTabSz="914400" rtl="0" eaLnBrk="1" fontAlgn="auto" latinLnBrk="0" hangingPunct="1">
+                        <a:lnSpc>
+                          <a:spcPct val="200000"/>
+                        </a:lnSpc>
+                        <a:spcBef>
+                          <a:spcPts val="0"/>
+                        </a:spcBef>
+                        <a:spcAft>
+                          <a:spcPts val="0"/>
+                        </a:spcAft>
+                        <a:buClrTx/>
+                        <a:buSzTx/>
+                        <a:buFontTx/>
+                        <a:buNone/>
+                        <a:tabLst/>
+                        <a:defRPr/>
+                      </a:pPr>
+                      <a:endParaRPr lang="zh-CN" altLang="en-US" sz="1800" b="1" kern="1200" dirty="0">
+                        <a:solidFill>
+                          <a:schemeClr val="bg1"/>
+                        </a:solidFill>
+                        <a:latin typeface="Times New Roman" panose="02020603050405020304" pitchFamily="18" charset="0"/>
+                        <a:ea typeface="+mn-ea"/>
+                        <a:cs typeface="Times New Roman" panose="02020603050405020304" pitchFamily="18" charset="0"/>
+                      </a:endParaRPr>
+                    </a:p>
+                  </a:txBody>
+                  <a:tcPr>
+                    <a:lnL w="12700" cap="flat" cmpd="sng" algn="ctr">
+                      <a:noFill/>
+                      <a:prstDash val="solid"/>
+                      <a:round/>
+                      <a:headEnd type="none" w="med" len="med"/>
+                      <a:tailEnd type="none" w="med" len="med"/>
+                    </a:lnL>
+                    <a:lnR w="12700" cap="flat" cmpd="sng" algn="ctr">
+                      <a:noFill/>
+                      <a:prstDash val="solid"/>
+                      <a:round/>
+                      <a:headEnd type="none" w="med" len="med"/>
+                      <a:tailEnd type="none" w="med" len="med"/>
+                    </a:lnR>
+                    <a:lnT w="12700" cap="flat" cmpd="sng" algn="ctr">
+                      <a:solidFill>
+                        <a:schemeClr val="tx1"/>
+                      </a:solidFill>
+                      <a:prstDash val="solid"/>
+                      <a:round/>
+                      <a:headEnd type="none" w="med" len="med"/>
+                      <a:tailEnd type="none" w="med" len="med"/>
+                    </a:lnT>
+                    <a:lnB w="12700" cap="flat" cmpd="sng" algn="ctr">
+                      <a:noFill/>
+                      <a:prstDash val="solid"/>
+                      <a:round/>
+                      <a:headEnd type="none" w="med" len="med"/>
+                      <a:tailEnd type="none" w="med" len="med"/>
+                    </a:lnB>
+                    <a:lnTlToBr w="12700" cmpd="sng">
+                      <a:noFill/>
+                      <a:prstDash val="solid"/>
+                    </a:lnTlToBr>
+                    <a:lnBlToTr w="12700" cmpd="sng">
+                      <a:noFill/>
+                      <a:prstDash val="solid"/>
+                    </a:lnBlToTr>
+                    <a:noFill/>
+                  </a:tcPr>
+                </a:tc>
+                <a:extLst>
+                  <a:ext uri="{0D108BD9-81ED-4DB2-BD59-A6C34878D82A}">
+                    <a16:rowId xmlns:a16="http://schemas.microsoft.com/office/drawing/2014/main" val="1130754461"/>
+                  </a:ext>
+                </a:extLst>
+              </a:tr>
+              <a:tr h="754293">
+                <a:tc>
+                  <a:txBody>
+                    <a:bodyPr/>
+                    <a:lstStyle/>
+                    <a:p>
+                      <a:pPr marL="0" marR="0" lvl="0" indent="0" algn="ctr" defTabSz="914400" rtl="0" eaLnBrk="1" fontAlgn="auto" latinLnBrk="0" hangingPunct="1">
+                        <a:lnSpc>
+                          <a:spcPct val="200000"/>
+                        </a:lnSpc>
+                        <a:spcBef>
+                          <a:spcPts val="0"/>
+                        </a:spcBef>
+                        <a:spcAft>
+                          <a:spcPts val="0"/>
+                        </a:spcAft>
+                        <a:buClrTx/>
+                        <a:buSzTx/>
+                        <a:buFontTx/>
+                        <a:buNone/>
+                        <a:tabLst/>
+                        <a:defRPr/>
+                      </a:pPr>
+                      <a:endParaRPr lang="zh-CN" altLang="en-US" sz="1800" b="1" kern="1200" dirty="0">
+                        <a:solidFill>
+                          <a:schemeClr val="bg1"/>
+                        </a:solidFill>
+                        <a:latin typeface="Times New Roman" panose="02020603050405020304" pitchFamily="18" charset="0"/>
+                        <a:ea typeface="+mn-ea"/>
+                        <a:cs typeface="Times New Roman" panose="02020603050405020304" pitchFamily="18" charset="0"/>
+                      </a:endParaRPr>
+                    </a:p>
+                  </a:txBody>
+                  <a:tcPr>
+                    <a:lnL w="12700" cap="flat" cmpd="sng" algn="ctr">
+                      <a:noFill/>
+                      <a:prstDash val="solid"/>
+                      <a:round/>
+                      <a:headEnd type="none" w="med" len="med"/>
+                      <a:tailEnd type="none" w="med" len="med"/>
+                    </a:lnL>
+                    <a:lnR w="12700" cap="flat" cmpd="sng" algn="ctr">
+                      <a:noFill/>
+                      <a:prstDash val="solid"/>
+                      <a:round/>
+                      <a:headEnd type="none" w="med" len="med"/>
+                      <a:tailEnd type="none" w="med" len="med"/>
+                    </a:lnR>
+                    <a:lnT w="12700" cap="flat" cmpd="sng" algn="ctr">
+                      <a:noFill/>
+                      <a:prstDash val="solid"/>
+                      <a:round/>
+                      <a:headEnd type="none" w="med" len="med"/>
+                      <a:tailEnd type="none" w="med" len="med"/>
+                    </a:lnT>
+                    <a:lnB w="12700" cap="flat" cmpd="sng" algn="ctr">
+                      <a:noFill/>
+                      <a:prstDash val="solid"/>
+                      <a:round/>
+                      <a:headEnd type="none" w="med" len="med"/>
+                      <a:tailEnd type="none" w="med" len="med"/>
+                    </a:lnB>
+                    <a:lnTlToBr w="12700" cmpd="sng">
+                      <a:noFill/>
+                      <a:prstDash val="solid"/>
+                    </a:lnTlToBr>
+                    <a:lnBlToTr w="12700" cmpd="sng">
+                      <a:noFill/>
+                      <a:prstDash val="solid"/>
+                    </a:lnBlToTr>
+                    <a:noFill/>
+                  </a:tcPr>
+                </a:tc>
+                <a:tc>
+                  <a:txBody>
+                    <a:bodyPr/>
+                    <a:lstStyle/>
+                    <a:p>
+                      <a:endParaRPr lang="zh-CN" altLang="en-US" dirty="0"/>
+                    </a:p>
+                  </a:txBody>
+                  <a:tcPr>
+                    <a:lnL w="12700" cap="flat" cmpd="sng" algn="ctr">
+                      <a:noFill/>
+                      <a:prstDash val="solid"/>
+                      <a:round/>
+                      <a:headEnd type="none" w="med" len="med"/>
+                      <a:tailEnd type="none" w="med" len="med"/>
+                    </a:lnL>
+                    <a:lnR w="12700" cap="flat" cmpd="sng" algn="ctr">
+                      <a:solidFill>
+                        <a:schemeClr val="tx1"/>
+                      </a:solidFill>
+                      <a:prstDash val="solid"/>
+                      <a:round/>
+                      <a:headEnd type="none" w="med" len="med"/>
+                      <a:tailEnd type="none" w="med" len="med"/>
+                    </a:lnR>
+                    <a:lnT w="12700" cap="flat" cmpd="sng" algn="ctr">
+                      <a:noFill/>
+                      <a:prstDash val="solid"/>
+                      <a:round/>
+                      <a:headEnd type="none" w="med" len="med"/>
+                      <a:tailEnd type="none" w="med" len="med"/>
+                    </a:lnT>
+                    <a:lnB w="12700" cap="flat" cmpd="sng" algn="ctr">
+                      <a:noFill/>
+                      <a:prstDash val="solid"/>
+                      <a:round/>
+                      <a:headEnd type="none" w="med" len="med"/>
+                      <a:tailEnd type="none" w="med" len="med"/>
+                    </a:lnB>
+                    <a:lnTlToBr w="12700" cmpd="sng">
+                      <a:noFill/>
+                      <a:prstDash val="solid"/>
+                    </a:lnTlToBr>
+                    <a:lnBlToTr w="12700" cmpd="sng">
+                      <a:noFill/>
+                      <a:prstDash val="solid"/>
+                    </a:lnBlToTr>
+                    <a:noFill/>
+                  </a:tcPr>
+                </a:tc>
+                <a:tc>
+                  <a:txBody>
+                    <a:bodyPr/>
+                    <a:lstStyle/>
+                    <a:p>
+                      <a:pPr marL="0" marR="0" lvl="0" indent="0" algn="ctr" defTabSz="914400" rtl="0" eaLnBrk="1" fontAlgn="auto" latinLnBrk="0" hangingPunct="1">
+                        <a:lnSpc>
+                          <a:spcPct val="200000"/>
+                        </a:lnSpc>
+                        <a:spcBef>
+                          <a:spcPts val="0"/>
+                        </a:spcBef>
+                        <a:spcAft>
+                          <a:spcPts val="0"/>
+                        </a:spcAft>
+                        <a:buClrTx/>
+                        <a:buSzTx/>
+                        <a:buFontTx/>
+                        <a:buNone/>
+                        <a:tabLst/>
+                        <a:defRPr/>
+                      </a:pPr>
+                      <a:r>
+                        <a:rPr lang="en-US" altLang="zh-CN" sz="1800" b="1" kern="1200" dirty="0">
+                          <a:solidFill>
+                            <a:schemeClr val="bg1"/>
+                          </a:solidFill>
+                          <a:latin typeface="Times New Roman" panose="02020603050405020304" pitchFamily="18" charset="0"/>
+                          <a:ea typeface="+mn-ea"/>
+                          <a:cs typeface="Times New Roman" panose="02020603050405020304" pitchFamily="18" charset="0"/>
+                        </a:rPr>
+                        <a:t>B</a:t>
+                      </a:r>
+                      <a:endParaRPr lang="zh-CN" altLang="en-US" sz="1800" b="1" kern="1200" dirty="0">
+                        <a:solidFill>
+                          <a:schemeClr val="bg1"/>
+                        </a:solidFill>
+                        <a:latin typeface="Times New Roman" panose="02020603050405020304" pitchFamily="18" charset="0"/>
+                        <a:ea typeface="+mn-ea"/>
+                        <a:cs typeface="Times New Roman" panose="02020603050405020304" pitchFamily="18" charset="0"/>
+                      </a:endParaRPr>
+                    </a:p>
+                  </a:txBody>
+                  <a:tcPr>
+                    <a:lnL w="12700" cap="flat" cmpd="sng" algn="ctr">
+                      <a:solidFill>
+                        <a:schemeClr val="tx1"/>
+                      </a:solidFill>
+                      <a:prstDash val="solid"/>
+                      <a:round/>
+                      <a:headEnd type="none" w="med" len="med"/>
+                      <a:tailEnd type="none" w="med" len="med"/>
+                    </a:lnL>
+                    <a:lnR w="12700" cap="flat" cmpd="sng" algn="ctr">
+                      <a:solidFill>
+                        <a:schemeClr val="tx1"/>
+                      </a:solidFill>
+                      <a:prstDash val="solid"/>
+                      <a:round/>
+                      <a:headEnd type="none" w="med" len="med"/>
+                      <a:tailEnd type="none" w="med" len="med"/>
+                    </a:lnR>
+                    <a:lnT w="12700" cap="flat" cmpd="sng" algn="ctr">
+                      <a:solidFill>
+                        <a:schemeClr val="tx1"/>
+                      </a:solidFill>
+                      <a:prstDash val="solid"/>
+                      <a:round/>
+                      <a:headEnd type="none" w="med" len="med"/>
+                      <a:tailEnd type="none" w="med" len="med"/>
+                    </a:lnT>
+                    <a:lnB w="12700" cap="flat" cmpd="sng" algn="ctr">
+                      <a:solidFill>
+                        <a:schemeClr val="tx1"/>
+                      </a:solidFill>
+                      <a:prstDash val="solid"/>
+                      <a:round/>
+                      <a:headEnd type="none" w="med" len="med"/>
+                      <a:tailEnd type="none" w="med" len="med"/>
+                    </a:lnB>
+                    <a:lnTlToBr w="12700" cmpd="sng">
+                      <a:noFill/>
+                      <a:prstDash val="solid"/>
+                    </a:lnTlToBr>
+                    <a:lnBlToTr w="12700" cmpd="sng">
+                      <a:noFill/>
+                      <a:prstDash val="solid"/>
+                    </a:lnBlToTr>
+                    <a:solidFill>
+                      <a:srgbClr val="70AD47"/>
+                    </a:solidFill>
+                  </a:tcPr>
+                </a:tc>
+                <a:tc>
+                  <a:txBody>
+                    <a:bodyPr/>
+                    <a:lstStyle/>
+                    <a:p>
+                      <a:endParaRPr lang="zh-CN" altLang="en-US" dirty="0"/>
+                    </a:p>
+                  </a:txBody>
+                  <a:tcPr>
+                    <a:lnL w="12700" cap="flat" cmpd="sng" algn="ctr">
+                      <a:solidFill>
+                        <a:schemeClr val="tx1"/>
+                      </a:solidFill>
+                      <a:prstDash val="solid"/>
+                      <a:round/>
+                      <a:headEnd type="none" w="med" len="med"/>
+                      <a:tailEnd type="none" w="med" len="med"/>
+                    </a:lnL>
+                    <a:lnR w="12700" cap="flat" cmpd="sng" algn="ctr">
+                      <a:noFill/>
+                      <a:prstDash val="solid"/>
+                      <a:round/>
+                      <a:headEnd type="none" w="med" len="med"/>
+                      <a:tailEnd type="none" w="med" len="med"/>
+                    </a:lnR>
+                    <a:lnT w="12700" cap="flat" cmpd="sng" algn="ctr">
+                      <a:noFill/>
+                      <a:prstDash val="solid"/>
+                      <a:round/>
+                      <a:headEnd type="none" w="med" len="med"/>
+                      <a:tailEnd type="none" w="med" len="med"/>
+                    </a:lnT>
+                    <a:lnB w="12700" cap="flat" cmpd="sng" algn="ctr">
+                      <a:noFill/>
+                      <a:prstDash val="solid"/>
+                      <a:round/>
+                      <a:headEnd type="none" w="med" len="med"/>
+                      <a:tailEnd type="none" w="med" len="med"/>
+                    </a:lnB>
+                    <a:lnTlToBr w="12700" cmpd="sng">
+                      <a:noFill/>
+                      <a:prstDash val="solid"/>
+                    </a:lnTlToBr>
+                    <a:lnBlToTr w="12700" cmpd="sng">
+                      <a:noFill/>
+                      <a:prstDash val="solid"/>
+                    </a:lnBlToTr>
+                    <a:noFill/>
+                  </a:tcPr>
+                </a:tc>
+                <a:tc>
+                  <a:txBody>
+                    <a:bodyPr/>
+                    <a:lstStyle/>
+                    <a:p>
+                      <a:pPr marL="0" marR="0" lvl="0" indent="0" algn="ctr" defTabSz="914400" rtl="0" eaLnBrk="1" fontAlgn="auto" latinLnBrk="0" hangingPunct="1">
+                        <a:lnSpc>
+                          <a:spcPct val="200000"/>
+                        </a:lnSpc>
+                        <a:spcBef>
+                          <a:spcPts val="0"/>
+                        </a:spcBef>
+                        <a:spcAft>
+                          <a:spcPts val="0"/>
+                        </a:spcAft>
+                        <a:buClrTx/>
+                        <a:buSzTx/>
+                        <a:buFontTx/>
+                        <a:buNone/>
+                        <a:tabLst/>
+                        <a:defRPr/>
+                      </a:pPr>
+                      <a:endParaRPr lang="zh-CN" altLang="en-US" sz="1800" b="1" kern="1200" dirty="0">
+                        <a:solidFill>
+                          <a:schemeClr val="bg1"/>
+                        </a:solidFill>
+                        <a:latin typeface="Times New Roman" panose="02020603050405020304" pitchFamily="18" charset="0"/>
+                        <a:ea typeface="+mn-ea"/>
+                        <a:cs typeface="Times New Roman" panose="02020603050405020304" pitchFamily="18" charset="0"/>
+                      </a:endParaRPr>
+                    </a:p>
+                  </a:txBody>
+                  <a:tcPr>
+                    <a:lnL w="12700" cap="flat" cmpd="sng" algn="ctr">
+                      <a:noFill/>
+                      <a:prstDash val="solid"/>
+                      <a:round/>
+                      <a:headEnd type="none" w="med" len="med"/>
+                      <a:tailEnd type="none" w="med" len="med"/>
+                    </a:lnL>
+                    <a:lnR w="12700" cap="flat" cmpd="sng" algn="ctr">
+                      <a:noFill/>
+                      <a:prstDash val="solid"/>
+                      <a:round/>
+                      <a:headEnd type="none" w="med" len="med"/>
+                      <a:tailEnd type="none" w="med" len="med"/>
+                    </a:lnR>
+                    <a:lnT w="12700" cap="flat" cmpd="sng" algn="ctr">
+                      <a:noFill/>
+                      <a:prstDash val="solid"/>
+                      <a:round/>
+                      <a:headEnd type="none" w="med" len="med"/>
+                      <a:tailEnd type="none" w="med" len="med"/>
+                    </a:lnT>
+                    <a:lnB w="12700" cap="flat" cmpd="sng" algn="ctr">
+                      <a:noFill/>
+                      <a:prstDash val="solid"/>
+                      <a:round/>
+                      <a:headEnd type="none" w="med" len="med"/>
+                      <a:tailEnd type="none" w="med" len="med"/>
+                    </a:lnB>
+                    <a:lnTlToBr w="12700" cmpd="sng">
+                      <a:noFill/>
+                      <a:prstDash val="solid"/>
+                    </a:lnTlToBr>
+                    <a:lnBlToTr w="12700" cmpd="sng">
+                      <a:noFill/>
+                      <a:prstDash val="solid"/>
+                    </a:lnBlToTr>
+                    <a:noFill/>
+                  </a:tcPr>
+                </a:tc>
+                <a:extLst>
+                  <a:ext uri="{0D108BD9-81ED-4DB2-BD59-A6C34878D82A}">
+                    <a16:rowId xmlns:a16="http://schemas.microsoft.com/office/drawing/2014/main" val="4135896795"/>
+                  </a:ext>
+                </a:extLst>
+              </a:tr>
+            </a:tbl>
+          </a:graphicData>
+        </a:graphic>
+      </p:graphicFrame>
+      <p:cxnSp>
+        <p:nvCxnSpPr>
+          <p:cNvPr id="72" name="直接连接符 71">
+            <a:extLst>
+              <a:ext uri="{FF2B5EF4-FFF2-40B4-BE49-F238E27FC236}">
+                <a16:creationId xmlns:a16="http://schemas.microsoft.com/office/drawing/2014/main" id="{DB11F899-52D6-B47F-5B49-99A8C026F1BB}"/>
+              </a:ext>
+            </a:extLst>
+          </p:cNvPr>
+          <p:cNvCxnSpPr>
+            <a:cxnSpLocks/>
+            <a:endCxn id="70" idx="0"/>
+          </p:cNvCxnSpPr>
+          <p:nvPr/>
+        </p:nvCxnSpPr>
+        <p:spPr>
+          <a:xfrm flipV="1">
+            <a:off x="5584650" y="2978425"/>
+            <a:ext cx="0" cy="2255147"/>
+          </a:xfrm>
+          <a:prstGeom prst="line">
+            <a:avLst/>
+          </a:prstGeom>
+          <a:ln w="38100">
+            <a:solidFill>
+              <a:srgbClr val="70AD47"/>
+            </a:solidFill>
+            <a:tailEnd type="triangle"/>
+          </a:ln>
+        </p:spPr>
+        <p:style>
+          <a:lnRef idx="1">
+            <a:schemeClr val="accent1"/>
+          </a:lnRef>
+          <a:fillRef idx="0">
+            <a:schemeClr val="accent1"/>
+          </a:fillRef>
+          <a:effectRef idx="0">
+            <a:schemeClr val="accent1"/>
+          </a:effectRef>
+          <a:fontRef idx="minor">
+            <a:schemeClr val="tx1"/>
+          </a:fontRef>
+        </p:style>
+      </p:cxnSp>
+      <p:cxnSp>
+        <p:nvCxnSpPr>
+          <p:cNvPr id="76" name="直接连接符 75">
+            <a:extLst>
+              <a:ext uri="{FF2B5EF4-FFF2-40B4-BE49-F238E27FC236}">
+                <a16:creationId xmlns:a16="http://schemas.microsoft.com/office/drawing/2014/main" id="{2D326427-D2F1-79B6-B43B-F50108BEBB16}"/>
+              </a:ext>
+            </a:extLst>
+          </p:cNvPr>
+          <p:cNvCxnSpPr>
+            <a:cxnSpLocks/>
+          </p:cNvCxnSpPr>
+          <p:nvPr/>
+        </p:nvCxnSpPr>
+        <p:spPr>
+          <a:xfrm>
+            <a:off x="4503420" y="3896360"/>
+            <a:ext cx="642620" cy="0"/>
+          </a:xfrm>
+          <a:prstGeom prst="line">
+            <a:avLst/>
+          </a:prstGeom>
+          <a:ln w="38100"/>
+        </p:spPr>
+        <p:style>
+          <a:lnRef idx="1">
+            <a:schemeClr val="accent1"/>
+          </a:lnRef>
+          <a:fillRef idx="0">
+            <a:schemeClr val="accent1"/>
+          </a:fillRef>
+          <a:effectRef idx="0">
+            <a:schemeClr val="accent1"/>
+          </a:effectRef>
+          <a:fontRef idx="minor">
+            <a:schemeClr val="tx1"/>
+          </a:fontRef>
+        </p:style>
+      </p:cxnSp>
+      <p:cxnSp>
+        <p:nvCxnSpPr>
+          <p:cNvPr id="87" name="直接连接符 86">
+            <a:extLst>
+              <a:ext uri="{FF2B5EF4-FFF2-40B4-BE49-F238E27FC236}">
+                <a16:creationId xmlns:a16="http://schemas.microsoft.com/office/drawing/2014/main" id="{96E8F14B-1359-BB49-6DCD-7AD320C3661E}"/>
+              </a:ext>
+            </a:extLst>
+          </p:cNvPr>
+          <p:cNvCxnSpPr/>
+          <p:nvPr/>
+        </p:nvCxnSpPr>
+        <p:spPr>
+          <a:xfrm flipV="1">
+            <a:off x="5146040" y="1197336"/>
+            <a:ext cx="594360" cy="250464"/>
+          </a:xfrm>
+          <a:prstGeom prst="line">
+            <a:avLst/>
+          </a:prstGeom>
+        </p:spPr>
+        <p:style>
+          <a:lnRef idx="1">
+            <a:schemeClr val="dk1"/>
+          </a:lnRef>
+          <a:fillRef idx="0">
+            <a:schemeClr val="dk1"/>
+          </a:fillRef>
+          <a:effectRef idx="0">
+            <a:schemeClr val="dk1"/>
+          </a:effectRef>
+          <a:fontRef idx="minor">
+            <a:schemeClr val="tx1"/>
+          </a:fontRef>
+        </p:style>
+      </p:cxnSp>
+      <p:sp>
+        <p:nvSpPr>
+          <p:cNvPr id="88" name="文本框 87">
+            <a:extLst>
+              <a:ext uri="{FF2B5EF4-FFF2-40B4-BE49-F238E27FC236}">
+                <a16:creationId xmlns:a16="http://schemas.microsoft.com/office/drawing/2014/main" id="{AF3E0491-BFD5-AF55-C045-551B6F476813}"/>
+              </a:ext>
+            </a:extLst>
+          </p:cNvPr>
+          <p:cNvSpPr txBox="1"/>
+          <p:nvPr/>
+        </p:nvSpPr>
+        <p:spPr>
+          <a:xfrm>
+            <a:off x="5726884" y="1034928"/>
+            <a:ext cx="1449436" cy="261610"/>
+          </a:xfrm>
+          <a:prstGeom prst="rect">
+            <a:avLst/>
+          </a:prstGeom>
+          <a:noFill/>
+        </p:spPr>
+        <p:txBody>
+          <a:bodyPr wrap="none" rtlCol="0">
+            <a:spAutoFit/>
+          </a:bodyPr>
+          <a:lstStyle/>
+          <a:p>
+            <a:r>
+              <a:rPr lang="en-US" altLang="zh-CN" sz="1100" dirty="0">
+                <a:latin typeface="Times New Roman" panose="02020603050405020304" pitchFamily="18" charset="0"/>
+                <a:cs typeface="Times New Roman" panose="02020603050405020304" pitchFamily="18" charset="0"/>
+              </a:rPr>
+              <a:t>Wait until B passes by</a:t>
+            </a:r>
+            <a:endParaRPr lang="zh-CN" altLang="en-US" sz="1100" dirty="0">
+              <a:latin typeface="Times New Roman" panose="02020603050405020304" pitchFamily="18" charset="0"/>
+              <a:cs typeface="Times New Roman" panose="02020603050405020304" pitchFamily="18" charset="0"/>
+            </a:endParaRPr>
+          </a:p>
+        </p:txBody>
+      </p:sp>
+      <p:grpSp>
+        <p:nvGrpSpPr>
+          <p:cNvPr id="90" name="组合 89">
+            <a:extLst>
+              <a:ext uri="{FF2B5EF4-FFF2-40B4-BE49-F238E27FC236}">
+                <a16:creationId xmlns:a16="http://schemas.microsoft.com/office/drawing/2014/main" id="{B05E5BCB-C4F1-3364-32DC-4C8CF48C4C7D}"/>
+              </a:ext>
+            </a:extLst>
+          </p:cNvPr>
+          <p:cNvGrpSpPr/>
+          <p:nvPr/>
+        </p:nvGrpSpPr>
+        <p:grpSpPr>
+          <a:xfrm rot="10800000">
+            <a:off x="4713834" y="3876675"/>
+            <a:ext cx="2327046" cy="461010"/>
+            <a:chOff x="2752955" y="1661981"/>
+            <a:chExt cx="2327046" cy="461010"/>
+          </a:xfrm>
+        </p:grpSpPr>
+        <p:cxnSp>
+          <p:nvCxnSpPr>
+            <p:cNvPr id="91" name="直接连接符 90">
+              <a:extLst>
+                <a:ext uri="{FF2B5EF4-FFF2-40B4-BE49-F238E27FC236}">
+                  <a16:creationId xmlns:a16="http://schemas.microsoft.com/office/drawing/2014/main" id="{1486E8EF-4C2A-26E1-4C75-58655DAC52DE}"/>
+                </a:ext>
+              </a:extLst>
+            </p:cNvPr>
+            <p:cNvCxnSpPr>
+              <a:cxnSpLocks/>
+            </p:cNvCxnSpPr>
+            <p:nvPr/>
+          </p:nvCxnSpPr>
+          <p:spPr>
+            <a:xfrm rot="10800000">
+              <a:off x="4664711" y="1875341"/>
+              <a:ext cx="0" cy="247650"/>
+            </a:xfrm>
+            <a:prstGeom prst="line">
+              <a:avLst/>
+            </a:prstGeom>
+            <a:ln w="38100"/>
+          </p:spPr>
+          <p:style>
+            <a:lnRef idx="1">
+              <a:schemeClr val="accent1"/>
+            </a:lnRef>
+            <a:fillRef idx="0">
+              <a:schemeClr val="accent1"/>
+            </a:fillRef>
+            <a:effectRef idx="0">
+              <a:schemeClr val="accent1"/>
+            </a:effectRef>
+            <a:fontRef idx="minor">
+              <a:schemeClr val="tx1"/>
+            </a:fontRef>
+          </p:style>
+        </p:cxnSp>
+        <p:cxnSp>
+          <p:nvCxnSpPr>
+            <p:cNvPr id="92" name="直接连接符 91">
+              <a:extLst>
+                <a:ext uri="{FF2B5EF4-FFF2-40B4-BE49-F238E27FC236}">
+                  <a16:creationId xmlns:a16="http://schemas.microsoft.com/office/drawing/2014/main" id="{546EA2F6-FAB1-9AC7-65CC-46EB38FC0F0A}"/>
+                </a:ext>
+              </a:extLst>
+            </p:cNvPr>
+            <p:cNvCxnSpPr>
+              <a:cxnSpLocks/>
+            </p:cNvCxnSpPr>
+            <p:nvPr/>
+          </p:nvCxnSpPr>
+          <p:spPr>
+            <a:xfrm>
+              <a:off x="4664710" y="1893668"/>
+              <a:ext cx="415290" cy="0"/>
+            </a:xfrm>
+            <a:prstGeom prst="line">
+              <a:avLst/>
+            </a:prstGeom>
+            <a:ln w="38100"/>
+          </p:spPr>
+          <p:style>
+            <a:lnRef idx="1">
+              <a:schemeClr val="accent1"/>
+            </a:lnRef>
+            <a:fillRef idx="0">
+              <a:schemeClr val="accent1"/>
+            </a:fillRef>
+            <a:effectRef idx="0">
+              <a:schemeClr val="accent1"/>
+            </a:effectRef>
+            <a:fontRef idx="minor">
+              <a:schemeClr val="tx1"/>
+            </a:fontRef>
+          </p:style>
+        </p:cxnSp>
+        <p:cxnSp>
+          <p:nvCxnSpPr>
+            <p:cNvPr id="93" name="直接连接符 92">
+              <a:extLst>
+                <a:ext uri="{FF2B5EF4-FFF2-40B4-BE49-F238E27FC236}">
+                  <a16:creationId xmlns:a16="http://schemas.microsoft.com/office/drawing/2014/main" id="{66C87E15-A94B-1894-8436-42CD9ED3409F}"/>
+                </a:ext>
+              </a:extLst>
+            </p:cNvPr>
+            <p:cNvCxnSpPr>
+              <a:cxnSpLocks/>
+            </p:cNvCxnSpPr>
+            <p:nvPr/>
+          </p:nvCxnSpPr>
+          <p:spPr>
+            <a:xfrm rot="10800000">
+              <a:off x="5060950" y="1661981"/>
+              <a:ext cx="0" cy="231687"/>
+            </a:xfrm>
+            <a:prstGeom prst="line">
+              <a:avLst/>
+            </a:prstGeom>
+            <a:ln w="38100"/>
+          </p:spPr>
+          <p:style>
+            <a:lnRef idx="1">
+              <a:schemeClr val="accent1"/>
+            </a:lnRef>
+            <a:fillRef idx="0">
+              <a:schemeClr val="accent1"/>
+            </a:fillRef>
+            <a:effectRef idx="0">
+              <a:schemeClr val="accent1"/>
+            </a:effectRef>
+            <a:fontRef idx="minor">
+              <a:schemeClr val="tx1"/>
+            </a:fontRef>
+          </p:style>
+        </p:cxnSp>
+        <p:cxnSp>
+          <p:nvCxnSpPr>
+            <p:cNvPr id="96" name="直接连接符 95">
+              <a:extLst>
+                <a:ext uri="{FF2B5EF4-FFF2-40B4-BE49-F238E27FC236}">
+                  <a16:creationId xmlns:a16="http://schemas.microsoft.com/office/drawing/2014/main" id="{6D1706B8-F40E-8F24-8B76-9F2AD8E8237B}"/>
+                </a:ext>
+              </a:extLst>
+            </p:cNvPr>
+            <p:cNvCxnSpPr>
+              <a:cxnSpLocks/>
+            </p:cNvCxnSpPr>
+            <p:nvPr/>
+          </p:nvCxnSpPr>
+          <p:spPr>
+            <a:xfrm rot="10800000" flipH="1">
+              <a:off x="2752955" y="1661981"/>
+              <a:ext cx="2327046" cy="0"/>
+            </a:xfrm>
+            <a:prstGeom prst="line">
+              <a:avLst/>
+            </a:prstGeom>
+            <a:ln w="38100">
+              <a:headEnd type="triangle"/>
+            </a:ln>
+          </p:spPr>
+          <p:style>
+            <a:lnRef idx="1">
+              <a:schemeClr val="accent1"/>
+            </a:lnRef>
+            <a:fillRef idx="0">
+              <a:schemeClr val="accent1"/>
+            </a:fillRef>
+            <a:effectRef idx="0">
+              <a:schemeClr val="accent1"/>
+            </a:effectRef>
+            <a:fontRef idx="minor">
+              <a:schemeClr val="tx1"/>
+            </a:fontRef>
+          </p:style>
+        </p:cxnSp>
+      </p:grpSp>
+      <p:cxnSp>
+        <p:nvCxnSpPr>
+          <p:cNvPr id="100" name="直接连接符 99">
+            <a:extLst>
+              <a:ext uri="{FF2B5EF4-FFF2-40B4-BE49-F238E27FC236}">
+                <a16:creationId xmlns:a16="http://schemas.microsoft.com/office/drawing/2014/main" id="{05A5AD35-6612-61A3-8371-533A65DBB8BF}"/>
+              </a:ext>
+            </a:extLst>
+          </p:cNvPr>
+          <p:cNvCxnSpPr>
+            <a:cxnSpLocks/>
+          </p:cNvCxnSpPr>
+          <p:nvPr/>
+        </p:nvCxnSpPr>
+        <p:spPr>
+          <a:xfrm flipH="1" flipV="1">
+            <a:off x="4467427" y="3408955"/>
+            <a:ext cx="394565" cy="381162"/>
+          </a:xfrm>
+          <a:prstGeom prst="line">
+            <a:avLst/>
+          </a:prstGeom>
+        </p:spPr>
+        <p:style>
+          <a:lnRef idx="1">
+            <a:schemeClr val="dk1"/>
+          </a:lnRef>
+          <a:fillRef idx="0">
+            <a:schemeClr val="dk1"/>
+          </a:fillRef>
+          <a:effectRef idx="0">
+            <a:schemeClr val="dk1"/>
+          </a:effectRef>
+          <a:fontRef idx="minor">
+            <a:schemeClr val="tx1"/>
+          </a:fontRef>
+        </p:style>
+      </p:cxnSp>
+      <p:sp>
+        <p:nvSpPr>
+          <p:cNvPr id="104" name="文本框 103">
+            <a:extLst>
+              <a:ext uri="{FF2B5EF4-FFF2-40B4-BE49-F238E27FC236}">
+                <a16:creationId xmlns:a16="http://schemas.microsoft.com/office/drawing/2014/main" id="{27F42C94-18BB-331D-A211-446DE2E1B5D4}"/>
+              </a:ext>
+            </a:extLst>
+          </p:cNvPr>
+          <p:cNvSpPr txBox="1"/>
+          <p:nvPr/>
+        </p:nvSpPr>
+        <p:spPr>
+          <a:xfrm>
+            <a:off x="3742709" y="3102265"/>
+            <a:ext cx="1449436" cy="261610"/>
+          </a:xfrm>
+          <a:prstGeom prst="rect">
+            <a:avLst/>
+          </a:prstGeom>
+          <a:noFill/>
+        </p:spPr>
+        <p:txBody>
+          <a:bodyPr wrap="none" rtlCol="0">
+            <a:spAutoFit/>
+          </a:bodyPr>
+          <a:lstStyle/>
+          <a:p>
+            <a:r>
+              <a:rPr lang="en-US" altLang="zh-CN" sz="1100" dirty="0">
+                <a:latin typeface="Times New Roman" panose="02020603050405020304" pitchFamily="18" charset="0"/>
+                <a:cs typeface="Times New Roman" panose="02020603050405020304" pitchFamily="18" charset="0"/>
+              </a:rPr>
+              <a:t>Wait until B passes by</a:t>
+            </a:r>
+            <a:endParaRPr lang="zh-CN" altLang="en-US" sz="1100" dirty="0">
+              <a:latin typeface="Times New Roman" panose="02020603050405020304" pitchFamily="18" charset="0"/>
+              <a:cs typeface="Times New Roman" panose="02020603050405020304" pitchFamily="18" charset="0"/>
+            </a:endParaRPr>
+          </a:p>
+        </p:txBody>
+      </p:sp>
+    </p:spTree>
+    <p:extLst>
+      <p:ext uri="{BB962C8B-B14F-4D97-AF65-F5344CB8AC3E}">
+        <p14:creationId xmlns:p14="http://schemas.microsoft.com/office/powerpoint/2010/main" val="3703205194"/>
       </p:ext>
     </p:extLst>
   </p:cSld>
@@ -14874,7 +18119,7 @@
           <p:nvPr>
             <p:extLst>
               <p:ext uri="{D42A27DB-BD31-4B8C-83A1-F6EECF244321}">
-                <p14:modId xmlns:p14="http://schemas.microsoft.com/office/powerpoint/2010/main" val="3804476390"/>
+                <p14:modId xmlns:p14="http://schemas.microsoft.com/office/powerpoint/2010/main" val="669201236"/>
               </p:ext>
             </p:extLst>
           </p:nvPr>
@@ -18368,7 +21613,7 @@
           <p:nvPr>
             <p:extLst>
               <p:ext uri="{D42A27DB-BD31-4B8C-83A1-F6EECF244321}">
-                <p14:modId xmlns:p14="http://schemas.microsoft.com/office/powerpoint/2010/main" val="2048675176"/>
+                <p14:modId xmlns:p14="http://schemas.microsoft.com/office/powerpoint/2010/main" val="3987083861"/>
               </p:ext>
             </p:extLst>
           </p:nvPr>
